--- a/Talk/Thread Scheduler Efficiency Improvements.pptx
+++ b/Talk/Thread Scheduler Efficiency Improvements.pptx
@@ -6,19 +6,28 @@
   </p:sldMasterIdLst>
   <p:sldIdLst>
     <p:sldId id="256" r:id="rId2"/>
-    <p:sldId id="260" r:id="rId3"/>
-    <p:sldId id="257" r:id="rId4"/>
+    <p:sldId id="257" r:id="rId3"/>
+    <p:sldId id="260" r:id="rId4"/>
     <p:sldId id="258" r:id="rId5"/>
-    <p:sldId id="259" r:id="rId6"/>
-    <p:sldId id="263" r:id="rId7"/>
-    <p:sldId id="269" r:id="rId8"/>
-    <p:sldId id="266" r:id="rId9"/>
-    <p:sldId id="267" r:id="rId10"/>
-    <p:sldId id="268" r:id="rId11"/>
-    <p:sldId id="264" r:id="rId12"/>
-    <p:sldId id="262" r:id="rId13"/>
-    <p:sldId id="265" r:id="rId14"/>
-    <p:sldId id="261" r:id="rId15"/>
+    <p:sldId id="271" r:id="rId6"/>
+    <p:sldId id="259" r:id="rId7"/>
+    <p:sldId id="270" r:id="rId8"/>
+    <p:sldId id="273" r:id="rId9"/>
+    <p:sldId id="274" r:id="rId10"/>
+    <p:sldId id="275" r:id="rId11"/>
+    <p:sldId id="277" r:id="rId12"/>
+    <p:sldId id="278" r:id="rId13"/>
+    <p:sldId id="263" r:id="rId14"/>
+    <p:sldId id="269" r:id="rId15"/>
+    <p:sldId id="280" r:id="rId16"/>
+    <p:sldId id="266" r:id="rId17"/>
+    <p:sldId id="267" r:id="rId18"/>
+    <p:sldId id="268" r:id="rId19"/>
+    <p:sldId id="264" r:id="rId20"/>
+    <p:sldId id="262" r:id="rId21"/>
+    <p:sldId id="276" r:id="rId22"/>
+    <p:sldId id="265" r:id="rId23"/>
+    <p:sldId id="261" r:id="rId24"/>
   </p:sldIdLst>
   <p:sldSz cx="12192000" cy="6858000"/>
   <p:notesSz cx="6858000" cy="9144000"/>
@@ -123,20 +132,28 @@
         <p14:section name="Introduction" id="{53D6751A-4BBC-43ED-9CC9-6D8E4BF1B68B}">
           <p14:sldIdLst>
             <p14:sldId id="256"/>
+            <p14:sldId id="257"/>
             <p14:sldId id="260"/>
-            <p14:sldId id="257"/>
             <p14:sldId id="258"/>
+            <p14:sldId id="271"/>
           </p14:sldIdLst>
         </p14:section>
         <p14:section name="Background" id="{8E00A5A9-811E-4AD2-9E49-7F36F648BB12}">
           <p14:sldIdLst>
             <p14:sldId id="259"/>
+            <p14:sldId id="270"/>
+            <p14:sldId id="273"/>
+            <p14:sldId id="274"/>
+            <p14:sldId id="275"/>
+            <p14:sldId id="277"/>
+            <p14:sldId id="278"/>
           </p14:sldIdLst>
         </p14:section>
         <p14:section name="Thread Scheduling" id="{00CE1E52-3006-4789-85CF-82F6973EEF5D}">
           <p14:sldIdLst>
             <p14:sldId id="263"/>
             <p14:sldId id="269"/>
+            <p14:sldId id="280"/>
             <p14:sldId id="266"/>
             <p14:sldId id="267"/>
             <p14:sldId id="268"/>
@@ -153,7 +170,9 @@
           </p14:sldIdLst>
         </p14:section>
         <p14:section name="Shuffler" id="{1D1BDA72-031E-450A-B202-8386D7190F24}">
-          <p14:sldIdLst/>
+          <p14:sldIdLst>
+            <p14:sldId id="276"/>
+          </p14:sldIdLst>
         </p14:section>
         <p14:section name="FLSCHED" id="{F3678A86-281D-40AC-9C05-06E157C3E6A1}">
           <p14:sldIdLst/>
@@ -166,8 +185,15 @@
         </p14:section>
       </p14:sectionLst>
     </p:ext>
+    <p:ext uri="{EFAFB233-063F-42B5-8137-9DF3F51BA10A}">
+      <p15:sldGuideLst xmlns:p15="http://schemas.microsoft.com/office/powerpoint/2012/main"/>
+    </p:ext>
   </p:extLst>
 </p:presentation>
+</file>
+
+<file path=ppt/revisionInfo.xml><?xml version="1.0" encoding="utf-8"?>
+<p1510:revInfo xmlns:a="http://schemas.openxmlformats.org/drawingml/2006/main" xmlns:r="http://schemas.openxmlformats.org/officeDocument/2006/relationships" xmlns:p1510="http://schemas.microsoft.com/office/powerpoint/2015/10/main"/>
 </file>
 
 <file path=ppt/slideLayouts/slideLayout1.xml><?xml version="1.0" encoding="utf-8"?>
@@ -895,7 +921,7 @@
             <a:fld id="{B61BEF0D-F0BB-DE4B-95CE-6DB70DBA9567}" type="datetimeFigureOut">
               <a:rPr lang="en-US" dirty="0"/>
               <a:pPr/>
-              <a:t>10/18/2017</a:t>
+              <a:t>11/9/2017</a:t>
             </a:fld>
             <a:endParaRPr lang="en-US" dirty="0"/>
           </a:p>
@@ -1143,7 +1169,7 @@
             <a:fld id="{B61BEF0D-F0BB-DE4B-95CE-6DB70DBA9567}" type="datetimeFigureOut">
               <a:rPr lang="en-US" dirty="0"/>
               <a:pPr/>
-              <a:t>10/18/2017</a:t>
+              <a:t>11/9/2017</a:t>
             </a:fld>
             <a:endParaRPr lang="en-US" dirty="0"/>
           </a:p>
@@ -1454,7 +1480,7 @@
             <a:fld id="{B61BEF0D-F0BB-DE4B-95CE-6DB70DBA9567}" type="datetimeFigureOut">
               <a:rPr lang="en-US" dirty="0"/>
               <a:pPr/>
-              <a:t>10/18/2017</a:t>
+              <a:t>11/9/2017</a:t>
             </a:fld>
             <a:endParaRPr lang="en-US" dirty="0"/>
           </a:p>
@@ -1778,7 +1804,7 @@
             <a:fld id="{B61BEF0D-F0BB-DE4B-95CE-6DB70DBA9567}" type="datetimeFigureOut">
               <a:rPr lang="en-US" dirty="0"/>
               <a:pPr/>
-              <a:t>10/18/2017</a:t>
+              <a:t>11/9/2017</a:t>
             </a:fld>
             <a:endParaRPr lang="en-US" dirty="0"/>
           </a:p>
@@ -2089,7 +2115,7 @@
             <a:fld id="{B61BEF0D-F0BB-DE4B-95CE-6DB70DBA9567}" type="datetimeFigureOut">
               <a:rPr lang="en-US" dirty="0"/>
               <a:pPr/>
-              <a:t>10/18/2017</a:t>
+              <a:t>11/9/2017</a:t>
             </a:fld>
             <a:endParaRPr lang="en-US" dirty="0"/>
           </a:p>
@@ -2473,7 +2499,7 @@
             <a:fld id="{B61BEF0D-F0BB-DE4B-95CE-6DB70DBA9567}" type="datetimeFigureOut">
               <a:rPr lang="en-US" dirty="0"/>
               <a:pPr/>
-              <a:t>10/18/2017</a:t>
+              <a:t>11/9/2017</a:t>
             </a:fld>
             <a:endParaRPr lang="en-US" dirty="0"/>
           </a:p>
@@ -2639,7 +2665,7 @@
           <a:p>
             <a:fld id="{55C6B4A9-1611-4792-9094-5F34BCA07E0B}" type="datetimeFigureOut">
               <a:rPr lang="en-US" dirty="0"/>
-              <a:t>10/18/2017</a:t>
+              <a:t>11/9/2017</a:t>
             </a:fld>
             <a:endParaRPr lang="en-US" dirty="0"/>
           </a:p>
@@ -2815,7 +2841,7 @@
             <a:fld id="{B61BEF0D-F0BB-DE4B-95CE-6DB70DBA9567}" type="datetimeFigureOut">
               <a:rPr lang="en-US" dirty="0"/>
               <a:pPr/>
-              <a:t>10/18/2017</a:t>
+              <a:t>11/9/2017</a:t>
             </a:fld>
             <a:endParaRPr lang="en-US" dirty="0"/>
           </a:p>
@@ -2988,7 +3014,7 @@
             <a:fld id="{B61BEF0D-F0BB-DE4B-95CE-6DB70DBA9567}" type="datetimeFigureOut">
               <a:rPr lang="en-US" dirty="0"/>
               <a:pPr/>
-              <a:t>10/18/2017</a:t>
+              <a:t>11/9/2017</a:t>
             </a:fld>
             <a:endParaRPr lang="en-US" dirty="0"/>
           </a:p>
@@ -3232,7 +3258,7 @@
             <a:fld id="{B61BEF0D-F0BB-DE4B-95CE-6DB70DBA9567}" type="datetimeFigureOut">
               <a:rPr lang="en-US" dirty="0"/>
               <a:pPr/>
-              <a:t>10/18/2017</a:t>
+              <a:t>11/9/2017</a:t>
             </a:fld>
             <a:endParaRPr lang="en-US" dirty="0"/>
           </a:p>
@@ -3460,7 +3486,7 @@
           <a:p>
             <a:fld id="{EB712588-04B1-427B-82EE-E8DB90309F08}" type="datetimeFigureOut">
               <a:rPr lang="en-US" dirty="0"/>
-              <a:t>10/18/2017</a:t>
+              <a:t>11/9/2017</a:t>
             </a:fld>
             <a:endParaRPr lang="en-US" dirty="0"/>
           </a:p>
@@ -3830,7 +3856,7 @@
             <a:fld id="{B61BEF0D-F0BB-DE4B-95CE-6DB70DBA9567}" type="datetimeFigureOut">
               <a:rPr lang="en-US" dirty="0"/>
               <a:pPr/>
-              <a:t>10/18/2017</a:t>
+              <a:t>11/9/2017</a:t>
             </a:fld>
             <a:endParaRPr lang="en-US" dirty="0"/>
           </a:p>
@@ -3950,7 +3976,7 @@
             <a:fld id="{B61BEF0D-F0BB-DE4B-95CE-6DB70DBA9567}" type="datetimeFigureOut">
               <a:rPr lang="en-US" dirty="0"/>
               <a:pPr/>
-              <a:t>10/18/2017</a:t>
+              <a:t>11/9/2017</a:t>
             </a:fld>
             <a:endParaRPr lang="en-US" dirty="0"/>
           </a:p>
@@ -4042,7 +4068,7 @@
             <a:fld id="{B61BEF0D-F0BB-DE4B-95CE-6DB70DBA9567}" type="datetimeFigureOut">
               <a:rPr lang="en-US" dirty="0"/>
               <a:pPr/>
-              <a:t>10/18/2017</a:t>
+              <a:t>11/9/2017</a:t>
             </a:fld>
             <a:endParaRPr lang="en-US" dirty="0"/>
           </a:p>
@@ -4293,7 +4319,7 @@
           <a:p>
             <a:fld id="{42A54C80-263E-416B-A8E0-580EDEADCBDC}" type="datetimeFigureOut">
               <a:rPr lang="en-US" dirty="0"/>
-              <a:t>10/18/2017</a:t>
+              <a:t>11/9/2017</a:t>
             </a:fld>
             <a:endParaRPr lang="en-US" dirty="0"/>
           </a:p>
@@ -4552,7 +4578,7 @@
             <a:fld id="{B61BEF0D-F0BB-DE4B-95CE-6DB70DBA9567}" type="datetimeFigureOut">
               <a:rPr lang="en-US" dirty="0"/>
               <a:pPr/>
-              <a:t>10/18/2017</a:t>
+              <a:t>11/9/2017</a:t>
             </a:fld>
             <a:endParaRPr lang="en-US" dirty="0"/>
           </a:p>
@@ -5294,7 +5320,7 @@
             <a:fld id="{B61BEF0D-F0BB-DE4B-95CE-6DB70DBA9567}" type="datetimeFigureOut">
               <a:rPr lang="en-US" dirty="0"/>
               <a:pPr/>
-              <a:t>10/18/2017</a:t>
+              <a:t>11/9/2017</a:t>
             </a:fld>
             <a:endParaRPr lang="en-US" dirty="0"/>
           </a:p>
@@ -6236,7 +6262,7 @@
           <p:cNvPr id="2" name="Title 1">
             <a:extLst>
               <a:ext uri="{FF2B5EF4-FFF2-40B4-BE49-F238E27FC236}">
-                <a16:creationId xmlns:a16="http://schemas.microsoft.com/office/drawing/2014/main" id="{5AC9455C-C24E-46B5-8157-7C60F65C59DC}"/>
+                <a16:creationId xmlns:a16="http://schemas.microsoft.com/office/drawing/2014/main" id="{5BDA6342-AA3A-46B0-ACBB-BB87A6998B4F}"/>
               </a:ext>
             </a:extLst>
           </p:cNvPr>
@@ -6247,72 +6273,63 @@
             <p:ph type="title"/>
           </p:nvPr>
         </p:nvSpPr>
-        <p:spPr/>
+        <p:spPr>
+          <a:xfrm>
+            <a:off x="368750" y="299049"/>
+            <a:ext cx="8596668" cy="1320800"/>
+          </a:xfrm>
+        </p:spPr>
         <p:txBody>
           <a:bodyPr/>
           <a:lstStyle/>
           <a:p>
             <a:r>
               <a:rPr lang="en-US" dirty="0"/>
-              <a:t>Multiple </a:t>
-            </a:r>
-            <a:r>
-              <a:rPr lang="en-US" dirty="0" err="1"/>
-              <a:t>Runqueues</a:t>
-            </a:r>
-            <a:endParaRPr lang="en-US" dirty="0"/>
-          </a:p>
-        </p:txBody>
-      </p:sp>
-      <p:sp>
-        <p:nvSpPr>
-          <p:cNvPr id="3" name="Content Placeholder 2">
+              <a:t>Race Condition (example)</a:t>
+            </a:r>
+          </a:p>
+        </p:txBody>
+      </p:sp>
+      <p:pic>
+        <p:nvPicPr>
+          <p:cNvPr id="8" name="Graphic 7">
             <a:extLst>
               <a:ext uri="{FF2B5EF4-FFF2-40B4-BE49-F238E27FC236}">
-                <a16:creationId xmlns:a16="http://schemas.microsoft.com/office/drawing/2014/main" id="{FEED6BAF-D70D-4353-A488-83A8AC526FA7}"/>
+                <a16:creationId xmlns:a16="http://schemas.microsoft.com/office/drawing/2014/main" id="{7C06A372-4100-4967-9614-1E91A07B7FBD}"/>
               </a:ext>
             </a:extLst>
           </p:cNvPr>
-          <p:cNvSpPr>
-            <a:spLocks noGrp="1"/>
-          </p:cNvSpPr>
-          <p:nvPr>
-            <p:ph idx="1"/>
-          </p:nvPr>
-        </p:nvSpPr>
-        <p:spPr/>
-        <p:txBody>
-          <a:bodyPr/>
-          <a:lstStyle/>
-          <a:p>
-            <a:r>
-              <a:rPr lang="en-US" dirty="0"/>
-              <a:t>Context Switching is expensive across cores</a:t>
-            </a:r>
-          </a:p>
-          <a:p>
-            <a:r>
-              <a:rPr lang="en-US" dirty="0"/>
-              <a:t>Multicore systems need multiple </a:t>
-            </a:r>
-            <a:r>
-              <a:rPr lang="en-US" dirty="0" err="1"/>
-              <a:t>runqueues</a:t>
-            </a:r>
-            <a:r>
-              <a:rPr lang="en-US" dirty="0"/>
-              <a:t> to minimize context switches</a:t>
-            </a:r>
-          </a:p>
-          <a:p>
-            <a:endParaRPr lang="en-US" dirty="0"/>
-          </a:p>
-        </p:txBody>
-      </p:sp>
+          <p:cNvPicPr>
+            <a:picLocks noChangeAspect="1"/>
+          </p:cNvPicPr>
+          <p:nvPr/>
+        </p:nvPicPr>
+        <p:blipFill>
+          <a:blip r:embed="rId2">
+            <a:extLst>
+              <a:ext uri="{96DAC541-7B7A-43D3-8B79-37D633B846F1}">
+                <asvg:svgBlip xmlns:asvg="http://schemas.microsoft.com/office/drawing/2016/SVG/main" r:embed="rId3"/>
+              </a:ext>
+            </a:extLst>
+          </a:blip>
+          <a:stretch>
+            <a:fillRect/>
+          </a:stretch>
+        </p:blipFill>
+        <p:spPr>
+          <a:xfrm>
+            <a:off x="2005065" y="959449"/>
+            <a:ext cx="6719806" cy="5762625"/>
+          </a:xfrm>
+          <a:prstGeom prst="rect">
+            <a:avLst/>
+          </a:prstGeom>
+        </p:spPr>
+      </p:pic>
     </p:spTree>
     <p:extLst>
       <p:ext uri="{BB962C8B-B14F-4D97-AF65-F5344CB8AC3E}">
-        <p14:creationId xmlns:p14="http://schemas.microsoft.com/office/powerpoint/2010/main" val="324779882"/>
+        <p14:creationId xmlns:p14="http://schemas.microsoft.com/office/powerpoint/2010/main" val="1959920987"/>
       </p:ext>
     </p:extLst>
   </p:cSld>
@@ -6341,10 +6358,10 @@
       </p:grpSpPr>
       <p:sp>
         <p:nvSpPr>
-          <p:cNvPr id="2" name="Title 1">
+          <p:cNvPr id="3" name="Content Placeholder 2">
             <a:extLst>
               <a:ext uri="{FF2B5EF4-FFF2-40B4-BE49-F238E27FC236}">
-                <a16:creationId xmlns:a16="http://schemas.microsoft.com/office/drawing/2014/main" id="{BDD0509A-6666-45C3-8F03-D2600104FFEE}"/>
+                <a16:creationId xmlns:a16="http://schemas.microsoft.com/office/drawing/2014/main" id="{D83E9CED-5A39-49BF-9563-8FD5937C2082}"/>
               </a:ext>
             </a:extLst>
           </p:cNvPr>
@@ -6352,27 +6369,159 @@
             <a:spLocks noGrp="1"/>
           </p:cNvSpPr>
           <p:nvPr>
-            <p:ph type="title"/>
-          </p:nvPr>
-        </p:nvSpPr>
-        <p:spPr/>
-        <p:txBody>
-          <a:bodyPr/>
-          <a:lstStyle/>
-          <a:p>
-            <a:r>
-              <a:rPr lang="en-US" dirty="0"/>
-              <a:t>Outline</a:t>
-            </a:r>
-          </a:p>
-        </p:txBody>
-      </p:sp>
-      <p:sp>
-        <p:nvSpPr>
-          <p:cNvPr id="3" name="Content Placeholder 2">
+            <p:ph idx="1"/>
+          </p:nvPr>
+        </p:nvSpPr>
+        <p:spPr>
+          <a:xfrm>
+            <a:off x="592114" y="1242391"/>
+            <a:ext cx="8603644" cy="4591877"/>
+          </a:xfrm>
+        </p:spPr>
+        <p:txBody>
+          <a:bodyPr>
+            <a:normAutofit/>
+          </a:bodyPr>
+          <a:lstStyle/>
+          <a:p>
+            <a:r>
+              <a:rPr lang="en-US" dirty="0">
+                <a:solidFill>
+                  <a:schemeClr val="accent2">
+                    <a:lumMod val="60000"/>
+                    <a:lumOff val="40000"/>
+                  </a:schemeClr>
+                </a:solidFill>
+              </a:rPr>
+              <a:t>Synchronicity</a:t>
+            </a:r>
+            <a:r>
+              <a:rPr lang="en-US" dirty="0"/>
+              <a:t> can achieved by employing </a:t>
+            </a:r>
+            <a:r>
+              <a:rPr lang="en-US" dirty="0">
+                <a:solidFill>
+                  <a:schemeClr val="tx1"/>
+                </a:solidFill>
+              </a:rPr>
+              <a:t>locks</a:t>
+            </a:r>
+          </a:p>
+          <a:p>
+            <a:r>
+              <a:rPr lang="en-US" dirty="0"/>
+              <a:t>When locks are used properly, they fix race conditions</a:t>
+            </a:r>
+          </a:p>
+          <a:p>
+            <a:pPr lvl="1"/>
+            <a:r>
+              <a:rPr lang="en-US" dirty="0"/>
+              <a:t>(Does this count for all abstract “systems”? Does it fix all types of race conditions? The abstract “lock” is engineered to solve race conditions for an abstract “system” right?)</a:t>
+            </a:r>
+          </a:p>
+          <a:p>
+            <a:r>
+              <a:rPr lang="en-US" dirty="0">
+                <a:solidFill>
+                  <a:schemeClr val="accent2">
+                    <a:lumMod val="60000"/>
+                    <a:lumOff val="40000"/>
+                  </a:schemeClr>
+                </a:solidFill>
+              </a:rPr>
+              <a:t>Locks</a:t>
+            </a:r>
+            <a:r>
+              <a:rPr lang="en-US" dirty="0"/>
+              <a:t> are effectively </a:t>
+            </a:r>
+            <a:r>
+              <a:rPr lang="en-US" dirty="0" err="1"/>
+              <a:t>booleans</a:t>
+            </a:r>
+            <a:r>
+              <a:rPr lang="en-US" dirty="0"/>
+              <a:t> that are set when using objects or data shared between threads</a:t>
+            </a:r>
+          </a:p>
+          <a:p>
+            <a:r>
+              <a:rPr lang="en-US" dirty="0"/>
+              <a:t>When a thread sets a lock to </a:t>
+            </a:r>
+            <a:r>
+              <a:rPr lang="en-US" i="1" dirty="0"/>
+              <a:t>locked</a:t>
+            </a:r>
+            <a:r>
+              <a:rPr lang="en-US" dirty="0"/>
+              <a:t>, that thread </a:t>
+            </a:r>
+            <a:r>
+              <a:rPr lang="en-US" dirty="0">
+                <a:solidFill>
+                  <a:schemeClr val="accent2">
+                    <a:lumMod val="60000"/>
+                    <a:lumOff val="40000"/>
+                  </a:schemeClr>
+                </a:solidFill>
+              </a:rPr>
+              <a:t>“acquires”</a:t>
+            </a:r>
+            <a:r>
+              <a:rPr lang="en-US" dirty="0"/>
+              <a:t> the lock</a:t>
+            </a:r>
+          </a:p>
+          <a:p>
+            <a:r>
+              <a:rPr lang="en-US" dirty="0"/>
+              <a:t>When a thread unlocks a lock, that thread </a:t>
+            </a:r>
+            <a:r>
+              <a:rPr lang="en-US" dirty="0">
+                <a:solidFill>
+                  <a:schemeClr val="accent2">
+                    <a:lumMod val="60000"/>
+                    <a:lumOff val="40000"/>
+                  </a:schemeClr>
+                </a:solidFill>
+              </a:rPr>
+              <a:t>“releases”</a:t>
+            </a:r>
+            <a:r>
+              <a:rPr lang="en-US" dirty="0"/>
+              <a:t> the lock</a:t>
+            </a:r>
+          </a:p>
+          <a:p>
+            <a:endParaRPr lang="en-US" dirty="0"/>
+          </a:p>
+          <a:p>
+            <a:endParaRPr lang="en-US" dirty="0"/>
+          </a:p>
+          <a:p>
+            <a:endParaRPr lang="en-US" dirty="0"/>
+          </a:p>
+          <a:p>
+            <a:endParaRPr lang="en-US" dirty="0"/>
+          </a:p>
+          <a:p>
+            <a:endParaRPr lang="en-US" dirty="0"/>
+          </a:p>
+          <a:p>
+            <a:endParaRPr lang="en-US" dirty="0"/>
+          </a:p>
+        </p:txBody>
+      </p:sp>
+      <p:sp>
+        <p:nvSpPr>
+          <p:cNvPr id="15" name="Title 14">
             <a:extLst>
               <a:ext uri="{FF2B5EF4-FFF2-40B4-BE49-F238E27FC236}">
-                <a16:creationId xmlns:a16="http://schemas.microsoft.com/office/drawing/2014/main" id="{5D73516D-08C5-41D9-94BA-396221B63085}"/>
+                <a16:creationId xmlns:a16="http://schemas.microsoft.com/office/drawing/2014/main" id="{DD5971B8-AEDF-4A4F-A785-3ABA81D954C9}"/>
               </a:ext>
             </a:extLst>
           </p:cNvPr>
@@ -6380,66 +6529,24 @@
             <a:spLocks noGrp="1"/>
           </p:cNvSpPr>
           <p:nvPr>
-            <p:ph idx="1"/>
-          </p:nvPr>
-        </p:nvSpPr>
-        <p:spPr/>
-        <p:txBody>
-          <a:bodyPr/>
-          <a:lstStyle/>
-          <a:p>
-            <a:r>
-              <a:rPr lang="en-US" dirty="0">
-                <a:solidFill>
-                  <a:schemeClr val="accent1">
-                    <a:lumMod val="75000"/>
-                  </a:schemeClr>
-                </a:solidFill>
-              </a:rPr>
-              <a:t>Establish needed concepts</a:t>
-            </a:r>
-          </a:p>
-          <a:p>
-            <a:r>
-              <a:rPr lang="en-US" dirty="0">
-                <a:solidFill>
-                  <a:schemeClr val="accent1">
-                    <a:lumMod val="75000"/>
-                  </a:schemeClr>
-                </a:solidFill>
-              </a:rPr>
-              <a:t>Thread scheduling and thread load-balancing on Linux</a:t>
-            </a:r>
-          </a:p>
-          <a:p>
-            <a:r>
-              <a:rPr lang="en-US" dirty="0">
-                <a:solidFill>
-                  <a:schemeClr val="tx1"/>
-                </a:solidFill>
-              </a:rPr>
-              <a:t>Bug fixes and new developments to the Linux thread scheduler</a:t>
-            </a:r>
-          </a:p>
-          <a:p>
-            <a:pPr lvl="1"/>
-            <a:r>
-              <a:rPr lang="en-US" dirty="0"/>
-              <a:t>Four bugs found within current implementation of CFS</a:t>
-            </a:r>
-          </a:p>
-          <a:p>
-            <a:pPr lvl="1"/>
-            <a:r>
-              <a:rPr lang="en-US" dirty="0"/>
-              <a:t>FLSCHED: The lockless thread scheduler</a:t>
-            </a:r>
-          </a:p>
-          <a:p>
-            <a:pPr lvl="1"/>
-            <a:r>
-              <a:rPr lang="en-US" dirty="0"/>
-              <a:t>Shuffler: Cache locality improvements via thread migration</a:t>
+            <p:ph type="title"/>
+          </p:nvPr>
+        </p:nvSpPr>
+        <p:spPr>
+          <a:xfrm>
+            <a:off x="677333" y="609600"/>
+            <a:ext cx="4878077" cy="632791"/>
+          </a:xfrm>
+        </p:spPr>
+        <p:txBody>
+          <a:bodyPr>
+            <a:normAutofit fontScale="90000"/>
+          </a:bodyPr>
+          <a:lstStyle/>
+          <a:p>
+            <a:r>
+              <a:rPr lang="en-US" dirty="0"/>
+              <a:t>Synchronicity and Locks</a:t>
             </a:r>
           </a:p>
         </p:txBody>
@@ -6447,7 +6554,7 @@
     </p:spTree>
     <p:extLst>
       <p:ext uri="{BB962C8B-B14F-4D97-AF65-F5344CB8AC3E}">
-        <p14:creationId xmlns:p14="http://schemas.microsoft.com/office/powerpoint/2010/main" val="2043729067"/>
+        <p14:creationId xmlns:p14="http://schemas.microsoft.com/office/powerpoint/2010/main" val="2481929479"/>
       </p:ext>
     </p:extLst>
   </p:cSld>
@@ -6479,7 +6586,7 @@
           <p:cNvPr id="2" name="Title 1">
             <a:extLst>
               <a:ext uri="{FF2B5EF4-FFF2-40B4-BE49-F238E27FC236}">
-                <a16:creationId xmlns:a16="http://schemas.microsoft.com/office/drawing/2014/main" id="{0010AE82-4563-4896-9624-FF29FC57A3EB}"/>
+                <a16:creationId xmlns:a16="http://schemas.microsoft.com/office/drawing/2014/main" id="{F1A1A222-0E29-4B18-A826-07D230EC8EC5}"/>
               </a:ext>
             </a:extLst>
           </p:cNvPr>
@@ -6490,44 +6597,63 @@
             <p:ph type="title"/>
           </p:nvPr>
         </p:nvSpPr>
-        <p:spPr/>
+        <p:spPr>
+          <a:xfrm>
+            <a:off x="591069" y="454325"/>
+            <a:ext cx="8596668" cy="1320800"/>
+          </a:xfrm>
+        </p:spPr>
         <p:txBody>
           <a:bodyPr/>
           <a:lstStyle/>
           <a:p>
-            <a:endParaRPr lang="en-US"/>
-          </a:p>
-        </p:txBody>
-      </p:sp>
-      <p:sp>
-        <p:nvSpPr>
-          <p:cNvPr id="3" name="Content Placeholder 2">
+            <a:r>
+              <a:rPr lang="en-US" dirty="0"/>
+              <a:t>Lock Example</a:t>
+            </a:r>
+          </a:p>
+        </p:txBody>
+      </p:sp>
+      <p:pic>
+        <p:nvPicPr>
+          <p:cNvPr id="11" name="Graphic 10">
             <a:extLst>
               <a:ext uri="{FF2B5EF4-FFF2-40B4-BE49-F238E27FC236}">
-                <a16:creationId xmlns:a16="http://schemas.microsoft.com/office/drawing/2014/main" id="{57A4FE7C-4BD5-4E49-8853-430E429FBFD3}"/>
+                <a16:creationId xmlns:a16="http://schemas.microsoft.com/office/drawing/2014/main" id="{A1DA255A-6461-4F10-A960-36AECC00CFFB}"/>
               </a:ext>
             </a:extLst>
           </p:cNvPr>
-          <p:cNvSpPr>
-            <a:spLocks noGrp="1"/>
-          </p:cNvSpPr>
-          <p:nvPr>
-            <p:ph idx="1"/>
-          </p:nvPr>
-        </p:nvSpPr>
-        <p:spPr/>
-        <p:txBody>
-          <a:bodyPr/>
-          <a:lstStyle/>
-          <a:p>
-            <a:endParaRPr lang="en-US"/>
-          </a:p>
-        </p:txBody>
-      </p:sp>
+          <p:cNvPicPr>
+            <a:picLocks noChangeAspect="1"/>
+          </p:cNvPicPr>
+          <p:nvPr/>
+        </p:nvPicPr>
+        <p:blipFill>
+          <a:blip r:embed="rId2">
+            <a:extLst>
+              <a:ext uri="{96DAC541-7B7A-43D3-8B79-37D633B846F1}">
+                <asvg:svgBlip xmlns:asvg="http://schemas.microsoft.com/office/drawing/2016/SVG/main" r:embed="rId3"/>
+              </a:ext>
+            </a:extLst>
+          </a:blip>
+          <a:stretch>
+            <a:fillRect/>
+          </a:stretch>
+        </p:blipFill>
+        <p:spPr>
+          <a:xfrm>
+            <a:off x="1777819" y="1114725"/>
+            <a:ext cx="6223168" cy="5633788"/>
+          </a:xfrm>
+          <a:prstGeom prst="rect">
+            <a:avLst/>
+          </a:prstGeom>
+        </p:spPr>
+      </p:pic>
     </p:spTree>
     <p:extLst>
       <p:ext uri="{BB962C8B-B14F-4D97-AF65-F5344CB8AC3E}">
-        <p14:creationId xmlns:p14="http://schemas.microsoft.com/office/powerpoint/2010/main" val="3729969146"/>
+        <p14:creationId xmlns:p14="http://schemas.microsoft.com/office/powerpoint/2010/main" val="475621101"/>
       </p:ext>
     </p:extLst>
   </p:cSld>
@@ -6559,7 +6685,7 @@
           <p:cNvPr id="2" name="Title 1">
             <a:extLst>
               <a:ext uri="{FF2B5EF4-FFF2-40B4-BE49-F238E27FC236}">
-                <a16:creationId xmlns:a16="http://schemas.microsoft.com/office/drawing/2014/main" id="{F95B23F0-1EE8-4BD1-B189-337575BC67EE}"/>
+                <a16:creationId xmlns:a16="http://schemas.microsoft.com/office/drawing/2014/main" id="{BDD0509A-6666-45C3-8F03-D2600104FFEE}"/>
               </a:ext>
             </a:extLst>
           </p:cNvPr>
@@ -6577,7 +6703,7 @@
           <a:p>
             <a:r>
               <a:rPr lang="en-US" dirty="0"/>
-              <a:t>Conclusions</a:t>
+              <a:t>Outline</a:t>
             </a:r>
           </a:p>
         </p:txBody>
@@ -6587,7 +6713,7 @@
           <p:cNvPr id="3" name="Content Placeholder 2">
             <a:extLst>
               <a:ext uri="{FF2B5EF4-FFF2-40B4-BE49-F238E27FC236}">
-                <a16:creationId xmlns:a16="http://schemas.microsoft.com/office/drawing/2014/main" id="{BC507F40-A0C7-41CB-9B1E-2E110A1FA36B}"/>
+                <a16:creationId xmlns:a16="http://schemas.microsoft.com/office/drawing/2014/main" id="{5D73516D-08C5-41D9-94BA-396221B63085}"/>
               </a:ext>
             </a:extLst>
           </p:cNvPr>
@@ -6603,14 +6729,86 @@
           <a:bodyPr/>
           <a:lstStyle/>
           <a:p>
-            <a:endParaRPr lang="en-US"/>
+            <a:r>
+              <a:rPr lang="en-US" dirty="0">
+                <a:solidFill>
+                  <a:schemeClr val="accent1">
+                    <a:lumMod val="75000"/>
+                  </a:schemeClr>
+                </a:solidFill>
+              </a:rPr>
+              <a:t>Establish needed concepts</a:t>
+            </a:r>
+          </a:p>
+          <a:p>
+            <a:r>
+              <a:rPr lang="en-US" dirty="0">
+                <a:solidFill>
+                  <a:schemeClr val="tx1"/>
+                </a:solidFill>
+              </a:rPr>
+              <a:t>Thread scheduling and load-balancing on Linux</a:t>
+            </a:r>
+          </a:p>
+          <a:p>
+            <a:pPr lvl="1"/>
+            <a:r>
+              <a:rPr lang="en-US" dirty="0">
+                <a:solidFill>
+                  <a:schemeClr val="tx1"/>
+                </a:solidFill>
+              </a:rPr>
+              <a:t>Completely Fair Scheduler (CFS)</a:t>
+            </a:r>
+          </a:p>
+          <a:p>
+            <a:pPr lvl="1"/>
+            <a:r>
+              <a:rPr lang="en-US" dirty="0">
+                <a:solidFill>
+                  <a:schemeClr val="tx1"/>
+                </a:solidFill>
+              </a:rPr>
+              <a:t>Cache and Scheduling Domains</a:t>
+            </a:r>
+          </a:p>
+          <a:p>
+            <a:pPr lvl="1"/>
+            <a:r>
+              <a:rPr lang="en-US" dirty="0">
+                <a:solidFill>
+                  <a:schemeClr val="tx1"/>
+                </a:solidFill>
+              </a:rPr>
+              <a:t>Load Balance algorithm for the CFS</a:t>
+            </a:r>
+          </a:p>
+          <a:p>
+            <a:r>
+              <a:rPr lang="en-US" dirty="0">
+                <a:solidFill>
+                  <a:schemeClr val="accent1">
+                    <a:lumMod val="75000"/>
+                  </a:schemeClr>
+                </a:solidFill>
+              </a:rPr>
+              <a:t>Bug fixes and two new developments to the Linux thread scheduler</a:t>
+            </a:r>
+          </a:p>
+          <a:p>
+            <a:pPr lvl="1"/>
+            <a:endParaRPr lang="en-US" dirty="0"/>
+          </a:p>
+          <a:p>
+            <a:pPr lvl="2"/>
+            <a:endParaRPr lang="en-US" dirty="0"/>
           </a:p>
         </p:txBody>
       </p:sp>
     </p:spTree>
     <p:extLst>
       <p:ext uri="{BB962C8B-B14F-4D97-AF65-F5344CB8AC3E}">
-        <p14:creationId xmlns:p14="http://schemas.microsoft.com/office/powerpoint/2010/main" val="991287881"/>
+        <p14:creationId xmlns:p14="http://schemas.microsoft.com/office/powerpoint/2010/main" val="3175680182"/>
       </p:ext>
     </p:extLst>
   </p:cSld>
@@ -6642,7 +6840,7 @@
           <p:cNvPr id="2" name="Title 1">
             <a:extLst>
               <a:ext uri="{FF2B5EF4-FFF2-40B4-BE49-F238E27FC236}">
-                <a16:creationId xmlns:a16="http://schemas.microsoft.com/office/drawing/2014/main" id="{66071387-2664-4BBA-A1B9-717F5F04EC6B}"/>
+                <a16:creationId xmlns:a16="http://schemas.microsoft.com/office/drawing/2014/main" id="{EEB5F2EC-4AE3-4FB5-B1B5-9D6102455DBF}"/>
               </a:ext>
             </a:extLst>
           </p:cNvPr>
@@ -6653,19 +6851,14 @@
             <p:ph type="title"/>
           </p:nvPr>
         </p:nvSpPr>
-        <p:spPr>
-          <a:xfrm>
-            <a:off x="677334" y="362465"/>
-            <a:ext cx="8596668" cy="1320800"/>
-          </a:xfrm>
-        </p:spPr>
+        <p:spPr/>
         <p:txBody>
           <a:bodyPr/>
           <a:lstStyle/>
           <a:p>
             <a:r>
               <a:rPr lang="en-US" dirty="0"/>
-              <a:t>References</a:t>
+              <a:t>Completely Fair Scheduler (CFS)</a:t>
             </a:r>
           </a:p>
         </p:txBody>
@@ -6675,7 +6868,7 @@
           <p:cNvPr id="3" name="Content Placeholder 2">
             <a:extLst>
               <a:ext uri="{FF2B5EF4-FFF2-40B4-BE49-F238E27FC236}">
-                <a16:creationId xmlns:a16="http://schemas.microsoft.com/office/drawing/2014/main" id="{1C7F16B6-7206-424A-BAFA-39935C7949CC}"/>
+                <a16:creationId xmlns:a16="http://schemas.microsoft.com/office/drawing/2014/main" id="{0C32515D-2D7F-4F44-8E64-A7E3EB354FA4}"/>
               </a:ext>
             </a:extLst>
           </p:cNvPr>
@@ -6688,287 +6881,93 @@
         </p:nvSpPr>
         <p:spPr>
           <a:xfrm>
-            <a:off x="677334" y="1466335"/>
-            <a:ext cx="8596668" cy="5067816"/>
+            <a:off x="677334" y="2160589"/>
+            <a:ext cx="8596668" cy="4165396"/>
           </a:xfrm>
         </p:spPr>
         <p:txBody>
           <a:bodyPr/>
           <a:lstStyle/>
           <a:p>
-            <a:pPr>
-              <a:buFont typeface="+mj-lt"/>
-              <a:buAutoNum type="arabicPeriod"/>
+            <a:r>
+              <a:rPr lang="en-US" dirty="0"/>
+              <a:t>Default Linux Thread Scheduler (there are others)</a:t>
+            </a:r>
+          </a:p>
+          <a:p>
+            <a:r>
+              <a:rPr lang="en-US" dirty="0"/>
+              <a:t>Handles which threads are executed at what times and on which CPU cores</a:t>
+            </a:r>
+          </a:p>
+          <a:p>
+            <a:r>
+              <a:rPr lang="en-US" dirty="0"/>
+              <a:t>Spend a </a:t>
+            </a:r>
+            <a:r>
+              <a:rPr lang="en-US" i="1" dirty="0"/>
+              <a:t>fair</a:t>
+            </a:r>
+            <a:r>
+              <a:rPr lang="en-US" dirty="0"/>
+              <a:t> amount of runtime on all threads</a:t>
+            </a:r>
+          </a:p>
+          <a:p>
+            <a:pPr marL="0" indent="0">
+              <a:buNone/>
             </a:pPr>
+            <a:endParaRPr lang="en-US" dirty="0"/>
+          </a:p>
+          <a:p>
+            <a:r>
+              <a:rPr lang="en-US" dirty="0"/>
+              <a:t>The CFS implementation is simple for a single-core system</a:t>
+            </a:r>
+          </a:p>
+          <a:p>
+            <a:r>
+              <a:rPr lang="en-US" dirty="0"/>
+              <a:t>For now, let’s assume one single core CPU</a:t>
+            </a:r>
+          </a:p>
+          <a:p>
+            <a:endParaRPr lang="en-US" dirty="0"/>
+          </a:p>
+          <a:p>
+            <a:r>
+              <a:rPr lang="en-US" dirty="0"/>
+              <a:t>The scheduler switches active threads by saving and restoring thread and processor state information.</a:t>
+            </a:r>
+          </a:p>
+          <a:p>
+            <a:r>
+              <a:rPr lang="en-US" dirty="0"/>
+              <a:t>Switching active threads and processes are called </a:t>
+            </a:r>
             <a:r>
               <a:rPr lang="en-US" dirty="0">
                 <a:solidFill>
-                  <a:schemeClr val="accent1">
-                    <a:lumMod val="40000"/>
-                    <a:lumOff val="60000"/>
-                  </a:schemeClr>
-                </a:solidFill>
-              </a:rPr>
-              <a:t>K. Kumar, P. Rajiv, G. Laxmi, and N. </a:t>
-            </a:r>
-            <a:r>
-              <a:rPr lang="en-US" dirty="0" err="1">
-                <a:solidFill>
-                  <a:schemeClr val="accent1">
-                    <a:lumMod val="40000"/>
-                    <a:lumOff val="60000"/>
-                  </a:schemeClr>
-                </a:solidFill>
-              </a:rPr>
-              <a:t>Bhuyan</a:t>
-            </a:r>
-            <a:r>
-              <a:rPr lang="en-US" dirty="0">
-                <a:solidFill>
-                  <a:schemeClr val="accent1">
-                    <a:lumMod val="40000"/>
-                    <a:lumOff val="60000"/>
-                  </a:schemeClr>
-                </a:solidFill>
-              </a:rPr>
-              <a:t>.</a:t>
-            </a:r>
-            <a:br>
-              <a:rPr lang="en-US" dirty="0">
-                <a:solidFill>
-                  <a:schemeClr val="accent1">
-                    <a:lumMod val="40000"/>
-                    <a:lumOff val="60000"/>
-                  </a:schemeClr>
-                </a:solidFill>
-              </a:rPr>
-            </a:br>
-            <a:r>
-              <a:rPr lang="en-US" dirty="0"/>
-              <a:t>Shuffling: A framework for lock contention aware thread scheduling for multicore multiprocessor systems.</a:t>
-            </a:r>
-            <a:br>
-              <a:rPr lang="en-US" dirty="0"/>
-            </a:br>
-            <a:r>
-              <a:rPr lang="en-US" dirty="0">
-                <a:solidFill>
-                  <a:schemeClr val="accent1">
+                  <a:schemeClr val="accent2">
                     <a:lumMod val="60000"/>
                     <a:lumOff val="40000"/>
                   </a:schemeClr>
                 </a:solidFill>
               </a:rPr>
-              <a:t>In 2014 23rd International Conference on Parallel Architecture and Compilation Techniques (PACT), pages 289–300, Aug 2014.</a:t>
-            </a:r>
-          </a:p>
-          <a:p>
-            <a:pPr>
-              <a:buFont typeface="+mj-lt"/>
-              <a:buAutoNum type="arabicPeriod"/>
-            </a:pPr>
-            <a:r>
-              <a:rPr lang="en-US" dirty="0">
-                <a:solidFill>
-                  <a:schemeClr val="accent1">
-                    <a:lumMod val="40000"/>
-                    <a:lumOff val="60000"/>
-                  </a:schemeClr>
-                </a:solidFill>
-              </a:rPr>
-              <a:t>J.-P. </a:t>
-            </a:r>
-            <a:r>
-              <a:rPr lang="en-US" dirty="0" err="1">
-                <a:solidFill>
-                  <a:schemeClr val="accent1">
-                    <a:lumMod val="40000"/>
-                    <a:lumOff val="60000"/>
-                  </a:schemeClr>
-                </a:solidFill>
-              </a:rPr>
-              <a:t>Lozi</a:t>
-            </a:r>
-            <a:r>
-              <a:rPr lang="en-US" dirty="0">
-                <a:solidFill>
-                  <a:schemeClr val="accent1">
-                    <a:lumMod val="40000"/>
-                    <a:lumOff val="60000"/>
-                  </a:schemeClr>
-                </a:solidFill>
-              </a:rPr>
-              <a:t>, B. Lepers, J. Funston, F. Gaud, V. </a:t>
-            </a:r>
-            <a:r>
-              <a:rPr lang="en-US" dirty="0" err="1">
-                <a:solidFill>
-                  <a:schemeClr val="accent1">
-                    <a:lumMod val="40000"/>
-                    <a:lumOff val="60000"/>
-                  </a:schemeClr>
-                </a:solidFill>
-              </a:rPr>
-              <a:t>Quéma</a:t>
-            </a:r>
-            <a:r>
-              <a:rPr lang="en-US" dirty="0">
-                <a:solidFill>
-                  <a:schemeClr val="accent1">
-                    <a:lumMod val="40000"/>
-                    <a:lumOff val="60000"/>
-                  </a:schemeClr>
-                </a:solidFill>
-              </a:rPr>
-              <a:t>, and A. </a:t>
-            </a:r>
-            <a:r>
-              <a:rPr lang="en-US" dirty="0" err="1">
-                <a:solidFill>
-                  <a:schemeClr val="accent1">
-                    <a:lumMod val="40000"/>
-                    <a:lumOff val="60000"/>
-                  </a:schemeClr>
-                </a:solidFill>
-              </a:rPr>
-              <a:t>Fedorova</a:t>
-            </a:r>
-            <a:r>
-              <a:rPr lang="en-US" dirty="0">
-                <a:solidFill>
-                  <a:schemeClr val="accent1">
-                    <a:lumMod val="40000"/>
-                    <a:lumOff val="60000"/>
-                  </a:schemeClr>
-                </a:solidFill>
-              </a:rPr>
+              <a:t>context switches</a:t>
+            </a:r>
+            <a:r>
+              <a:rPr lang="en-US" dirty="0"/>
               <a:t>.</a:t>
             </a:r>
-            <a:br>
-              <a:rPr lang="en-US" dirty="0"/>
-            </a:br>
-            <a:r>
-              <a:rPr lang="en-US" dirty="0"/>
-              <a:t>The </a:t>
-            </a:r>
-            <a:r>
-              <a:rPr lang="en-US" dirty="0" err="1"/>
-              <a:t>linux</a:t>
-            </a:r>
-            <a:r>
-              <a:rPr lang="en-US" dirty="0"/>
-              <a:t> scheduler: A decade of wasted cores.</a:t>
-            </a:r>
-            <a:br>
-              <a:rPr lang="en-US" dirty="0"/>
-            </a:br>
-            <a:r>
-              <a:rPr lang="en-US" dirty="0">
-                <a:solidFill>
-                  <a:schemeClr val="accent1">
-                    <a:lumMod val="60000"/>
-                    <a:lumOff val="40000"/>
-                  </a:schemeClr>
-                </a:solidFill>
-              </a:rPr>
-              <a:t>In Proceedings of the Eleventh European Conference on Computer Systems, </a:t>
-            </a:r>
-            <a:r>
-              <a:rPr lang="en-US" dirty="0" err="1">
-                <a:solidFill>
-                  <a:schemeClr val="accent1">
-                    <a:lumMod val="60000"/>
-                    <a:lumOff val="40000"/>
-                  </a:schemeClr>
-                </a:solidFill>
-              </a:rPr>
-              <a:t>EuroSys</a:t>
-            </a:r>
-            <a:r>
-              <a:rPr lang="en-US" dirty="0">
-                <a:solidFill>
-                  <a:schemeClr val="accent1">
-                    <a:lumMod val="60000"/>
-                    <a:lumOff val="40000"/>
-                  </a:schemeClr>
-                </a:solidFill>
-              </a:rPr>
-              <a:t> ’16, pages 1:1–1:16, New York, NY, USA, 2016. ACM.</a:t>
-            </a:r>
-          </a:p>
-          <a:p>
-            <a:pPr>
-              <a:buFont typeface="+mj-lt"/>
-              <a:buAutoNum type="arabicPeriod"/>
-            </a:pPr>
-            <a:r>
-              <a:rPr lang="en-US" dirty="0">
-                <a:solidFill>
-                  <a:schemeClr val="accent1">
-                    <a:lumMod val="40000"/>
-                    <a:lumOff val="60000"/>
-                  </a:schemeClr>
-                </a:solidFill>
-              </a:rPr>
-              <a:t>U. B. Nisar, M. Aleem, M. A. Iqbal, and N. S. Vo.</a:t>
-            </a:r>
-            <a:br>
-              <a:rPr lang="en-US" dirty="0"/>
-            </a:br>
-            <a:r>
-              <a:rPr lang="en-US" dirty="0"/>
-              <a:t>Jumbler: A lock-contention aware thread scheduler for multi-core parallel machines.</a:t>
-            </a:r>
-            <a:br>
-              <a:rPr lang="en-US" dirty="0"/>
-            </a:br>
-            <a:r>
-              <a:rPr lang="en-US" dirty="0">
-                <a:solidFill>
-                  <a:schemeClr val="accent1">
-                    <a:lumMod val="60000"/>
-                    <a:lumOff val="40000"/>
-                  </a:schemeClr>
-                </a:solidFill>
-              </a:rPr>
-              <a:t>In 2017 International Conference on Recent Advances in Signal Processing, Telecommunications Computing (</a:t>
-            </a:r>
-            <a:r>
-              <a:rPr lang="en-US" dirty="0" err="1">
-                <a:solidFill>
-                  <a:schemeClr val="accent1">
-                    <a:lumMod val="60000"/>
-                    <a:lumOff val="40000"/>
-                  </a:schemeClr>
-                </a:solidFill>
-              </a:rPr>
-              <a:t>SigTelCom</a:t>
-            </a:r>
-            <a:r>
-              <a:rPr lang="en-US" dirty="0">
-                <a:solidFill>
-                  <a:schemeClr val="accent1">
-                    <a:lumMod val="60000"/>
-                    <a:lumOff val="40000"/>
-                  </a:schemeClr>
-                </a:solidFill>
-              </a:rPr>
-              <a:t>), pages 77–81, Jan 2017.</a:t>
-            </a:r>
-          </a:p>
-          <a:p>
-            <a:pPr>
-              <a:buFont typeface="+mj-lt"/>
-              <a:buAutoNum type="arabicPeriod"/>
-            </a:pPr>
-            <a:endParaRPr lang="en-US" dirty="0"/>
           </a:p>
         </p:txBody>
       </p:sp>
     </p:spTree>
     <p:extLst>
       <p:ext uri="{BB962C8B-B14F-4D97-AF65-F5344CB8AC3E}">
-        <p14:creationId xmlns:p14="http://schemas.microsoft.com/office/powerpoint/2010/main" val="1409436407"/>
+        <p14:creationId xmlns:p14="http://schemas.microsoft.com/office/powerpoint/2010/main" val="3479385123"/>
       </p:ext>
     </p:extLst>
   </p:cSld>
@@ -6978,7 +6977,7 @@
 </p:sld>
 </file>
 
-<file path=ppt/slides/slide2.xml><?xml version="1.0" encoding="utf-8"?>
+<file path=ppt/slides/slide15.xml><?xml version="1.0" encoding="utf-8"?>
 <p:sld xmlns:a="http://schemas.openxmlformats.org/drawingml/2006/main" xmlns:r="http://schemas.openxmlformats.org/officeDocument/2006/relationships" xmlns:p="http://schemas.openxmlformats.org/presentationml/2006/main">
   <p:cSld>
     <p:spTree>
@@ -6997,52 +6996,181 @@
       </p:grpSpPr>
       <p:sp>
         <p:nvSpPr>
-          <p:cNvPr id="4" name="TextBox 3">
+          <p:cNvPr id="3" name="Content Placeholder 2">
             <a:extLst>
               <a:ext uri="{FF2B5EF4-FFF2-40B4-BE49-F238E27FC236}">
-                <a16:creationId xmlns:a16="http://schemas.microsoft.com/office/drawing/2014/main" id="{B13FF52D-29EB-4115-9A3B-7840FC0DFFB1}"/>
+                <a16:creationId xmlns:a16="http://schemas.microsoft.com/office/drawing/2014/main" id="{D83E9CED-5A39-49BF-9563-8FD5937C2082}"/>
               </a:ext>
             </a:extLst>
           </p:cNvPr>
-          <p:cNvSpPr txBox="1"/>
-          <p:nvPr/>
+          <p:cNvSpPr>
+            <a:spLocks noGrp="1"/>
+          </p:cNvSpPr>
+          <p:nvPr>
+            <p:ph idx="1"/>
+          </p:nvPr>
         </p:nvSpPr>
         <p:spPr>
           <a:xfrm>
-            <a:off x="494271" y="2207742"/>
-            <a:ext cx="8647926" cy="2246769"/>
+            <a:off x="592114" y="1242391"/>
+            <a:ext cx="8603644" cy="4591877"/>
           </a:xfrm>
-          <a:prstGeom prst="rect">
-            <a:avLst/>
-          </a:prstGeom>
-          <a:noFill/>
         </p:spPr>
         <p:txBody>
-          <a:bodyPr wrap="square" rtlCol="0">
-            <a:spAutoFit/>
+          <a:bodyPr>
+            <a:normAutofit/>
           </a:bodyPr>
           <a:lstStyle/>
           <a:p>
             <a:r>
-              <a:rPr lang="en-US" sz="2800" dirty="0"/>
-              <a:t>“And you have to realize that there are not very many things that have aged as well as the scheduler. Which is just another proof that scheduling is easy.”</a:t>
-            </a:r>
-          </a:p>
-          <a:p>
-            <a:r>
-              <a:rPr lang="en-US" sz="2800" dirty="0"/>
-              <a:t>Linus Torvalds, 2001 [2]</a:t>
-            </a:r>
-          </a:p>
-          <a:p>
-            <a:endParaRPr lang="en-US" sz="2800" dirty="0"/>
+              <a:rPr lang="en-US" dirty="0">
+                <a:solidFill>
+                  <a:schemeClr val="accent2">
+                    <a:lumMod val="60000"/>
+                    <a:lumOff val="40000"/>
+                  </a:schemeClr>
+                </a:solidFill>
+              </a:rPr>
+              <a:t>Process</a:t>
+            </a:r>
+          </a:p>
+          <a:p>
+            <a:pPr lvl="1"/>
+            <a:r>
+              <a:rPr lang="en-US" dirty="0">
+                <a:solidFill>
+                  <a:schemeClr val="accent2">
+                    <a:lumMod val="60000"/>
+                    <a:lumOff val="40000"/>
+                  </a:schemeClr>
+                </a:solidFill>
+              </a:rPr>
+              <a:t>[state info]</a:t>
+            </a:r>
+          </a:p>
+          <a:p>
+            <a:r>
+              <a:rPr lang="en-US" dirty="0">
+                <a:solidFill>
+                  <a:schemeClr val="accent2">
+                    <a:lumMod val="60000"/>
+                    <a:lumOff val="40000"/>
+                  </a:schemeClr>
+                </a:solidFill>
+              </a:rPr>
+              <a:t>Thread</a:t>
+            </a:r>
+          </a:p>
+          <a:p>
+            <a:pPr lvl="1"/>
+            <a:r>
+              <a:rPr lang="en-US" dirty="0">
+                <a:solidFill>
+                  <a:schemeClr val="accent2">
+                    <a:lumMod val="60000"/>
+                    <a:lumOff val="40000"/>
+                  </a:schemeClr>
+                </a:solidFill>
+              </a:rPr>
+              <a:t>[state info]</a:t>
+            </a:r>
+          </a:p>
+          <a:p>
+            <a:endParaRPr lang="en-US" dirty="0">
+              <a:solidFill>
+                <a:schemeClr val="accent2">
+                  <a:lumMod val="60000"/>
+                  <a:lumOff val="40000"/>
+                </a:schemeClr>
+              </a:solidFill>
+            </a:endParaRPr>
+          </a:p>
+          <a:p>
+            <a:endParaRPr lang="en-US" dirty="0">
+              <a:solidFill>
+                <a:schemeClr val="accent2">
+                  <a:lumMod val="60000"/>
+                  <a:lumOff val="40000"/>
+                </a:schemeClr>
+              </a:solidFill>
+            </a:endParaRPr>
+          </a:p>
+          <a:p>
+            <a:endParaRPr lang="en-US" dirty="0">
+              <a:solidFill>
+                <a:schemeClr val="accent2">
+                  <a:lumMod val="60000"/>
+                  <a:lumOff val="40000"/>
+                </a:schemeClr>
+              </a:solidFill>
+            </a:endParaRPr>
+          </a:p>
+          <a:p>
+            <a:endParaRPr lang="en-US" dirty="0">
+              <a:solidFill>
+                <a:schemeClr val="accent2">
+                  <a:lumMod val="60000"/>
+                  <a:lumOff val="40000"/>
+                </a:schemeClr>
+              </a:solidFill>
+            </a:endParaRPr>
+          </a:p>
+          <a:p>
+            <a:endParaRPr lang="en-US" dirty="0"/>
+          </a:p>
+          <a:p>
+            <a:endParaRPr lang="en-US" dirty="0"/>
+          </a:p>
+          <a:p>
+            <a:endParaRPr lang="en-US" dirty="0"/>
+          </a:p>
+          <a:p>
+            <a:endParaRPr lang="en-US" dirty="0"/>
+          </a:p>
+          <a:p>
+            <a:endParaRPr lang="en-US" dirty="0"/>
+          </a:p>
+        </p:txBody>
+      </p:sp>
+      <p:sp>
+        <p:nvSpPr>
+          <p:cNvPr id="15" name="Title 14">
+            <a:extLst>
+              <a:ext uri="{FF2B5EF4-FFF2-40B4-BE49-F238E27FC236}">
+                <a16:creationId xmlns:a16="http://schemas.microsoft.com/office/drawing/2014/main" id="{DD5971B8-AEDF-4A4F-A785-3ABA81D954C9}"/>
+              </a:ext>
+            </a:extLst>
+          </p:cNvPr>
+          <p:cNvSpPr>
+            <a:spLocks noGrp="1"/>
+          </p:cNvSpPr>
+          <p:nvPr>
+            <p:ph type="title"/>
+          </p:nvPr>
+        </p:nvSpPr>
+        <p:spPr>
+          <a:xfrm>
+            <a:off x="677333" y="609600"/>
+            <a:ext cx="4878077" cy="632791"/>
+          </a:xfrm>
+        </p:spPr>
+        <p:txBody>
+          <a:bodyPr>
+            <a:normAutofit fontScale="90000"/>
+          </a:bodyPr>
+          <a:lstStyle/>
+          <a:p>
+            <a:r>
+              <a:rPr lang="en-US" dirty="0"/>
+              <a:t>Process and Thread state</a:t>
+            </a:r>
           </a:p>
         </p:txBody>
       </p:sp>
     </p:spTree>
     <p:extLst>
       <p:ext uri="{BB962C8B-B14F-4D97-AF65-F5344CB8AC3E}">
-        <p14:creationId xmlns:p14="http://schemas.microsoft.com/office/powerpoint/2010/main" val="3998777308"/>
+        <p14:creationId xmlns:p14="http://schemas.microsoft.com/office/powerpoint/2010/main" val="2386835903"/>
       </p:ext>
     </p:extLst>
   </p:cSld>
@@ -7052,628 +7180,7 @@
 </p:sld>
 </file>
 
-<file path=ppt/slides/slide3.xml><?xml version="1.0" encoding="utf-8"?>
-<p:sld xmlns:a="http://schemas.openxmlformats.org/drawingml/2006/main" xmlns:r="http://schemas.openxmlformats.org/officeDocument/2006/relationships" xmlns:p="http://schemas.openxmlformats.org/presentationml/2006/main">
-  <p:cSld>
-    <p:spTree>
-      <p:nvGrpSpPr>
-        <p:cNvPr id="1" name=""/>
-        <p:cNvGrpSpPr/>
-        <p:nvPr/>
-      </p:nvGrpSpPr>
-      <p:grpSpPr>
-        <a:xfrm>
-          <a:off x="0" y="0"/>
-          <a:ext cx="0" cy="0"/>
-          <a:chOff x="0" y="0"/>
-          <a:chExt cx="0" cy="0"/>
-        </a:xfrm>
-      </p:grpSpPr>
-      <p:sp>
-        <p:nvSpPr>
-          <p:cNvPr id="2" name="Title 1">
-            <a:extLst>
-              <a:ext uri="{FF2B5EF4-FFF2-40B4-BE49-F238E27FC236}">
-                <a16:creationId xmlns:a16="http://schemas.microsoft.com/office/drawing/2014/main" id="{6E840D00-627A-4F0C-A700-A185897ACB82}"/>
-              </a:ext>
-            </a:extLst>
-          </p:cNvPr>
-          <p:cNvSpPr>
-            <a:spLocks noGrp="1"/>
-          </p:cNvSpPr>
-          <p:nvPr>
-            <p:ph type="title"/>
-          </p:nvPr>
-        </p:nvSpPr>
-        <p:spPr>
-          <a:xfrm>
-            <a:off x="677334" y="609600"/>
-            <a:ext cx="8596668" cy="1320800"/>
-          </a:xfrm>
-        </p:spPr>
-        <p:txBody>
-          <a:bodyPr/>
-          <a:lstStyle/>
-          <a:p>
-            <a:r>
-              <a:rPr lang="en-US" dirty="0"/>
-              <a:t>Introduction</a:t>
-            </a:r>
-          </a:p>
-        </p:txBody>
-      </p:sp>
-      <p:sp>
-        <p:nvSpPr>
-          <p:cNvPr id="3" name="Content Placeholder 2">
-            <a:extLst>
-              <a:ext uri="{FF2B5EF4-FFF2-40B4-BE49-F238E27FC236}">
-                <a16:creationId xmlns:a16="http://schemas.microsoft.com/office/drawing/2014/main" id="{2F9BC240-1958-4FC0-B473-81E035FD2E1E}"/>
-              </a:ext>
-            </a:extLst>
-          </p:cNvPr>
-          <p:cNvSpPr>
-            <a:spLocks noGrp="1"/>
-          </p:cNvSpPr>
-          <p:nvPr>
-            <p:ph idx="1"/>
-          </p:nvPr>
-        </p:nvSpPr>
-        <p:spPr>
-          <a:xfrm>
-            <a:off x="677334" y="2160589"/>
-            <a:ext cx="8596668" cy="3880773"/>
-          </a:xfrm>
-        </p:spPr>
-        <p:txBody>
-          <a:bodyPr/>
-          <a:lstStyle/>
-          <a:p>
-            <a:r>
-              <a:rPr lang="en-US" dirty="0"/>
-              <a:t>The problem of thread scheduling has been around a while. For a while it was unchanged, until hardware developments made the problem more complex.</a:t>
-            </a:r>
-          </a:p>
-          <a:p>
-            <a:r>
-              <a:rPr lang="en-US" dirty="0"/>
-              <a:t>Make case for importance of maximal efficiency on system programs and algorithms “Execution on the Critical Path”</a:t>
-            </a:r>
-          </a:p>
-          <a:p>
-            <a:endParaRPr lang="en-US" dirty="0"/>
-          </a:p>
-        </p:txBody>
-      </p:sp>
-    </p:spTree>
-    <p:extLst>
-      <p:ext uri="{BB962C8B-B14F-4D97-AF65-F5344CB8AC3E}">
-        <p14:creationId xmlns:p14="http://schemas.microsoft.com/office/powerpoint/2010/main" val="286039908"/>
-      </p:ext>
-    </p:extLst>
-  </p:cSld>
-  <p:clrMapOvr>
-    <a:masterClrMapping/>
-  </p:clrMapOvr>
-</p:sld>
-</file>
-
-<file path=ppt/slides/slide4.xml><?xml version="1.0" encoding="utf-8"?>
-<p:sld xmlns:a="http://schemas.openxmlformats.org/drawingml/2006/main" xmlns:r="http://schemas.openxmlformats.org/officeDocument/2006/relationships" xmlns:p="http://schemas.openxmlformats.org/presentationml/2006/main">
-  <p:cSld>
-    <p:spTree>
-      <p:nvGrpSpPr>
-        <p:cNvPr id="1" name=""/>
-        <p:cNvGrpSpPr/>
-        <p:nvPr/>
-      </p:nvGrpSpPr>
-      <p:grpSpPr>
-        <a:xfrm>
-          <a:off x="0" y="0"/>
-          <a:ext cx="0" cy="0"/>
-          <a:chOff x="0" y="0"/>
-          <a:chExt cx="0" cy="0"/>
-        </a:xfrm>
-      </p:grpSpPr>
-      <p:sp>
-        <p:nvSpPr>
-          <p:cNvPr id="2" name="Title 1">
-            <a:extLst>
-              <a:ext uri="{FF2B5EF4-FFF2-40B4-BE49-F238E27FC236}">
-                <a16:creationId xmlns:a16="http://schemas.microsoft.com/office/drawing/2014/main" id="{DCF92C05-1C98-453A-93C4-50D0A0132DD8}"/>
-              </a:ext>
-            </a:extLst>
-          </p:cNvPr>
-          <p:cNvSpPr>
-            <a:spLocks noGrp="1"/>
-          </p:cNvSpPr>
-          <p:nvPr>
-            <p:ph type="title"/>
-          </p:nvPr>
-        </p:nvSpPr>
-        <p:spPr/>
-        <p:txBody>
-          <a:bodyPr/>
-          <a:lstStyle/>
-          <a:p>
-            <a:r>
-              <a:rPr lang="en-US" dirty="0"/>
-              <a:t>Overview</a:t>
-            </a:r>
-          </a:p>
-        </p:txBody>
-      </p:sp>
-      <p:sp>
-        <p:nvSpPr>
-          <p:cNvPr id="3" name="Content Placeholder 2">
-            <a:extLst>
-              <a:ext uri="{FF2B5EF4-FFF2-40B4-BE49-F238E27FC236}">
-                <a16:creationId xmlns:a16="http://schemas.microsoft.com/office/drawing/2014/main" id="{17803503-BB9B-4A29-AEA2-68B073ED6A74}"/>
-              </a:ext>
-            </a:extLst>
-          </p:cNvPr>
-          <p:cNvSpPr>
-            <a:spLocks noGrp="1"/>
-          </p:cNvSpPr>
-          <p:nvPr>
-            <p:ph idx="1"/>
-          </p:nvPr>
-        </p:nvSpPr>
-        <p:spPr/>
-        <p:txBody>
-          <a:bodyPr/>
-          <a:lstStyle/>
-          <a:p>
-            <a:r>
-              <a:rPr lang="en-US" dirty="0"/>
-              <a:t>Establish needed concepts</a:t>
-            </a:r>
-          </a:p>
-          <a:p>
-            <a:r>
-              <a:rPr lang="en-US" dirty="0"/>
-              <a:t>Thread scheduling and thread load-balancing on Linux</a:t>
-            </a:r>
-          </a:p>
-          <a:p>
-            <a:r>
-              <a:rPr lang="en-US" dirty="0"/>
-              <a:t>Bug fixes and new developments to the Linux thread scheduler</a:t>
-            </a:r>
-          </a:p>
-        </p:txBody>
-      </p:sp>
-    </p:spTree>
-    <p:extLst>
-      <p:ext uri="{BB962C8B-B14F-4D97-AF65-F5344CB8AC3E}">
-        <p14:creationId xmlns:p14="http://schemas.microsoft.com/office/powerpoint/2010/main" val="878520349"/>
-      </p:ext>
-    </p:extLst>
-  </p:cSld>
-  <p:clrMapOvr>
-    <a:masterClrMapping/>
-  </p:clrMapOvr>
-</p:sld>
-</file>
-
-<file path=ppt/slides/slide5.xml><?xml version="1.0" encoding="utf-8"?>
-<p:sld xmlns:a="http://schemas.openxmlformats.org/drawingml/2006/main" xmlns:r="http://schemas.openxmlformats.org/officeDocument/2006/relationships" xmlns:p="http://schemas.openxmlformats.org/presentationml/2006/main">
-  <p:cSld>
-    <p:spTree>
-      <p:nvGrpSpPr>
-        <p:cNvPr id="1" name=""/>
-        <p:cNvGrpSpPr/>
-        <p:nvPr/>
-      </p:nvGrpSpPr>
-      <p:grpSpPr>
-        <a:xfrm>
-          <a:off x="0" y="0"/>
-          <a:ext cx="0" cy="0"/>
-          <a:chOff x="0" y="0"/>
-          <a:chExt cx="0" cy="0"/>
-        </a:xfrm>
-      </p:grpSpPr>
-      <p:sp>
-        <p:nvSpPr>
-          <p:cNvPr id="2" name="Title 1">
-            <a:extLst>
-              <a:ext uri="{FF2B5EF4-FFF2-40B4-BE49-F238E27FC236}">
-                <a16:creationId xmlns:a16="http://schemas.microsoft.com/office/drawing/2014/main" id="{BDD0509A-6666-45C3-8F03-D2600104FFEE}"/>
-              </a:ext>
-            </a:extLst>
-          </p:cNvPr>
-          <p:cNvSpPr>
-            <a:spLocks noGrp="1"/>
-          </p:cNvSpPr>
-          <p:nvPr>
-            <p:ph type="title"/>
-          </p:nvPr>
-        </p:nvSpPr>
-        <p:spPr/>
-        <p:txBody>
-          <a:bodyPr/>
-          <a:lstStyle/>
-          <a:p>
-            <a:r>
-              <a:rPr lang="en-US" dirty="0"/>
-              <a:t>Outline</a:t>
-            </a:r>
-          </a:p>
-        </p:txBody>
-      </p:sp>
-      <p:sp>
-        <p:nvSpPr>
-          <p:cNvPr id="3" name="Content Placeholder 2">
-            <a:extLst>
-              <a:ext uri="{FF2B5EF4-FFF2-40B4-BE49-F238E27FC236}">
-                <a16:creationId xmlns:a16="http://schemas.microsoft.com/office/drawing/2014/main" id="{5D73516D-08C5-41D9-94BA-396221B63085}"/>
-              </a:ext>
-            </a:extLst>
-          </p:cNvPr>
-          <p:cNvSpPr>
-            <a:spLocks noGrp="1"/>
-          </p:cNvSpPr>
-          <p:nvPr>
-            <p:ph idx="1"/>
-          </p:nvPr>
-        </p:nvSpPr>
-        <p:spPr/>
-        <p:txBody>
-          <a:bodyPr/>
-          <a:lstStyle/>
-          <a:p>
-            <a:r>
-              <a:rPr lang="en-US" dirty="0"/>
-              <a:t>Establish needed concepts</a:t>
-            </a:r>
-          </a:p>
-          <a:p>
-            <a:pPr lvl="1"/>
-            <a:r>
-              <a:rPr lang="en-US" dirty="0"/>
-              <a:t>Threads, Multithreading Programs</a:t>
-            </a:r>
-          </a:p>
-          <a:p>
-            <a:pPr lvl="1"/>
-            <a:r>
-              <a:rPr lang="en-US" dirty="0"/>
-              <a:t>Parallel programming</a:t>
-            </a:r>
-          </a:p>
-          <a:p>
-            <a:r>
-              <a:rPr lang="en-US" dirty="0">
-                <a:solidFill>
-                  <a:schemeClr val="accent1">
-                    <a:lumMod val="75000"/>
-                  </a:schemeClr>
-                </a:solidFill>
-              </a:rPr>
-              <a:t>Thread scheduling and thread load-balancing on Linux</a:t>
-            </a:r>
-          </a:p>
-          <a:p>
-            <a:r>
-              <a:rPr lang="en-US" dirty="0">
-                <a:solidFill>
-                  <a:schemeClr val="accent1">
-                    <a:lumMod val="75000"/>
-                  </a:schemeClr>
-                </a:solidFill>
-              </a:rPr>
-              <a:t>Bug fixes and new developments to the Linux thread scheduler</a:t>
-            </a:r>
-          </a:p>
-          <a:p>
-            <a:pPr lvl="1"/>
-            <a:endParaRPr lang="en-US" dirty="0"/>
-          </a:p>
-          <a:p>
-            <a:pPr lvl="2"/>
-            <a:endParaRPr lang="en-US" dirty="0"/>
-          </a:p>
-        </p:txBody>
-      </p:sp>
-    </p:spTree>
-    <p:extLst>
-      <p:ext uri="{BB962C8B-B14F-4D97-AF65-F5344CB8AC3E}">
-        <p14:creationId xmlns:p14="http://schemas.microsoft.com/office/powerpoint/2010/main" val="1957347650"/>
-      </p:ext>
-    </p:extLst>
-  </p:cSld>
-  <p:clrMapOvr>
-    <a:masterClrMapping/>
-  </p:clrMapOvr>
-</p:sld>
-</file>
-
-<file path=ppt/slides/slide6.xml><?xml version="1.0" encoding="utf-8"?>
-<p:sld xmlns:a="http://schemas.openxmlformats.org/drawingml/2006/main" xmlns:r="http://schemas.openxmlformats.org/officeDocument/2006/relationships" xmlns:p="http://schemas.openxmlformats.org/presentationml/2006/main">
-  <p:cSld>
-    <p:spTree>
-      <p:nvGrpSpPr>
-        <p:cNvPr id="1" name=""/>
-        <p:cNvGrpSpPr/>
-        <p:nvPr/>
-      </p:nvGrpSpPr>
-      <p:grpSpPr>
-        <a:xfrm>
-          <a:off x="0" y="0"/>
-          <a:ext cx="0" cy="0"/>
-          <a:chOff x="0" y="0"/>
-          <a:chExt cx="0" cy="0"/>
-        </a:xfrm>
-      </p:grpSpPr>
-      <p:sp>
-        <p:nvSpPr>
-          <p:cNvPr id="2" name="Title 1">
-            <a:extLst>
-              <a:ext uri="{FF2B5EF4-FFF2-40B4-BE49-F238E27FC236}">
-                <a16:creationId xmlns:a16="http://schemas.microsoft.com/office/drawing/2014/main" id="{BDD0509A-6666-45C3-8F03-D2600104FFEE}"/>
-              </a:ext>
-            </a:extLst>
-          </p:cNvPr>
-          <p:cNvSpPr>
-            <a:spLocks noGrp="1"/>
-          </p:cNvSpPr>
-          <p:nvPr>
-            <p:ph type="title"/>
-          </p:nvPr>
-        </p:nvSpPr>
-        <p:spPr/>
-        <p:txBody>
-          <a:bodyPr/>
-          <a:lstStyle/>
-          <a:p>
-            <a:r>
-              <a:rPr lang="en-US" dirty="0"/>
-              <a:t>Outline</a:t>
-            </a:r>
-          </a:p>
-        </p:txBody>
-      </p:sp>
-      <p:sp>
-        <p:nvSpPr>
-          <p:cNvPr id="3" name="Content Placeholder 2">
-            <a:extLst>
-              <a:ext uri="{FF2B5EF4-FFF2-40B4-BE49-F238E27FC236}">
-                <a16:creationId xmlns:a16="http://schemas.microsoft.com/office/drawing/2014/main" id="{5D73516D-08C5-41D9-94BA-396221B63085}"/>
-              </a:ext>
-            </a:extLst>
-          </p:cNvPr>
-          <p:cNvSpPr>
-            <a:spLocks noGrp="1"/>
-          </p:cNvSpPr>
-          <p:nvPr>
-            <p:ph idx="1"/>
-          </p:nvPr>
-        </p:nvSpPr>
-        <p:spPr/>
-        <p:txBody>
-          <a:bodyPr/>
-          <a:lstStyle/>
-          <a:p>
-            <a:r>
-              <a:rPr lang="en-US" dirty="0">
-                <a:solidFill>
-                  <a:schemeClr val="accent1">
-                    <a:lumMod val="75000"/>
-                  </a:schemeClr>
-                </a:solidFill>
-              </a:rPr>
-              <a:t>Establish needed concepts</a:t>
-            </a:r>
-          </a:p>
-          <a:p>
-            <a:r>
-              <a:rPr lang="en-US" dirty="0">
-                <a:solidFill>
-                  <a:schemeClr val="tx1"/>
-                </a:solidFill>
-              </a:rPr>
-              <a:t>Thread scheduling and load-balancing on Linux</a:t>
-            </a:r>
-          </a:p>
-          <a:p>
-            <a:pPr lvl="1"/>
-            <a:r>
-              <a:rPr lang="en-US" dirty="0">
-                <a:solidFill>
-                  <a:schemeClr val="tx1"/>
-                </a:solidFill>
-              </a:rPr>
-              <a:t>Completely Fair Scheduler (CFS)</a:t>
-            </a:r>
-          </a:p>
-          <a:p>
-            <a:pPr lvl="1"/>
-            <a:r>
-              <a:rPr lang="en-US" dirty="0">
-                <a:solidFill>
-                  <a:schemeClr val="tx1"/>
-                </a:solidFill>
-              </a:rPr>
-              <a:t>Scheduling Domains on non-uniform memory access (NUMA) systems</a:t>
-            </a:r>
-          </a:p>
-          <a:p>
-            <a:pPr lvl="1"/>
-            <a:r>
-              <a:rPr lang="en-US" dirty="0">
-                <a:solidFill>
-                  <a:schemeClr val="tx1"/>
-                </a:solidFill>
-              </a:rPr>
-              <a:t>Load Balance algorithm for the CFS</a:t>
-            </a:r>
-          </a:p>
-          <a:p>
-            <a:r>
-              <a:rPr lang="en-US" dirty="0">
-                <a:solidFill>
-                  <a:schemeClr val="accent1">
-                    <a:lumMod val="75000"/>
-                  </a:schemeClr>
-                </a:solidFill>
-              </a:rPr>
-              <a:t>Bug fixes and new developments to the Linux thread scheduler</a:t>
-            </a:r>
-          </a:p>
-          <a:p>
-            <a:pPr lvl="1"/>
-            <a:endParaRPr lang="en-US" dirty="0"/>
-          </a:p>
-          <a:p>
-            <a:pPr lvl="2"/>
-            <a:endParaRPr lang="en-US" dirty="0"/>
-          </a:p>
-        </p:txBody>
-      </p:sp>
-    </p:spTree>
-    <p:extLst>
-      <p:ext uri="{BB962C8B-B14F-4D97-AF65-F5344CB8AC3E}">
-        <p14:creationId xmlns:p14="http://schemas.microsoft.com/office/powerpoint/2010/main" val="3175680182"/>
-      </p:ext>
-    </p:extLst>
-  </p:cSld>
-  <p:clrMapOvr>
-    <a:masterClrMapping/>
-  </p:clrMapOvr>
-</p:sld>
-</file>
-
-<file path=ppt/slides/slide7.xml><?xml version="1.0" encoding="utf-8"?>
-<p:sld xmlns:a="http://schemas.openxmlformats.org/drawingml/2006/main" xmlns:r="http://schemas.openxmlformats.org/officeDocument/2006/relationships" xmlns:p="http://schemas.openxmlformats.org/presentationml/2006/main">
-  <p:cSld>
-    <p:spTree>
-      <p:nvGrpSpPr>
-        <p:cNvPr id="1" name=""/>
-        <p:cNvGrpSpPr/>
-        <p:nvPr/>
-      </p:nvGrpSpPr>
-      <p:grpSpPr>
-        <a:xfrm>
-          <a:off x="0" y="0"/>
-          <a:ext cx="0" cy="0"/>
-          <a:chOff x="0" y="0"/>
-          <a:chExt cx="0" cy="0"/>
-        </a:xfrm>
-      </p:grpSpPr>
-      <p:sp>
-        <p:nvSpPr>
-          <p:cNvPr id="2" name="Title 1">
-            <a:extLst>
-              <a:ext uri="{FF2B5EF4-FFF2-40B4-BE49-F238E27FC236}">
-                <a16:creationId xmlns:a16="http://schemas.microsoft.com/office/drawing/2014/main" id="{EEB5F2EC-4AE3-4FB5-B1B5-9D6102455DBF}"/>
-              </a:ext>
-            </a:extLst>
-          </p:cNvPr>
-          <p:cNvSpPr>
-            <a:spLocks noGrp="1"/>
-          </p:cNvSpPr>
-          <p:nvPr>
-            <p:ph type="title"/>
-          </p:nvPr>
-        </p:nvSpPr>
-        <p:spPr/>
-        <p:txBody>
-          <a:bodyPr/>
-          <a:lstStyle/>
-          <a:p>
-            <a:r>
-              <a:rPr lang="en-US" dirty="0"/>
-              <a:t>Completely Fair Scheduler (CFS)</a:t>
-            </a:r>
-          </a:p>
-        </p:txBody>
-      </p:sp>
-      <p:sp>
-        <p:nvSpPr>
-          <p:cNvPr id="3" name="Content Placeholder 2">
-            <a:extLst>
-              <a:ext uri="{FF2B5EF4-FFF2-40B4-BE49-F238E27FC236}">
-                <a16:creationId xmlns:a16="http://schemas.microsoft.com/office/drawing/2014/main" id="{0C32515D-2D7F-4F44-8E64-A7E3EB354FA4}"/>
-              </a:ext>
-            </a:extLst>
-          </p:cNvPr>
-          <p:cNvSpPr>
-            <a:spLocks noGrp="1"/>
-          </p:cNvSpPr>
-          <p:nvPr>
-            <p:ph idx="1"/>
-          </p:nvPr>
-        </p:nvSpPr>
-        <p:spPr>
-          <a:xfrm>
-            <a:off x="677334" y="2160589"/>
-            <a:ext cx="8596668" cy="4165396"/>
-          </a:xfrm>
-        </p:spPr>
-        <p:txBody>
-          <a:bodyPr/>
-          <a:lstStyle/>
-          <a:p>
-            <a:r>
-              <a:rPr lang="en-US" dirty="0"/>
-              <a:t>Linux Thread Scheduler</a:t>
-            </a:r>
-          </a:p>
-          <a:p>
-            <a:r>
-              <a:rPr lang="en-US" dirty="0"/>
-              <a:t>Handles which threads are executed at what times and on which CPU cores</a:t>
-            </a:r>
-          </a:p>
-          <a:p>
-            <a:r>
-              <a:rPr lang="en-US" dirty="0"/>
-              <a:t>Spend a “fair” amount of runtime on all threads</a:t>
-            </a:r>
-          </a:p>
-          <a:p>
-            <a:endParaRPr lang="en-US" dirty="0"/>
-          </a:p>
-          <a:p>
-            <a:endParaRPr lang="en-US" dirty="0"/>
-          </a:p>
-          <a:p>
-            <a:pPr marL="0" indent="0">
-              <a:buNone/>
-            </a:pPr>
-            <a:endParaRPr lang="en-US" dirty="0"/>
-          </a:p>
-          <a:p>
-            <a:r>
-              <a:rPr lang="en-US" dirty="0"/>
-              <a:t>For now, let’s assume one single core CPU</a:t>
-            </a:r>
-          </a:p>
-          <a:p>
-            <a:r>
-              <a:rPr lang="en-US" dirty="0"/>
-              <a:t>The CFS implementation is simple for a single-core system</a:t>
-            </a:r>
-          </a:p>
-          <a:p>
-            <a:pPr lvl="1"/>
-            <a:endParaRPr lang="en-US" dirty="0"/>
-          </a:p>
-        </p:txBody>
-      </p:sp>
-    </p:spTree>
-    <p:extLst>
-      <p:ext uri="{BB962C8B-B14F-4D97-AF65-F5344CB8AC3E}">
-        <p14:creationId xmlns:p14="http://schemas.microsoft.com/office/powerpoint/2010/main" val="3479385123"/>
-      </p:ext>
-    </p:extLst>
-  </p:cSld>
-  <p:clrMapOvr>
-    <a:masterClrMapping/>
-  </p:clrMapOvr>
-</p:sld>
-</file>
-
-<file path=ppt/slides/slide8.xml><?xml version="1.0" encoding="utf-8"?>
+<file path=ppt/slides/slide16.xml><?xml version="1.0" encoding="utf-8"?>
 <p:sld xmlns:a="http://schemas.openxmlformats.org/drawingml/2006/main" xmlns:r="http://schemas.openxmlformats.org/officeDocument/2006/relationships" xmlns:p="http://schemas.openxmlformats.org/presentationml/2006/main">
   <p:cSld>
     <p:spTree>
@@ -8831,7 +8338,7 @@
 </p:sld>
 </file>
 
-<file path=ppt/slides/slide9.xml><?xml version="1.0" encoding="utf-8"?>
+<file path=ppt/slides/slide17.xml><?xml version="1.0" encoding="utf-8"?>
 <p:sld xmlns:a="http://schemas.openxmlformats.org/drawingml/2006/main" xmlns:r="http://schemas.openxmlformats.org/officeDocument/2006/relationships" xmlns:p="http://schemas.openxmlformats.org/presentationml/2006/main">
   <p:cSld>
     <p:spTree>
@@ -9408,6 +8915,1882 @@
     <p:extLst>
       <p:ext uri="{BB962C8B-B14F-4D97-AF65-F5344CB8AC3E}">
         <p14:creationId xmlns:p14="http://schemas.microsoft.com/office/powerpoint/2010/main" val="196350658"/>
+      </p:ext>
+    </p:extLst>
+  </p:cSld>
+  <p:clrMapOvr>
+    <a:masterClrMapping/>
+  </p:clrMapOvr>
+</p:sld>
+</file>
+
+<file path=ppt/slides/slide18.xml><?xml version="1.0" encoding="utf-8"?>
+<p:sld xmlns:a="http://schemas.openxmlformats.org/drawingml/2006/main" xmlns:r="http://schemas.openxmlformats.org/officeDocument/2006/relationships" xmlns:p="http://schemas.openxmlformats.org/presentationml/2006/main">
+  <p:cSld>
+    <p:spTree>
+      <p:nvGrpSpPr>
+        <p:cNvPr id="1" name=""/>
+        <p:cNvGrpSpPr/>
+        <p:nvPr/>
+      </p:nvGrpSpPr>
+      <p:grpSpPr>
+        <a:xfrm>
+          <a:off x="0" y="0"/>
+          <a:ext cx="0" cy="0"/>
+          <a:chOff x="0" y="0"/>
+          <a:chExt cx="0" cy="0"/>
+        </a:xfrm>
+      </p:grpSpPr>
+      <p:sp>
+        <p:nvSpPr>
+          <p:cNvPr id="2" name="Title 1">
+            <a:extLst>
+              <a:ext uri="{FF2B5EF4-FFF2-40B4-BE49-F238E27FC236}">
+                <a16:creationId xmlns:a16="http://schemas.microsoft.com/office/drawing/2014/main" id="{5AC9455C-C24E-46B5-8157-7C60F65C59DC}"/>
+              </a:ext>
+            </a:extLst>
+          </p:cNvPr>
+          <p:cNvSpPr>
+            <a:spLocks noGrp="1"/>
+          </p:cNvSpPr>
+          <p:nvPr>
+            <p:ph type="title"/>
+          </p:nvPr>
+        </p:nvSpPr>
+        <p:spPr/>
+        <p:txBody>
+          <a:bodyPr/>
+          <a:lstStyle/>
+          <a:p>
+            <a:r>
+              <a:rPr lang="en-US" dirty="0"/>
+              <a:t>Multiple </a:t>
+            </a:r>
+            <a:r>
+              <a:rPr lang="en-US" dirty="0" err="1"/>
+              <a:t>Runqueues</a:t>
+            </a:r>
+            <a:endParaRPr lang="en-US" dirty="0"/>
+          </a:p>
+        </p:txBody>
+      </p:sp>
+      <p:sp>
+        <p:nvSpPr>
+          <p:cNvPr id="3" name="Content Placeholder 2">
+            <a:extLst>
+              <a:ext uri="{FF2B5EF4-FFF2-40B4-BE49-F238E27FC236}">
+                <a16:creationId xmlns:a16="http://schemas.microsoft.com/office/drawing/2014/main" id="{FEED6BAF-D70D-4353-A488-83A8AC526FA7}"/>
+              </a:ext>
+            </a:extLst>
+          </p:cNvPr>
+          <p:cNvSpPr>
+            <a:spLocks noGrp="1"/>
+          </p:cNvSpPr>
+          <p:nvPr>
+            <p:ph idx="1"/>
+          </p:nvPr>
+        </p:nvSpPr>
+        <p:spPr/>
+        <p:txBody>
+          <a:bodyPr/>
+          <a:lstStyle/>
+          <a:p>
+            <a:r>
+              <a:rPr lang="en-US" dirty="0"/>
+              <a:t>Context Switching is expensive across cores</a:t>
+            </a:r>
+          </a:p>
+          <a:p>
+            <a:r>
+              <a:rPr lang="en-US" dirty="0"/>
+              <a:t>Multicore systems need multiple </a:t>
+            </a:r>
+            <a:r>
+              <a:rPr lang="en-US" dirty="0" err="1"/>
+              <a:t>runqueues</a:t>
+            </a:r>
+            <a:r>
+              <a:rPr lang="en-US" dirty="0"/>
+              <a:t> to minimize context switches</a:t>
+            </a:r>
+          </a:p>
+          <a:p>
+            <a:endParaRPr lang="en-US" dirty="0"/>
+          </a:p>
+        </p:txBody>
+      </p:sp>
+    </p:spTree>
+    <p:extLst>
+      <p:ext uri="{BB962C8B-B14F-4D97-AF65-F5344CB8AC3E}">
+        <p14:creationId xmlns:p14="http://schemas.microsoft.com/office/powerpoint/2010/main" val="324779882"/>
+      </p:ext>
+    </p:extLst>
+  </p:cSld>
+  <p:clrMapOvr>
+    <a:masterClrMapping/>
+  </p:clrMapOvr>
+</p:sld>
+</file>
+
+<file path=ppt/slides/slide19.xml><?xml version="1.0" encoding="utf-8"?>
+<p:sld xmlns:a="http://schemas.openxmlformats.org/drawingml/2006/main" xmlns:r="http://schemas.openxmlformats.org/officeDocument/2006/relationships" xmlns:p="http://schemas.openxmlformats.org/presentationml/2006/main">
+  <p:cSld>
+    <p:spTree>
+      <p:nvGrpSpPr>
+        <p:cNvPr id="1" name=""/>
+        <p:cNvGrpSpPr/>
+        <p:nvPr/>
+      </p:nvGrpSpPr>
+      <p:grpSpPr>
+        <a:xfrm>
+          <a:off x="0" y="0"/>
+          <a:ext cx="0" cy="0"/>
+          <a:chOff x="0" y="0"/>
+          <a:chExt cx="0" cy="0"/>
+        </a:xfrm>
+      </p:grpSpPr>
+      <p:sp>
+        <p:nvSpPr>
+          <p:cNvPr id="2" name="Title 1">
+            <a:extLst>
+              <a:ext uri="{FF2B5EF4-FFF2-40B4-BE49-F238E27FC236}">
+                <a16:creationId xmlns:a16="http://schemas.microsoft.com/office/drawing/2014/main" id="{BDD0509A-6666-45C3-8F03-D2600104FFEE}"/>
+              </a:ext>
+            </a:extLst>
+          </p:cNvPr>
+          <p:cNvSpPr>
+            <a:spLocks noGrp="1"/>
+          </p:cNvSpPr>
+          <p:nvPr>
+            <p:ph type="title"/>
+          </p:nvPr>
+        </p:nvSpPr>
+        <p:spPr/>
+        <p:txBody>
+          <a:bodyPr/>
+          <a:lstStyle/>
+          <a:p>
+            <a:r>
+              <a:rPr lang="en-US" dirty="0"/>
+              <a:t>Outline</a:t>
+            </a:r>
+          </a:p>
+        </p:txBody>
+      </p:sp>
+      <p:sp>
+        <p:nvSpPr>
+          <p:cNvPr id="3" name="Content Placeholder 2">
+            <a:extLst>
+              <a:ext uri="{FF2B5EF4-FFF2-40B4-BE49-F238E27FC236}">
+                <a16:creationId xmlns:a16="http://schemas.microsoft.com/office/drawing/2014/main" id="{5D73516D-08C5-41D9-94BA-396221B63085}"/>
+              </a:ext>
+            </a:extLst>
+          </p:cNvPr>
+          <p:cNvSpPr>
+            <a:spLocks noGrp="1"/>
+          </p:cNvSpPr>
+          <p:nvPr>
+            <p:ph idx="1"/>
+          </p:nvPr>
+        </p:nvSpPr>
+        <p:spPr/>
+        <p:txBody>
+          <a:bodyPr/>
+          <a:lstStyle/>
+          <a:p>
+            <a:r>
+              <a:rPr lang="en-US" dirty="0">
+                <a:solidFill>
+                  <a:schemeClr val="accent1">
+                    <a:lumMod val="75000"/>
+                  </a:schemeClr>
+                </a:solidFill>
+              </a:rPr>
+              <a:t>Establish needed concepts</a:t>
+            </a:r>
+          </a:p>
+          <a:p>
+            <a:r>
+              <a:rPr lang="en-US" dirty="0">
+                <a:solidFill>
+                  <a:schemeClr val="accent1">
+                    <a:lumMod val="75000"/>
+                  </a:schemeClr>
+                </a:solidFill>
+              </a:rPr>
+              <a:t>Thread scheduling and thread load-balancing on Linux</a:t>
+            </a:r>
+          </a:p>
+          <a:p>
+            <a:r>
+              <a:rPr lang="en-US" dirty="0">
+                <a:solidFill>
+                  <a:schemeClr val="tx1"/>
+                </a:solidFill>
+              </a:rPr>
+              <a:t>Bug fixes and two new developments to the Linux thread scheduler</a:t>
+            </a:r>
+          </a:p>
+          <a:p>
+            <a:pPr lvl="1"/>
+            <a:r>
+              <a:rPr lang="en-US" dirty="0"/>
+              <a:t>Four bugs found within current implementation of CFS</a:t>
+            </a:r>
+          </a:p>
+          <a:p>
+            <a:pPr lvl="1"/>
+            <a:r>
+              <a:rPr lang="en-US" dirty="0"/>
+              <a:t>FLSCHED: The lockless thread scheduler</a:t>
+            </a:r>
+          </a:p>
+          <a:p>
+            <a:pPr lvl="1"/>
+            <a:r>
+              <a:rPr lang="en-US" dirty="0"/>
+              <a:t>Shuffler: Cache locality improvements via thread migration</a:t>
+            </a:r>
+          </a:p>
+        </p:txBody>
+      </p:sp>
+    </p:spTree>
+    <p:extLst>
+      <p:ext uri="{BB962C8B-B14F-4D97-AF65-F5344CB8AC3E}">
+        <p14:creationId xmlns:p14="http://schemas.microsoft.com/office/powerpoint/2010/main" val="2043729067"/>
+      </p:ext>
+    </p:extLst>
+  </p:cSld>
+  <p:clrMapOvr>
+    <a:masterClrMapping/>
+  </p:clrMapOvr>
+</p:sld>
+</file>
+
+<file path=ppt/slides/slide2.xml><?xml version="1.0" encoding="utf-8"?>
+<p:sld xmlns:a="http://schemas.openxmlformats.org/drawingml/2006/main" xmlns:r="http://schemas.openxmlformats.org/officeDocument/2006/relationships" xmlns:p="http://schemas.openxmlformats.org/presentationml/2006/main">
+  <p:cSld>
+    <p:spTree>
+      <p:nvGrpSpPr>
+        <p:cNvPr id="1" name=""/>
+        <p:cNvGrpSpPr/>
+        <p:nvPr/>
+      </p:nvGrpSpPr>
+      <p:grpSpPr>
+        <a:xfrm>
+          <a:off x="0" y="0"/>
+          <a:ext cx="0" cy="0"/>
+          <a:chOff x="0" y="0"/>
+          <a:chExt cx="0" cy="0"/>
+        </a:xfrm>
+      </p:grpSpPr>
+      <p:sp>
+        <p:nvSpPr>
+          <p:cNvPr id="2" name="Title 1">
+            <a:extLst>
+              <a:ext uri="{FF2B5EF4-FFF2-40B4-BE49-F238E27FC236}">
+                <a16:creationId xmlns:a16="http://schemas.microsoft.com/office/drawing/2014/main" id="{6E840D00-627A-4F0C-A700-A185897ACB82}"/>
+              </a:ext>
+            </a:extLst>
+          </p:cNvPr>
+          <p:cNvSpPr>
+            <a:spLocks noGrp="1"/>
+          </p:cNvSpPr>
+          <p:nvPr>
+            <p:ph type="title"/>
+          </p:nvPr>
+        </p:nvSpPr>
+        <p:spPr>
+          <a:xfrm>
+            <a:off x="677334" y="609600"/>
+            <a:ext cx="8596668" cy="1320800"/>
+          </a:xfrm>
+        </p:spPr>
+        <p:txBody>
+          <a:bodyPr/>
+          <a:lstStyle/>
+          <a:p>
+            <a:r>
+              <a:rPr lang="en-US" dirty="0"/>
+              <a:t>Introduction</a:t>
+            </a:r>
+          </a:p>
+        </p:txBody>
+      </p:sp>
+      <p:sp>
+        <p:nvSpPr>
+          <p:cNvPr id="3" name="Content Placeholder 2">
+            <a:extLst>
+              <a:ext uri="{FF2B5EF4-FFF2-40B4-BE49-F238E27FC236}">
+                <a16:creationId xmlns:a16="http://schemas.microsoft.com/office/drawing/2014/main" id="{2F9BC240-1958-4FC0-B473-81E035FD2E1E}"/>
+              </a:ext>
+            </a:extLst>
+          </p:cNvPr>
+          <p:cNvSpPr>
+            <a:spLocks noGrp="1"/>
+          </p:cNvSpPr>
+          <p:nvPr>
+            <p:ph idx="1"/>
+          </p:nvPr>
+        </p:nvSpPr>
+        <p:spPr>
+          <a:xfrm>
+            <a:off x="677333" y="2160589"/>
+            <a:ext cx="8794657" cy="3880773"/>
+          </a:xfrm>
+        </p:spPr>
+        <p:txBody>
+          <a:bodyPr/>
+          <a:lstStyle/>
+          <a:p>
+            <a:r>
+              <a:rPr lang="en-US" dirty="0"/>
+              <a:t>The problem of thread scheduling has been around since the 1960s and for a while, scheduling implementation was largely unchanged</a:t>
+            </a:r>
+          </a:p>
+          <a:p>
+            <a:r>
+              <a:rPr lang="en-US" dirty="0"/>
+              <a:t>The thread scheduler is an important system component that is always running</a:t>
+            </a:r>
+          </a:p>
+          <a:p>
+            <a:r>
+              <a:rPr lang="en-US" dirty="0"/>
+              <a:t>The thread scheduler must be as efficient as possible</a:t>
+            </a:r>
+          </a:p>
+          <a:p>
+            <a:pPr lvl="1"/>
+            <a:r>
+              <a:rPr lang="en-US" dirty="0"/>
+              <a:t>Reduce time spent doing necessary/maintenance tasks (the critical section)</a:t>
+            </a:r>
+          </a:p>
+          <a:p>
+            <a:r>
+              <a:rPr lang="en-US" dirty="0"/>
+              <a:t>Increasing hardware requirements in the early 2000s made the problem more complex</a:t>
+            </a:r>
+          </a:p>
+          <a:p>
+            <a:endParaRPr lang="en-US" dirty="0"/>
+          </a:p>
+        </p:txBody>
+      </p:sp>
+    </p:spTree>
+    <p:extLst>
+      <p:ext uri="{BB962C8B-B14F-4D97-AF65-F5344CB8AC3E}">
+        <p14:creationId xmlns:p14="http://schemas.microsoft.com/office/powerpoint/2010/main" val="286039908"/>
+      </p:ext>
+    </p:extLst>
+  </p:cSld>
+  <p:clrMapOvr>
+    <a:masterClrMapping/>
+  </p:clrMapOvr>
+</p:sld>
+</file>
+
+<file path=ppt/slides/slide20.xml><?xml version="1.0" encoding="utf-8"?>
+<p:sld xmlns:a="http://schemas.openxmlformats.org/drawingml/2006/main" xmlns:r="http://schemas.openxmlformats.org/officeDocument/2006/relationships" xmlns:p="http://schemas.openxmlformats.org/presentationml/2006/main">
+  <p:cSld>
+    <p:spTree>
+      <p:nvGrpSpPr>
+        <p:cNvPr id="1" name=""/>
+        <p:cNvGrpSpPr/>
+        <p:nvPr/>
+      </p:nvGrpSpPr>
+      <p:grpSpPr>
+        <a:xfrm>
+          <a:off x="0" y="0"/>
+          <a:ext cx="0" cy="0"/>
+          <a:chOff x="0" y="0"/>
+          <a:chExt cx="0" cy="0"/>
+        </a:xfrm>
+      </p:grpSpPr>
+      <p:sp>
+        <p:nvSpPr>
+          <p:cNvPr id="2" name="Title 1">
+            <a:extLst>
+              <a:ext uri="{FF2B5EF4-FFF2-40B4-BE49-F238E27FC236}">
+                <a16:creationId xmlns:a16="http://schemas.microsoft.com/office/drawing/2014/main" id="{0010AE82-4563-4896-9624-FF29FC57A3EB}"/>
+              </a:ext>
+            </a:extLst>
+          </p:cNvPr>
+          <p:cNvSpPr>
+            <a:spLocks noGrp="1"/>
+          </p:cNvSpPr>
+          <p:nvPr>
+            <p:ph type="title"/>
+          </p:nvPr>
+        </p:nvSpPr>
+        <p:spPr/>
+        <p:txBody>
+          <a:bodyPr/>
+          <a:lstStyle/>
+          <a:p>
+            <a:endParaRPr lang="en-US"/>
+          </a:p>
+        </p:txBody>
+      </p:sp>
+      <p:sp>
+        <p:nvSpPr>
+          <p:cNvPr id="3" name="Content Placeholder 2">
+            <a:extLst>
+              <a:ext uri="{FF2B5EF4-FFF2-40B4-BE49-F238E27FC236}">
+                <a16:creationId xmlns:a16="http://schemas.microsoft.com/office/drawing/2014/main" id="{57A4FE7C-4BD5-4E49-8853-430E429FBFD3}"/>
+              </a:ext>
+            </a:extLst>
+          </p:cNvPr>
+          <p:cNvSpPr>
+            <a:spLocks noGrp="1"/>
+          </p:cNvSpPr>
+          <p:nvPr>
+            <p:ph idx="1"/>
+          </p:nvPr>
+        </p:nvSpPr>
+        <p:spPr/>
+        <p:txBody>
+          <a:bodyPr/>
+          <a:lstStyle/>
+          <a:p>
+            <a:endParaRPr lang="en-US"/>
+          </a:p>
+        </p:txBody>
+      </p:sp>
+    </p:spTree>
+    <p:extLst>
+      <p:ext uri="{BB962C8B-B14F-4D97-AF65-F5344CB8AC3E}">
+        <p14:creationId xmlns:p14="http://schemas.microsoft.com/office/powerpoint/2010/main" val="3729969146"/>
+      </p:ext>
+    </p:extLst>
+  </p:cSld>
+  <p:clrMapOvr>
+    <a:masterClrMapping/>
+  </p:clrMapOvr>
+</p:sld>
+</file>
+
+<file path=ppt/slides/slide21.xml><?xml version="1.0" encoding="utf-8"?>
+<p:sld xmlns:a="http://schemas.openxmlformats.org/drawingml/2006/main" xmlns:r="http://schemas.openxmlformats.org/officeDocument/2006/relationships" xmlns:p="http://schemas.openxmlformats.org/presentationml/2006/main">
+  <p:cSld>
+    <p:spTree>
+      <p:nvGrpSpPr>
+        <p:cNvPr id="1" name=""/>
+        <p:cNvGrpSpPr/>
+        <p:nvPr/>
+      </p:nvGrpSpPr>
+      <p:grpSpPr>
+        <a:xfrm>
+          <a:off x="0" y="0"/>
+          <a:ext cx="0" cy="0"/>
+          <a:chOff x="0" y="0"/>
+          <a:chExt cx="0" cy="0"/>
+        </a:xfrm>
+      </p:grpSpPr>
+      <p:sp>
+        <p:nvSpPr>
+          <p:cNvPr id="3" name="Content Placeholder 2">
+            <a:extLst>
+              <a:ext uri="{FF2B5EF4-FFF2-40B4-BE49-F238E27FC236}">
+                <a16:creationId xmlns:a16="http://schemas.microsoft.com/office/drawing/2014/main" id="{D83E9CED-5A39-49BF-9563-8FD5937C2082}"/>
+              </a:ext>
+            </a:extLst>
+          </p:cNvPr>
+          <p:cNvSpPr>
+            <a:spLocks noGrp="1"/>
+          </p:cNvSpPr>
+          <p:nvPr>
+            <p:ph idx="1"/>
+          </p:nvPr>
+        </p:nvSpPr>
+        <p:spPr>
+          <a:xfrm>
+            <a:off x="592114" y="1242391"/>
+            <a:ext cx="8661216" cy="4591877"/>
+          </a:xfrm>
+        </p:spPr>
+        <p:txBody>
+          <a:bodyPr>
+            <a:normAutofit/>
+          </a:bodyPr>
+          <a:lstStyle/>
+          <a:p>
+            <a:endParaRPr lang="en-US" dirty="0"/>
+          </a:p>
+        </p:txBody>
+      </p:sp>
+      <p:sp>
+        <p:nvSpPr>
+          <p:cNvPr id="15" name="Title 14">
+            <a:extLst>
+              <a:ext uri="{FF2B5EF4-FFF2-40B4-BE49-F238E27FC236}">
+                <a16:creationId xmlns:a16="http://schemas.microsoft.com/office/drawing/2014/main" id="{DD5971B8-AEDF-4A4F-A785-3ABA81D954C9}"/>
+              </a:ext>
+            </a:extLst>
+          </p:cNvPr>
+          <p:cNvSpPr>
+            <a:spLocks noGrp="1"/>
+          </p:cNvSpPr>
+          <p:nvPr>
+            <p:ph type="title"/>
+          </p:nvPr>
+        </p:nvSpPr>
+        <p:spPr>
+          <a:xfrm>
+            <a:off x="677334" y="609600"/>
+            <a:ext cx="3384712" cy="632791"/>
+          </a:xfrm>
+        </p:spPr>
+        <p:txBody>
+          <a:bodyPr>
+            <a:normAutofit fontScale="90000"/>
+          </a:bodyPr>
+          <a:lstStyle/>
+          <a:p>
+            <a:r>
+              <a:rPr lang="en-US" dirty="0"/>
+              <a:t>Lock Contention</a:t>
+            </a:r>
+          </a:p>
+        </p:txBody>
+      </p:sp>
+    </p:spTree>
+    <p:extLst>
+      <p:ext uri="{BB962C8B-B14F-4D97-AF65-F5344CB8AC3E}">
+        <p14:creationId xmlns:p14="http://schemas.microsoft.com/office/powerpoint/2010/main" val="2578763411"/>
+      </p:ext>
+    </p:extLst>
+  </p:cSld>
+  <p:clrMapOvr>
+    <a:masterClrMapping/>
+  </p:clrMapOvr>
+</p:sld>
+</file>
+
+<file path=ppt/slides/slide22.xml><?xml version="1.0" encoding="utf-8"?>
+<p:sld xmlns:a="http://schemas.openxmlformats.org/drawingml/2006/main" xmlns:r="http://schemas.openxmlformats.org/officeDocument/2006/relationships" xmlns:p="http://schemas.openxmlformats.org/presentationml/2006/main">
+  <p:cSld>
+    <p:spTree>
+      <p:nvGrpSpPr>
+        <p:cNvPr id="1" name=""/>
+        <p:cNvGrpSpPr/>
+        <p:nvPr/>
+      </p:nvGrpSpPr>
+      <p:grpSpPr>
+        <a:xfrm>
+          <a:off x="0" y="0"/>
+          <a:ext cx="0" cy="0"/>
+          <a:chOff x="0" y="0"/>
+          <a:chExt cx="0" cy="0"/>
+        </a:xfrm>
+      </p:grpSpPr>
+      <p:sp>
+        <p:nvSpPr>
+          <p:cNvPr id="2" name="Title 1">
+            <a:extLst>
+              <a:ext uri="{FF2B5EF4-FFF2-40B4-BE49-F238E27FC236}">
+                <a16:creationId xmlns:a16="http://schemas.microsoft.com/office/drawing/2014/main" id="{F95B23F0-1EE8-4BD1-B189-337575BC67EE}"/>
+              </a:ext>
+            </a:extLst>
+          </p:cNvPr>
+          <p:cNvSpPr>
+            <a:spLocks noGrp="1"/>
+          </p:cNvSpPr>
+          <p:nvPr>
+            <p:ph type="title"/>
+          </p:nvPr>
+        </p:nvSpPr>
+        <p:spPr/>
+        <p:txBody>
+          <a:bodyPr/>
+          <a:lstStyle/>
+          <a:p>
+            <a:r>
+              <a:rPr lang="en-US" dirty="0"/>
+              <a:t>Conclusions</a:t>
+            </a:r>
+          </a:p>
+        </p:txBody>
+      </p:sp>
+      <p:sp>
+        <p:nvSpPr>
+          <p:cNvPr id="3" name="Content Placeholder 2">
+            <a:extLst>
+              <a:ext uri="{FF2B5EF4-FFF2-40B4-BE49-F238E27FC236}">
+                <a16:creationId xmlns:a16="http://schemas.microsoft.com/office/drawing/2014/main" id="{BC507F40-A0C7-41CB-9B1E-2E110A1FA36B}"/>
+              </a:ext>
+            </a:extLst>
+          </p:cNvPr>
+          <p:cNvSpPr>
+            <a:spLocks noGrp="1"/>
+          </p:cNvSpPr>
+          <p:nvPr>
+            <p:ph idx="1"/>
+          </p:nvPr>
+        </p:nvSpPr>
+        <p:spPr/>
+        <p:txBody>
+          <a:bodyPr/>
+          <a:lstStyle/>
+          <a:p>
+            <a:endParaRPr lang="en-US"/>
+          </a:p>
+        </p:txBody>
+      </p:sp>
+    </p:spTree>
+    <p:extLst>
+      <p:ext uri="{BB962C8B-B14F-4D97-AF65-F5344CB8AC3E}">
+        <p14:creationId xmlns:p14="http://schemas.microsoft.com/office/powerpoint/2010/main" val="991287881"/>
+      </p:ext>
+    </p:extLst>
+  </p:cSld>
+  <p:clrMapOvr>
+    <a:masterClrMapping/>
+  </p:clrMapOvr>
+</p:sld>
+</file>
+
+<file path=ppt/slides/slide23.xml><?xml version="1.0" encoding="utf-8"?>
+<p:sld xmlns:a="http://schemas.openxmlformats.org/drawingml/2006/main" xmlns:r="http://schemas.openxmlformats.org/officeDocument/2006/relationships" xmlns:p="http://schemas.openxmlformats.org/presentationml/2006/main">
+  <p:cSld>
+    <p:spTree>
+      <p:nvGrpSpPr>
+        <p:cNvPr id="1" name=""/>
+        <p:cNvGrpSpPr/>
+        <p:nvPr/>
+      </p:nvGrpSpPr>
+      <p:grpSpPr>
+        <a:xfrm>
+          <a:off x="0" y="0"/>
+          <a:ext cx="0" cy="0"/>
+          <a:chOff x="0" y="0"/>
+          <a:chExt cx="0" cy="0"/>
+        </a:xfrm>
+      </p:grpSpPr>
+      <p:sp>
+        <p:nvSpPr>
+          <p:cNvPr id="2" name="Title 1">
+            <a:extLst>
+              <a:ext uri="{FF2B5EF4-FFF2-40B4-BE49-F238E27FC236}">
+                <a16:creationId xmlns:a16="http://schemas.microsoft.com/office/drawing/2014/main" id="{66071387-2664-4BBA-A1B9-717F5F04EC6B}"/>
+              </a:ext>
+            </a:extLst>
+          </p:cNvPr>
+          <p:cNvSpPr>
+            <a:spLocks noGrp="1"/>
+          </p:cNvSpPr>
+          <p:nvPr>
+            <p:ph type="title"/>
+          </p:nvPr>
+        </p:nvSpPr>
+        <p:spPr>
+          <a:xfrm>
+            <a:off x="677334" y="362465"/>
+            <a:ext cx="8596668" cy="1320800"/>
+          </a:xfrm>
+        </p:spPr>
+        <p:txBody>
+          <a:bodyPr/>
+          <a:lstStyle/>
+          <a:p>
+            <a:r>
+              <a:rPr lang="en-US" dirty="0"/>
+              <a:t>References</a:t>
+            </a:r>
+          </a:p>
+        </p:txBody>
+      </p:sp>
+      <p:sp>
+        <p:nvSpPr>
+          <p:cNvPr id="3" name="Content Placeholder 2">
+            <a:extLst>
+              <a:ext uri="{FF2B5EF4-FFF2-40B4-BE49-F238E27FC236}">
+                <a16:creationId xmlns:a16="http://schemas.microsoft.com/office/drawing/2014/main" id="{1C7F16B6-7206-424A-BAFA-39935C7949CC}"/>
+              </a:ext>
+            </a:extLst>
+          </p:cNvPr>
+          <p:cNvSpPr>
+            <a:spLocks noGrp="1"/>
+          </p:cNvSpPr>
+          <p:nvPr>
+            <p:ph idx="1"/>
+          </p:nvPr>
+        </p:nvSpPr>
+        <p:spPr>
+          <a:xfrm>
+            <a:off x="677334" y="1466335"/>
+            <a:ext cx="8596668" cy="5067816"/>
+          </a:xfrm>
+        </p:spPr>
+        <p:txBody>
+          <a:bodyPr/>
+          <a:lstStyle/>
+          <a:p>
+            <a:pPr>
+              <a:buFont typeface="+mj-lt"/>
+              <a:buAutoNum type="arabicPeriod"/>
+            </a:pPr>
+            <a:r>
+              <a:rPr lang="en-US" dirty="0">
+                <a:solidFill>
+                  <a:schemeClr val="accent1">
+                    <a:lumMod val="40000"/>
+                    <a:lumOff val="60000"/>
+                  </a:schemeClr>
+                </a:solidFill>
+              </a:rPr>
+              <a:t>K. Kumar, P. Rajiv, G. Laxmi, and N. </a:t>
+            </a:r>
+            <a:r>
+              <a:rPr lang="en-US" dirty="0" err="1">
+                <a:solidFill>
+                  <a:schemeClr val="accent1">
+                    <a:lumMod val="40000"/>
+                    <a:lumOff val="60000"/>
+                  </a:schemeClr>
+                </a:solidFill>
+              </a:rPr>
+              <a:t>Bhuyan</a:t>
+            </a:r>
+            <a:r>
+              <a:rPr lang="en-US" dirty="0">
+                <a:solidFill>
+                  <a:schemeClr val="accent1">
+                    <a:lumMod val="40000"/>
+                    <a:lumOff val="60000"/>
+                  </a:schemeClr>
+                </a:solidFill>
+              </a:rPr>
+              <a:t>.</a:t>
+            </a:r>
+            <a:br>
+              <a:rPr lang="en-US" dirty="0">
+                <a:solidFill>
+                  <a:schemeClr val="accent1">
+                    <a:lumMod val="40000"/>
+                    <a:lumOff val="60000"/>
+                  </a:schemeClr>
+                </a:solidFill>
+              </a:rPr>
+            </a:br>
+            <a:r>
+              <a:rPr lang="en-US" dirty="0"/>
+              <a:t>Shuffling: A framework for lock contention aware thread scheduling for multicore multiprocessor systems.</a:t>
+            </a:r>
+            <a:br>
+              <a:rPr lang="en-US" dirty="0"/>
+            </a:br>
+            <a:r>
+              <a:rPr lang="en-US" dirty="0">
+                <a:solidFill>
+                  <a:schemeClr val="accent1">
+                    <a:lumMod val="60000"/>
+                    <a:lumOff val="40000"/>
+                  </a:schemeClr>
+                </a:solidFill>
+              </a:rPr>
+              <a:t>In 2014 23rd International Conference on Parallel Architecture and Compilation Techniques (PACT), pages 289–300, Aug 2014.</a:t>
+            </a:r>
+          </a:p>
+          <a:p>
+            <a:pPr>
+              <a:buFont typeface="+mj-lt"/>
+              <a:buAutoNum type="arabicPeriod"/>
+            </a:pPr>
+            <a:r>
+              <a:rPr lang="en-US" dirty="0">
+                <a:solidFill>
+                  <a:schemeClr val="accent1">
+                    <a:lumMod val="40000"/>
+                    <a:lumOff val="60000"/>
+                  </a:schemeClr>
+                </a:solidFill>
+              </a:rPr>
+              <a:t>J.-P. </a:t>
+            </a:r>
+            <a:r>
+              <a:rPr lang="en-US" dirty="0" err="1">
+                <a:solidFill>
+                  <a:schemeClr val="accent1">
+                    <a:lumMod val="40000"/>
+                    <a:lumOff val="60000"/>
+                  </a:schemeClr>
+                </a:solidFill>
+              </a:rPr>
+              <a:t>Lozi</a:t>
+            </a:r>
+            <a:r>
+              <a:rPr lang="en-US" dirty="0">
+                <a:solidFill>
+                  <a:schemeClr val="accent1">
+                    <a:lumMod val="40000"/>
+                    <a:lumOff val="60000"/>
+                  </a:schemeClr>
+                </a:solidFill>
+              </a:rPr>
+              <a:t>, B. Lepers, J. Funston, F. Gaud, V. </a:t>
+            </a:r>
+            <a:r>
+              <a:rPr lang="en-US" dirty="0" err="1">
+                <a:solidFill>
+                  <a:schemeClr val="accent1">
+                    <a:lumMod val="40000"/>
+                    <a:lumOff val="60000"/>
+                  </a:schemeClr>
+                </a:solidFill>
+              </a:rPr>
+              <a:t>Quéma</a:t>
+            </a:r>
+            <a:r>
+              <a:rPr lang="en-US" dirty="0">
+                <a:solidFill>
+                  <a:schemeClr val="accent1">
+                    <a:lumMod val="40000"/>
+                    <a:lumOff val="60000"/>
+                  </a:schemeClr>
+                </a:solidFill>
+              </a:rPr>
+              <a:t>, and A. </a:t>
+            </a:r>
+            <a:r>
+              <a:rPr lang="en-US" dirty="0" err="1">
+                <a:solidFill>
+                  <a:schemeClr val="accent1">
+                    <a:lumMod val="40000"/>
+                    <a:lumOff val="60000"/>
+                  </a:schemeClr>
+                </a:solidFill>
+              </a:rPr>
+              <a:t>Fedorova</a:t>
+            </a:r>
+            <a:r>
+              <a:rPr lang="en-US" dirty="0">
+                <a:solidFill>
+                  <a:schemeClr val="accent1">
+                    <a:lumMod val="40000"/>
+                    <a:lumOff val="60000"/>
+                  </a:schemeClr>
+                </a:solidFill>
+              </a:rPr>
+              <a:t>.</a:t>
+            </a:r>
+            <a:br>
+              <a:rPr lang="en-US" dirty="0"/>
+            </a:br>
+            <a:r>
+              <a:rPr lang="en-US" dirty="0"/>
+              <a:t>The </a:t>
+            </a:r>
+            <a:r>
+              <a:rPr lang="en-US" dirty="0" err="1"/>
+              <a:t>linux</a:t>
+            </a:r>
+            <a:r>
+              <a:rPr lang="en-US" dirty="0"/>
+              <a:t> scheduler: A decade of wasted cores.</a:t>
+            </a:r>
+            <a:br>
+              <a:rPr lang="en-US" dirty="0"/>
+            </a:br>
+            <a:r>
+              <a:rPr lang="en-US" dirty="0">
+                <a:solidFill>
+                  <a:schemeClr val="accent1">
+                    <a:lumMod val="60000"/>
+                    <a:lumOff val="40000"/>
+                  </a:schemeClr>
+                </a:solidFill>
+              </a:rPr>
+              <a:t>In Proceedings of the Eleventh European Conference on Computer Systems, </a:t>
+            </a:r>
+            <a:r>
+              <a:rPr lang="en-US" dirty="0" err="1">
+                <a:solidFill>
+                  <a:schemeClr val="accent1">
+                    <a:lumMod val="60000"/>
+                    <a:lumOff val="40000"/>
+                  </a:schemeClr>
+                </a:solidFill>
+              </a:rPr>
+              <a:t>EuroSys</a:t>
+            </a:r>
+            <a:r>
+              <a:rPr lang="en-US" dirty="0">
+                <a:solidFill>
+                  <a:schemeClr val="accent1">
+                    <a:lumMod val="60000"/>
+                    <a:lumOff val="40000"/>
+                  </a:schemeClr>
+                </a:solidFill>
+              </a:rPr>
+              <a:t> ’16, pages 1:1–1:16, New York, NY, USA, 2016. ACM.</a:t>
+            </a:r>
+          </a:p>
+          <a:p>
+            <a:pPr>
+              <a:buFont typeface="+mj-lt"/>
+              <a:buAutoNum type="arabicPeriod"/>
+            </a:pPr>
+            <a:r>
+              <a:rPr lang="en-US" dirty="0">
+                <a:solidFill>
+                  <a:schemeClr val="accent1">
+                    <a:lumMod val="40000"/>
+                    <a:lumOff val="60000"/>
+                  </a:schemeClr>
+                </a:solidFill>
+              </a:rPr>
+              <a:t>U. B. Nisar, M. Aleem, M. A. Iqbal, and N. S. Vo.</a:t>
+            </a:r>
+            <a:br>
+              <a:rPr lang="en-US" dirty="0"/>
+            </a:br>
+            <a:r>
+              <a:rPr lang="en-US" dirty="0"/>
+              <a:t>Jumbler: A lock-contention aware thread scheduler for multi-core parallel machines.</a:t>
+            </a:r>
+            <a:br>
+              <a:rPr lang="en-US" dirty="0"/>
+            </a:br>
+            <a:r>
+              <a:rPr lang="en-US" dirty="0">
+                <a:solidFill>
+                  <a:schemeClr val="accent1">
+                    <a:lumMod val="60000"/>
+                    <a:lumOff val="40000"/>
+                  </a:schemeClr>
+                </a:solidFill>
+              </a:rPr>
+              <a:t>In 2017 International Conference on Recent Advances in Signal Processing, Telecommunications Computing (</a:t>
+            </a:r>
+            <a:r>
+              <a:rPr lang="en-US" dirty="0" err="1">
+                <a:solidFill>
+                  <a:schemeClr val="accent1">
+                    <a:lumMod val="60000"/>
+                    <a:lumOff val="40000"/>
+                  </a:schemeClr>
+                </a:solidFill>
+              </a:rPr>
+              <a:t>SigTelCom</a:t>
+            </a:r>
+            <a:r>
+              <a:rPr lang="en-US" dirty="0">
+                <a:solidFill>
+                  <a:schemeClr val="accent1">
+                    <a:lumMod val="60000"/>
+                    <a:lumOff val="40000"/>
+                  </a:schemeClr>
+                </a:solidFill>
+              </a:rPr>
+              <a:t>), pages 77–81, Jan 2017.</a:t>
+            </a:r>
+          </a:p>
+          <a:p>
+            <a:pPr>
+              <a:buFont typeface="+mj-lt"/>
+              <a:buAutoNum type="arabicPeriod"/>
+            </a:pPr>
+            <a:endParaRPr lang="en-US" dirty="0"/>
+          </a:p>
+        </p:txBody>
+      </p:sp>
+    </p:spTree>
+    <p:extLst>
+      <p:ext uri="{BB962C8B-B14F-4D97-AF65-F5344CB8AC3E}">
+        <p14:creationId xmlns:p14="http://schemas.microsoft.com/office/powerpoint/2010/main" val="1409436407"/>
+      </p:ext>
+    </p:extLst>
+  </p:cSld>
+  <p:clrMapOvr>
+    <a:masterClrMapping/>
+  </p:clrMapOvr>
+</p:sld>
+</file>
+
+<file path=ppt/slides/slide3.xml><?xml version="1.0" encoding="utf-8"?>
+<p:sld xmlns:a="http://schemas.openxmlformats.org/drawingml/2006/main" xmlns:r="http://schemas.openxmlformats.org/officeDocument/2006/relationships" xmlns:p="http://schemas.openxmlformats.org/presentationml/2006/main">
+  <p:cSld>
+    <p:spTree>
+      <p:nvGrpSpPr>
+        <p:cNvPr id="1" name=""/>
+        <p:cNvGrpSpPr/>
+        <p:nvPr/>
+      </p:nvGrpSpPr>
+      <p:grpSpPr>
+        <a:xfrm>
+          <a:off x="0" y="0"/>
+          <a:ext cx="0" cy="0"/>
+          <a:chOff x="0" y="0"/>
+          <a:chExt cx="0" cy="0"/>
+        </a:xfrm>
+      </p:grpSpPr>
+      <p:sp>
+        <p:nvSpPr>
+          <p:cNvPr id="4" name="TextBox 3">
+            <a:extLst>
+              <a:ext uri="{FF2B5EF4-FFF2-40B4-BE49-F238E27FC236}">
+                <a16:creationId xmlns:a16="http://schemas.microsoft.com/office/drawing/2014/main" id="{B13FF52D-29EB-4115-9A3B-7840FC0DFFB1}"/>
+              </a:ext>
+            </a:extLst>
+          </p:cNvPr>
+          <p:cNvSpPr txBox="1"/>
+          <p:nvPr/>
+        </p:nvSpPr>
+        <p:spPr>
+          <a:xfrm>
+            <a:off x="494271" y="2207742"/>
+            <a:ext cx="8647926" cy="2246769"/>
+          </a:xfrm>
+          <a:prstGeom prst="rect">
+            <a:avLst/>
+          </a:prstGeom>
+          <a:noFill/>
+        </p:spPr>
+        <p:txBody>
+          <a:bodyPr wrap="square" rtlCol="0">
+            <a:spAutoFit/>
+          </a:bodyPr>
+          <a:lstStyle/>
+          <a:p>
+            <a:r>
+              <a:rPr lang="en-US" sz="2800" dirty="0"/>
+              <a:t>“And you have to realize that there are not very many things that have aged as well as the scheduler. Which is just another proof that scheduling is easy.”</a:t>
+            </a:r>
+          </a:p>
+          <a:p>
+            <a:r>
+              <a:rPr lang="en-US" sz="2800" dirty="0"/>
+              <a:t>Linus Torvalds, 2001 [2]</a:t>
+            </a:r>
+          </a:p>
+          <a:p>
+            <a:endParaRPr lang="en-US" sz="2800" dirty="0"/>
+          </a:p>
+        </p:txBody>
+      </p:sp>
+    </p:spTree>
+    <p:extLst>
+      <p:ext uri="{BB962C8B-B14F-4D97-AF65-F5344CB8AC3E}">
+        <p14:creationId xmlns:p14="http://schemas.microsoft.com/office/powerpoint/2010/main" val="3998777308"/>
+      </p:ext>
+    </p:extLst>
+  </p:cSld>
+  <p:clrMapOvr>
+    <a:masterClrMapping/>
+  </p:clrMapOvr>
+</p:sld>
+</file>
+
+<file path=ppt/slides/slide4.xml><?xml version="1.0" encoding="utf-8"?>
+<p:sld xmlns:a="http://schemas.openxmlformats.org/drawingml/2006/main" xmlns:r="http://schemas.openxmlformats.org/officeDocument/2006/relationships" xmlns:p="http://schemas.openxmlformats.org/presentationml/2006/main">
+  <p:cSld>
+    <p:spTree>
+      <p:nvGrpSpPr>
+        <p:cNvPr id="1" name=""/>
+        <p:cNvGrpSpPr/>
+        <p:nvPr/>
+      </p:nvGrpSpPr>
+      <p:grpSpPr>
+        <a:xfrm>
+          <a:off x="0" y="0"/>
+          <a:ext cx="0" cy="0"/>
+          <a:chOff x="0" y="0"/>
+          <a:chExt cx="0" cy="0"/>
+        </a:xfrm>
+      </p:grpSpPr>
+      <p:sp>
+        <p:nvSpPr>
+          <p:cNvPr id="2" name="Title 1">
+            <a:extLst>
+              <a:ext uri="{FF2B5EF4-FFF2-40B4-BE49-F238E27FC236}">
+                <a16:creationId xmlns:a16="http://schemas.microsoft.com/office/drawing/2014/main" id="{DCF92C05-1C98-453A-93C4-50D0A0132DD8}"/>
+              </a:ext>
+            </a:extLst>
+          </p:cNvPr>
+          <p:cNvSpPr>
+            <a:spLocks noGrp="1"/>
+          </p:cNvSpPr>
+          <p:nvPr>
+            <p:ph type="title"/>
+          </p:nvPr>
+        </p:nvSpPr>
+        <p:spPr/>
+        <p:txBody>
+          <a:bodyPr/>
+          <a:lstStyle/>
+          <a:p>
+            <a:r>
+              <a:rPr lang="en-US" dirty="0"/>
+              <a:t>Overview</a:t>
+            </a:r>
+          </a:p>
+        </p:txBody>
+      </p:sp>
+      <p:sp>
+        <p:nvSpPr>
+          <p:cNvPr id="3" name="Content Placeholder 2">
+            <a:extLst>
+              <a:ext uri="{FF2B5EF4-FFF2-40B4-BE49-F238E27FC236}">
+                <a16:creationId xmlns:a16="http://schemas.microsoft.com/office/drawing/2014/main" id="{17803503-BB9B-4A29-AEA2-68B073ED6A74}"/>
+              </a:ext>
+            </a:extLst>
+          </p:cNvPr>
+          <p:cNvSpPr>
+            <a:spLocks noGrp="1"/>
+          </p:cNvSpPr>
+          <p:nvPr>
+            <p:ph idx="1"/>
+          </p:nvPr>
+        </p:nvSpPr>
+        <p:spPr/>
+        <p:txBody>
+          <a:bodyPr/>
+          <a:lstStyle/>
+          <a:p>
+            <a:r>
+              <a:rPr lang="en-US" dirty="0"/>
+              <a:t>Establish needed concepts</a:t>
+            </a:r>
+          </a:p>
+          <a:p>
+            <a:r>
+              <a:rPr lang="en-US" dirty="0"/>
+              <a:t>Thread scheduling and thread load-balancing on Linux</a:t>
+            </a:r>
+          </a:p>
+          <a:p>
+            <a:r>
+              <a:rPr lang="en-US" dirty="0"/>
+              <a:t>Bug fixes and two new developments to the Linux thread scheduler</a:t>
+            </a:r>
+          </a:p>
+        </p:txBody>
+      </p:sp>
+    </p:spTree>
+    <p:extLst>
+      <p:ext uri="{BB962C8B-B14F-4D97-AF65-F5344CB8AC3E}">
+        <p14:creationId xmlns:p14="http://schemas.microsoft.com/office/powerpoint/2010/main" val="878520349"/>
+      </p:ext>
+    </p:extLst>
+  </p:cSld>
+  <p:clrMapOvr>
+    <a:masterClrMapping/>
+  </p:clrMapOvr>
+</p:sld>
+</file>
+
+<file path=ppt/slides/slide5.xml><?xml version="1.0" encoding="utf-8"?>
+<p:sld xmlns:a="http://schemas.openxmlformats.org/drawingml/2006/main" xmlns:r="http://schemas.openxmlformats.org/officeDocument/2006/relationships" xmlns:p="http://schemas.openxmlformats.org/presentationml/2006/main">
+  <p:cSld>
+    <p:spTree>
+      <p:nvGrpSpPr>
+        <p:cNvPr id="1" name=""/>
+        <p:cNvGrpSpPr/>
+        <p:nvPr/>
+      </p:nvGrpSpPr>
+      <p:grpSpPr>
+        <a:xfrm>
+          <a:off x="0" y="0"/>
+          <a:ext cx="0" cy="0"/>
+          <a:chOff x="0" y="0"/>
+          <a:chExt cx="0" cy="0"/>
+        </a:xfrm>
+      </p:grpSpPr>
+      <p:sp>
+        <p:nvSpPr>
+          <p:cNvPr id="3" name="Content Placeholder 2">
+            <a:extLst>
+              <a:ext uri="{FF2B5EF4-FFF2-40B4-BE49-F238E27FC236}">
+                <a16:creationId xmlns:a16="http://schemas.microsoft.com/office/drawing/2014/main" id="{B1E340F2-4789-4967-952F-9B21CF8303CD}"/>
+              </a:ext>
+            </a:extLst>
+          </p:cNvPr>
+          <p:cNvSpPr>
+            <a:spLocks noGrp="1"/>
+          </p:cNvSpPr>
+          <p:nvPr>
+            <p:ph idx="1"/>
+          </p:nvPr>
+        </p:nvSpPr>
+        <p:spPr>
+          <a:xfrm>
+            <a:off x="727027" y="2345636"/>
+            <a:ext cx="6558353" cy="2047461"/>
+          </a:xfrm>
+        </p:spPr>
+        <p:txBody>
+          <a:bodyPr>
+            <a:normAutofit/>
+          </a:bodyPr>
+          <a:lstStyle/>
+          <a:p>
+            <a:pPr marL="0" indent="0">
+              <a:buNone/>
+            </a:pPr>
+            <a:r>
+              <a:rPr lang="en-US" sz="2400" dirty="0"/>
+              <a:t>Before we define what thread scheduling is,</a:t>
+            </a:r>
+          </a:p>
+          <a:p>
+            <a:pPr marL="0" indent="0">
+              <a:buNone/>
+            </a:pPr>
+            <a:r>
+              <a:rPr lang="en-US" sz="2400" dirty="0"/>
+              <a:t>let’s get some terms out of the way!</a:t>
+            </a:r>
+          </a:p>
+        </p:txBody>
+      </p:sp>
+    </p:spTree>
+    <p:extLst>
+      <p:ext uri="{BB962C8B-B14F-4D97-AF65-F5344CB8AC3E}">
+        <p14:creationId xmlns:p14="http://schemas.microsoft.com/office/powerpoint/2010/main" val="2869639970"/>
+      </p:ext>
+    </p:extLst>
+  </p:cSld>
+  <p:clrMapOvr>
+    <a:masterClrMapping/>
+  </p:clrMapOvr>
+</p:sld>
+</file>
+
+<file path=ppt/slides/slide6.xml><?xml version="1.0" encoding="utf-8"?>
+<p:sld xmlns:a="http://schemas.openxmlformats.org/drawingml/2006/main" xmlns:r="http://schemas.openxmlformats.org/officeDocument/2006/relationships" xmlns:p="http://schemas.openxmlformats.org/presentationml/2006/main">
+  <p:cSld>
+    <p:spTree>
+      <p:nvGrpSpPr>
+        <p:cNvPr id="1" name=""/>
+        <p:cNvGrpSpPr/>
+        <p:nvPr/>
+      </p:nvGrpSpPr>
+      <p:grpSpPr>
+        <a:xfrm>
+          <a:off x="0" y="0"/>
+          <a:ext cx="0" cy="0"/>
+          <a:chOff x="0" y="0"/>
+          <a:chExt cx="0" cy="0"/>
+        </a:xfrm>
+      </p:grpSpPr>
+      <p:sp>
+        <p:nvSpPr>
+          <p:cNvPr id="2" name="Title 1">
+            <a:extLst>
+              <a:ext uri="{FF2B5EF4-FFF2-40B4-BE49-F238E27FC236}">
+                <a16:creationId xmlns:a16="http://schemas.microsoft.com/office/drawing/2014/main" id="{BDD0509A-6666-45C3-8F03-D2600104FFEE}"/>
+              </a:ext>
+            </a:extLst>
+          </p:cNvPr>
+          <p:cNvSpPr>
+            <a:spLocks noGrp="1"/>
+          </p:cNvSpPr>
+          <p:nvPr>
+            <p:ph type="title"/>
+          </p:nvPr>
+        </p:nvSpPr>
+        <p:spPr/>
+        <p:txBody>
+          <a:bodyPr/>
+          <a:lstStyle/>
+          <a:p>
+            <a:r>
+              <a:rPr lang="en-US" dirty="0"/>
+              <a:t>Outline</a:t>
+            </a:r>
+          </a:p>
+        </p:txBody>
+      </p:sp>
+      <p:sp>
+        <p:nvSpPr>
+          <p:cNvPr id="3" name="Content Placeholder 2">
+            <a:extLst>
+              <a:ext uri="{FF2B5EF4-FFF2-40B4-BE49-F238E27FC236}">
+                <a16:creationId xmlns:a16="http://schemas.microsoft.com/office/drawing/2014/main" id="{5D73516D-08C5-41D9-94BA-396221B63085}"/>
+              </a:ext>
+            </a:extLst>
+          </p:cNvPr>
+          <p:cNvSpPr>
+            <a:spLocks noGrp="1"/>
+          </p:cNvSpPr>
+          <p:nvPr>
+            <p:ph idx="1"/>
+          </p:nvPr>
+        </p:nvSpPr>
+        <p:spPr/>
+        <p:txBody>
+          <a:bodyPr/>
+          <a:lstStyle/>
+          <a:p>
+            <a:r>
+              <a:rPr lang="en-US" dirty="0"/>
+              <a:t>Establish needed concepts</a:t>
+            </a:r>
+          </a:p>
+          <a:p>
+            <a:pPr lvl="1"/>
+            <a:r>
+              <a:rPr lang="en-US" dirty="0"/>
+              <a:t>Threads, Multithreading Programs</a:t>
+            </a:r>
+          </a:p>
+          <a:p>
+            <a:pPr lvl="1"/>
+            <a:r>
+              <a:rPr lang="en-US" dirty="0"/>
+              <a:t>Parallel programming</a:t>
+            </a:r>
+          </a:p>
+          <a:p>
+            <a:pPr lvl="1"/>
+            <a:r>
+              <a:rPr lang="en-US" dirty="0"/>
+              <a:t>Synchronicity and Locks</a:t>
+            </a:r>
+          </a:p>
+          <a:p>
+            <a:r>
+              <a:rPr lang="en-US" dirty="0">
+                <a:solidFill>
+                  <a:schemeClr val="accent1">
+                    <a:lumMod val="75000"/>
+                  </a:schemeClr>
+                </a:solidFill>
+              </a:rPr>
+              <a:t>Thread scheduling and thread load-balancing on Linux</a:t>
+            </a:r>
+          </a:p>
+          <a:p>
+            <a:r>
+              <a:rPr lang="en-US" dirty="0">
+                <a:solidFill>
+                  <a:schemeClr val="accent1">
+                    <a:lumMod val="75000"/>
+                  </a:schemeClr>
+                </a:solidFill>
+              </a:rPr>
+              <a:t>Bug fixes and two new developments to the Linux thread scheduler</a:t>
+            </a:r>
+          </a:p>
+          <a:p>
+            <a:pPr lvl="1"/>
+            <a:endParaRPr lang="en-US" dirty="0"/>
+          </a:p>
+          <a:p>
+            <a:pPr lvl="2"/>
+            <a:endParaRPr lang="en-US" dirty="0"/>
+          </a:p>
+        </p:txBody>
+      </p:sp>
+    </p:spTree>
+    <p:extLst>
+      <p:ext uri="{BB962C8B-B14F-4D97-AF65-F5344CB8AC3E}">
+        <p14:creationId xmlns:p14="http://schemas.microsoft.com/office/powerpoint/2010/main" val="1957347650"/>
+      </p:ext>
+    </p:extLst>
+  </p:cSld>
+  <p:clrMapOvr>
+    <a:masterClrMapping/>
+  </p:clrMapOvr>
+</p:sld>
+</file>
+
+<file path=ppt/slides/slide7.xml><?xml version="1.0" encoding="utf-8"?>
+<p:sld xmlns:a="http://schemas.openxmlformats.org/drawingml/2006/main" xmlns:r="http://schemas.openxmlformats.org/officeDocument/2006/relationships" xmlns:p="http://schemas.openxmlformats.org/presentationml/2006/main">
+  <p:cSld>
+    <p:bg>
+      <p:bgPr>
+        <a:solidFill>
+          <a:schemeClr val="bg2"/>
+        </a:solidFill>
+        <a:effectLst/>
+      </p:bgPr>
+    </p:bg>
+    <p:spTree>
+      <p:nvGrpSpPr>
+        <p:cNvPr id="1" name=""/>
+        <p:cNvGrpSpPr/>
+        <p:nvPr/>
+      </p:nvGrpSpPr>
+      <p:grpSpPr>
+        <a:xfrm>
+          <a:off x="0" y="0"/>
+          <a:ext cx="0" cy="0"/>
+          <a:chOff x="0" y="0"/>
+          <a:chExt cx="0" cy="0"/>
+        </a:xfrm>
+      </p:grpSpPr>
+      <p:pic>
+        <p:nvPicPr>
+          <p:cNvPr id="11" name="Picture 10">
+            <a:extLst>
+              <a:ext uri="{FF2B5EF4-FFF2-40B4-BE49-F238E27FC236}">
+                <a16:creationId xmlns:a16="http://schemas.microsoft.com/office/drawing/2014/main" id="{419D46DA-3F9A-47BF-A34F-F26DB99740B7}"/>
+              </a:ext>
+            </a:extLst>
+          </p:cNvPr>
+          <p:cNvPicPr>
+            <a:picLocks noChangeAspect="1"/>
+          </p:cNvPicPr>
+          <p:nvPr/>
+        </p:nvPicPr>
+        <p:blipFill>
+          <a:blip r:embed="rId2">
+            <a:extLst>
+              <a:ext uri="{96DAC541-7B7A-43D3-8B79-37D633B846F1}">
+                <asvg:svgBlip xmlns:asvg="http://schemas.microsoft.com/office/drawing/2016/SVG/main" r:embed="rId3"/>
+              </a:ext>
+            </a:extLst>
+          </a:blip>
+          <a:stretch>
+            <a:fillRect/>
+          </a:stretch>
+        </p:blipFill>
+        <p:spPr>
+          <a:xfrm>
+            <a:off x="5030394" y="896708"/>
+            <a:ext cx="4585524" cy="4560049"/>
+          </a:xfrm>
+          <a:prstGeom prst="rect">
+            <a:avLst/>
+          </a:prstGeom>
+        </p:spPr>
+      </p:pic>
+      <p:sp>
+        <p:nvSpPr>
+          <p:cNvPr id="3" name="Content Placeholder 2">
+            <a:extLst>
+              <a:ext uri="{FF2B5EF4-FFF2-40B4-BE49-F238E27FC236}">
+                <a16:creationId xmlns:a16="http://schemas.microsoft.com/office/drawing/2014/main" id="{D83E9CED-5A39-49BF-9563-8FD5937C2082}"/>
+              </a:ext>
+            </a:extLst>
+          </p:cNvPr>
+          <p:cNvSpPr>
+            <a:spLocks noGrp="1"/>
+          </p:cNvSpPr>
+          <p:nvPr>
+            <p:ph idx="1"/>
+          </p:nvPr>
+        </p:nvSpPr>
+        <p:spPr>
+          <a:xfrm>
+            <a:off x="586408" y="1242391"/>
+            <a:ext cx="3819414" cy="4919870"/>
+          </a:xfrm>
+        </p:spPr>
+        <p:txBody>
+          <a:bodyPr>
+            <a:normAutofit/>
+          </a:bodyPr>
+          <a:lstStyle/>
+          <a:p>
+            <a:r>
+              <a:rPr lang="en-US" dirty="0"/>
+              <a:t>Threads allow a program to run more than one independent task at one time</a:t>
+            </a:r>
+          </a:p>
+          <a:p>
+            <a:endParaRPr lang="en-US" dirty="0"/>
+          </a:p>
+          <a:p>
+            <a:r>
+              <a:rPr lang="en-US" dirty="0"/>
+              <a:t>Useful for…</a:t>
+            </a:r>
+          </a:p>
+          <a:p>
+            <a:pPr lvl="1"/>
+            <a:r>
+              <a:rPr lang="en-US" dirty="0"/>
+              <a:t>Programs with long, mostly-independent computations</a:t>
+            </a:r>
+          </a:p>
+          <a:p>
+            <a:pPr lvl="1"/>
+            <a:r>
+              <a:rPr lang="en-US" dirty="0"/>
+              <a:t>Programs with graphical interface</a:t>
+            </a:r>
+          </a:p>
+          <a:p>
+            <a:pPr marL="457200" lvl="1" indent="0">
+              <a:buNone/>
+            </a:pPr>
+            <a:endParaRPr lang="en-US" dirty="0"/>
+          </a:p>
+          <a:p>
+            <a:r>
+              <a:rPr lang="en-US" dirty="0"/>
+              <a:t>Example GUI Program (right)</a:t>
+            </a:r>
+          </a:p>
+          <a:p>
+            <a:pPr marL="457200" lvl="1" indent="0">
+              <a:buNone/>
+            </a:pPr>
+            <a:r>
+              <a:rPr lang="en-US" dirty="0"/>
+              <a:t>In this figure there are</a:t>
+            </a:r>
+            <a:br>
+              <a:rPr lang="en-US" dirty="0"/>
+            </a:br>
+            <a:r>
+              <a:rPr lang="en-US" dirty="0">
+                <a:solidFill>
+                  <a:schemeClr val="accent2">
+                    <a:lumMod val="60000"/>
+                    <a:lumOff val="40000"/>
+                  </a:schemeClr>
+                </a:solidFill>
+              </a:rPr>
+              <a:t>three</a:t>
+            </a:r>
+            <a:r>
+              <a:rPr lang="en-US" dirty="0"/>
+              <a:t> Threads created within</a:t>
+            </a:r>
+            <a:br>
+              <a:rPr lang="en-US" dirty="0"/>
+            </a:br>
+            <a:r>
+              <a:rPr lang="en-US" dirty="0">
+                <a:solidFill>
+                  <a:schemeClr val="accent2">
+                    <a:lumMod val="60000"/>
+                    <a:lumOff val="40000"/>
+                  </a:schemeClr>
+                </a:solidFill>
+              </a:rPr>
+              <a:t>one</a:t>
+            </a:r>
+            <a:r>
+              <a:rPr lang="en-US" dirty="0"/>
+              <a:t> Process</a:t>
+            </a:r>
+          </a:p>
+        </p:txBody>
+      </p:sp>
+      <p:sp>
+        <p:nvSpPr>
+          <p:cNvPr id="15" name="Title 14">
+            <a:extLst>
+              <a:ext uri="{FF2B5EF4-FFF2-40B4-BE49-F238E27FC236}">
+                <a16:creationId xmlns:a16="http://schemas.microsoft.com/office/drawing/2014/main" id="{DD5971B8-AEDF-4A4F-A785-3ABA81D954C9}"/>
+              </a:ext>
+            </a:extLst>
+          </p:cNvPr>
+          <p:cNvSpPr>
+            <a:spLocks noGrp="1"/>
+          </p:cNvSpPr>
+          <p:nvPr>
+            <p:ph type="title"/>
+          </p:nvPr>
+        </p:nvSpPr>
+        <p:spPr>
+          <a:xfrm>
+            <a:off x="677334" y="609600"/>
+            <a:ext cx="3728488" cy="632791"/>
+          </a:xfrm>
+        </p:spPr>
+        <p:txBody>
+          <a:bodyPr>
+            <a:normAutofit fontScale="90000"/>
+          </a:bodyPr>
+          <a:lstStyle/>
+          <a:p>
+            <a:r>
+              <a:rPr lang="en-US" dirty="0"/>
+              <a:t>Using Threads</a:t>
+            </a:r>
+          </a:p>
+        </p:txBody>
+      </p:sp>
+    </p:spTree>
+    <p:extLst>
+      <p:ext uri="{BB962C8B-B14F-4D97-AF65-F5344CB8AC3E}">
+        <p14:creationId xmlns:p14="http://schemas.microsoft.com/office/powerpoint/2010/main" val="3896337394"/>
+      </p:ext>
+    </p:extLst>
+  </p:cSld>
+  <p:clrMapOvr>
+    <a:masterClrMapping/>
+  </p:clrMapOvr>
+</p:sld>
+</file>
+
+<file path=ppt/slides/slide8.xml><?xml version="1.0" encoding="utf-8"?>
+<p:sld xmlns:a="http://schemas.openxmlformats.org/drawingml/2006/main" xmlns:r="http://schemas.openxmlformats.org/officeDocument/2006/relationships" xmlns:p="http://schemas.openxmlformats.org/presentationml/2006/main">
+  <p:cSld>
+    <p:bg>
+      <p:bgPr>
+        <a:solidFill>
+          <a:schemeClr val="bg2"/>
+        </a:solidFill>
+        <a:effectLst/>
+      </p:bgPr>
+    </p:bg>
+    <p:spTree>
+      <p:nvGrpSpPr>
+        <p:cNvPr id="1" name=""/>
+        <p:cNvGrpSpPr/>
+        <p:nvPr/>
+      </p:nvGrpSpPr>
+      <p:grpSpPr>
+        <a:xfrm>
+          <a:off x="0" y="0"/>
+          <a:ext cx="0" cy="0"/>
+          <a:chOff x="0" y="0"/>
+          <a:chExt cx="0" cy="0"/>
+        </a:xfrm>
+      </p:grpSpPr>
+      <p:sp>
+        <p:nvSpPr>
+          <p:cNvPr id="3" name="Content Placeholder 2">
+            <a:extLst>
+              <a:ext uri="{FF2B5EF4-FFF2-40B4-BE49-F238E27FC236}">
+                <a16:creationId xmlns:a16="http://schemas.microsoft.com/office/drawing/2014/main" id="{D83E9CED-5A39-49BF-9563-8FD5937C2082}"/>
+              </a:ext>
+            </a:extLst>
+          </p:cNvPr>
+          <p:cNvSpPr>
+            <a:spLocks noGrp="1"/>
+          </p:cNvSpPr>
+          <p:nvPr>
+            <p:ph idx="1"/>
+          </p:nvPr>
+        </p:nvSpPr>
+        <p:spPr>
+          <a:xfrm>
+            <a:off x="592114" y="1242391"/>
+            <a:ext cx="8661216" cy="4591877"/>
+          </a:xfrm>
+        </p:spPr>
+        <p:txBody>
+          <a:bodyPr>
+            <a:normAutofit/>
+          </a:bodyPr>
+          <a:lstStyle/>
+          <a:p>
+            <a:r>
+              <a:rPr lang="en-US" dirty="0"/>
+              <a:t>A </a:t>
+            </a:r>
+            <a:r>
+              <a:rPr lang="en-US" dirty="0">
+                <a:solidFill>
+                  <a:schemeClr val="accent2">
+                    <a:lumMod val="60000"/>
+                    <a:lumOff val="40000"/>
+                  </a:schemeClr>
+                </a:solidFill>
+              </a:rPr>
+              <a:t>multithreaded program </a:t>
+            </a:r>
+            <a:r>
+              <a:rPr lang="en-US" dirty="0"/>
+              <a:t>is a program that employs threads</a:t>
+            </a:r>
+          </a:p>
+          <a:p>
+            <a:endParaRPr lang="en-US" dirty="0"/>
+          </a:p>
+          <a:p>
+            <a:r>
+              <a:rPr lang="en-US" dirty="0">
+                <a:solidFill>
+                  <a:schemeClr val="accent2">
+                    <a:lumMod val="60000"/>
+                    <a:lumOff val="40000"/>
+                  </a:schemeClr>
+                </a:solidFill>
+              </a:rPr>
+              <a:t>Concurrent computing </a:t>
+            </a:r>
+            <a:r>
+              <a:rPr lang="en-US" dirty="0"/>
+              <a:t>techniques are techniques that allow many tasks to occur at the same time [W]</a:t>
+            </a:r>
+          </a:p>
+          <a:p>
+            <a:endParaRPr lang="en-US" dirty="0"/>
+          </a:p>
+          <a:p>
+            <a:r>
+              <a:rPr lang="en-US" dirty="0">
+                <a:solidFill>
+                  <a:schemeClr val="accent2">
+                    <a:lumMod val="60000"/>
+                    <a:lumOff val="40000"/>
+                  </a:schemeClr>
+                </a:solidFill>
+              </a:rPr>
+              <a:t>Parallel computing </a:t>
+            </a:r>
+            <a:r>
+              <a:rPr lang="en-US" dirty="0"/>
+              <a:t>techniques are techniques that allow many calculations to occur at the same time [W]</a:t>
+            </a:r>
+          </a:p>
+          <a:p>
+            <a:pPr marL="0" indent="0">
+              <a:buNone/>
+            </a:pPr>
+            <a:endParaRPr lang="en-US" dirty="0"/>
+          </a:p>
+          <a:p>
+            <a:r>
+              <a:rPr lang="en-US" dirty="0"/>
+              <a:t>Problems can be solved or improved using none, either or </a:t>
+            </a:r>
+            <a:r>
+              <a:rPr lang="en-US" dirty="0">
+                <a:solidFill>
+                  <a:schemeClr val="tx1"/>
+                </a:solidFill>
+              </a:rPr>
+              <a:t>both</a:t>
+            </a:r>
+            <a:r>
+              <a:rPr lang="en-US" dirty="0"/>
+              <a:t> of these techniques at once</a:t>
+            </a:r>
+          </a:p>
+        </p:txBody>
+      </p:sp>
+      <p:sp>
+        <p:nvSpPr>
+          <p:cNvPr id="15" name="Title 14">
+            <a:extLst>
+              <a:ext uri="{FF2B5EF4-FFF2-40B4-BE49-F238E27FC236}">
+                <a16:creationId xmlns:a16="http://schemas.microsoft.com/office/drawing/2014/main" id="{DD5971B8-AEDF-4A4F-A785-3ABA81D954C9}"/>
+              </a:ext>
+            </a:extLst>
+          </p:cNvPr>
+          <p:cNvSpPr>
+            <a:spLocks noGrp="1"/>
+          </p:cNvSpPr>
+          <p:nvPr>
+            <p:ph type="title"/>
+          </p:nvPr>
+        </p:nvSpPr>
+        <p:spPr>
+          <a:xfrm>
+            <a:off x="677334" y="609600"/>
+            <a:ext cx="3384712" cy="632791"/>
+          </a:xfrm>
+        </p:spPr>
+        <p:txBody>
+          <a:bodyPr>
+            <a:normAutofit fontScale="90000"/>
+          </a:bodyPr>
+          <a:lstStyle/>
+          <a:p>
+            <a:r>
+              <a:rPr lang="en-US" dirty="0"/>
+              <a:t>Using Threads</a:t>
+            </a:r>
+          </a:p>
+        </p:txBody>
+      </p:sp>
+    </p:spTree>
+    <p:extLst>
+      <p:ext uri="{BB962C8B-B14F-4D97-AF65-F5344CB8AC3E}">
+        <p14:creationId xmlns:p14="http://schemas.microsoft.com/office/powerpoint/2010/main" val="1603242835"/>
+      </p:ext>
+    </p:extLst>
+  </p:cSld>
+  <p:clrMapOvr>
+    <a:masterClrMapping/>
+  </p:clrMapOvr>
+</p:sld>
+</file>
+
+<file path=ppt/slides/slide9.xml><?xml version="1.0" encoding="utf-8"?>
+<p:sld xmlns:a="http://schemas.openxmlformats.org/drawingml/2006/main" xmlns:r="http://schemas.openxmlformats.org/officeDocument/2006/relationships" xmlns:p="http://schemas.openxmlformats.org/presentationml/2006/main">
+  <p:cSld>
+    <p:spTree>
+      <p:nvGrpSpPr>
+        <p:cNvPr id="1" name=""/>
+        <p:cNvGrpSpPr/>
+        <p:nvPr/>
+      </p:nvGrpSpPr>
+      <p:grpSpPr>
+        <a:xfrm>
+          <a:off x="0" y="0"/>
+          <a:ext cx="0" cy="0"/>
+          <a:chOff x="0" y="0"/>
+          <a:chExt cx="0" cy="0"/>
+        </a:xfrm>
+      </p:grpSpPr>
+      <p:sp>
+        <p:nvSpPr>
+          <p:cNvPr id="2" name="Title 1">
+            <a:extLst>
+              <a:ext uri="{FF2B5EF4-FFF2-40B4-BE49-F238E27FC236}">
+                <a16:creationId xmlns:a16="http://schemas.microsoft.com/office/drawing/2014/main" id="{5BDA6342-AA3A-46B0-ACBB-BB87A6998B4F}"/>
+              </a:ext>
+            </a:extLst>
+          </p:cNvPr>
+          <p:cNvSpPr>
+            <a:spLocks noGrp="1"/>
+          </p:cNvSpPr>
+          <p:nvPr>
+            <p:ph type="title"/>
+          </p:nvPr>
+        </p:nvSpPr>
+        <p:spPr/>
+        <p:txBody>
+          <a:bodyPr/>
+          <a:lstStyle/>
+          <a:p>
+            <a:r>
+              <a:rPr lang="en-US" dirty="0"/>
+              <a:t>Parallel Programming</a:t>
+            </a:r>
+          </a:p>
+        </p:txBody>
+      </p:sp>
+      <p:sp>
+        <p:nvSpPr>
+          <p:cNvPr id="3" name="Content Placeholder 2">
+            <a:extLst>
+              <a:ext uri="{FF2B5EF4-FFF2-40B4-BE49-F238E27FC236}">
+                <a16:creationId xmlns:a16="http://schemas.microsoft.com/office/drawing/2014/main" id="{709216B0-2E5D-4118-BAB1-5893F4583306}"/>
+              </a:ext>
+            </a:extLst>
+          </p:cNvPr>
+          <p:cNvSpPr>
+            <a:spLocks noGrp="1"/>
+          </p:cNvSpPr>
+          <p:nvPr>
+            <p:ph idx="1"/>
+          </p:nvPr>
+        </p:nvSpPr>
+        <p:spPr/>
+        <p:txBody>
+          <a:bodyPr/>
+          <a:lstStyle/>
+          <a:p>
+            <a:r>
+              <a:rPr lang="en-US" dirty="0"/>
+              <a:t>[Fill in once I actually know anything about parallel computing]</a:t>
+            </a:r>
+          </a:p>
+          <a:p>
+            <a:r>
+              <a:rPr lang="en-US" dirty="0"/>
+              <a:t>Don’t go in to detail, high level descriptions.</a:t>
+            </a:r>
+          </a:p>
+        </p:txBody>
+      </p:sp>
+    </p:spTree>
+    <p:extLst>
+      <p:ext uri="{BB962C8B-B14F-4D97-AF65-F5344CB8AC3E}">
+        <p14:creationId xmlns:p14="http://schemas.microsoft.com/office/powerpoint/2010/main" val="1004208049"/>
       </p:ext>
     </p:extLst>
   </p:cSld>

--- a/Talk/Thread Scheduler Efficiency Improvements.pptx
+++ b/Talk/Thread Scheduler Efficiency Improvements.pptx
@@ -19,15 +19,26 @@
     <p:sldId id="278" r:id="rId13"/>
     <p:sldId id="263" r:id="rId14"/>
     <p:sldId id="269" r:id="rId15"/>
-    <p:sldId id="280" r:id="rId16"/>
-    <p:sldId id="266" r:id="rId17"/>
-    <p:sldId id="267" r:id="rId18"/>
-    <p:sldId id="268" r:id="rId19"/>
-    <p:sldId id="264" r:id="rId20"/>
-    <p:sldId id="262" r:id="rId21"/>
-    <p:sldId id="276" r:id="rId22"/>
-    <p:sldId id="265" r:id="rId23"/>
-    <p:sldId id="261" r:id="rId24"/>
+    <p:sldId id="266" r:id="rId16"/>
+    <p:sldId id="267" r:id="rId17"/>
+    <p:sldId id="268" r:id="rId18"/>
+    <p:sldId id="280" r:id="rId19"/>
+    <p:sldId id="281" r:id="rId20"/>
+    <p:sldId id="283" r:id="rId21"/>
+    <p:sldId id="284" r:id="rId22"/>
+    <p:sldId id="285" r:id="rId23"/>
+    <p:sldId id="286" r:id="rId24"/>
+    <p:sldId id="264" r:id="rId25"/>
+    <p:sldId id="262" r:id="rId26"/>
+    <p:sldId id="287" r:id="rId27"/>
+    <p:sldId id="288" r:id="rId28"/>
+    <p:sldId id="292" r:id="rId29"/>
+    <p:sldId id="289" r:id="rId30"/>
+    <p:sldId id="290" r:id="rId31"/>
+    <p:sldId id="293" r:id="rId32"/>
+    <p:sldId id="276" r:id="rId33"/>
+    <p:sldId id="265" r:id="rId34"/>
+    <p:sldId id="261" r:id="rId35"/>
   </p:sldIdLst>
   <p:sldSz cx="12192000" cy="6858000"/>
   <p:notesSz cx="6858000" cy="9144000"/>
@@ -153,10 +164,15 @@
           <p14:sldIdLst>
             <p14:sldId id="263"/>
             <p14:sldId id="269"/>
-            <p14:sldId id="280"/>
             <p14:sldId id="266"/>
             <p14:sldId id="267"/>
             <p14:sldId id="268"/>
+            <p14:sldId id="280"/>
+            <p14:sldId id="281"/>
+            <p14:sldId id="283"/>
+            <p14:sldId id="284"/>
+            <p14:sldId id="285"/>
+            <p14:sldId id="286"/>
           </p14:sldIdLst>
         </p14:section>
         <p14:section name="Transition to Developments" id="{5598F69B-051A-424E-8CB9-4056EABD4ECC}">
@@ -167,6 +183,12 @@
         <p14:section name="Bug Fixes to CFS" id="{292EBB91-4930-4096-8F31-04FFECC7E7B6}">
           <p14:sldIdLst>
             <p14:sldId id="262"/>
+            <p14:sldId id="287"/>
+            <p14:sldId id="288"/>
+            <p14:sldId id="292"/>
+            <p14:sldId id="289"/>
+            <p14:sldId id="290"/>
+            <p14:sldId id="293"/>
           </p14:sldIdLst>
         </p14:section>
         <p14:section name="Shuffler" id="{1D1BDA72-031E-450A-B202-8386D7190F24}">
@@ -921,7 +943,7 @@
             <a:fld id="{B61BEF0D-F0BB-DE4B-95CE-6DB70DBA9567}" type="datetimeFigureOut">
               <a:rPr lang="en-US" dirty="0"/>
               <a:pPr/>
-              <a:t>11/9/2017</a:t>
+              <a:t>11/12/2017</a:t>
             </a:fld>
             <a:endParaRPr lang="en-US" dirty="0"/>
           </a:p>
@@ -1169,7 +1191,7 @@
             <a:fld id="{B61BEF0D-F0BB-DE4B-95CE-6DB70DBA9567}" type="datetimeFigureOut">
               <a:rPr lang="en-US" dirty="0"/>
               <a:pPr/>
-              <a:t>11/9/2017</a:t>
+              <a:t>11/12/2017</a:t>
             </a:fld>
             <a:endParaRPr lang="en-US" dirty="0"/>
           </a:p>
@@ -1480,7 +1502,7 @@
             <a:fld id="{B61BEF0D-F0BB-DE4B-95CE-6DB70DBA9567}" type="datetimeFigureOut">
               <a:rPr lang="en-US" dirty="0"/>
               <a:pPr/>
-              <a:t>11/9/2017</a:t>
+              <a:t>11/12/2017</a:t>
             </a:fld>
             <a:endParaRPr lang="en-US" dirty="0"/>
           </a:p>
@@ -1804,7 +1826,7 @@
             <a:fld id="{B61BEF0D-F0BB-DE4B-95CE-6DB70DBA9567}" type="datetimeFigureOut">
               <a:rPr lang="en-US" dirty="0"/>
               <a:pPr/>
-              <a:t>11/9/2017</a:t>
+              <a:t>11/12/2017</a:t>
             </a:fld>
             <a:endParaRPr lang="en-US" dirty="0"/>
           </a:p>
@@ -2115,7 +2137,7 @@
             <a:fld id="{B61BEF0D-F0BB-DE4B-95CE-6DB70DBA9567}" type="datetimeFigureOut">
               <a:rPr lang="en-US" dirty="0"/>
               <a:pPr/>
-              <a:t>11/9/2017</a:t>
+              <a:t>11/12/2017</a:t>
             </a:fld>
             <a:endParaRPr lang="en-US" dirty="0"/>
           </a:p>
@@ -2499,7 +2521,7 @@
             <a:fld id="{B61BEF0D-F0BB-DE4B-95CE-6DB70DBA9567}" type="datetimeFigureOut">
               <a:rPr lang="en-US" dirty="0"/>
               <a:pPr/>
-              <a:t>11/9/2017</a:t>
+              <a:t>11/12/2017</a:t>
             </a:fld>
             <a:endParaRPr lang="en-US" dirty="0"/>
           </a:p>
@@ -2665,7 +2687,7 @@
           <a:p>
             <a:fld id="{55C6B4A9-1611-4792-9094-5F34BCA07E0B}" type="datetimeFigureOut">
               <a:rPr lang="en-US" dirty="0"/>
-              <a:t>11/9/2017</a:t>
+              <a:t>11/12/2017</a:t>
             </a:fld>
             <a:endParaRPr lang="en-US" dirty="0"/>
           </a:p>
@@ -2841,7 +2863,7 @@
             <a:fld id="{B61BEF0D-F0BB-DE4B-95CE-6DB70DBA9567}" type="datetimeFigureOut">
               <a:rPr lang="en-US" dirty="0"/>
               <a:pPr/>
-              <a:t>11/9/2017</a:t>
+              <a:t>11/12/2017</a:t>
             </a:fld>
             <a:endParaRPr lang="en-US" dirty="0"/>
           </a:p>
@@ -3014,7 +3036,7 @@
             <a:fld id="{B61BEF0D-F0BB-DE4B-95CE-6DB70DBA9567}" type="datetimeFigureOut">
               <a:rPr lang="en-US" dirty="0"/>
               <a:pPr/>
-              <a:t>11/9/2017</a:t>
+              <a:t>11/12/2017</a:t>
             </a:fld>
             <a:endParaRPr lang="en-US" dirty="0"/>
           </a:p>
@@ -3258,7 +3280,7 @@
             <a:fld id="{B61BEF0D-F0BB-DE4B-95CE-6DB70DBA9567}" type="datetimeFigureOut">
               <a:rPr lang="en-US" dirty="0"/>
               <a:pPr/>
-              <a:t>11/9/2017</a:t>
+              <a:t>11/12/2017</a:t>
             </a:fld>
             <a:endParaRPr lang="en-US" dirty="0"/>
           </a:p>
@@ -3486,7 +3508,7 @@
           <a:p>
             <a:fld id="{EB712588-04B1-427B-82EE-E8DB90309F08}" type="datetimeFigureOut">
               <a:rPr lang="en-US" dirty="0"/>
-              <a:t>11/9/2017</a:t>
+              <a:t>11/12/2017</a:t>
             </a:fld>
             <a:endParaRPr lang="en-US" dirty="0"/>
           </a:p>
@@ -3856,7 +3878,7 @@
             <a:fld id="{B61BEF0D-F0BB-DE4B-95CE-6DB70DBA9567}" type="datetimeFigureOut">
               <a:rPr lang="en-US" dirty="0"/>
               <a:pPr/>
-              <a:t>11/9/2017</a:t>
+              <a:t>11/12/2017</a:t>
             </a:fld>
             <a:endParaRPr lang="en-US" dirty="0"/>
           </a:p>
@@ -3976,7 +3998,7 @@
             <a:fld id="{B61BEF0D-F0BB-DE4B-95CE-6DB70DBA9567}" type="datetimeFigureOut">
               <a:rPr lang="en-US" dirty="0"/>
               <a:pPr/>
-              <a:t>11/9/2017</a:t>
+              <a:t>11/12/2017</a:t>
             </a:fld>
             <a:endParaRPr lang="en-US" dirty="0"/>
           </a:p>
@@ -4068,7 +4090,7 @@
             <a:fld id="{B61BEF0D-F0BB-DE4B-95CE-6DB70DBA9567}" type="datetimeFigureOut">
               <a:rPr lang="en-US" dirty="0"/>
               <a:pPr/>
-              <a:t>11/9/2017</a:t>
+              <a:t>11/12/2017</a:t>
             </a:fld>
             <a:endParaRPr lang="en-US" dirty="0"/>
           </a:p>
@@ -4319,7 +4341,7 @@
           <a:p>
             <a:fld id="{42A54C80-263E-416B-A8E0-580EDEADCBDC}" type="datetimeFigureOut">
               <a:rPr lang="en-US" dirty="0"/>
-              <a:t>11/9/2017</a:t>
+              <a:t>11/12/2017</a:t>
             </a:fld>
             <a:endParaRPr lang="en-US" dirty="0"/>
           </a:p>
@@ -4578,7 +4600,7 @@
             <a:fld id="{B61BEF0D-F0BB-DE4B-95CE-6DB70DBA9567}" type="datetimeFigureOut">
               <a:rPr lang="en-US" dirty="0"/>
               <a:pPr/>
-              <a:t>11/9/2017</a:t>
+              <a:t>11/12/2017</a:t>
             </a:fld>
             <a:endParaRPr lang="en-US" dirty="0"/>
           </a:p>
@@ -5320,7 +5342,7 @@
             <a:fld id="{B61BEF0D-F0BB-DE4B-95CE-6DB70DBA9567}" type="datetimeFigureOut">
               <a:rPr lang="en-US" dirty="0"/>
               <a:pPr/>
-              <a:t>11/9/2017</a:t>
+              <a:t>11/12/2017</a:t>
             </a:fld>
             <a:endParaRPr lang="en-US" dirty="0"/>
           </a:p>
@@ -6227,6 +6249,74 @@
           </a:p>
         </p:txBody>
       </p:sp>
+      <p:sp>
+        <p:nvSpPr>
+          <p:cNvPr id="3" name="TextBox 2">
+            <a:extLst>
+              <a:ext uri="{FF2B5EF4-FFF2-40B4-BE49-F238E27FC236}">
+                <a16:creationId xmlns:a16="http://schemas.microsoft.com/office/drawing/2014/main" id="{E4CDF5E4-2A67-403E-B4D8-A365070E7F54}"/>
+              </a:ext>
+            </a:extLst>
+          </p:cNvPr>
+          <p:cNvSpPr txBox="1"/>
+          <p:nvPr/>
+        </p:nvSpPr>
+        <p:spPr>
+          <a:xfrm rot="1037535">
+            <a:off x="-359783" y="5293109"/>
+            <a:ext cx="3445078" cy="1077218"/>
+          </a:xfrm>
+          <a:prstGeom prst="rect">
+            <a:avLst/>
+          </a:prstGeom>
+          <a:noFill/>
+        </p:spPr>
+        <p:txBody>
+          <a:bodyPr wrap="square" rtlCol="0">
+            <a:spAutoFit/>
+          </a:bodyPr>
+          <a:lstStyle/>
+          <a:p>
+            <a:pPr algn="ctr"/>
+            <a:r>
+              <a:rPr lang="en-US" sz="3600" dirty="0">
+                <a:solidFill>
+                  <a:schemeClr val="accent3">
+                    <a:lumMod val="60000"/>
+                    <a:lumOff val="40000"/>
+                  </a:schemeClr>
+                </a:solidFill>
+              </a:rPr>
+              <a:t>DRAFT</a:t>
+            </a:r>
+          </a:p>
+          <a:p>
+            <a:pPr algn="ctr"/>
+            <a:r>
+              <a:rPr lang="en-US" sz="2800" dirty="0" err="1">
+                <a:solidFill>
+                  <a:schemeClr val="accent3">
+                    <a:lumMod val="60000"/>
+                    <a:lumOff val="40000"/>
+                  </a:schemeClr>
+                </a:solidFill>
+              </a:rPr>
+              <a:t>Todos</a:t>
+            </a:r>
+            <a:r>
+              <a:rPr lang="en-US" sz="2800" dirty="0">
+                <a:solidFill>
+                  <a:schemeClr val="accent3">
+                    <a:lumMod val="60000"/>
+                    <a:lumOff val="40000"/>
+                  </a:schemeClr>
+                </a:solidFill>
+              </a:rPr>
+              <a:t> in Yellow</a:t>
+            </a:r>
+          </a:p>
+        </p:txBody>
+      </p:sp>
     </p:spTree>
     <p:extLst>
       <p:ext uri="{BB962C8B-B14F-4D97-AF65-F5344CB8AC3E}">
@@ -6374,7 +6464,7 @@
         </p:nvSpPr>
         <p:spPr>
           <a:xfrm>
-            <a:off x="592114" y="1242391"/>
+            <a:off x="569536" y="1581057"/>
             <a:ext cx="8603644" cy="4591877"/>
           </a:xfrm>
         </p:spPr>
@@ -6415,11 +6505,10 @@
             </a:r>
           </a:p>
           <a:p>
-            <a:pPr lvl="1"/>
-            <a:r>
-              <a:rPr lang="en-US" dirty="0"/>
-              <a:t>(Does this count for all abstract “systems”? Does it fix all types of race conditions? The abstract “lock” is engineered to solve race conditions for an abstract “system” right?)</a:t>
-            </a:r>
+            <a:pPr marL="0" indent="0">
+              <a:buNone/>
+            </a:pPr>
+            <a:endParaRPr lang="en-US" dirty="0"/>
           </a:p>
           <a:p>
             <a:r>
@@ -6435,29 +6524,48 @@
             </a:r>
             <a:r>
               <a:rPr lang="en-US" dirty="0"/>
-              <a:t> are effectively </a:t>
-            </a:r>
-            <a:r>
-              <a:rPr lang="en-US" dirty="0" err="1"/>
-              <a:t>booleans</a:t>
-            </a:r>
-            <a:r>
-              <a:rPr lang="en-US" dirty="0"/>
-              <a:t> that are set when using objects or data shared between threads</a:t>
-            </a:r>
-          </a:p>
-          <a:p>
-            <a:r>
-              <a:rPr lang="en-US" dirty="0"/>
-              <a:t>When a thread sets a lock to </a:t>
+              <a:t> secure </a:t>
             </a:r>
             <a:r>
               <a:rPr lang="en-US" i="1" dirty="0"/>
-              <a:t>locked</a:t>
-            </a:r>
-            <a:r>
-              <a:rPr lang="en-US" dirty="0"/>
-              <a:t>, that thread </a:t>
+              <a:t>objects</a:t>
+            </a:r>
+            <a:r>
+              <a:rPr lang="en-US" dirty="0"/>
+              <a:t> or </a:t>
+            </a:r>
+            <a:r>
+              <a:rPr lang="en-US" i="1" dirty="0"/>
+              <a:t>data</a:t>
+            </a:r>
+            <a:r>
+              <a:rPr lang="en-US" dirty="0"/>
+              <a:t> shared</a:t>
+            </a:r>
+            <a:r>
+              <a:rPr lang="en-US" i="1" dirty="0"/>
+              <a:t> </a:t>
+            </a:r>
+            <a:r>
+              <a:rPr lang="en-US" dirty="0"/>
+              <a:t>between threads such that only one thread can read and write to it at one time</a:t>
+            </a:r>
+          </a:p>
+          <a:p>
+            <a:endParaRPr lang="en-US" dirty="0"/>
+          </a:p>
+          <a:p>
+            <a:r>
+              <a:rPr lang="en-US" dirty="0"/>
+              <a:t>When a thread </a:t>
+            </a:r>
+            <a:r>
+              <a:rPr lang="en-US" i="1" dirty="0"/>
+              <a:t>locks</a:t>
+            </a:r>
+            <a:r>
+              <a:rPr lang="en-US" dirty="0"/>
+              <a:t> a lock, that thread </a:t>
             </a:r>
             <a:r>
               <a:rPr lang="en-US" dirty="0">
@@ -6478,7 +6586,15 @@
           <a:p>
             <a:r>
               <a:rPr lang="en-US" dirty="0"/>
-              <a:t>When a thread unlocks a lock, that thread </a:t>
+              <a:t>When a thread </a:t>
+            </a:r>
+            <a:r>
+              <a:rPr lang="en-US" i="1" dirty="0"/>
+              <a:t>unlocks</a:t>
+            </a:r>
+            <a:r>
+              <a:rPr lang="en-US" dirty="0"/>
+              <a:t> a lock, that thread </a:t>
             </a:r>
             <a:r>
               <a:rPr lang="en-US" dirty="0">
@@ -6497,7 +6613,25 @@
             </a:r>
           </a:p>
           <a:p>
+            <a:pPr marL="0" indent="0">
+              <a:buNone/>
+            </a:pPr>
             <a:endParaRPr lang="en-US" dirty="0"/>
+          </a:p>
+          <a:p>
+            <a:pPr marL="0" indent="0">
+              <a:buNone/>
+            </a:pPr>
+            <a:endParaRPr lang="en-US" dirty="0"/>
+          </a:p>
+          <a:p>
+            <a:pPr marL="0" indent="0">
+              <a:buNone/>
+            </a:pPr>
+            <a:r>
+              <a:rPr lang="en-US" sz="2000" dirty="0"/>
+              <a:t>Let’s fix the race condition in the previous example using locks</a:t>
+            </a:r>
           </a:p>
           <a:p>
             <a:endParaRPr lang="en-US" dirty="0"/>
@@ -6730,7 +6864,7 @@
           <a:lstStyle/>
           <a:p>
             <a:r>
-              <a:rPr lang="en-US" dirty="0">
+              <a:rPr lang="en-US" sz="2000" dirty="0">
                 <a:solidFill>
                   <a:schemeClr val="accent1">
                     <a:lumMod val="75000"/>
@@ -6742,7 +6876,7 @@
           </a:p>
           <a:p>
             <a:r>
-              <a:rPr lang="en-US" dirty="0">
+              <a:rPr lang="en-US" sz="2000" dirty="0">
                 <a:solidFill>
                   <a:schemeClr val="tx1"/>
                 </a:solidFill>
@@ -6753,7 +6887,7 @@
           <a:p>
             <a:pPr lvl="1"/>
             <a:r>
-              <a:rPr lang="en-US" dirty="0">
+              <a:rPr lang="en-US" sz="1800" dirty="0">
                 <a:solidFill>
                   <a:schemeClr val="tx1"/>
                 </a:solidFill>
@@ -6764,7 +6898,7 @@
           <a:p>
             <a:pPr lvl="1"/>
             <a:r>
-              <a:rPr lang="en-US" dirty="0">
+              <a:rPr lang="en-US" sz="1800" dirty="0">
                 <a:solidFill>
                   <a:schemeClr val="tx1"/>
                 </a:solidFill>
@@ -6775,7 +6909,7 @@
           <a:p>
             <a:pPr lvl="1"/>
             <a:r>
-              <a:rPr lang="en-US" dirty="0">
+              <a:rPr lang="en-US" sz="1800" dirty="0">
                 <a:solidFill>
                   <a:schemeClr val="tx1"/>
                 </a:solidFill>
@@ -6785,7 +6919,7 @@
           </a:p>
           <a:p>
             <a:r>
-              <a:rPr lang="en-US" dirty="0">
+              <a:rPr lang="en-US" sz="2000" dirty="0">
                 <a:solidFill>
                   <a:schemeClr val="accent1">
                     <a:lumMod val="75000"/>
@@ -6881,12 +7015,14 @@
         </p:nvSpPr>
         <p:spPr>
           <a:xfrm>
-            <a:off x="677334" y="2160589"/>
-            <a:ext cx="8596668" cy="4165396"/>
+            <a:off x="677334" y="1612900"/>
+            <a:ext cx="8847666" cy="4713085"/>
           </a:xfrm>
         </p:spPr>
         <p:txBody>
-          <a:bodyPr/>
+          <a:bodyPr>
+            <a:normAutofit lnSpcReduction="10000"/>
+          </a:bodyPr>
           <a:lstStyle/>
           <a:p>
             <a:r>
@@ -6923,22 +7059,15 @@
           <a:p>
             <a:r>
               <a:rPr lang="en-US" dirty="0"/>
-              <a:t>The CFS implementation is simple for a single-core system</a:t>
-            </a:r>
-          </a:p>
-          <a:p>
-            <a:r>
-              <a:rPr lang="en-US" dirty="0"/>
-              <a:t>For now, let’s assume one single core CPU</a:t>
-            </a:r>
-          </a:p>
-          <a:p>
-            <a:endParaRPr lang="en-US" dirty="0"/>
-          </a:p>
-          <a:p>
-            <a:r>
-              <a:rPr lang="en-US" dirty="0"/>
-              <a:t>The scheduler switches active threads by saving and restoring thread and processor state information.</a:t>
+              <a:t>The scheduler </a:t>
+            </a:r>
+            <a:r>
+              <a:rPr lang="en-US" i="1" dirty="0"/>
+              <a:t>switches</a:t>
+            </a:r>
+            <a:r>
+              <a:rPr lang="en-US" dirty="0"/>
+              <a:t> active threads by saving and restoring thread and processor state information.</a:t>
             </a:r>
           </a:p>
           <a:p>
@@ -6960,6 +7089,34 @@
             <a:r>
               <a:rPr lang="en-US" dirty="0"/>
               <a:t>.</a:t>
+            </a:r>
+            <a:br>
+              <a:rPr lang="en-US" dirty="0"/>
+            </a:br>
+            <a:endParaRPr lang="en-US" dirty="0"/>
+          </a:p>
+          <a:p>
+            <a:r>
+              <a:rPr lang="en-US" dirty="0"/>
+              <a:t>The CFS implementation for single-core systems is simple</a:t>
+            </a:r>
+          </a:p>
+          <a:p>
+            <a:r>
+              <a:rPr lang="en-US" dirty="0"/>
+              <a:t>So for now, let’s assume single-core</a:t>
+            </a:r>
+          </a:p>
+          <a:p>
+            <a:endParaRPr lang="en-US" dirty="0"/>
+          </a:p>
+          <a:p>
+            <a:pPr marL="0" indent="0">
+              <a:buNone/>
+            </a:pPr>
+            <a:r>
+              <a:rPr lang="en-US" dirty="0"/>
+              <a:t>We will cover what thread and process state information consist of after covering the CFS.</a:t>
             </a:r>
           </a:p>
         </p:txBody>
@@ -6996,209 +7153,6 @@
       </p:grpSpPr>
       <p:sp>
         <p:nvSpPr>
-          <p:cNvPr id="3" name="Content Placeholder 2">
-            <a:extLst>
-              <a:ext uri="{FF2B5EF4-FFF2-40B4-BE49-F238E27FC236}">
-                <a16:creationId xmlns:a16="http://schemas.microsoft.com/office/drawing/2014/main" id="{D83E9CED-5A39-49BF-9563-8FD5937C2082}"/>
-              </a:ext>
-            </a:extLst>
-          </p:cNvPr>
-          <p:cNvSpPr>
-            <a:spLocks noGrp="1"/>
-          </p:cNvSpPr>
-          <p:nvPr>
-            <p:ph idx="1"/>
-          </p:nvPr>
-        </p:nvSpPr>
-        <p:spPr>
-          <a:xfrm>
-            <a:off x="592114" y="1242391"/>
-            <a:ext cx="8603644" cy="4591877"/>
-          </a:xfrm>
-        </p:spPr>
-        <p:txBody>
-          <a:bodyPr>
-            <a:normAutofit/>
-          </a:bodyPr>
-          <a:lstStyle/>
-          <a:p>
-            <a:r>
-              <a:rPr lang="en-US" dirty="0">
-                <a:solidFill>
-                  <a:schemeClr val="accent2">
-                    <a:lumMod val="60000"/>
-                    <a:lumOff val="40000"/>
-                  </a:schemeClr>
-                </a:solidFill>
-              </a:rPr>
-              <a:t>Process</a:t>
-            </a:r>
-          </a:p>
-          <a:p>
-            <a:pPr lvl="1"/>
-            <a:r>
-              <a:rPr lang="en-US" dirty="0">
-                <a:solidFill>
-                  <a:schemeClr val="accent2">
-                    <a:lumMod val="60000"/>
-                    <a:lumOff val="40000"/>
-                  </a:schemeClr>
-                </a:solidFill>
-              </a:rPr>
-              <a:t>[state info]</a:t>
-            </a:r>
-          </a:p>
-          <a:p>
-            <a:r>
-              <a:rPr lang="en-US" dirty="0">
-                <a:solidFill>
-                  <a:schemeClr val="accent2">
-                    <a:lumMod val="60000"/>
-                    <a:lumOff val="40000"/>
-                  </a:schemeClr>
-                </a:solidFill>
-              </a:rPr>
-              <a:t>Thread</a:t>
-            </a:r>
-          </a:p>
-          <a:p>
-            <a:pPr lvl="1"/>
-            <a:r>
-              <a:rPr lang="en-US" dirty="0">
-                <a:solidFill>
-                  <a:schemeClr val="accent2">
-                    <a:lumMod val="60000"/>
-                    <a:lumOff val="40000"/>
-                  </a:schemeClr>
-                </a:solidFill>
-              </a:rPr>
-              <a:t>[state info]</a:t>
-            </a:r>
-          </a:p>
-          <a:p>
-            <a:endParaRPr lang="en-US" dirty="0">
-              <a:solidFill>
-                <a:schemeClr val="accent2">
-                  <a:lumMod val="60000"/>
-                  <a:lumOff val="40000"/>
-                </a:schemeClr>
-              </a:solidFill>
-            </a:endParaRPr>
-          </a:p>
-          <a:p>
-            <a:endParaRPr lang="en-US" dirty="0">
-              <a:solidFill>
-                <a:schemeClr val="accent2">
-                  <a:lumMod val="60000"/>
-                  <a:lumOff val="40000"/>
-                </a:schemeClr>
-              </a:solidFill>
-            </a:endParaRPr>
-          </a:p>
-          <a:p>
-            <a:endParaRPr lang="en-US" dirty="0">
-              <a:solidFill>
-                <a:schemeClr val="accent2">
-                  <a:lumMod val="60000"/>
-                  <a:lumOff val="40000"/>
-                </a:schemeClr>
-              </a:solidFill>
-            </a:endParaRPr>
-          </a:p>
-          <a:p>
-            <a:endParaRPr lang="en-US" dirty="0">
-              <a:solidFill>
-                <a:schemeClr val="accent2">
-                  <a:lumMod val="60000"/>
-                  <a:lumOff val="40000"/>
-                </a:schemeClr>
-              </a:solidFill>
-            </a:endParaRPr>
-          </a:p>
-          <a:p>
-            <a:endParaRPr lang="en-US" dirty="0"/>
-          </a:p>
-          <a:p>
-            <a:endParaRPr lang="en-US" dirty="0"/>
-          </a:p>
-          <a:p>
-            <a:endParaRPr lang="en-US" dirty="0"/>
-          </a:p>
-          <a:p>
-            <a:endParaRPr lang="en-US" dirty="0"/>
-          </a:p>
-          <a:p>
-            <a:endParaRPr lang="en-US" dirty="0"/>
-          </a:p>
-        </p:txBody>
-      </p:sp>
-      <p:sp>
-        <p:nvSpPr>
-          <p:cNvPr id="15" name="Title 14">
-            <a:extLst>
-              <a:ext uri="{FF2B5EF4-FFF2-40B4-BE49-F238E27FC236}">
-                <a16:creationId xmlns:a16="http://schemas.microsoft.com/office/drawing/2014/main" id="{DD5971B8-AEDF-4A4F-A785-3ABA81D954C9}"/>
-              </a:ext>
-            </a:extLst>
-          </p:cNvPr>
-          <p:cNvSpPr>
-            <a:spLocks noGrp="1"/>
-          </p:cNvSpPr>
-          <p:nvPr>
-            <p:ph type="title"/>
-          </p:nvPr>
-        </p:nvSpPr>
-        <p:spPr>
-          <a:xfrm>
-            <a:off x="677333" y="609600"/>
-            <a:ext cx="4878077" cy="632791"/>
-          </a:xfrm>
-        </p:spPr>
-        <p:txBody>
-          <a:bodyPr>
-            <a:normAutofit fontScale="90000"/>
-          </a:bodyPr>
-          <a:lstStyle/>
-          <a:p>
-            <a:r>
-              <a:rPr lang="en-US" dirty="0"/>
-              <a:t>Process and Thread state</a:t>
-            </a:r>
-          </a:p>
-        </p:txBody>
-      </p:sp>
-    </p:spTree>
-    <p:extLst>
-      <p:ext uri="{BB962C8B-B14F-4D97-AF65-F5344CB8AC3E}">
-        <p14:creationId xmlns:p14="http://schemas.microsoft.com/office/powerpoint/2010/main" val="2386835903"/>
-      </p:ext>
-    </p:extLst>
-  </p:cSld>
-  <p:clrMapOvr>
-    <a:masterClrMapping/>
-  </p:clrMapOvr>
-</p:sld>
-</file>
-
-<file path=ppt/slides/slide16.xml><?xml version="1.0" encoding="utf-8"?>
-<p:sld xmlns:a="http://schemas.openxmlformats.org/drawingml/2006/main" xmlns:r="http://schemas.openxmlformats.org/officeDocument/2006/relationships" xmlns:p="http://schemas.openxmlformats.org/presentationml/2006/main">
-  <p:cSld>
-    <p:spTree>
-      <p:nvGrpSpPr>
-        <p:cNvPr id="1" name=""/>
-        <p:cNvGrpSpPr/>
-        <p:nvPr/>
-      </p:nvGrpSpPr>
-      <p:grpSpPr>
-        <a:xfrm>
-          <a:off x="0" y="0"/>
-          <a:ext cx="0" cy="0"/>
-          <a:chOff x="0" y="0"/>
-          <a:chExt cx="0" cy="0"/>
-        </a:xfrm>
-      </p:grpSpPr>
-      <p:sp>
-        <p:nvSpPr>
           <p:cNvPr id="2" name="Title 1">
             <a:extLst>
               <a:ext uri="{FF2B5EF4-FFF2-40B4-BE49-F238E27FC236}">
@@ -7243,17 +7197,62 @@
         </p:nvSpPr>
         <p:spPr>
           <a:xfrm>
-            <a:off x="677334" y="2160589"/>
-            <a:ext cx="8596668" cy="990380"/>
+            <a:off x="677334" y="1525055"/>
+            <a:ext cx="9368366" cy="2509895"/>
           </a:xfrm>
         </p:spPr>
         <p:txBody>
-          <a:bodyPr/>
-          <a:lstStyle/>
-          <a:p>
-            <a:r>
-              <a:rPr lang="en-US" dirty="0"/>
-              <a:t>Implementation of Weighted Fair Queueing (WFQ) scheduling algorithm</a:t>
+          <a:bodyPr>
+            <a:normAutofit/>
+          </a:bodyPr>
+          <a:lstStyle/>
+          <a:p>
+            <a:pPr marL="0" indent="0">
+              <a:buNone/>
+            </a:pPr>
+            <a:r>
+              <a:rPr lang="en-US" dirty="0"/>
+              <a:t>Implementation of the weighted fair queueing (WFQ) scheduling algorithm</a:t>
+            </a:r>
+          </a:p>
+          <a:p>
+            <a:pPr marL="0" indent="0">
+              <a:buNone/>
+            </a:pPr>
+            <a:r>
+              <a:rPr lang="en-US" b="1" dirty="0">
+                <a:solidFill>
+                  <a:schemeClr val="accent2">
+                    <a:lumMod val="60000"/>
+                    <a:lumOff val="40000"/>
+                  </a:schemeClr>
+                </a:solidFill>
+              </a:rPr>
+              <a:t>Goal:</a:t>
+            </a:r>
+            <a:endParaRPr lang="en-US" b="1" dirty="0"/>
+          </a:p>
+          <a:p>
+            <a:r>
+              <a:rPr lang="en-US" dirty="0"/>
+              <a:t>Make sure all threads run at least once within an arbitrary interval of CPU cycles</a:t>
+            </a:r>
+          </a:p>
+          <a:p>
+            <a:r>
+              <a:rPr lang="en-US" dirty="0" err="1">
+                <a:solidFill>
+                  <a:schemeClr val="accent2">
+                    <a:lumMod val="60000"/>
+                    <a:lumOff val="40000"/>
+                  </a:schemeClr>
+                </a:solidFill>
+              </a:rPr>
+              <a:t>Timeslice</a:t>
+            </a:r>
+            <a:r>
+              <a:rPr lang="en-US" dirty="0"/>
+              <a:t> CPU cycles evenly amongst threads, prioritizing higher weights*</a:t>
             </a:r>
           </a:p>
         </p:txBody>
@@ -7272,8 +7271,8 @@
         </p:nvSpPr>
         <p:spPr>
           <a:xfrm>
-            <a:off x="1666875" y="4248150"/>
-            <a:ext cx="1590676" cy="800219"/>
+            <a:off x="1679568" y="4767253"/>
+            <a:ext cx="1590676" cy="584775"/>
           </a:xfrm>
           <a:prstGeom prst="rect">
             <a:avLst/>
@@ -7310,28 +7309,6 @@
               <a:t>weight=.5</a:t>
             </a:r>
           </a:p>
-          <a:p>
-            <a:r>
-              <a:rPr lang="en-US" sz="1400" dirty="0" err="1">
-                <a:solidFill>
-                  <a:schemeClr val="accent1">
-                    <a:lumMod val="75000"/>
-                  </a:schemeClr>
-                </a:solidFill>
-              </a:rPr>
-              <a:t>vruntime</a:t>
-            </a:r>
-            <a:r>
-              <a:rPr lang="en-US" sz="1400" dirty="0">
-                <a:solidFill>
-                  <a:schemeClr val="accent1">
-                    <a:lumMod val="75000"/>
-                  </a:schemeClr>
-                </a:solidFill>
-              </a:rPr>
-              <a:t>=3</a:t>
-            </a:r>
-          </a:p>
         </p:txBody>
       </p:sp>
       <p:sp>
@@ -7348,8 +7325,8 @@
         </p:nvSpPr>
         <p:spPr>
           <a:xfrm>
-            <a:off x="3343275" y="4248150"/>
-            <a:ext cx="1590676" cy="800219"/>
+            <a:off x="3355966" y="4767253"/>
+            <a:ext cx="1590676" cy="584775"/>
           </a:xfrm>
           <a:prstGeom prst="rect">
             <a:avLst/>
@@ -7385,28 +7362,13 @@
               <a:rPr lang="en-US" sz="1400" dirty="0"/>
               <a:t>weight=1</a:t>
             </a:r>
-          </a:p>
-          <a:p>
-            <a:r>
-              <a:rPr lang="en-US" sz="1400" dirty="0" err="1">
-                <a:solidFill>
-                  <a:schemeClr val="accent1">
-                    <a:lumMod val="75000"/>
-                  </a:schemeClr>
-                </a:solidFill>
-              </a:rPr>
-              <a:t>vruntime</a:t>
-            </a:r>
-            <a:r>
-              <a:rPr lang="en-US" sz="1400" dirty="0">
-                <a:solidFill>
-                  <a:schemeClr val="accent1">
-                    <a:lumMod val="75000"/>
-                  </a:schemeClr>
-                </a:solidFill>
-              </a:rPr>
-              <a:t>=10</a:t>
-            </a:r>
+            <a:endParaRPr lang="en-US" sz="1400" dirty="0">
+              <a:solidFill>
+                <a:schemeClr val="accent1">
+                  <a:lumMod val="75000"/>
+                </a:schemeClr>
+              </a:solidFill>
+            </a:endParaRPr>
           </a:p>
         </p:txBody>
       </p:sp>
@@ -7424,8 +7386,8 @@
         </p:nvSpPr>
         <p:spPr>
           <a:xfrm>
-            <a:off x="5019675" y="4248150"/>
-            <a:ext cx="1590676" cy="800219"/>
+            <a:off x="5020534" y="4767253"/>
+            <a:ext cx="1590676" cy="584775"/>
           </a:xfrm>
           <a:prstGeom prst="rect">
             <a:avLst/>
@@ -7461,28 +7423,13 @@
               <a:rPr lang="en-US" sz="1400" dirty="0"/>
               <a:t>weight=0.25</a:t>
             </a:r>
-          </a:p>
-          <a:p>
-            <a:r>
-              <a:rPr lang="en-US" sz="1400" dirty="0" err="1">
-                <a:solidFill>
-                  <a:schemeClr val="accent1">
-                    <a:lumMod val="75000"/>
-                  </a:schemeClr>
-                </a:solidFill>
-              </a:rPr>
-              <a:t>vruntime</a:t>
-            </a:r>
-            <a:r>
-              <a:rPr lang="en-US" sz="1400" dirty="0">
-                <a:solidFill>
-                  <a:schemeClr val="accent1">
-                    <a:lumMod val="75000"/>
-                  </a:schemeClr>
-                </a:solidFill>
-              </a:rPr>
-              <a:t>=110</a:t>
-            </a:r>
+            <a:endParaRPr lang="en-US" sz="1400" dirty="0">
+              <a:solidFill>
+                <a:schemeClr val="accent1">
+                  <a:lumMod val="75000"/>
+                </a:schemeClr>
+              </a:solidFill>
+            </a:endParaRPr>
           </a:p>
         </p:txBody>
       </p:sp>
@@ -7500,8 +7447,8 @@
         </p:nvSpPr>
         <p:spPr>
           <a:xfrm>
-            <a:off x="6696075" y="4251841"/>
-            <a:ext cx="1590676" cy="800219"/>
+            <a:off x="6708773" y="4761019"/>
+            <a:ext cx="1590676" cy="584775"/>
           </a:xfrm>
           <a:prstGeom prst="rect">
             <a:avLst/>
@@ -7537,310 +7484,13 @@
               <a:rPr lang="en-US" sz="1400" dirty="0"/>
               <a:t>weight=0.5</a:t>
             </a:r>
-          </a:p>
-          <a:p>
-            <a:r>
-              <a:rPr lang="en-US" sz="1400" dirty="0" err="1">
-                <a:solidFill>
-                  <a:schemeClr val="accent1">
-                    <a:lumMod val="75000"/>
-                  </a:schemeClr>
-                </a:solidFill>
-              </a:rPr>
-              <a:t>vruntime</a:t>
-            </a:r>
-            <a:r>
-              <a:rPr lang="en-US" sz="1400" dirty="0">
-                <a:solidFill>
-                  <a:schemeClr val="accent1">
-                    <a:lumMod val="75000"/>
-                  </a:schemeClr>
-                </a:solidFill>
-              </a:rPr>
-              <a:t>=70</a:t>
-            </a:r>
-          </a:p>
-        </p:txBody>
-      </p:sp>
-      <p:sp>
-        <p:nvSpPr>
-          <p:cNvPr id="15" name="Content Placeholder 2">
-            <a:extLst>
-              <a:ext uri="{FF2B5EF4-FFF2-40B4-BE49-F238E27FC236}">
-                <a16:creationId xmlns:a16="http://schemas.microsoft.com/office/drawing/2014/main" id="{4330246D-4F12-4DC0-B010-72619E99BB98}"/>
-              </a:ext>
-            </a:extLst>
-          </p:cNvPr>
-          <p:cNvSpPr txBox="1">
-            <a:spLocks/>
-          </p:cNvSpPr>
-          <p:nvPr/>
-        </p:nvSpPr>
-        <p:spPr>
-          <a:xfrm>
-            <a:off x="677334" y="2890362"/>
-            <a:ext cx="8596668" cy="683818"/>
-          </a:xfrm>
-          <a:prstGeom prst="rect">
-            <a:avLst/>
-          </a:prstGeom>
-        </p:spPr>
-        <p:txBody>
-          <a:bodyPr vert="horz" lIns="91440" tIns="45720" rIns="91440" bIns="45720" rtlCol="0">
-            <a:normAutofit fontScale="92500" lnSpcReduction="20000"/>
-          </a:bodyPr>
-          <a:lstStyle>
-            <a:lvl1pPr marL="342900" indent="-342900" algn="l" defTabSz="457200" rtl="0" eaLnBrk="1" latinLnBrk="0" hangingPunct="1">
-              <a:spcBef>
-                <a:spcPts val="1000"/>
-              </a:spcBef>
-              <a:spcAft>
-                <a:spcPts val="0"/>
-              </a:spcAft>
-              <a:buClr>
-                <a:schemeClr val="accent1"/>
-              </a:buClr>
-              <a:buSzPct val="80000"/>
-              <a:buFont typeface="Wingdings 3" charset="2"/>
-              <a:buChar char=""/>
-              <a:defRPr sz="1800" kern="1200">
-                <a:solidFill>
-                  <a:schemeClr val="tx1">
-                    <a:lumMod val="75000"/>
-                    <a:lumOff val="25000"/>
-                  </a:schemeClr>
-                </a:solidFill>
-                <a:latin typeface="+mn-lt"/>
-                <a:ea typeface="+mn-ea"/>
-                <a:cs typeface="+mn-cs"/>
-              </a:defRPr>
-            </a:lvl1pPr>
-            <a:lvl2pPr marL="742950" indent="-285750" algn="l" defTabSz="457200" rtl="0" eaLnBrk="1" latinLnBrk="0" hangingPunct="1">
-              <a:spcBef>
-                <a:spcPts val="1000"/>
-              </a:spcBef>
-              <a:spcAft>
-                <a:spcPts val="0"/>
-              </a:spcAft>
-              <a:buClr>
-                <a:schemeClr val="accent1"/>
-              </a:buClr>
-              <a:buSzPct val="80000"/>
-              <a:buFont typeface="Wingdings 3" charset="2"/>
-              <a:buChar char=""/>
-              <a:defRPr sz="1600" kern="1200">
-                <a:solidFill>
-                  <a:schemeClr val="tx1">
-                    <a:lumMod val="75000"/>
-                    <a:lumOff val="25000"/>
-                  </a:schemeClr>
-                </a:solidFill>
-                <a:latin typeface="+mn-lt"/>
-                <a:ea typeface="+mn-ea"/>
-                <a:cs typeface="+mn-cs"/>
-              </a:defRPr>
-            </a:lvl2pPr>
-            <a:lvl3pPr marL="1143000" indent="-228600" algn="l" defTabSz="457200" rtl="0" eaLnBrk="1" latinLnBrk="0" hangingPunct="1">
-              <a:spcBef>
-                <a:spcPts val="1000"/>
-              </a:spcBef>
-              <a:spcAft>
-                <a:spcPts val="0"/>
-              </a:spcAft>
-              <a:buClr>
-                <a:schemeClr val="accent1"/>
-              </a:buClr>
-              <a:buSzPct val="80000"/>
-              <a:buFont typeface="Wingdings 3" charset="2"/>
-              <a:buChar char=""/>
-              <a:defRPr sz="1400" kern="1200">
-                <a:solidFill>
-                  <a:schemeClr val="tx1">
-                    <a:lumMod val="75000"/>
-                    <a:lumOff val="25000"/>
-                  </a:schemeClr>
-                </a:solidFill>
-                <a:latin typeface="+mn-lt"/>
-                <a:ea typeface="+mn-ea"/>
-                <a:cs typeface="+mn-cs"/>
-              </a:defRPr>
-            </a:lvl3pPr>
-            <a:lvl4pPr marL="1600200" indent="-228600" algn="l" defTabSz="457200" rtl="0" eaLnBrk="1" latinLnBrk="0" hangingPunct="1">
-              <a:spcBef>
-                <a:spcPts val="1000"/>
-              </a:spcBef>
-              <a:spcAft>
-                <a:spcPts val="0"/>
-              </a:spcAft>
-              <a:buClr>
-                <a:schemeClr val="accent1"/>
-              </a:buClr>
-              <a:buSzPct val="80000"/>
-              <a:buFont typeface="Wingdings 3" charset="2"/>
-              <a:buChar char=""/>
-              <a:defRPr sz="1200" kern="1200">
-                <a:solidFill>
-                  <a:schemeClr val="tx1">
-                    <a:lumMod val="75000"/>
-                    <a:lumOff val="25000"/>
-                  </a:schemeClr>
-                </a:solidFill>
-                <a:latin typeface="+mn-lt"/>
-                <a:ea typeface="+mn-ea"/>
-                <a:cs typeface="+mn-cs"/>
-              </a:defRPr>
-            </a:lvl4pPr>
-            <a:lvl5pPr marL="2057400" indent="-228600" algn="l" defTabSz="457200" rtl="0" eaLnBrk="1" latinLnBrk="0" hangingPunct="1">
-              <a:spcBef>
-                <a:spcPts val="1000"/>
-              </a:spcBef>
-              <a:spcAft>
-                <a:spcPts val="0"/>
-              </a:spcAft>
-              <a:buClr>
-                <a:schemeClr val="accent1"/>
-              </a:buClr>
-              <a:buSzPct val="80000"/>
-              <a:buFont typeface="Wingdings 3" charset="2"/>
-              <a:buChar char=""/>
-              <a:defRPr sz="1200" kern="1200">
-                <a:solidFill>
-                  <a:schemeClr val="tx1">
-                    <a:lumMod val="75000"/>
-                    <a:lumOff val="25000"/>
-                  </a:schemeClr>
-                </a:solidFill>
-                <a:latin typeface="+mn-lt"/>
-                <a:ea typeface="+mn-ea"/>
-                <a:cs typeface="+mn-cs"/>
-              </a:defRPr>
-            </a:lvl5pPr>
-            <a:lvl6pPr marL="2514600" indent="-228600" algn="l" defTabSz="457200" rtl="0" eaLnBrk="1" latinLnBrk="0" hangingPunct="1">
-              <a:spcBef>
-                <a:spcPts val="1000"/>
-              </a:spcBef>
-              <a:spcAft>
-                <a:spcPts val="0"/>
-              </a:spcAft>
-              <a:buClr>
-                <a:schemeClr val="accent1"/>
-              </a:buClr>
-              <a:buSzPct val="80000"/>
-              <a:buFont typeface="Wingdings 3" charset="2"/>
-              <a:buChar char=""/>
-              <a:defRPr sz="1200" kern="1200">
-                <a:solidFill>
-                  <a:schemeClr val="tx1">
-                    <a:lumMod val="75000"/>
-                    <a:lumOff val="25000"/>
-                  </a:schemeClr>
-                </a:solidFill>
-                <a:latin typeface="+mn-lt"/>
-                <a:ea typeface="+mn-ea"/>
-                <a:cs typeface="+mn-cs"/>
-              </a:defRPr>
-            </a:lvl6pPr>
-            <a:lvl7pPr marL="2971800" indent="-228600" algn="l" defTabSz="457200" rtl="0" eaLnBrk="1" latinLnBrk="0" hangingPunct="1">
-              <a:spcBef>
-                <a:spcPts val="1000"/>
-              </a:spcBef>
-              <a:spcAft>
-                <a:spcPts val="0"/>
-              </a:spcAft>
-              <a:buClr>
-                <a:schemeClr val="accent1"/>
-              </a:buClr>
-              <a:buSzPct val="80000"/>
-              <a:buFont typeface="Wingdings 3" charset="2"/>
-              <a:buChar char=""/>
-              <a:defRPr sz="1200" kern="1200">
-                <a:solidFill>
-                  <a:schemeClr val="tx1">
-                    <a:lumMod val="75000"/>
-                    <a:lumOff val="25000"/>
-                  </a:schemeClr>
-                </a:solidFill>
-                <a:latin typeface="+mn-lt"/>
-                <a:ea typeface="+mn-ea"/>
-                <a:cs typeface="+mn-cs"/>
-              </a:defRPr>
-            </a:lvl7pPr>
-            <a:lvl8pPr marL="3429000" indent="-228600" algn="l" defTabSz="457200" rtl="0" eaLnBrk="1" latinLnBrk="0" hangingPunct="1">
-              <a:spcBef>
-                <a:spcPts val="1000"/>
-              </a:spcBef>
-              <a:spcAft>
-                <a:spcPts val="0"/>
-              </a:spcAft>
-              <a:buClr>
-                <a:schemeClr val="accent1"/>
-              </a:buClr>
-              <a:buSzPct val="80000"/>
-              <a:buFont typeface="Wingdings 3" charset="2"/>
-              <a:buChar char=""/>
-              <a:defRPr sz="1200" kern="1200">
-                <a:solidFill>
-                  <a:schemeClr val="tx1">
-                    <a:lumMod val="75000"/>
-                    <a:lumOff val="25000"/>
-                  </a:schemeClr>
-                </a:solidFill>
-                <a:latin typeface="+mn-lt"/>
-                <a:ea typeface="+mn-ea"/>
-                <a:cs typeface="+mn-cs"/>
-              </a:defRPr>
-            </a:lvl8pPr>
-            <a:lvl9pPr marL="3886200" indent="-228600" algn="l" defTabSz="457200" rtl="0" eaLnBrk="1" latinLnBrk="0" hangingPunct="1">
-              <a:spcBef>
-                <a:spcPts val="1000"/>
-              </a:spcBef>
-              <a:spcAft>
-                <a:spcPts val="0"/>
-              </a:spcAft>
-              <a:buClr>
-                <a:schemeClr val="accent1"/>
-              </a:buClr>
-              <a:buSzPct val="80000"/>
-              <a:buFont typeface="Wingdings 3" charset="2"/>
-              <a:buChar char=""/>
-              <a:defRPr sz="1200" kern="1200">
-                <a:solidFill>
-                  <a:schemeClr val="tx1">
-                    <a:lumMod val="75000"/>
-                    <a:lumOff val="25000"/>
-                  </a:schemeClr>
-                </a:solidFill>
-                <a:latin typeface="+mn-lt"/>
-                <a:ea typeface="+mn-ea"/>
-                <a:cs typeface="+mn-cs"/>
-              </a:defRPr>
-            </a:lvl9pPr>
-          </a:lstStyle>
-          <a:p>
-            <a:pPr marL="0" indent="0">
-              <a:buNone/>
-            </a:pPr>
-            <a:r>
-              <a:rPr lang="en-US" dirty="0"/>
-              <a:t>Goal: 	* Run all threads at least once within an arbitrary interval of CPU cycles</a:t>
-            </a:r>
-          </a:p>
-          <a:p>
-            <a:pPr marL="0" indent="0">
-              <a:buNone/>
-            </a:pPr>
-            <a:r>
-              <a:rPr lang="en-US" dirty="0"/>
-              <a:t>		* “</a:t>
-            </a:r>
-            <a:r>
-              <a:rPr lang="en-US" dirty="0" err="1"/>
-              <a:t>Timeslice</a:t>
-            </a:r>
-            <a:r>
-              <a:rPr lang="en-US" dirty="0"/>
-              <a:t>” cycles evenly, prioritizing higher weights</a:t>
-            </a:r>
+            <a:endParaRPr lang="en-US" sz="1400" dirty="0">
+              <a:solidFill>
+                <a:schemeClr val="accent1">
+                  <a:lumMod val="75000"/>
+                </a:schemeClr>
+              </a:solidFill>
+            </a:endParaRPr>
           </a:p>
         </p:txBody>
       </p:sp>
@@ -7858,25 +7508,19 @@
         </p:nvSpPr>
         <p:spPr>
           <a:xfrm>
-            <a:off x="4104063" y="5953640"/>
-            <a:ext cx="1831224" cy="584775"/>
+            <a:off x="4092928" y="3216704"/>
+            <a:ext cx="1878894" cy="584775"/>
           </a:xfrm>
           <a:prstGeom prst="rect">
             <a:avLst/>
           </a:prstGeom>
           <a:solidFill>
-            <a:schemeClr val="bg1">
-              <a:lumMod val="85000"/>
-              <a:lumOff val="15000"/>
+            <a:schemeClr val="accent2">
+              <a:lumMod val="75000"/>
             </a:schemeClr>
           </a:solidFill>
           <a:ln w="38100">
-            <a:solidFill>
-              <a:schemeClr val="accent1">
-                <a:lumMod val="40000"/>
-                <a:lumOff val="60000"/>
-              </a:schemeClr>
-            </a:solidFill>
+            <a:noFill/>
           </a:ln>
         </p:spPr>
         <p:txBody>
@@ -7886,15 +7530,20 @@
           <a:lstStyle/>
           <a:p>
             <a:r>
-              <a:rPr lang="en-US" dirty="0"/>
-              <a:t>CPU</a:t>
+              <a:rPr lang="en-US" b="1" dirty="0"/>
+              <a:t>CPU Core</a:t>
             </a:r>
           </a:p>
           <a:p>
             <a:r>
               <a:rPr lang="en-US" sz="1400" dirty="0"/>
-              <a:t>interval=1000 cycles </a:t>
-            </a:r>
+              <a:t>1000 </a:t>
+            </a:r>
+            <a:r>
+              <a:rPr lang="en-US" sz="1200" dirty="0"/>
+              <a:t>CPU cycle interval</a:t>
+            </a:r>
+            <a:endParaRPr lang="en-US" sz="1400" dirty="0"/>
           </a:p>
         </p:txBody>
       </p:sp>
@@ -7914,7 +7563,7 @@
         </p:nvCxnSpPr>
         <p:spPr>
           <a:xfrm>
-            <a:off x="1666875" y="5659395"/>
+            <a:off x="1679575" y="4115305"/>
             <a:ext cx="6619876" cy="0"/>
           </a:xfrm>
           <a:prstGeom prst="line">
@@ -7947,14 +7596,13 @@
           </p:cNvPr>
           <p:cNvCxnSpPr>
             <a:cxnSpLocks/>
-            <a:stCxn id="16" idx="0"/>
           </p:cNvCxnSpPr>
           <p:nvPr/>
         </p:nvCxnSpPr>
         <p:spPr>
-          <a:xfrm flipV="1">
-            <a:off x="5019675" y="5665752"/>
-            <a:ext cx="0" cy="287888"/>
+          <a:xfrm>
+            <a:off x="5032375" y="3801479"/>
+            <a:ext cx="0" cy="273177"/>
           </a:xfrm>
           <a:prstGeom prst="straightConnector1">
             <a:avLst/>
@@ -7993,9 +7641,9 @@
           <p:nvPr/>
         </p:nvCxnSpPr>
         <p:spPr>
-          <a:xfrm flipV="1">
-            <a:off x="1666875" y="5048369"/>
-            <a:ext cx="0" cy="611027"/>
+          <a:xfrm>
+            <a:off x="1679568" y="4114534"/>
+            <a:ext cx="0" cy="646485"/>
           </a:xfrm>
           <a:prstGeom prst="straightConnector1">
             <a:avLst/>
@@ -8034,9 +7682,9 @@
           <p:nvPr/>
         </p:nvCxnSpPr>
         <p:spPr>
-          <a:xfrm flipH="1" flipV="1">
-            <a:off x="3343268" y="5048369"/>
-            <a:ext cx="7" cy="611027"/>
+          <a:xfrm flipH="1">
+            <a:off x="3355966" y="4114534"/>
+            <a:ext cx="9" cy="646485"/>
           </a:xfrm>
           <a:prstGeom prst="straightConnector1">
             <a:avLst/>
@@ -8075,9 +7723,9 @@
           <p:nvPr/>
         </p:nvCxnSpPr>
         <p:spPr>
-          <a:xfrm flipH="1" flipV="1">
-            <a:off x="6586670" y="5048369"/>
-            <a:ext cx="23681" cy="611027"/>
+          <a:xfrm>
+            <a:off x="6608251" y="4114534"/>
+            <a:ext cx="5919" cy="646485"/>
           </a:xfrm>
           <a:prstGeom prst="straightConnector1">
             <a:avLst/>
@@ -8116,9 +7764,9 @@
           <p:nvPr/>
         </p:nvCxnSpPr>
         <p:spPr>
-          <a:xfrm flipH="1" flipV="1">
-            <a:off x="8286749" y="5048369"/>
-            <a:ext cx="2" cy="611027"/>
+          <a:xfrm>
+            <a:off x="8299449" y="4114534"/>
+            <a:ext cx="0" cy="646485"/>
           </a:xfrm>
           <a:prstGeom prst="straightConnector1">
             <a:avLst/>
@@ -8156,7 +7804,7 @@
         </p:nvSpPr>
         <p:spPr>
           <a:xfrm>
-            <a:off x="1650140" y="5330151"/>
+            <a:off x="1662840" y="4424039"/>
             <a:ext cx="1377261" cy="369332"/>
           </a:xfrm>
           <a:prstGeom prst="rect">
@@ -8191,7 +7839,7 @@
         </p:nvSpPr>
         <p:spPr>
           <a:xfrm>
-            <a:off x="3343268" y="5330151"/>
+            <a:off x="3367807" y="4416110"/>
             <a:ext cx="1360532" cy="369332"/>
           </a:xfrm>
           <a:prstGeom prst="rect">
@@ -8226,7 +7874,7 @@
         </p:nvSpPr>
         <p:spPr>
           <a:xfrm>
-            <a:off x="6038335" y="5330151"/>
+            <a:off x="6051035" y="4420047"/>
             <a:ext cx="548336" cy="369332"/>
           </a:xfrm>
           <a:prstGeom prst="rect">
@@ -8261,7 +7909,7 @@
         </p:nvSpPr>
         <p:spPr>
           <a:xfrm>
-            <a:off x="7723234" y="5330151"/>
+            <a:off x="7735934" y="4424039"/>
             <a:ext cx="563515" cy="369332"/>
           </a:xfrm>
           <a:prstGeom prst="rect">
@@ -8296,8 +7944,8 @@
         </p:nvSpPr>
         <p:spPr>
           <a:xfrm>
-            <a:off x="475470" y="5171480"/>
-            <a:ext cx="1085341" cy="523220"/>
+            <a:off x="325345" y="4437776"/>
+            <a:ext cx="1334535" cy="769441"/>
           </a:xfrm>
           <a:prstGeom prst="rect">
             <a:avLst/>
@@ -8312,15 +7960,146 @@
           <a:p>
             <a:pPr algn="ctr"/>
             <a:r>
-              <a:rPr lang="en-US" sz="1400" dirty="0"/>
-              <a:t>Max</a:t>
-            </a:r>
+              <a:rPr lang="en-US" sz="1600" b="1" dirty="0" err="1"/>
+              <a:t>Timeslices</a:t>
+            </a:r>
+            <a:endParaRPr lang="en-US" sz="1600" b="1" dirty="0"/>
           </a:p>
           <a:p>
             <a:pPr algn="ctr"/>
             <a:r>
-              <a:rPr lang="en-US" sz="1400" dirty="0"/>
-              <a:t>Runtime</a:t>
+              <a:rPr lang="en-US" sz="1400" dirty="0">
+                <a:solidFill>
+                  <a:schemeClr val="tx1">
+                    <a:lumMod val="75000"/>
+                  </a:schemeClr>
+                </a:solidFill>
+              </a:rPr>
+              <a:t>(max runtime</a:t>
+            </a:r>
+          </a:p>
+          <a:p>
+            <a:pPr algn="ctr"/>
+            <a:r>
+              <a:rPr lang="en-US" sz="1400" dirty="0">
+                <a:solidFill>
+                  <a:schemeClr val="tx1">
+                    <a:lumMod val="75000"/>
+                  </a:schemeClr>
+                </a:solidFill>
+              </a:rPr>
+              <a:t>in interval)</a:t>
+            </a:r>
+          </a:p>
+        </p:txBody>
+      </p:sp>
+      <p:sp>
+        <p:nvSpPr>
+          <p:cNvPr id="4" name="TextBox 3">
+            <a:extLst>
+              <a:ext uri="{FF2B5EF4-FFF2-40B4-BE49-F238E27FC236}">
+                <a16:creationId xmlns:a16="http://schemas.microsoft.com/office/drawing/2014/main" id="{2C7852A2-10DC-45F1-92A0-6933B2DDADB7}"/>
+              </a:ext>
+            </a:extLst>
+          </p:cNvPr>
+          <p:cNvSpPr txBox="1"/>
+          <p:nvPr/>
+        </p:nvSpPr>
+        <p:spPr>
+          <a:xfrm>
+            <a:off x="561070" y="6334780"/>
+            <a:ext cx="10954530" cy="523220"/>
+          </a:xfrm>
+          <a:prstGeom prst="rect">
+            <a:avLst/>
+          </a:prstGeom>
+          <a:noFill/>
+        </p:spPr>
+        <p:txBody>
+          <a:bodyPr wrap="square" rtlCol="0" anchor="b">
+            <a:spAutoFit/>
+          </a:bodyPr>
+          <a:lstStyle/>
+          <a:p>
+            <a:r>
+              <a:rPr lang="en-US" sz="1400" dirty="0">
+                <a:solidFill>
+                  <a:schemeClr val="tx1">
+                    <a:lumMod val="75000"/>
+                  </a:schemeClr>
+                </a:solidFill>
+              </a:rPr>
+              <a:t>* Disclaimer: priority (PR) and niceness (NI) values are responsible for determining</a:t>
+            </a:r>
+            <a:br>
+              <a:rPr lang="en-US" sz="1400" dirty="0">
+                <a:solidFill>
+                  <a:schemeClr val="tx1">
+                    <a:lumMod val="75000"/>
+                  </a:schemeClr>
+                </a:solidFill>
+              </a:rPr>
+            </a:br>
+            <a:r>
+              <a:rPr lang="en-US" sz="1400" dirty="0">
+                <a:solidFill>
+                  <a:schemeClr val="tx1">
+                    <a:lumMod val="75000"/>
+                  </a:schemeClr>
+                </a:solidFill>
+              </a:rPr>
+              <a:t>process priority (and weights) on Linux. We won’t get into that here.</a:t>
+            </a:r>
+            <a:endParaRPr lang="en-US" sz="1600" dirty="0"/>
+          </a:p>
+        </p:txBody>
+      </p:sp>
+      <p:sp>
+        <p:nvSpPr>
+          <p:cNvPr id="56" name="TextBox 55">
+            <a:extLst>
+              <a:ext uri="{FF2B5EF4-FFF2-40B4-BE49-F238E27FC236}">
+                <a16:creationId xmlns:a16="http://schemas.microsoft.com/office/drawing/2014/main" id="{1FBBD9D8-288F-453A-ABAA-0F65DCE20C3B}"/>
+              </a:ext>
+            </a:extLst>
+          </p:cNvPr>
+          <p:cNvSpPr txBox="1"/>
+          <p:nvPr/>
+        </p:nvSpPr>
+        <p:spPr>
+          <a:xfrm>
+            <a:off x="677334" y="5648417"/>
+            <a:ext cx="9110133" cy="369332"/>
+          </a:xfrm>
+          <a:prstGeom prst="rect">
+            <a:avLst/>
+          </a:prstGeom>
+          <a:noFill/>
+        </p:spPr>
+        <p:txBody>
+          <a:bodyPr wrap="square" rtlCol="0">
+            <a:spAutoFit/>
+          </a:bodyPr>
+          <a:lstStyle/>
+          <a:p>
+            <a:r>
+              <a:rPr lang="en-US" dirty="0"/>
+              <a:t>Each instance of the CFS uses a </a:t>
+            </a:r>
+            <a:r>
+              <a:rPr lang="en-US" dirty="0" err="1">
+                <a:solidFill>
+                  <a:schemeClr val="accent2">
+                    <a:lumMod val="60000"/>
+                    <a:lumOff val="40000"/>
+                  </a:schemeClr>
+                </a:solidFill>
+              </a:rPr>
+              <a:t>runqueue</a:t>
+            </a:r>
+            <a:r>
+              <a:rPr lang="en-US" dirty="0"/>
+              <a:t> to chose which of these threads run.</a:t>
             </a:r>
           </a:p>
         </p:txBody>
@@ -8338,7 +8117,7 @@
 </p:sld>
 </file>
 
-<file path=ppt/slides/slide17.xml><?xml version="1.0" encoding="utf-8"?>
+<file path=ppt/slides/slide16.xml><?xml version="1.0" encoding="utf-8"?>
 <p:sld xmlns:a="http://schemas.openxmlformats.org/drawingml/2006/main" xmlns:r="http://schemas.openxmlformats.org/officeDocument/2006/relationships" xmlns:p="http://schemas.openxmlformats.org/presentationml/2006/main">
   <p:cSld>
     <p:spTree>
@@ -8357,6 +8136,58 @@
       </p:grpSpPr>
       <p:sp>
         <p:nvSpPr>
+          <p:cNvPr id="11" name="Rectangle 10">
+            <a:extLst>
+              <a:ext uri="{FF2B5EF4-FFF2-40B4-BE49-F238E27FC236}">
+                <a16:creationId xmlns:a16="http://schemas.microsoft.com/office/drawing/2014/main" id="{3EC72186-7F9F-4C7C-9AC4-BC56CBB8097F}"/>
+              </a:ext>
+            </a:extLst>
+          </p:cNvPr>
+          <p:cNvSpPr/>
+          <p:nvPr/>
+        </p:nvSpPr>
+        <p:spPr>
+          <a:xfrm>
+            <a:off x="7119824" y="609600"/>
+            <a:ext cx="4710932" cy="3951111"/>
+          </a:xfrm>
+          <a:prstGeom prst="rect">
+            <a:avLst/>
+          </a:prstGeom>
+          <a:solidFill>
+            <a:schemeClr val="bg2"/>
+          </a:solidFill>
+          <a:ln>
+            <a:noFill/>
+          </a:ln>
+        </p:spPr>
+        <p:style>
+          <a:lnRef idx="2">
+            <a:schemeClr val="accent1">
+              <a:shade val="50000"/>
+            </a:schemeClr>
+          </a:lnRef>
+          <a:fillRef idx="1">
+            <a:schemeClr val="accent1"/>
+          </a:fillRef>
+          <a:effectRef idx="0">
+            <a:schemeClr val="accent1"/>
+          </a:effectRef>
+          <a:fontRef idx="minor">
+            <a:schemeClr val="lt1"/>
+          </a:fontRef>
+        </p:style>
+        <p:txBody>
+          <a:bodyPr rtlCol="0" anchor="ctr"/>
+          <a:lstStyle/>
+          <a:p>
+            <a:pPr algn="ctr"/>
+            <a:endParaRPr lang="en-US" dirty="0"/>
+          </a:p>
+        </p:txBody>
+      </p:sp>
+      <p:sp>
+        <p:nvSpPr>
           <p:cNvPr id="20" name="Content Placeholder 19">
             <a:extLst>
               <a:ext uri="{FF2B5EF4-FFF2-40B4-BE49-F238E27FC236}">
@@ -8373,28 +8204,134 @@
         </p:nvSpPr>
         <p:spPr>
           <a:xfrm>
-            <a:off x="677334" y="1515763"/>
-            <a:ext cx="8596668" cy="4525600"/>
+            <a:off x="677334" y="1691788"/>
+            <a:ext cx="6179019" cy="4525600"/>
           </a:xfrm>
         </p:spPr>
         <p:txBody>
-          <a:bodyPr/>
-          <a:lstStyle/>
-          <a:p>
-            <a:r>
-              <a:rPr lang="en-US" dirty="0"/>
-              <a:t>When a thread is running, it accumulates </a:t>
-            </a:r>
-            <a:r>
-              <a:rPr lang="en-US" i="1" dirty="0" err="1"/>
+          <a:bodyPr>
+            <a:normAutofit/>
+          </a:bodyPr>
+          <a:lstStyle/>
+          <a:p>
+            <a:r>
+              <a:rPr lang="en-US" dirty="0"/>
+              <a:t>While a thread is running it accumulates </a:t>
+            </a:r>
+            <a:r>
+              <a:rPr lang="en-US" dirty="0" err="1">
+                <a:solidFill>
+                  <a:schemeClr val="accent2">
+                    <a:lumMod val="60000"/>
+                    <a:lumOff val="40000"/>
+                  </a:schemeClr>
+                </a:solidFill>
+              </a:rPr>
               <a:t>vruntime</a:t>
             </a:r>
-            <a:endParaRPr lang="en-US" i="1" dirty="0"/>
-          </a:p>
-          <a:p>
+            <a:endParaRPr lang="en-US" dirty="0">
+              <a:solidFill>
+                <a:schemeClr val="accent2">
+                  <a:lumMod val="60000"/>
+                  <a:lumOff val="40000"/>
+                </a:schemeClr>
+              </a:solidFill>
+            </a:endParaRPr>
+          </a:p>
+          <a:p>
+            <a:r>
+              <a:rPr lang="en-US" dirty="0">
+                <a:solidFill>
+                  <a:schemeClr val="tx1"/>
+                </a:solidFill>
+              </a:rPr>
+              <a:t>When </a:t>
+            </a:r>
+            <a:r>
+              <a:rPr lang="en-US" dirty="0" err="1">
+                <a:solidFill>
+                  <a:schemeClr val="tx1"/>
+                </a:solidFill>
+              </a:rPr>
+              <a:t>vruntime</a:t>
+            </a:r>
+            <a:r>
+              <a:rPr lang="en-US" dirty="0">
+                <a:solidFill>
+                  <a:schemeClr val="tx1"/>
+                </a:solidFill>
+              </a:rPr>
+              <a:t> reaches the maximum, the running thread is </a:t>
+            </a:r>
+            <a:r>
+              <a:rPr lang="en-US" dirty="0">
+                <a:solidFill>
+                  <a:schemeClr val="accent2">
+                    <a:lumMod val="60000"/>
+                    <a:lumOff val="40000"/>
+                  </a:schemeClr>
+                </a:solidFill>
+              </a:rPr>
+              <a:t>preempted</a:t>
+            </a:r>
+            <a:r>
+              <a:rPr lang="en-US" dirty="0">
+                <a:solidFill>
+                  <a:schemeClr val="tx1"/>
+                </a:solidFill>
+              </a:rPr>
+              <a:t> (replaced) by another thread.</a:t>
+            </a:r>
+          </a:p>
+          <a:p>
+            <a:r>
+              <a:rPr lang="en-US" dirty="0">
+                <a:solidFill>
+                  <a:schemeClr val="tx1"/>
+                </a:solidFill>
+              </a:rPr>
+              <a:t> </a:t>
+            </a:r>
             <a:r>
               <a:rPr lang="en-US" dirty="0"/>
               <a:t>A </a:t>
+            </a:r>
+            <a:r>
+              <a:rPr lang="en-US" dirty="0" err="1">
+                <a:solidFill>
+                  <a:schemeClr val="accent2">
+                    <a:lumMod val="60000"/>
+                    <a:lumOff val="40000"/>
+                  </a:schemeClr>
+                </a:solidFill>
+              </a:rPr>
+              <a:t>runqueue</a:t>
+            </a:r>
+            <a:r>
+              <a:rPr lang="en-US" dirty="0"/>
+              <a:t> is a priority queue that sorts on </a:t>
+            </a:r>
+            <a:r>
+              <a:rPr lang="en-US" dirty="0" err="1"/>
+              <a:t>vruntime</a:t>
+            </a:r>
+            <a:r>
+              <a:rPr lang="en-US" dirty="0"/>
+              <a:t>.</a:t>
+            </a:r>
+          </a:p>
+          <a:p>
+            <a:r>
+              <a:rPr lang="en-US" dirty="0"/>
+              <a:t>When the scheduler chooses a replacement thread, it selects the thread with the minimum </a:t>
+            </a:r>
+            <a:r>
+              <a:rPr lang="en-US" dirty="0" err="1"/>
+              <a:t>vruntime</a:t>
+            </a:r>
+            <a:r>
+              <a:rPr lang="en-US" dirty="0"/>
+              <a:t> from the </a:t>
             </a:r>
             <a:r>
               <a:rPr lang="en-US" dirty="0" err="1"/>
@@ -8402,37 +8339,25 @@
             </a:r>
             <a:r>
               <a:rPr lang="en-US" dirty="0"/>
-              <a:t> is a self organizing </a:t>
-            </a:r>
-            <a:r>
-              <a:rPr lang="en-US" i="1" dirty="0"/>
-              <a:t>Red-Black Tree </a:t>
-            </a:r>
-            <a:r>
-              <a:rPr lang="en-US" dirty="0"/>
-              <a:t>that sorts on </a:t>
-            </a:r>
-            <a:r>
-              <a:rPr lang="en-US" dirty="0" err="1"/>
-              <a:t>vruntime</a:t>
-            </a:r>
+              <a:t>.</a:t>
+            </a:r>
+          </a:p>
+          <a:p>
             <a:endParaRPr lang="en-US" dirty="0"/>
           </a:p>
           <a:p>
             <a:r>
               <a:rPr lang="en-US" dirty="0"/>
-              <a:t>New threads are chosen as the leftmost node, with the least </a:t>
-            </a:r>
-            <a:r>
-              <a:rPr lang="en-US" dirty="0" err="1"/>
-              <a:t>vruntime</a:t>
-            </a:r>
-            <a:r>
-              <a:rPr lang="en-US" dirty="0"/>
-              <a:t>.</a:t>
-            </a:r>
-          </a:p>
-          <a:p>
+              <a:t>The priority queue of choice on Linux is a red-black tree. In the example on the right, Thread 1 would be selected.</a:t>
+            </a:r>
+          </a:p>
+          <a:p>
+            <a:endParaRPr lang="en-US" dirty="0"/>
+          </a:p>
+          <a:p>
+            <a:pPr marL="0" indent="0">
+              <a:buNone/>
+            </a:pPr>
             <a:endParaRPr lang="en-US" dirty="0"/>
           </a:p>
         </p:txBody>
@@ -8460,76 +8385,11 @@
           <a:p>
             <a:r>
               <a:rPr lang="en-US" dirty="0" err="1"/>
-              <a:t>Runqueue</a:t>
-            </a:r>
-            <a:r>
-              <a:rPr lang="en-US" dirty="0"/>
-              <a:t> on One CPU</a:t>
-            </a:r>
-          </a:p>
-        </p:txBody>
-      </p:sp>
-      <p:sp>
-        <p:nvSpPr>
-          <p:cNvPr id="8" name="TextBox 7">
-            <a:extLst>
-              <a:ext uri="{FF2B5EF4-FFF2-40B4-BE49-F238E27FC236}">
-                <a16:creationId xmlns:a16="http://schemas.microsoft.com/office/drawing/2014/main" id="{F1498B1C-C125-4D94-A248-087498BE281E}"/>
-              </a:ext>
-            </a:extLst>
-          </p:cNvPr>
-          <p:cNvSpPr txBox="1"/>
-          <p:nvPr/>
-        </p:nvSpPr>
-        <p:spPr>
-          <a:xfrm>
-            <a:off x="784426" y="3045048"/>
-            <a:ext cx="2205909" cy="851515"/>
-          </a:xfrm>
-          <a:prstGeom prst="rect">
-            <a:avLst/>
-          </a:prstGeom>
-          <a:solidFill>
-            <a:schemeClr val="bg1">
-              <a:lumMod val="85000"/>
-              <a:lumOff val="15000"/>
-            </a:schemeClr>
-          </a:solidFill>
-          <a:ln w="38100">
-            <a:solidFill>
-              <a:schemeClr val="accent1">
-                <a:lumMod val="40000"/>
-                <a:lumOff val="60000"/>
-              </a:schemeClr>
-            </a:solidFill>
-          </a:ln>
-        </p:spPr>
-        <p:txBody>
-          <a:bodyPr wrap="square" rtlCol="0">
-            <a:spAutoFit/>
-          </a:bodyPr>
-          <a:lstStyle/>
-          <a:p>
-            <a:r>
-              <a:rPr lang="en-US" dirty="0"/>
-              <a:t>CPU</a:t>
-            </a:r>
-          </a:p>
-          <a:p>
-            <a:r>
-              <a:rPr lang="en-US" sz="1400" dirty="0"/>
-              <a:t>cycles=1000</a:t>
-            </a:r>
-          </a:p>
-          <a:p>
-            <a:pPr>
-              <a:spcBef>
-                <a:spcPts val="400"/>
-              </a:spcBef>
-            </a:pPr>
-            <a:r>
-              <a:rPr lang="en-US" sz="1400" dirty="0"/>
-              <a:t>current thread: Thread 1</a:t>
+              <a:t>Runqueues</a:t>
+            </a:r>
+            <a:r>
+              <a:rPr lang="en-US" dirty="0"/>
+              <a:t> in CFS</a:t>
             </a:r>
           </a:p>
         </p:txBody>
@@ -8548,7 +8408,7 @@
         </p:nvSpPr>
         <p:spPr>
           <a:xfrm>
-            <a:off x="3459891" y="5236432"/>
+            <a:off x="7119824" y="3599292"/>
             <a:ext cx="1548713" cy="800219"/>
           </a:xfrm>
           <a:prstGeom prst="rect">
@@ -8609,7 +8469,7 @@
         </p:nvSpPr>
         <p:spPr>
           <a:xfrm>
-            <a:off x="4728519" y="4142683"/>
+            <a:off x="7850734" y="2505543"/>
             <a:ext cx="1635606" cy="800219"/>
           </a:xfrm>
           <a:prstGeom prst="rect">
@@ -8670,7 +8530,7 @@
         </p:nvSpPr>
         <p:spPr>
           <a:xfrm>
-            <a:off x="7074885" y="4142683"/>
+            <a:off x="9927246" y="2505543"/>
             <a:ext cx="1731364" cy="800219"/>
           </a:xfrm>
           <a:prstGeom prst="rect">
@@ -8731,7 +8591,7 @@
         </p:nvSpPr>
         <p:spPr>
           <a:xfrm>
-            <a:off x="5981824" y="2928819"/>
+            <a:off x="8871164" y="1291679"/>
             <a:ext cx="1646414" cy="800219"/>
           </a:xfrm>
           <a:prstGeom prst="rect">
@@ -8796,8 +8656,8 @@
         </p:nvCxnSpPr>
         <p:spPr>
           <a:xfrm rot="5400000">
-            <a:off x="5968855" y="3306506"/>
-            <a:ext cx="413645" cy="1258709"/>
+            <a:off x="8974632" y="1785803"/>
+            <a:ext cx="413645" cy="1025834"/>
           </a:xfrm>
           <a:prstGeom prst="bentConnector3">
             <a:avLst>
@@ -8841,8 +8701,8 @@
         </p:nvCxnSpPr>
         <p:spPr>
           <a:xfrm rot="16200000" flipH="1">
-            <a:off x="7165977" y="3368092"/>
-            <a:ext cx="413645" cy="1135536"/>
+            <a:off x="10036827" y="1749441"/>
+            <a:ext cx="413645" cy="1098557"/>
           </a:xfrm>
           <a:prstGeom prst="bentConnector3">
             <a:avLst>
@@ -8886,8 +8746,8 @@
         </p:nvCxnSpPr>
         <p:spPr>
           <a:xfrm rot="5400000">
-            <a:off x="4743520" y="4433630"/>
-            <a:ext cx="293530" cy="1312074"/>
+            <a:off x="8134594" y="3065349"/>
+            <a:ext cx="293530" cy="774356"/>
           </a:xfrm>
           <a:prstGeom prst="bentConnector3">
             <a:avLst/>
@@ -8911,10 +8771,242 @@
           </a:fontRef>
         </p:style>
       </p:cxnSp>
+      <p:sp>
+        <p:nvSpPr>
+          <p:cNvPr id="5" name="TextBox 4">
+            <a:extLst>
+              <a:ext uri="{FF2B5EF4-FFF2-40B4-BE49-F238E27FC236}">
+                <a16:creationId xmlns:a16="http://schemas.microsoft.com/office/drawing/2014/main" id="{AA8EEB86-1774-4D20-BFC3-3F32EF9B3DA3}"/>
+              </a:ext>
+            </a:extLst>
+          </p:cNvPr>
+          <p:cNvSpPr txBox="1"/>
+          <p:nvPr/>
+        </p:nvSpPr>
+        <p:spPr>
+          <a:xfrm>
+            <a:off x="7894181" y="609600"/>
+            <a:ext cx="3685330" cy="584775"/>
+          </a:xfrm>
+          <a:prstGeom prst="rect">
+            <a:avLst/>
+          </a:prstGeom>
+          <a:noFill/>
+        </p:spPr>
+        <p:txBody>
+          <a:bodyPr wrap="square" rtlCol="0">
+            <a:spAutoFit/>
+          </a:bodyPr>
+          <a:lstStyle/>
+          <a:p>
+            <a:r>
+              <a:rPr lang="en-US" sz="3200" dirty="0">
+                <a:solidFill>
+                  <a:schemeClr val="accent1"/>
+                </a:solidFill>
+                <a:latin typeface="+mj-lt"/>
+              </a:rPr>
+              <a:t>Example </a:t>
+            </a:r>
+            <a:r>
+              <a:rPr lang="en-US" sz="3200" dirty="0" err="1">
+                <a:solidFill>
+                  <a:schemeClr val="accent1"/>
+                </a:solidFill>
+                <a:latin typeface="+mj-lt"/>
+              </a:rPr>
+              <a:t>Runqueue</a:t>
+            </a:r>
+            <a:endParaRPr lang="en-US" sz="3200" dirty="0">
+              <a:solidFill>
+                <a:schemeClr val="accent1"/>
+              </a:solidFill>
+              <a:latin typeface="+mj-lt"/>
+            </a:endParaRPr>
+          </a:p>
+        </p:txBody>
+      </p:sp>
     </p:spTree>
     <p:extLst>
       <p:ext uri="{BB962C8B-B14F-4D97-AF65-F5344CB8AC3E}">
         <p14:creationId xmlns:p14="http://schemas.microsoft.com/office/powerpoint/2010/main" val="196350658"/>
+      </p:ext>
+    </p:extLst>
+  </p:cSld>
+  <p:clrMapOvr>
+    <a:masterClrMapping/>
+  </p:clrMapOvr>
+</p:sld>
+</file>
+
+<file path=ppt/slides/slide17.xml><?xml version="1.0" encoding="utf-8"?>
+<p:sld xmlns:a="http://schemas.openxmlformats.org/drawingml/2006/main" xmlns:r="http://schemas.openxmlformats.org/officeDocument/2006/relationships" xmlns:p="http://schemas.openxmlformats.org/presentationml/2006/main">
+  <p:cSld>
+    <p:spTree>
+      <p:nvGrpSpPr>
+        <p:cNvPr id="1" name=""/>
+        <p:cNvGrpSpPr/>
+        <p:nvPr/>
+      </p:nvGrpSpPr>
+      <p:grpSpPr>
+        <a:xfrm>
+          <a:off x="0" y="0"/>
+          <a:ext cx="0" cy="0"/>
+          <a:chOff x="0" y="0"/>
+          <a:chExt cx="0" cy="0"/>
+        </a:xfrm>
+      </p:grpSpPr>
+      <p:sp>
+        <p:nvSpPr>
+          <p:cNvPr id="2" name="Title 1">
+            <a:extLst>
+              <a:ext uri="{FF2B5EF4-FFF2-40B4-BE49-F238E27FC236}">
+                <a16:creationId xmlns:a16="http://schemas.microsoft.com/office/drawing/2014/main" id="{5AC9455C-C24E-46B5-8157-7C60F65C59DC}"/>
+              </a:ext>
+            </a:extLst>
+          </p:cNvPr>
+          <p:cNvSpPr>
+            <a:spLocks noGrp="1"/>
+          </p:cNvSpPr>
+          <p:nvPr>
+            <p:ph type="title"/>
+          </p:nvPr>
+        </p:nvSpPr>
+        <p:spPr/>
+        <p:txBody>
+          <a:bodyPr/>
+          <a:lstStyle/>
+          <a:p>
+            <a:r>
+              <a:rPr lang="en-US" dirty="0"/>
+              <a:t>Multiple </a:t>
+            </a:r>
+            <a:r>
+              <a:rPr lang="en-US" dirty="0" err="1"/>
+              <a:t>Runqueues</a:t>
+            </a:r>
+            <a:r>
+              <a:rPr lang="en-US" dirty="0"/>
+              <a:t> in CFS</a:t>
+            </a:r>
+          </a:p>
+        </p:txBody>
+      </p:sp>
+      <p:sp>
+        <p:nvSpPr>
+          <p:cNvPr id="3" name="Content Placeholder 2">
+            <a:extLst>
+              <a:ext uri="{FF2B5EF4-FFF2-40B4-BE49-F238E27FC236}">
+                <a16:creationId xmlns:a16="http://schemas.microsoft.com/office/drawing/2014/main" id="{FEED6BAF-D70D-4353-A488-83A8AC526FA7}"/>
+              </a:ext>
+            </a:extLst>
+          </p:cNvPr>
+          <p:cNvSpPr>
+            <a:spLocks noGrp="1"/>
+          </p:cNvSpPr>
+          <p:nvPr>
+            <p:ph idx="1"/>
+          </p:nvPr>
+        </p:nvSpPr>
+        <p:spPr>
+          <a:xfrm>
+            <a:off x="677334" y="1930400"/>
+            <a:ext cx="8596668" cy="3880773"/>
+          </a:xfrm>
+        </p:spPr>
+        <p:txBody>
+          <a:bodyPr>
+            <a:normAutofit/>
+          </a:bodyPr>
+          <a:lstStyle/>
+          <a:p>
+            <a:pPr marL="0" indent="0">
+              <a:buNone/>
+            </a:pPr>
+            <a:r>
+              <a:rPr lang="en-US" dirty="0">
+                <a:solidFill>
+                  <a:schemeClr val="tx1">
+                    <a:lumMod val="75000"/>
+                  </a:schemeClr>
+                </a:solidFill>
+              </a:rPr>
+              <a:t>(no longer assuming single-core implementation)</a:t>
+            </a:r>
+          </a:p>
+          <a:p>
+            <a:r>
+              <a:rPr lang="en-US" dirty="0"/>
+              <a:t>If all cores shared a single </a:t>
+            </a:r>
+            <a:r>
+              <a:rPr lang="en-US" dirty="0" err="1"/>
+              <a:t>runqueue</a:t>
+            </a:r>
+            <a:r>
+              <a:rPr lang="en-US" dirty="0"/>
+              <a:t>, cores would be doing frequent expensive book-keeping in order to search for available work</a:t>
+            </a:r>
+          </a:p>
+          <a:p>
+            <a:r>
+              <a:rPr lang="en-US" dirty="0"/>
+              <a:t>Each core should have its own </a:t>
+            </a:r>
+            <a:r>
+              <a:rPr lang="en-US" dirty="0" err="1"/>
+              <a:t>runqueue</a:t>
+            </a:r>
+            <a:endParaRPr lang="en-US" dirty="0"/>
+          </a:p>
+          <a:p>
+            <a:pPr marL="0" indent="0">
+              <a:buNone/>
+            </a:pPr>
+            <a:endParaRPr lang="en-US" dirty="0"/>
+          </a:p>
+          <a:p>
+            <a:pPr marL="0" indent="0">
+              <a:buNone/>
+            </a:pPr>
+            <a:endParaRPr lang="en-US" dirty="0"/>
+          </a:p>
+          <a:p>
+            <a:r>
+              <a:rPr lang="en-US" dirty="0"/>
+              <a:t>This is sufficiently vague… Let’s take a closer look.</a:t>
+            </a:r>
+          </a:p>
+          <a:p>
+            <a:r>
+              <a:rPr lang="en-US" dirty="0"/>
+              <a:t>In order to understand the motivation for multiple </a:t>
+            </a:r>
+            <a:r>
+              <a:rPr lang="en-US" dirty="0" err="1"/>
+              <a:t>runqueues</a:t>
+            </a:r>
+            <a:r>
+              <a:rPr lang="en-US" dirty="0"/>
+              <a:t>, we need to know some about cache and processor state. </a:t>
+            </a:r>
+            <a:r>
+              <a:rPr lang="en-US" dirty="0">
+                <a:solidFill>
+                  <a:schemeClr val="tx1">
+                    <a:lumMod val="75000"/>
+                  </a:schemeClr>
+                </a:solidFill>
+              </a:rPr>
+              <a:t>(it will also help us later on)</a:t>
+            </a:r>
+          </a:p>
+        </p:txBody>
+      </p:sp>
+    </p:spTree>
+    <p:extLst>
+      <p:ext uri="{BB962C8B-B14F-4D97-AF65-F5344CB8AC3E}">
+        <p14:creationId xmlns:p14="http://schemas.microsoft.com/office/powerpoint/2010/main" val="324779882"/>
       </p:ext>
     </p:extLst>
   </p:cSld>
@@ -8943,10 +9035,10 @@
       </p:grpSpPr>
       <p:sp>
         <p:nvSpPr>
-          <p:cNvPr id="2" name="Title 1">
+          <p:cNvPr id="3" name="Content Placeholder 2">
             <a:extLst>
               <a:ext uri="{FF2B5EF4-FFF2-40B4-BE49-F238E27FC236}">
-                <a16:creationId xmlns:a16="http://schemas.microsoft.com/office/drawing/2014/main" id="{5AC9455C-C24E-46B5-8157-7C60F65C59DC}"/>
+                <a16:creationId xmlns:a16="http://schemas.microsoft.com/office/drawing/2014/main" id="{D83E9CED-5A39-49BF-9563-8FD5937C2082}"/>
               </a:ext>
             </a:extLst>
           </p:cNvPr>
@@ -8954,32 +9046,218 @@
             <a:spLocks noGrp="1"/>
           </p:cNvSpPr>
           <p:nvPr>
-            <p:ph type="title"/>
-          </p:nvPr>
-        </p:nvSpPr>
-        <p:spPr/>
-        <p:txBody>
-          <a:bodyPr/>
-          <a:lstStyle/>
-          <a:p>
-            <a:r>
-              <a:rPr lang="en-US" dirty="0"/>
-              <a:t>Multiple </a:t>
-            </a:r>
-            <a:r>
-              <a:rPr lang="en-US" dirty="0" err="1"/>
-              <a:t>Runqueues</a:t>
-            </a:r>
-            <a:endParaRPr lang="en-US" dirty="0"/>
-          </a:p>
-        </p:txBody>
-      </p:sp>
-      <p:sp>
-        <p:nvSpPr>
-          <p:cNvPr id="3" name="Content Placeholder 2">
+            <p:ph idx="1"/>
+          </p:nvPr>
+        </p:nvSpPr>
+        <p:spPr>
+          <a:xfrm>
+            <a:off x="774700" y="1242391"/>
+            <a:ext cx="9055099" cy="5285409"/>
+          </a:xfrm>
+        </p:spPr>
+        <p:txBody>
+          <a:bodyPr>
+            <a:normAutofit/>
+          </a:bodyPr>
+          <a:lstStyle/>
+          <a:p>
+            <a:pPr marL="0" indent="0">
+              <a:buNone/>
+            </a:pPr>
+            <a:r>
+              <a:rPr lang="en-US" dirty="0">
+                <a:solidFill>
+                  <a:schemeClr val="tx1"/>
+                </a:solidFill>
+              </a:rPr>
+              <a:t>Process state</a:t>
+            </a:r>
+          </a:p>
+          <a:p>
+            <a:pPr marL="457200" lvl="1" indent="0">
+              <a:buNone/>
+            </a:pPr>
+            <a:r>
+              <a:rPr lang="en-US" dirty="0">
+                <a:solidFill>
+                  <a:schemeClr val="tx1"/>
+                </a:solidFill>
+              </a:rPr>
+              <a:t>Consists of resources that each of the processes’ threads should have access to</a:t>
+            </a:r>
+          </a:p>
+          <a:p>
+            <a:pPr lvl="1"/>
+            <a:r>
+              <a:rPr lang="en-US" dirty="0">
+                <a:solidFill>
+                  <a:schemeClr val="tx1"/>
+                </a:solidFill>
+              </a:rPr>
+              <a:t>Compiled code and data</a:t>
+            </a:r>
+          </a:p>
+          <a:p>
+            <a:pPr lvl="1"/>
+            <a:r>
+              <a:rPr lang="en-US" dirty="0">
+                <a:solidFill>
+                  <a:schemeClr val="tx1"/>
+                </a:solidFill>
+              </a:rPr>
+              <a:t>Sockets</a:t>
+            </a:r>
+          </a:p>
+          <a:p>
+            <a:pPr lvl="1"/>
+            <a:r>
+              <a:rPr lang="en-US" dirty="0">
+                <a:solidFill>
+                  <a:schemeClr val="tx1"/>
+                </a:solidFill>
+              </a:rPr>
+              <a:t>File handles</a:t>
+            </a:r>
+          </a:p>
+          <a:p>
+            <a:pPr lvl="1"/>
+            <a:r>
+              <a:rPr lang="en-US" dirty="0">
+                <a:solidFill>
+                  <a:schemeClr val="tx1"/>
+                </a:solidFill>
+              </a:rPr>
+              <a:t>Process control block (Logistical information)</a:t>
+            </a:r>
+          </a:p>
+          <a:p>
+            <a:pPr marL="0" indent="0">
+              <a:buNone/>
+            </a:pPr>
+            <a:r>
+              <a:rPr lang="en-US" dirty="0">
+                <a:solidFill>
+                  <a:schemeClr val="tx1"/>
+                </a:solidFill>
+              </a:rPr>
+              <a:t>Thread state</a:t>
+            </a:r>
+          </a:p>
+          <a:p>
+            <a:pPr marL="457200" lvl="1" indent="0">
+              <a:buNone/>
+            </a:pPr>
+            <a:r>
+              <a:rPr lang="en-US" dirty="0">
+                <a:solidFill>
+                  <a:schemeClr val="tx1"/>
+                </a:solidFill>
+              </a:rPr>
+              <a:t>The scheduler uses the following information for thread execution and in order to pause</a:t>
+            </a:r>
+            <a:br>
+              <a:rPr lang="en-US" dirty="0">
+                <a:solidFill>
+                  <a:schemeClr val="tx1"/>
+                </a:solidFill>
+              </a:rPr>
+            </a:br>
+            <a:r>
+              <a:rPr lang="en-US" dirty="0">
+                <a:solidFill>
+                  <a:schemeClr val="tx1"/>
+                </a:solidFill>
+              </a:rPr>
+              <a:t>and resume execution</a:t>
+            </a:r>
+          </a:p>
+          <a:p>
+            <a:pPr lvl="1"/>
+            <a:r>
+              <a:rPr lang="en-US" dirty="0">
+                <a:solidFill>
+                  <a:schemeClr val="tx1"/>
+                </a:solidFill>
+              </a:rPr>
+              <a:t>Run-time stack </a:t>
+            </a:r>
+            <a:r>
+              <a:rPr lang="en-US" dirty="0">
+                <a:solidFill>
+                  <a:schemeClr val="accent3">
+                    <a:lumMod val="60000"/>
+                    <a:lumOff val="40000"/>
+                  </a:schemeClr>
+                </a:solidFill>
+              </a:rPr>
+              <a:t>(when a thread is made, what’s in its stack?)</a:t>
+            </a:r>
+          </a:p>
+          <a:p>
+            <a:pPr lvl="1"/>
+            <a:r>
+              <a:rPr lang="en-US" dirty="0">
+                <a:solidFill>
+                  <a:schemeClr val="tx1"/>
+                </a:solidFill>
+              </a:rPr>
+              <a:t>Clone of the CPUs registers from when the thread was last </a:t>
+            </a:r>
+            <a:r>
+              <a:rPr lang="en-US" i="1" dirty="0">
+                <a:solidFill>
+                  <a:schemeClr val="tx1"/>
+                </a:solidFill>
+              </a:rPr>
+              <a:t>active</a:t>
+            </a:r>
+            <a:br>
+              <a:rPr lang="en-US" dirty="0">
+                <a:solidFill>
+                  <a:schemeClr val="tx1"/>
+                </a:solidFill>
+              </a:rPr>
+            </a:br>
+            <a:r>
+              <a:rPr lang="en-US" dirty="0">
+                <a:solidFill>
+                  <a:schemeClr val="tx1">
+                    <a:lumMod val="75000"/>
+                  </a:schemeClr>
+                </a:solidFill>
+              </a:rPr>
+              <a:t>(including the instruction pointer, to resume processing)</a:t>
+            </a:r>
+            <a:endParaRPr lang="en-US" dirty="0">
+              <a:solidFill>
+                <a:schemeClr val="accent3">
+                  <a:lumMod val="60000"/>
+                  <a:lumOff val="40000"/>
+                </a:schemeClr>
+              </a:solidFill>
+            </a:endParaRPr>
+          </a:p>
+          <a:p>
+            <a:pPr marL="0" indent="0">
+              <a:buNone/>
+            </a:pPr>
+            <a:r>
+              <a:rPr lang="en-US" dirty="0">
+                <a:solidFill>
+                  <a:schemeClr val="tx1"/>
+                </a:solidFill>
+              </a:rPr>
+              <a:t>Processor states contain much more information than thread states, thus context switches between threads of different processes are more expensive</a:t>
+            </a:r>
+          </a:p>
+        </p:txBody>
+      </p:sp>
+      <p:sp>
+        <p:nvSpPr>
+          <p:cNvPr id="15" name="Title 14">
             <a:extLst>
               <a:ext uri="{FF2B5EF4-FFF2-40B4-BE49-F238E27FC236}">
-                <a16:creationId xmlns:a16="http://schemas.microsoft.com/office/drawing/2014/main" id="{FEED6BAF-D70D-4353-A488-83A8AC526FA7}"/>
+                <a16:creationId xmlns:a16="http://schemas.microsoft.com/office/drawing/2014/main" id="{DD5971B8-AEDF-4A4F-A785-3ABA81D954C9}"/>
               </a:ext>
             </a:extLst>
           </p:cNvPr>
@@ -8987,42 +9265,32 @@
             <a:spLocks noGrp="1"/>
           </p:cNvSpPr>
           <p:nvPr>
-            <p:ph idx="1"/>
-          </p:nvPr>
-        </p:nvSpPr>
-        <p:spPr/>
-        <p:txBody>
-          <a:bodyPr/>
-          <a:lstStyle/>
-          <a:p>
-            <a:r>
-              <a:rPr lang="en-US" dirty="0"/>
-              <a:t>Context Switching is expensive across cores</a:t>
-            </a:r>
-          </a:p>
-          <a:p>
-            <a:r>
-              <a:rPr lang="en-US" dirty="0"/>
-              <a:t>Multicore systems need multiple </a:t>
-            </a:r>
-            <a:r>
-              <a:rPr lang="en-US" dirty="0" err="1"/>
-              <a:t>runqueues</a:t>
-            </a:r>
-            <a:r>
-              <a:rPr lang="en-US" dirty="0"/>
-              <a:t> to minimize context switches</a:t>
-            </a:r>
-          </a:p>
-          <a:p>
-            <a:endParaRPr lang="en-US" dirty="0"/>
+            <p:ph type="title"/>
+          </p:nvPr>
+        </p:nvSpPr>
+        <p:spPr>
+          <a:xfrm>
+            <a:off x="677333" y="609600"/>
+            <a:ext cx="4878077" cy="632791"/>
+          </a:xfrm>
+        </p:spPr>
+        <p:txBody>
+          <a:bodyPr>
+            <a:normAutofit fontScale="90000"/>
+          </a:bodyPr>
+          <a:lstStyle/>
+          <a:p>
+            <a:r>
+              <a:rPr lang="en-US" dirty="0"/>
+              <a:t>Process and Thread state</a:t>
+            </a:r>
           </a:p>
         </p:txBody>
       </p:sp>
     </p:spTree>
     <p:extLst>
       <p:ext uri="{BB962C8B-B14F-4D97-AF65-F5344CB8AC3E}">
-        <p14:creationId xmlns:p14="http://schemas.microsoft.com/office/powerpoint/2010/main" val="324779882"/>
+        <p14:creationId xmlns:p14="http://schemas.microsoft.com/office/powerpoint/2010/main" val="2386835903"/>
       </p:ext>
     </p:extLst>
   </p:cSld>
@@ -9035,6 +9303,14 @@
 <file path=ppt/slides/slide19.xml><?xml version="1.0" encoding="utf-8"?>
 <p:sld xmlns:a="http://schemas.openxmlformats.org/drawingml/2006/main" xmlns:r="http://schemas.openxmlformats.org/officeDocument/2006/relationships" xmlns:p="http://schemas.openxmlformats.org/presentationml/2006/main">
   <p:cSld>
+    <p:bg>
+      <p:bgPr>
+        <a:solidFill>
+          <a:schemeClr val="bg2"/>
+        </a:solidFill>
+        <a:effectLst/>
+      </p:bgPr>
+    </p:bg>
     <p:spTree>
       <p:nvGrpSpPr>
         <p:cNvPr id="1" name=""/>
@@ -9054,7 +9330,7 @@
           <p:cNvPr id="2" name="Title 1">
             <a:extLst>
               <a:ext uri="{FF2B5EF4-FFF2-40B4-BE49-F238E27FC236}">
-                <a16:creationId xmlns:a16="http://schemas.microsoft.com/office/drawing/2014/main" id="{BDD0509A-6666-45C3-8F03-D2600104FFEE}"/>
+                <a16:creationId xmlns:a16="http://schemas.microsoft.com/office/drawing/2014/main" id="{E05B12E0-214E-45C5-A8F7-6FD58B0AD11A}"/>
               </a:ext>
             </a:extLst>
           </p:cNvPr>
@@ -9065,14 +9341,21 @@
             <p:ph type="title"/>
           </p:nvPr>
         </p:nvSpPr>
-        <p:spPr/>
-        <p:txBody>
-          <a:bodyPr/>
-          <a:lstStyle/>
-          <a:p>
-            <a:r>
-              <a:rPr lang="en-US" dirty="0"/>
-              <a:t>Outline</a:t>
+        <p:spPr>
+          <a:xfrm>
+            <a:off x="677334" y="584887"/>
+            <a:ext cx="8596668" cy="1320800"/>
+          </a:xfrm>
+        </p:spPr>
+        <p:txBody>
+          <a:bodyPr anchor="t">
+            <a:normAutofit/>
+          </a:bodyPr>
+          <a:lstStyle/>
+          <a:p>
+            <a:r>
+              <a:rPr lang="en-US" dirty="0"/>
+              <a:t>CPU Cache</a:t>
             </a:r>
           </a:p>
         </p:txBody>
@@ -9082,7 +9365,7 @@
           <p:cNvPr id="3" name="Content Placeholder 2">
             <a:extLst>
               <a:ext uri="{FF2B5EF4-FFF2-40B4-BE49-F238E27FC236}">
-                <a16:creationId xmlns:a16="http://schemas.microsoft.com/office/drawing/2014/main" id="{5D73516D-08C5-41D9-94BA-396221B63085}"/>
+                <a16:creationId xmlns:a16="http://schemas.microsoft.com/office/drawing/2014/main" id="{2EA8D974-553F-4D7D-8FF0-951655B4AB8C}"/>
               </a:ext>
             </a:extLst>
           </p:cNvPr>
@@ -9093,63 +9376,398 @@
             <p:ph idx="1"/>
           </p:nvPr>
         </p:nvSpPr>
-        <p:spPr/>
-        <p:txBody>
-          <a:bodyPr/>
-          <a:lstStyle/>
-          <a:p>
-            <a:r>
-              <a:rPr lang="en-US" dirty="0">
-                <a:solidFill>
-                  <a:schemeClr val="accent1">
-                    <a:lumMod val="75000"/>
-                  </a:schemeClr>
-                </a:solidFill>
-              </a:rPr>
-              <a:t>Establish needed concepts</a:t>
-            </a:r>
-          </a:p>
-          <a:p>
-            <a:r>
-              <a:rPr lang="en-US" dirty="0">
-                <a:solidFill>
-                  <a:schemeClr val="accent1">
-                    <a:lumMod val="75000"/>
-                  </a:schemeClr>
-                </a:solidFill>
-              </a:rPr>
-              <a:t>Thread scheduling and thread load-balancing on Linux</a:t>
-            </a:r>
-          </a:p>
-          <a:p>
-            <a:r>
-              <a:rPr lang="en-US" dirty="0">
+        <p:spPr>
+          <a:xfrm>
+            <a:off x="677334" y="1413306"/>
+            <a:ext cx="5467497" cy="4985990"/>
+          </a:xfrm>
+        </p:spPr>
+        <p:txBody>
+          <a:bodyPr>
+            <a:normAutofit/>
+          </a:bodyPr>
+          <a:lstStyle/>
+          <a:p>
+            <a:pPr>
+              <a:lnSpc>
+                <a:spcPct val="90000"/>
+              </a:lnSpc>
+            </a:pPr>
+            <a:r>
+              <a:rPr lang="en-US" sz="1600" dirty="0">
+                <a:solidFill>
+                  <a:schemeClr val="accent2">
+                    <a:lumMod val="60000"/>
+                    <a:lumOff val="40000"/>
+                  </a:schemeClr>
+                </a:solidFill>
+              </a:rPr>
+              <a:t>Cache</a:t>
+            </a:r>
+            <a:r>
+              <a:rPr lang="en-US" sz="1600" dirty="0"/>
+              <a:t> and </a:t>
+            </a:r>
+            <a:r>
+              <a:rPr lang="en-US" sz="1600" dirty="0">
+                <a:solidFill>
+                  <a:schemeClr val="accent2">
+                    <a:lumMod val="60000"/>
+                    <a:lumOff val="40000"/>
+                  </a:schemeClr>
+                </a:solidFill>
+              </a:rPr>
+              <a:t>memory</a:t>
+            </a:r>
+            <a:r>
+              <a:rPr lang="en-US" sz="1600" dirty="0">
                 <a:solidFill>
                   <a:schemeClr val="tx1"/>
                 </a:solidFill>
               </a:rPr>
-              <a:t>Bug fixes and two new developments to the Linux thread scheduler</a:t>
-            </a:r>
-          </a:p>
-          <a:p>
-            <a:pPr lvl="1"/>
-            <a:r>
-              <a:rPr lang="en-US" dirty="0"/>
-              <a:t>Four bugs found within current implementation of CFS</a:t>
-            </a:r>
-          </a:p>
-          <a:p>
-            <a:pPr lvl="1"/>
-            <a:r>
-              <a:rPr lang="en-US" dirty="0"/>
-              <a:t>FLSCHED: The lockless thread scheduler</a:t>
-            </a:r>
-          </a:p>
-          <a:p>
-            <a:pPr lvl="1"/>
-            <a:r>
-              <a:rPr lang="en-US" dirty="0"/>
-              <a:t>Shuffler: Cache locality improvements via thread migration</a:t>
+              <a:t> in general </a:t>
+            </a:r>
+            <a:r>
+              <a:rPr lang="en-US" sz="1600" dirty="0"/>
+              <a:t>exist in a hierarchy</a:t>
+            </a:r>
+          </a:p>
+          <a:p>
+            <a:pPr>
+              <a:lnSpc>
+                <a:spcPct val="90000"/>
+              </a:lnSpc>
+            </a:pPr>
+            <a:r>
+              <a:rPr lang="en-US" sz="1600" dirty="0"/>
+              <a:t>Levels of cache are labelled L1, L2, L3, etc.</a:t>
+            </a:r>
+          </a:p>
+          <a:p>
+            <a:pPr>
+              <a:lnSpc>
+                <a:spcPct val="90000"/>
+              </a:lnSpc>
+            </a:pPr>
+            <a:r>
+              <a:rPr lang="en-US" sz="1600" dirty="0"/>
+              <a:t>L1 cache is also called </a:t>
+            </a:r>
+            <a:r>
+              <a:rPr lang="en-US" sz="1600" dirty="0">
+                <a:solidFill>
+                  <a:schemeClr val="accent2">
+                    <a:lumMod val="60000"/>
+                    <a:lumOff val="40000"/>
+                  </a:schemeClr>
+                </a:solidFill>
+              </a:rPr>
+              <a:t>last level cache</a:t>
+            </a:r>
+            <a:endParaRPr lang="en-US" sz="1600" dirty="0"/>
+          </a:p>
+          <a:p>
+            <a:pPr>
+              <a:lnSpc>
+                <a:spcPct val="90000"/>
+              </a:lnSpc>
+            </a:pPr>
+            <a:r>
+              <a:rPr lang="en-US" sz="1600" dirty="0"/>
+              <a:t>How cache is distributed depends on the machine:</a:t>
+            </a:r>
+          </a:p>
+          <a:p>
+            <a:pPr lvl="1">
+              <a:lnSpc>
+                <a:spcPct val="90000"/>
+              </a:lnSpc>
+            </a:pPr>
+            <a:r>
+              <a:rPr lang="en-US" dirty="0"/>
+              <a:t>A cache can exist </a:t>
+            </a:r>
+            <a:r>
+              <a:rPr lang="en-US" i="1" dirty="0"/>
+              <a:t>on</a:t>
+            </a:r>
+            <a:r>
+              <a:rPr lang="en-US" dirty="0"/>
+              <a:t>, </a:t>
+            </a:r>
+            <a:r>
+              <a:rPr lang="en-US" i="1" dirty="0"/>
+              <a:t>built-in to</a:t>
+            </a:r>
+            <a:r>
+              <a:rPr lang="en-US" dirty="0"/>
+              <a:t>,</a:t>
+            </a:r>
+            <a:br>
+              <a:rPr lang="en-US" dirty="0"/>
+            </a:br>
+            <a:r>
+              <a:rPr lang="en-US" dirty="0"/>
+              <a:t>or </a:t>
+            </a:r>
+            <a:r>
+              <a:rPr lang="en-US" i="1" dirty="0"/>
+              <a:t>outside</a:t>
+            </a:r>
+            <a:r>
+              <a:rPr lang="en-US" dirty="0"/>
+              <a:t> a processor</a:t>
+            </a:r>
+          </a:p>
+          <a:p>
+            <a:pPr lvl="1">
+              <a:lnSpc>
+                <a:spcPct val="90000"/>
+              </a:lnSpc>
+            </a:pPr>
+            <a:r>
+              <a:rPr lang="en-US" dirty="0"/>
+              <a:t>Cache can be one </a:t>
+            </a:r>
+            <a:r>
+              <a:rPr lang="en-US" i="1" dirty="0"/>
+              <a:t>per processor,</a:t>
+            </a:r>
+            <a:br>
+              <a:rPr lang="en-US" i="1" dirty="0"/>
+            </a:br>
+            <a:r>
+              <a:rPr lang="en-US" dirty="0"/>
+              <a:t>or one </a:t>
+            </a:r>
+            <a:r>
+              <a:rPr lang="en-US" i="1" dirty="0"/>
+              <a:t>per n cores</a:t>
+            </a:r>
+            <a:endParaRPr lang="en-US" dirty="0"/>
+          </a:p>
+          <a:p>
+            <a:pPr>
+              <a:lnSpc>
+                <a:spcPct val="90000"/>
+              </a:lnSpc>
+            </a:pPr>
+            <a:endParaRPr lang="en-US" sz="1400" dirty="0"/>
+          </a:p>
+          <a:p>
+            <a:pPr>
+              <a:lnSpc>
+                <a:spcPct val="90000"/>
+              </a:lnSpc>
+            </a:pPr>
+            <a:r>
+              <a:rPr lang="en-US" sz="1600" dirty="0">
+                <a:solidFill>
+                  <a:schemeClr val="accent3">
+                    <a:lumMod val="60000"/>
+                    <a:lumOff val="40000"/>
+                  </a:schemeClr>
+                </a:solidFill>
+              </a:rPr>
+              <a:t>Locality</a:t>
+            </a:r>
+            <a:r>
+              <a:rPr lang="en-US" sz="1600" dirty="0"/>
+              <a:t>: Speed of memory read and writes decreases as distance from CPU increases</a:t>
+            </a:r>
+          </a:p>
+          <a:p>
+            <a:pPr>
+              <a:lnSpc>
+                <a:spcPct val="90000"/>
+              </a:lnSpc>
+            </a:pPr>
+            <a:r>
+              <a:rPr lang="en-US" sz="1600" dirty="0"/>
+              <a:t>Cache is the fastest form of memory</a:t>
+            </a:r>
+          </a:p>
+          <a:p>
+            <a:pPr>
+              <a:lnSpc>
+                <a:spcPct val="90000"/>
+              </a:lnSpc>
+            </a:pPr>
+            <a:r>
+              <a:rPr lang="en-US" sz="1600" dirty="0"/>
+              <a:t>Any memory in L</a:t>
+            </a:r>
+            <a:r>
+              <a:rPr lang="en-US" sz="1200" b="1" dirty="0"/>
+              <a:t>i</a:t>
+            </a:r>
+            <a:r>
+              <a:rPr lang="en-US" sz="1600" dirty="0"/>
+              <a:t> cache exists in L</a:t>
+            </a:r>
+            <a:r>
+              <a:rPr lang="en-US" sz="1200" b="1" dirty="0"/>
+              <a:t>i+1</a:t>
+            </a:r>
+            <a:r>
+              <a:rPr lang="en-US" sz="1600" dirty="0"/>
+              <a:t> cache and RAM</a:t>
+            </a:r>
+          </a:p>
+          <a:p>
+            <a:pPr>
+              <a:lnSpc>
+                <a:spcPct val="90000"/>
+              </a:lnSpc>
+            </a:pPr>
+            <a:r>
+              <a:rPr lang="en-US" sz="1600" dirty="0"/>
+              <a:t>Any changes to memory shared by two L1 caches must </a:t>
+            </a:r>
+            <a:r>
+              <a:rPr lang="en-US" sz="1600" dirty="0" err="1"/>
+              <a:t>propogate</a:t>
+            </a:r>
+            <a:r>
+              <a:rPr lang="en-US" sz="1600" dirty="0"/>
+              <a:t> to the other to maintain correctness</a:t>
+            </a:r>
+          </a:p>
+        </p:txBody>
+      </p:sp>
+      <p:pic>
+        <p:nvPicPr>
+          <p:cNvPr id="10" name="Graphic 9">
+            <a:extLst>
+              <a:ext uri="{FF2B5EF4-FFF2-40B4-BE49-F238E27FC236}">
+                <a16:creationId xmlns:a16="http://schemas.microsoft.com/office/drawing/2014/main" id="{8CB33C7E-8A1B-47A3-BF46-2A11C926063F}"/>
+              </a:ext>
+            </a:extLst>
+          </p:cNvPr>
+          <p:cNvPicPr>
+            <a:picLocks noChangeAspect="1"/>
+          </p:cNvPicPr>
+          <p:nvPr/>
+        </p:nvPicPr>
+        <p:blipFill>
+          <a:blip r:embed="rId2">
+            <a:extLst>
+              <a:ext uri="{96DAC541-7B7A-43D3-8B79-37D633B846F1}">
+                <asvg:svgBlip xmlns:asvg="http://schemas.microsoft.com/office/drawing/2016/SVG/main" r:embed="rId3"/>
+              </a:ext>
+            </a:extLst>
+          </a:blip>
+          <a:stretch>
+            <a:fillRect/>
+          </a:stretch>
+        </p:blipFill>
+        <p:spPr>
+          <a:xfrm>
+            <a:off x="6229785" y="1630711"/>
+            <a:ext cx="5548354" cy="4016104"/>
+          </a:xfrm>
+          <a:prstGeom prst="rect">
+            <a:avLst/>
+          </a:prstGeom>
+        </p:spPr>
+      </p:pic>
+      <p:sp>
+        <p:nvSpPr>
+          <p:cNvPr id="14" name="TextBox 13">
+            <a:extLst>
+              <a:ext uri="{FF2B5EF4-FFF2-40B4-BE49-F238E27FC236}">
+                <a16:creationId xmlns:a16="http://schemas.microsoft.com/office/drawing/2014/main" id="{0601D501-3492-4B00-92D9-447C70089455}"/>
+              </a:ext>
+            </a:extLst>
+          </p:cNvPr>
+          <p:cNvSpPr txBox="1"/>
+          <p:nvPr/>
+        </p:nvSpPr>
+        <p:spPr>
+          <a:xfrm>
+            <a:off x="7155543" y="232229"/>
+            <a:ext cx="275771" cy="369332"/>
+          </a:xfrm>
+          <a:prstGeom prst="rect">
+            <a:avLst/>
+          </a:prstGeom>
+          <a:noFill/>
+        </p:spPr>
+        <p:txBody>
+          <a:bodyPr wrap="square" rtlCol="0">
+            <a:spAutoFit/>
+          </a:bodyPr>
+          <a:lstStyle/>
+          <a:p>
+            <a:endParaRPr lang="en-US" dirty="0"/>
+          </a:p>
+        </p:txBody>
+      </p:sp>
+      <p:sp>
+        <p:nvSpPr>
+          <p:cNvPr id="15" name="Rectangle 14">
+            <a:extLst>
+              <a:ext uri="{FF2B5EF4-FFF2-40B4-BE49-F238E27FC236}">
+                <a16:creationId xmlns:a16="http://schemas.microsoft.com/office/drawing/2014/main" id="{B9AC8C3B-C11A-438A-BF5E-7F9CCC45F28D}"/>
+              </a:ext>
+            </a:extLst>
+          </p:cNvPr>
+          <p:cNvSpPr/>
+          <p:nvPr/>
+        </p:nvSpPr>
+        <p:spPr>
+          <a:xfrm>
+            <a:off x="7431314" y="6488668"/>
+            <a:ext cx="6096000" cy="369332"/>
+          </a:xfrm>
+          <a:prstGeom prst="rect">
+            <a:avLst/>
+          </a:prstGeom>
+        </p:spPr>
+        <p:txBody>
+          <a:bodyPr>
+            <a:spAutoFit/>
+          </a:bodyPr>
+          <a:lstStyle/>
+          <a:p>
+            <a:r>
+              <a:rPr lang="en-US" dirty="0"/>
+              <a:t>http://flylib.com/books/en/4.414.1.135/1/</a:t>
+            </a:r>
+          </a:p>
+        </p:txBody>
+      </p:sp>
+      <p:sp>
+        <p:nvSpPr>
+          <p:cNvPr id="17" name="TextBox 16">
+            <a:extLst>
+              <a:ext uri="{FF2B5EF4-FFF2-40B4-BE49-F238E27FC236}">
+                <a16:creationId xmlns:a16="http://schemas.microsoft.com/office/drawing/2014/main" id="{485C9380-C1AA-45CE-AB6F-F9874F188B1B}"/>
+              </a:ext>
+            </a:extLst>
+          </p:cNvPr>
+          <p:cNvSpPr txBox="1"/>
+          <p:nvPr/>
+        </p:nvSpPr>
+        <p:spPr>
+          <a:xfrm>
+            <a:off x="6314739" y="1245287"/>
+            <a:ext cx="5378446" cy="461665"/>
+          </a:xfrm>
+          <a:prstGeom prst="rect">
+            <a:avLst/>
+          </a:prstGeom>
+          <a:noFill/>
+        </p:spPr>
+        <p:txBody>
+          <a:bodyPr wrap="square" rtlCol="0">
+            <a:spAutoFit/>
+          </a:bodyPr>
+          <a:lstStyle/>
+          <a:p>
+            <a:r>
+              <a:rPr lang="en-US" sz="2400" dirty="0"/>
+              <a:t>A typical memory setup</a:t>
             </a:r>
           </a:p>
         </p:txBody>
@@ -9157,7 +9775,7 @@
     </p:spTree>
     <p:extLst>
       <p:ext uri="{BB962C8B-B14F-4D97-AF65-F5344CB8AC3E}">
-        <p14:creationId xmlns:p14="http://schemas.microsoft.com/office/powerpoint/2010/main" val="2043729067"/>
+        <p14:creationId xmlns:p14="http://schemas.microsoft.com/office/powerpoint/2010/main" val="913170154"/>
       </p:ext>
     </p:extLst>
   </p:cSld>
@@ -9245,26 +9863,37 @@
           <a:p>
             <a:r>
               <a:rPr lang="en-US" dirty="0"/>
+              <a:t>The thread scheduler is an important system component that is always running</a:t>
+            </a:r>
+          </a:p>
+          <a:p>
+            <a:r>
+              <a:rPr lang="en-US" dirty="0"/>
+              <a:t>It manages the runtime that programs receive</a:t>
+            </a:r>
+          </a:p>
+          <a:p>
+            <a:r>
+              <a:rPr lang="en-US" dirty="0"/>
+              <a:t>Because it is a system component, it must be as efficient as possible</a:t>
+            </a:r>
+          </a:p>
+          <a:p>
+            <a:pPr lvl="1"/>
+            <a:r>
+              <a:rPr lang="en-US" dirty="0"/>
+              <a:t>Reduce time spent doing critical managerial tasks </a:t>
+            </a:r>
+            <a:r>
+              <a:rPr lang="en-US" sz="1400" dirty="0"/>
+              <a:t>(time spent in the “critical section”)</a:t>
+            </a:r>
+            <a:endParaRPr lang="en-US" dirty="0"/>
+          </a:p>
+          <a:p>
+            <a:r>
+              <a:rPr lang="en-US" dirty="0"/>
               <a:t>The problem of thread scheduling has been around since the 1960s and for a while, scheduling implementation was largely unchanged</a:t>
-            </a:r>
-          </a:p>
-          <a:p>
-            <a:r>
-              <a:rPr lang="en-US" dirty="0"/>
-              <a:t>The thread scheduler is an important system component that is always running</a:t>
-            </a:r>
-          </a:p>
-          <a:p>
-            <a:r>
-              <a:rPr lang="en-US" dirty="0"/>
-              <a:t>The thread scheduler must be as efficient as possible</a:t>
-            </a:r>
-          </a:p>
-          <a:p>
-            <a:pPr lvl="1"/>
-            <a:r>
-              <a:rPr lang="en-US" dirty="0"/>
-              <a:t>Reduce time spent doing necessary/maintenance tasks (the critical section)</a:t>
             </a:r>
           </a:p>
           <a:p>
@@ -9313,7 +9942,7 @@
           <p:cNvPr id="2" name="Title 1">
             <a:extLst>
               <a:ext uri="{FF2B5EF4-FFF2-40B4-BE49-F238E27FC236}">
-                <a16:creationId xmlns:a16="http://schemas.microsoft.com/office/drawing/2014/main" id="{0010AE82-4563-4896-9624-FF29FC57A3EB}"/>
+                <a16:creationId xmlns:a16="http://schemas.microsoft.com/office/drawing/2014/main" id="{5AC9455C-C24E-46B5-8157-7C60F65C59DC}"/>
               </a:ext>
             </a:extLst>
           </p:cNvPr>
@@ -9329,7 +9958,18 @@
           <a:bodyPr/>
           <a:lstStyle/>
           <a:p>
-            <a:endParaRPr lang="en-US"/>
+            <a:r>
+              <a:rPr lang="en-US" dirty="0"/>
+              <a:t>Multiple </a:t>
+            </a:r>
+            <a:r>
+              <a:rPr lang="en-US" dirty="0" err="1"/>
+              <a:t>Runqueues</a:t>
+            </a:r>
+            <a:r>
+              <a:rPr lang="en-US" dirty="0"/>
+              <a:t> in CFS</a:t>
+            </a:r>
           </a:p>
         </p:txBody>
       </p:sp>
@@ -9338,7 +9978,7 @@
           <p:cNvPr id="3" name="Content Placeholder 2">
             <a:extLst>
               <a:ext uri="{FF2B5EF4-FFF2-40B4-BE49-F238E27FC236}">
-                <a16:creationId xmlns:a16="http://schemas.microsoft.com/office/drawing/2014/main" id="{57A4FE7C-4BD5-4E49-8853-430E429FBFD3}"/>
+                <a16:creationId xmlns:a16="http://schemas.microsoft.com/office/drawing/2014/main" id="{FEED6BAF-D70D-4353-A488-83A8AC526FA7}"/>
               </a:ext>
             </a:extLst>
           </p:cNvPr>
@@ -9349,19 +9989,160 @@
             <p:ph idx="1"/>
           </p:nvPr>
         </p:nvSpPr>
-        <p:spPr/>
-        <p:txBody>
-          <a:bodyPr/>
-          <a:lstStyle/>
-          <a:p>
-            <a:endParaRPr lang="en-US"/>
+        <p:spPr>
+          <a:xfrm>
+            <a:off x="677334" y="1569156"/>
+            <a:ext cx="8596668" cy="4673600"/>
+          </a:xfrm>
+        </p:spPr>
+        <p:txBody>
+          <a:bodyPr>
+            <a:normAutofit/>
+          </a:bodyPr>
+          <a:lstStyle/>
+          <a:p>
+            <a:r>
+              <a:rPr lang="en-US" dirty="0"/>
+              <a:t>Considering cache locality and the size of process state information, it would be disadvantageous for the CFS running on each core to consult </a:t>
+            </a:r>
+            <a:r>
+              <a:rPr lang="en-US" dirty="0" err="1"/>
+              <a:t>runqueues</a:t>
+            </a:r>
+            <a:r>
+              <a:rPr lang="en-US" dirty="0"/>
+              <a:t> external to that core, this is why multiple </a:t>
+            </a:r>
+            <a:r>
+              <a:rPr lang="en-US" dirty="0" err="1"/>
+              <a:t>runqueues</a:t>
+            </a:r>
+            <a:r>
+              <a:rPr lang="en-US" dirty="0"/>
+              <a:t> are necessary.</a:t>
+            </a:r>
+          </a:p>
+          <a:p>
+            <a:r>
+              <a:rPr lang="en-US" dirty="0"/>
+              <a:t>The load on each core’s </a:t>
+            </a:r>
+            <a:r>
+              <a:rPr lang="en-US" dirty="0" err="1"/>
+              <a:t>runqueue</a:t>
+            </a:r>
+            <a:r>
+              <a:rPr lang="en-US" dirty="0"/>
+              <a:t> must stay balanced.</a:t>
+            </a:r>
+          </a:p>
+          <a:p>
+            <a:r>
+              <a:rPr lang="en-US" dirty="0"/>
+              <a:t>In order to do so most schedulers, including the CFS, periodically run a load-balancing algorithm.</a:t>
+            </a:r>
+          </a:p>
+          <a:p>
+            <a:endParaRPr lang="en-US" dirty="0"/>
+          </a:p>
+          <a:p>
+            <a:r>
+              <a:rPr lang="en-US" dirty="0"/>
+              <a:t>My first primary source </a:t>
+            </a:r>
+            <a:r>
+              <a:rPr lang="en-US" dirty="0" err="1"/>
+              <a:t>Lozi</a:t>
+            </a:r>
+            <a:r>
+              <a:rPr lang="en-US" dirty="0"/>
+              <a:t>, Lepers, Funston, Gaud, </a:t>
+            </a:r>
+            <a:r>
+              <a:rPr lang="en-US" dirty="0" err="1"/>
+              <a:t>Quéma</a:t>
+            </a:r>
+            <a:r>
+              <a:rPr lang="en-US" dirty="0"/>
+              <a:t> and </a:t>
+            </a:r>
+            <a:r>
+              <a:rPr lang="en-US" dirty="0" err="1"/>
+              <a:t>Fedorova</a:t>
+            </a:r>
+            <a:br>
+              <a:rPr lang="en-US" dirty="0"/>
+            </a:br>
+            <a:r>
+              <a:rPr lang="en-US" dirty="0"/>
+              <a:t>detailed four issues with the CFS and load balancer.</a:t>
+            </a:r>
+          </a:p>
+          <a:p>
+            <a:r>
+              <a:rPr lang="en-US" dirty="0"/>
+              <a:t>Some of these bugs have been present for a decade because they were difficult to detect and required new tools to spot. </a:t>
+            </a:r>
+            <a:r>
+              <a:rPr lang="en-US" dirty="0">
+                <a:solidFill>
+                  <a:schemeClr val="accent3">
+                    <a:lumMod val="60000"/>
+                    <a:lumOff val="40000"/>
+                  </a:schemeClr>
+                </a:solidFill>
+              </a:rPr>
+              <a:t>(verify dates, maybe all?)</a:t>
+            </a:r>
+          </a:p>
+          <a:p>
+            <a:pPr marL="0" indent="0">
+              <a:buNone/>
+            </a:pPr>
+            <a:endParaRPr lang="en-US" dirty="0">
+              <a:solidFill>
+                <a:schemeClr val="accent3">
+                  <a:lumMod val="60000"/>
+                  <a:lumOff val="40000"/>
+                </a:schemeClr>
+              </a:solidFill>
+            </a:endParaRPr>
+          </a:p>
+          <a:p>
+            <a:pPr marL="0" indent="0">
+              <a:buNone/>
+            </a:pPr>
+            <a:r>
+              <a:rPr lang="en-US" sz="2000" dirty="0">
+                <a:solidFill>
+                  <a:schemeClr val="tx1"/>
+                </a:solidFill>
+              </a:rPr>
+              <a:t>Let’s look at the load balancer so that we can get to these bugs!</a:t>
+            </a:r>
+          </a:p>
+          <a:p>
+            <a:endParaRPr lang="en-US" dirty="0">
+              <a:solidFill>
+                <a:schemeClr val="accent3">
+                  <a:lumMod val="60000"/>
+                  <a:lumOff val="40000"/>
+                </a:schemeClr>
+              </a:solidFill>
+            </a:endParaRPr>
+          </a:p>
+          <a:p>
+            <a:endParaRPr lang="en-US" dirty="0"/>
+          </a:p>
+          <a:p>
+            <a:endParaRPr lang="en-US" dirty="0"/>
           </a:p>
         </p:txBody>
       </p:sp>
     </p:spTree>
     <p:extLst>
       <p:ext uri="{BB962C8B-B14F-4D97-AF65-F5344CB8AC3E}">
-        <p14:creationId xmlns:p14="http://schemas.microsoft.com/office/powerpoint/2010/main" val="3729969146"/>
+        <p14:creationId xmlns:p14="http://schemas.microsoft.com/office/powerpoint/2010/main" val="1839604999"/>
       </p:ext>
     </p:extLst>
   </p:cSld>
@@ -9390,10 +10171,38 @@
       </p:grpSpPr>
       <p:sp>
         <p:nvSpPr>
+          <p:cNvPr id="2" name="Title 1">
+            <a:extLst>
+              <a:ext uri="{FF2B5EF4-FFF2-40B4-BE49-F238E27FC236}">
+                <a16:creationId xmlns:a16="http://schemas.microsoft.com/office/drawing/2014/main" id="{BF1FA646-DA1E-4585-9E8C-A4E3EA9794EC}"/>
+              </a:ext>
+            </a:extLst>
+          </p:cNvPr>
+          <p:cNvSpPr>
+            <a:spLocks noGrp="1"/>
+          </p:cNvSpPr>
+          <p:nvPr>
+            <p:ph type="title"/>
+          </p:nvPr>
+        </p:nvSpPr>
+        <p:spPr/>
+        <p:txBody>
+          <a:bodyPr/>
+          <a:lstStyle/>
+          <a:p>
+            <a:r>
+              <a:rPr lang="en-US" dirty="0"/>
+              <a:t>CFS Load Balancer</a:t>
+            </a:r>
+          </a:p>
+        </p:txBody>
+      </p:sp>
+      <p:sp>
+        <p:nvSpPr>
           <p:cNvPr id="3" name="Content Placeholder 2">
             <a:extLst>
               <a:ext uri="{FF2B5EF4-FFF2-40B4-BE49-F238E27FC236}">
-                <a16:creationId xmlns:a16="http://schemas.microsoft.com/office/drawing/2014/main" id="{D83E9CED-5A39-49BF-9563-8FD5937C2082}"/>
+                <a16:creationId xmlns:a16="http://schemas.microsoft.com/office/drawing/2014/main" id="{CA596201-E672-482E-93BD-ED1ECC454320}"/>
               </a:ext>
             </a:extLst>
           </p:cNvPr>
@@ -9406,8 +10215,8 @@
         </p:nvSpPr>
         <p:spPr>
           <a:xfrm>
-            <a:off x="592114" y="1242391"/>
-            <a:ext cx="8661216" cy="4591877"/>
+            <a:off x="677334" y="1652588"/>
+            <a:ext cx="8596668" cy="5346523"/>
           </a:xfrm>
         </p:spPr>
         <p:txBody>
@@ -9416,49 +10225,221 @@
           </a:bodyPr>
           <a:lstStyle/>
           <a:p>
-            <a:endParaRPr lang="en-US" dirty="0"/>
-          </a:p>
-        </p:txBody>
-      </p:sp>
-      <p:sp>
-        <p:nvSpPr>
-          <p:cNvPr id="15" name="Title 14">
-            <a:extLst>
-              <a:ext uri="{FF2B5EF4-FFF2-40B4-BE49-F238E27FC236}">
-                <a16:creationId xmlns:a16="http://schemas.microsoft.com/office/drawing/2014/main" id="{DD5971B8-AEDF-4A4F-A785-3ABA81D954C9}"/>
-              </a:ext>
-            </a:extLst>
-          </p:cNvPr>
-          <p:cNvSpPr>
-            <a:spLocks noGrp="1"/>
-          </p:cNvSpPr>
-          <p:nvPr>
-            <p:ph type="title"/>
-          </p:nvPr>
-        </p:nvSpPr>
-        <p:spPr>
-          <a:xfrm>
-            <a:off x="677334" y="609600"/>
-            <a:ext cx="3384712" cy="632791"/>
-          </a:xfrm>
-        </p:spPr>
-        <p:txBody>
-          <a:bodyPr>
-            <a:normAutofit fontScale="90000"/>
-          </a:bodyPr>
-          <a:lstStyle/>
-          <a:p>
-            <a:r>
-              <a:rPr lang="en-US" dirty="0"/>
-              <a:t>Lock Contention</a:t>
-            </a:r>
+            <a:r>
+              <a:rPr lang="en-US" dirty="0"/>
+              <a:t>Threads are assigned a metric called </a:t>
+            </a:r>
+            <a:r>
+              <a:rPr lang="en-US" i="1" dirty="0">
+                <a:solidFill>
+                  <a:schemeClr val="accent2">
+                    <a:lumMod val="60000"/>
+                    <a:lumOff val="40000"/>
+                  </a:schemeClr>
+                </a:solidFill>
+              </a:rPr>
+              <a:t>load</a:t>
+            </a:r>
+            <a:r>
+              <a:rPr lang="en-US" dirty="0">
+                <a:solidFill>
+                  <a:schemeClr val="tx1"/>
+                </a:solidFill>
+              </a:rPr>
+              <a:t> to best distribute threads to cores</a:t>
+            </a:r>
+          </a:p>
+          <a:p>
+            <a:r>
+              <a:rPr lang="en-US" dirty="0">
+                <a:solidFill>
+                  <a:schemeClr val="tx1"/>
+                </a:solidFill>
+              </a:rPr>
+              <a:t>Defining load is trickier than you might expect, but for the sake of brevity here is how it is defined:</a:t>
+            </a:r>
+          </a:p>
+          <a:p>
+            <a:pPr marL="0" indent="0">
+              <a:buNone/>
+            </a:pPr>
+            <a:endParaRPr lang="en-US" sz="2000" dirty="0">
+              <a:solidFill>
+                <a:schemeClr val="tx1"/>
+              </a:solidFill>
+            </a:endParaRPr>
+          </a:p>
+          <a:p>
+            <a:pPr marL="0" indent="0">
+              <a:buNone/>
+            </a:pPr>
+            <a:r>
+              <a:rPr lang="en-US" sz="2000" dirty="0">
+                <a:solidFill>
+                  <a:schemeClr val="tx1"/>
+                </a:solidFill>
+              </a:rPr>
+              <a:t>Load metric is a combination* of a </a:t>
+            </a:r>
+            <a:r>
+              <a:rPr lang="en-US" sz="2000" dirty="0">
+                <a:solidFill>
+                  <a:schemeClr val="accent2">
+                    <a:lumMod val="60000"/>
+                    <a:lumOff val="40000"/>
+                  </a:schemeClr>
+                </a:solidFill>
+              </a:rPr>
+              <a:t>thread’s weights</a:t>
+            </a:r>
+            <a:r>
+              <a:rPr lang="en-US" sz="2000" dirty="0">
+                <a:solidFill>
+                  <a:schemeClr val="tx1"/>
+                </a:solidFill>
+              </a:rPr>
+              <a:t> and </a:t>
+            </a:r>
+            <a:r>
+              <a:rPr lang="en-US" sz="2000" dirty="0">
+                <a:solidFill>
+                  <a:schemeClr val="accent2">
+                    <a:lumMod val="60000"/>
+                    <a:lumOff val="40000"/>
+                  </a:schemeClr>
+                </a:solidFill>
+              </a:rPr>
+              <a:t>average CPU use</a:t>
+            </a:r>
+            <a:r>
+              <a:rPr lang="en-US" sz="2000" dirty="0">
+                <a:solidFill>
+                  <a:schemeClr val="tx1"/>
+                </a:solidFill>
+              </a:rPr>
+              <a:t> divided by the </a:t>
+            </a:r>
+            <a:r>
+              <a:rPr lang="en-US" sz="2000" dirty="0">
+                <a:solidFill>
+                  <a:schemeClr val="accent2">
+                    <a:lumMod val="60000"/>
+                    <a:lumOff val="40000"/>
+                  </a:schemeClr>
+                </a:solidFill>
+              </a:rPr>
+              <a:t>number of threads</a:t>
+            </a:r>
+            <a:r>
+              <a:rPr lang="en-US" sz="2000" dirty="0">
+                <a:solidFill>
+                  <a:schemeClr val="tx1"/>
+                </a:solidFill>
+              </a:rPr>
+              <a:t> in the parent process.</a:t>
+            </a:r>
+          </a:p>
+          <a:p>
+            <a:pPr marL="0" indent="0">
+              <a:buNone/>
+            </a:pPr>
+            <a:endParaRPr lang="en-US" sz="2000" dirty="0">
+              <a:solidFill>
+                <a:schemeClr val="tx1"/>
+              </a:solidFill>
+            </a:endParaRPr>
+          </a:p>
+          <a:p>
+            <a:r>
+              <a:rPr lang="en-US" dirty="0">
+                <a:solidFill>
+                  <a:schemeClr val="tx1"/>
+                </a:solidFill>
+              </a:rPr>
+              <a:t>We divide so that two processes with the same priority, but a different number of threads, still receive a fair amount of time</a:t>
+            </a:r>
+          </a:p>
+          <a:p>
+            <a:r>
+              <a:rPr lang="en-US" dirty="0">
+                <a:solidFill>
+                  <a:schemeClr val="tx1"/>
+                </a:solidFill>
+              </a:rPr>
+              <a:t>We factor in the average CPU use so that if you have a program with high priority that isn’t busy, then it shouldn’t need to be scheduled until it is busy</a:t>
+            </a:r>
+          </a:p>
+          <a:p>
+            <a:pPr marL="0" indent="0">
+              <a:buNone/>
+            </a:pPr>
+            <a:endParaRPr lang="en-US" dirty="0">
+              <a:solidFill>
+                <a:schemeClr val="tx1"/>
+              </a:solidFill>
+            </a:endParaRPr>
+          </a:p>
+          <a:p>
+            <a:pPr marL="0" indent="0">
+              <a:buNone/>
+            </a:pPr>
+            <a:endParaRPr lang="en-US" dirty="0">
+              <a:solidFill>
+                <a:schemeClr val="tx1"/>
+              </a:solidFill>
+            </a:endParaRPr>
+          </a:p>
+          <a:p>
+            <a:pPr marL="0" indent="0">
+              <a:buNone/>
+            </a:pPr>
+            <a:r>
+              <a:rPr lang="en-US" sz="1600" dirty="0">
+                <a:solidFill>
+                  <a:schemeClr val="tx1">
+                    <a:lumMod val="75000"/>
+                  </a:schemeClr>
+                </a:solidFill>
+              </a:rPr>
+              <a:t>* </a:t>
+            </a:r>
+            <a:r>
+              <a:rPr lang="en-US" sz="1600" dirty="0" err="1">
+                <a:solidFill>
+                  <a:schemeClr val="tx1">
+                    <a:lumMod val="75000"/>
+                  </a:schemeClr>
+                </a:solidFill>
+              </a:rPr>
+              <a:t>Lozi</a:t>
+            </a:r>
+            <a:r>
+              <a:rPr lang="en-US" sz="1600" dirty="0">
+                <a:solidFill>
+                  <a:schemeClr val="tx1">
+                    <a:lumMod val="75000"/>
+                  </a:schemeClr>
+                </a:solidFill>
+              </a:rPr>
+              <a:t> et al. did not mention what kind of “combination”</a:t>
+            </a:r>
+          </a:p>
+          <a:p>
+            <a:endParaRPr lang="en-US" i="1" dirty="0">
+              <a:solidFill>
+                <a:schemeClr val="accent2">
+                  <a:lumMod val="60000"/>
+                  <a:lumOff val="40000"/>
+                </a:schemeClr>
+              </a:solidFill>
+            </a:endParaRPr>
           </a:p>
         </p:txBody>
       </p:sp>
     </p:spTree>
     <p:extLst>
       <p:ext uri="{BB962C8B-B14F-4D97-AF65-F5344CB8AC3E}">
-        <p14:creationId xmlns:p14="http://schemas.microsoft.com/office/powerpoint/2010/main" val="2578763411"/>
+        <p14:creationId xmlns:p14="http://schemas.microsoft.com/office/powerpoint/2010/main" val="512303567"/>
       </p:ext>
     </p:extLst>
   </p:cSld>
@@ -9490,7 +10471,7 @@
           <p:cNvPr id="2" name="Title 1">
             <a:extLst>
               <a:ext uri="{FF2B5EF4-FFF2-40B4-BE49-F238E27FC236}">
-                <a16:creationId xmlns:a16="http://schemas.microsoft.com/office/drawing/2014/main" id="{F95B23F0-1EE8-4BD1-B189-337575BC67EE}"/>
+                <a16:creationId xmlns:a16="http://schemas.microsoft.com/office/drawing/2014/main" id="{BF1FA646-DA1E-4585-9E8C-A4E3EA9794EC}"/>
               </a:ext>
             </a:extLst>
           </p:cNvPr>
@@ -9508,7 +10489,7 @@
           <a:p>
             <a:r>
               <a:rPr lang="en-US" dirty="0"/>
-              <a:t>Conclusions</a:t>
+              <a:t>CFS Load Balancer</a:t>
             </a:r>
           </a:p>
         </p:txBody>
@@ -9518,7 +10499,7 @@
           <p:cNvPr id="3" name="Content Placeholder 2">
             <a:extLst>
               <a:ext uri="{FF2B5EF4-FFF2-40B4-BE49-F238E27FC236}">
-                <a16:creationId xmlns:a16="http://schemas.microsoft.com/office/drawing/2014/main" id="{BC507F40-A0C7-41CB-9B1E-2E110A1FA36B}"/>
+                <a16:creationId xmlns:a16="http://schemas.microsoft.com/office/drawing/2014/main" id="{CA596201-E672-482E-93BD-ED1ECC454320}"/>
               </a:ext>
             </a:extLst>
           </p:cNvPr>
@@ -9529,19 +10510,94 @@
             <p:ph idx="1"/>
           </p:nvPr>
         </p:nvSpPr>
-        <p:spPr/>
-        <p:txBody>
-          <a:bodyPr/>
-          <a:lstStyle/>
-          <a:p>
-            <a:endParaRPr lang="en-US"/>
-          </a:p>
-        </p:txBody>
-      </p:sp>
+        <p:spPr>
+          <a:xfrm>
+            <a:off x="677334" y="1438099"/>
+            <a:ext cx="8715022" cy="4465990"/>
+          </a:xfrm>
+        </p:spPr>
+        <p:txBody>
+          <a:bodyPr>
+            <a:normAutofit/>
+          </a:bodyPr>
+          <a:lstStyle/>
+          <a:p>
+            <a:r>
+              <a:rPr lang="en-US" dirty="0">
+                <a:solidFill>
+                  <a:schemeClr val="tx1"/>
+                </a:solidFill>
+              </a:rPr>
+              <a:t>For efficient balancing, new threads in a process are first considered to be placed on the first core, then nearby cores</a:t>
+            </a:r>
+          </a:p>
+          <a:p>
+            <a:r>
+              <a:rPr lang="en-US" dirty="0">
+                <a:solidFill>
+                  <a:schemeClr val="tx1"/>
+                </a:solidFill>
+              </a:rPr>
+              <a:t>This is accomplished using </a:t>
+            </a:r>
+            <a:r>
+              <a:rPr lang="en-US" dirty="0">
+                <a:solidFill>
+                  <a:schemeClr val="accent2">
+                    <a:lumMod val="60000"/>
+                    <a:lumOff val="40000"/>
+                  </a:schemeClr>
+                </a:solidFill>
+              </a:rPr>
+              <a:t>scheduling domains</a:t>
+            </a:r>
+          </a:p>
+          <a:p>
+            <a:r>
+              <a:rPr lang="en-US" dirty="0">
+                <a:solidFill>
+                  <a:schemeClr val="tx1"/>
+                </a:solidFill>
+              </a:rPr>
+              <a:t>Scheduling domains differ between cores and exist in a hierarchy based on how they share resources.</a:t>
+            </a:r>
+          </a:p>
+        </p:txBody>
+      </p:sp>
+      <p:pic>
+        <p:nvPicPr>
+          <p:cNvPr id="9" name="Picture 8">
+            <a:extLst>
+              <a:ext uri="{FF2B5EF4-FFF2-40B4-BE49-F238E27FC236}">
+                <a16:creationId xmlns:a16="http://schemas.microsoft.com/office/drawing/2014/main" id="{D55EF142-8276-4FF6-9776-57548FB9FA25}"/>
+              </a:ext>
+            </a:extLst>
+          </p:cNvPr>
+          <p:cNvPicPr>
+            <a:picLocks noChangeAspect="1"/>
+          </p:cNvPicPr>
+          <p:nvPr/>
+        </p:nvPicPr>
+        <p:blipFill>
+          <a:blip r:embed="rId2"/>
+          <a:stretch>
+            <a:fillRect/>
+          </a:stretch>
+        </p:blipFill>
+        <p:spPr>
+          <a:xfrm>
+            <a:off x="2072689" y="3296357"/>
+            <a:ext cx="6713894" cy="3327752"/>
+          </a:xfrm>
+          <a:prstGeom prst="rect">
+            <a:avLst/>
+          </a:prstGeom>
+        </p:spPr>
+      </p:pic>
     </p:spTree>
     <p:extLst>
       <p:ext uri="{BB962C8B-B14F-4D97-AF65-F5344CB8AC3E}">
-        <p14:creationId xmlns:p14="http://schemas.microsoft.com/office/powerpoint/2010/main" val="991287881"/>
+        <p14:creationId xmlns:p14="http://schemas.microsoft.com/office/powerpoint/2010/main" val="4074030501"/>
       </p:ext>
     </p:extLst>
   </p:cSld>
@@ -9573,7 +10629,7 @@
           <p:cNvPr id="2" name="Title 1">
             <a:extLst>
               <a:ext uri="{FF2B5EF4-FFF2-40B4-BE49-F238E27FC236}">
-                <a16:creationId xmlns:a16="http://schemas.microsoft.com/office/drawing/2014/main" id="{66071387-2664-4BBA-A1B9-717F5F04EC6B}"/>
+                <a16:creationId xmlns:a16="http://schemas.microsoft.com/office/drawing/2014/main" id="{BF1FA646-DA1E-4585-9E8C-A4E3EA9794EC}"/>
               </a:ext>
             </a:extLst>
           </p:cNvPr>
@@ -9586,7 +10642,7 @@
         </p:nvSpPr>
         <p:spPr>
           <a:xfrm>
-            <a:off x="677334" y="362465"/>
+            <a:off x="677334" y="609600"/>
             <a:ext cx="8596668" cy="1320800"/>
           </a:xfrm>
         </p:spPr>
@@ -9596,7 +10652,7 @@
           <a:p>
             <a:r>
               <a:rPr lang="en-US" dirty="0"/>
-              <a:t>References</a:t>
+              <a:t>CFS Load Balancer</a:t>
             </a:r>
           </a:p>
         </p:txBody>
@@ -9606,7 +10662,7 @@
           <p:cNvPr id="3" name="Content Placeholder 2">
             <a:extLst>
               <a:ext uri="{FF2B5EF4-FFF2-40B4-BE49-F238E27FC236}">
-                <a16:creationId xmlns:a16="http://schemas.microsoft.com/office/drawing/2014/main" id="{1C7F16B6-7206-424A-BAFA-39935C7949CC}"/>
+                <a16:creationId xmlns:a16="http://schemas.microsoft.com/office/drawing/2014/main" id="{CA596201-E672-482E-93BD-ED1ECC454320}"/>
               </a:ext>
             </a:extLst>
           </p:cNvPr>
@@ -9619,78 +10675,512 @@
         </p:nvSpPr>
         <p:spPr>
           <a:xfrm>
-            <a:off x="677334" y="1466335"/>
-            <a:ext cx="8596668" cy="5067816"/>
+            <a:off x="677334" y="1652589"/>
+            <a:ext cx="8596668" cy="3529011"/>
           </a:xfrm>
         </p:spPr>
         <p:txBody>
+          <a:bodyPr>
+            <a:normAutofit/>
+          </a:bodyPr>
+          <a:lstStyle/>
+          <a:p>
+            <a:r>
+              <a:rPr lang="en-US" dirty="0"/>
+              <a:t>Much like in picking the load metric, the approach to load balancing is also trickier than you might expect.</a:t>
+            </a:r>
+          </a:p>
+          <a:p>
+            <a:pPr marL="0" indent="0">
+              <a:buNone/>
+            </a:pPr>
+            <a:r>
+              <a:rPr lang="en-US" dirty="0"/>
+              <a:t>Load balancing algorithm:</a:t>
+            </a:r>
+          </a:p>
+          <a:p>
+            <a:pPr>
+              <a:buAutoNum type="arabicPeriod"/>
+            </a:pPr>
+            <a:r>
+              <a:rPr lang="en-US" dirty="0">
+                <a:solidFill>
+                  <a:schemeClr val="tx1"/>
+                </a:solidFill>
+              </a:rPr>
+              <a:t>The </a:t>
+            </a:r>
+            <a:r>
+              <a:rPr lang="en-US" i="1" dirty="0">
+                <a:solidFill>
+                  <a:schemeClr val="accent2">
+                    <a:lumMod val="60000"/>
+                    <a:lumOff val="40000"/>
+                  </a:schemeClr>
+                </a:solidFill>
+              </a:rPr>
+              <a:t>first core that is idle</a:t>
+            </a:r>
+            <a:r>
+              <a:rPr lang="en-US" dirty="0">
+                <a:solidFill>
+                  <a:schemeClr val="tx1"/>
+                </a:solidFill>
+              </a:rPr>
+              <a:t>, else the </a:t>
+            </a:r>
+            <a:r>
+              <a:rPr lang="en-US" i="1" dirty="0">
+                <a:solidFill>
+                  <a:schemeClr val="accent2">
+                    <a:lumMod val="60000"/>
+                    <a:lumOff val="40000"/>
+                  </a:schemeClr>
+                </a:solidFill>
+              </a:rPr>
+              <a:t>first core</a:t>
+            </a:r>
+            <a:r>
+              <a:rPr lang="en-US" dirty="0">
+                <a:solidFill>
+                  <a:schemeClr val="tx1"/>
+                </a:solidFill>
+              </a:rPr>
+              <a:t>, in any given scheduling domain is responsible for load balancing that domain.</a:t>
+            </a:r>
+          </a:p>
+          <a:p>
+            <a:pPr>
+              <a:buAutoNum type="arabicPeriod"/>
+            </a:pPr>
+            <a:r>
+              <a:rPr lang="en-US" dirty="0">
+                <a:solidFill>
+                  <a:schemeClr val="accent2">
+                    <a:lumMod val="60000"/>
+                    <a:lumOff val="40000"/>
+                  </a:schemeClr>
+                </a:solidFill>
+              </a:rPr>
+              <a:t>Average</a:t>
+            </a:r>
+            <a:r>
+              <a:rPr lang="en-US" dirty="0">
+                <a:solidFill>
+                  <a:schemeClr val="tx1"/>
+                </a:solidFill>
+              </a:rPr>
+              <a:t> load is computed for each scheduling group within each domain where scheduling groups are lower units of scheduling domain</a:t>
+            </a:r>
+          </a:p>
+          <a:p>
+            <a:pPr>
+              <a:buAutoNum type="arabicPeriod"/>
+            </a:pPr>
+            <a:r>
+              <a:rPr lang="en-US" dirty="0">
+                <a:solidFill>
+                  <a:schemeClr val="tx1"/>
+                </a:solidFill>
+              </a:rPr>
+              <a:t>If the </a:t>
+            </a:r>
+            <a:r>
+              <a:rPr lang="en-US" i="1" dirty="0">
+                <a:solidFill>
+                  <a:schemeClr val="accent2">
+                    <a:lumMod val="60000"/>
+                    <a:lumOff val="40000"/>
+                  </a:schemeClr>
+                </a:solidFill>
+              </a:rPr>
+              <a:t>busiest group is less busy </a:t>
+            </a:r>
+            <a:r>
+              <a:rPr lang="en-US" dirty="0">
+                <a:solidFill>
+                  <a:schemeClr val="tx1"/>
+                </a:solidFill>
+              </a:rPr>
+              <a:t>than the </a:t>
+            </a:r>
+            <a:r>
+              <a:rPr lang="en-US" i="1" dirty="0">
+                <a:solidFill>
+                  <a:schemeClr val="tx1"/>
+                </a:solidFill>
+              </a:rPr>
+              <a:t>group containing this core</a:t>
+            </a:r>
+            <a:r>
+              <a:rPr lang="en-US" dirty="0">
+                <a:solidFill>
+                  <a:schemeClr val="tx1"/>
+                </a:solidFill>
+              </a:rPr>
+              <a:t>, then the threads are considered balanced at this level. (Threads only steal load)</a:t>
+            </a:r>
+          </a:p>
+          <a:p>
+            <a:pPr>
+              <a:buAutoNum type="arabicPeriod"/>
+            </a:pPr>
+            <a:r>
+              <a:rPr lang="en-US" dirty="0">
+                <a:solidFill>
+                  <a:schemeClr val="tx1"/>
+                </a:solidFill>
+              </a:rPr>
+              <a:t>If </a:t>
+            </a:r>
+            <a:r>
+              <a:rPr lang="en-US" i="1" dirty="0">
+                <a:solidFill>
+                  <a:schemeClr val="accent2">
+                    <a:lumMod val="60000"/>
+                    <a:lumOff val="40000"/>
+                  </a:schemeClr>
+                </a:solidFill>
+              </a:rPr>
+              <a:t>busiest group is busier</a:t>
+            </a:r>
+            <a:r>
+              <a:rPr lang="en-US" dirty="0">
+                <a:solidFill>
+                  <a:schemeClr val="tx1"/>
+                </a:solidFill>
+              </a:rPr>
+              <a:t>, then this core balances load* between these groups.</a:t>
+            </a:r>
+          </a:p>
+        </p:txBody>
+      </p:sp>
+      <p:sp>
+        <p:nvSpPr>
+          <p:cNvPr id="5" name="TextBox 4">
+            <a:extLst>
+              <a:ext uri="{FF2B5EF4-FFF2-40B4-BE49-F238E27FC236}">
+                <a16:creationId xmlns:a16="http://schemas.microsoft.com/office/drawing/2014/main" id="{3AADE9F9-824C-4E9F-A274-7CB0C52FD09C}"/>
+              </a:ext>
+            </a:extLst>
+          </p:cNvPr>
+          <p:cNvSpPr txBox="1"/>
+          <p:nvPr/>
+        </p:nvSpPr>
+        <p:spPr>
+          <a:xfrm>
+            <a:off x="668957" y="5362814"/>
+            <a:ext cx="8613422" cy="1723549"/>
+          </a:xfrm>
+          <a:prstGeom prst="rect">
+            <a:avLst/>
+          </a:prstGeom>
+          <a:noFill/>
+        </p:spPr>
+        <p:txBody>
+          <a:bodyPr wrap="square" rtlCol="0">
+            <a:spAutoFit/>
+          </a:bodyPr>
+          <a:lstStyle/>
+          <a:p>
+            <a:r>
+              <a:rPr lang="en-US" dirty="0"/>
+              <a:t>Many optimizations were made to this algorithm that introduced bugs.</a:t>
+            </a:r>
+          </a:p>
+          <a:p>
+            <a:r>
+              <a:rPr lang="en-US" dirty="0"/>
+              <a:t>And we are finally prepared to talk about them!</a:t>
+            </a:r>
+          </a:p>
+          <a:p>
+            <a:endParaRPr lang="en-US" dirty="0"/>
+          </a:p>
+          <a:p>
+            <a:endParaRPr lang="en-US" dirty="0"/>
+          </a:p>
+          <a:p>
+            <a:r>
+              <a:rPr lang="en-US" sz="1600" dirty="0">
+                <a:solidFill>
+                  <a:schemeClr val="tx2">
+                    <a:lumMod val="75000"/>
+                  </a:schemeClr>
+                </a:solidFill>
+              </a:rPr>
+              <a:t>* </a:t>
+            </a:r>
+            <a:r>
+              <a:rPr lang="en-US" sz="1600" dirty="0" err="1">
+                <a:solidFill>
+                  <a:schemeClr val="tx2">
+                    <a:lumMod val="75000"/>
+                  </a:schemeClr>
+                </a:solidFill>
+              </a:rPr>
+              <a:t>Lozi</a:t>
+            </a:r>
+            <a:r>
+              <a:rPr lang="en-US" sz="1600" dirty="0">
+                <a:solidFill>
+                  <a:schemeClr val="tx2">
+                    <a:lumMod val="75000"/>
+                  </a:schemeClr>
+                </a:solidFill>
+              </a:rPr>
+              <a:t> et al. did not clarify how scheduling groups balance load</a:t>
+            </a:r>
+          </a:p>
+          <a:p>
+            <a:endParaRPr lang="en-US" dirty="0"/>
+          </a:p>
+        </p:txBody>
+      </p:sp>
+    </p:spTree>
+    <p:extLst>
+      <p:ext uri="{BB962C8B-B14F-4D97-AF65-F5344CB8AC3E}">
+        <p14:creationId xmlns:p14="http://schemas.microsoft.com/office/powerpoint/2010/main" val="2735219897"/>
+      </p:ext>
+    </p:extLst>
+  </p:cSld>
+  <p:clrMapOvr>
+    <a:masterClrMapping/>
+  </p:clrMapOvr>
+</p:sld>
+</file>
+
+<file path=ppt/slides/slide24.xml><?xml version="1.0" encoding="utf-8"?>
+<p:sld xmlns:a="http://schemas.openxmlformats.org/drawingml/2006/main" xmlns:r="http://schemas.openxmlformats.org/officeDocument/2006/relationships" xmlns:p="http://schemas.openxmlformats.org/presentationml/2006/main">
+  <p:cSld>
+    <p:spTree>
+      <p:nvGrpSpPr>
+        <p:cNvPr id="1" name=""/>
+        <p:cNvGrpSpPr/>
+        <p:nvPr/>
+      </p:nvGrpSpPr>
+      <p:grpSpPr>
+        <a:xfrm>
+          <a:off x="0" y="0"/>
+          <a:ext cx="0" cy="0"/>
+          <a:chOff x="0" y="0"/>
+          <a:chExt cx="0" cy="0"/>
+        </a:xfrm>
+      </p:grpSpPr>
+      <p:sp>
+        <p:nvSpPr>
+          <p:cNvPr id="2" name="Title 1">
+            <a:extLst>
+              <a:ext uri="{FF2B5EF4-FFF2-40B4-BE49-F238E27FC236}">
+                <a16:creationId xmlns:a16="http://schemas.microsoft.com/office/drawing/2014/main" id="{BDD0509A-6666-45C3-8F03-D2600104FFEE}"/>
+              </a:ext>
+            </a:extLst>
+          </p:cNvPr>
+          <p:cNvSpPr>
+            <a:spLocks noGrp="1"/>
+          </p:cNvSpPr>
+          <p:nvPr>
+            <p:ph type="title"/>
+          </p:nvPr>
+        </p:nvSpPr>
+        <p:spPr/>
+        <p:txBody>
           <a:bodyPr/>
           <a:lstStyle/>
+          <a:p>
+            <a:r>
+              <a:rPr lang="en-US" dirty="0"/>
+              <a:t>Outline</a:t>
+            </a:r>
+          </a:p>
+        </p:txBody>
+      </p:sp>
+      <p:sp>
+        <p:nvSpPr>
+          <p:cNvPr id="3" name="Content Placeholder 2">
+            <a:extLst>
+              <a:ext uri="{FF2B5EF4-FFF2-40B4-BE49-F238E27FC236}">
+                <a16:creationId xmlns:a16="http://schemas.microsoft.com/office/drawing/2014/main" id="{5D73516D-08C5-41D9-94BA-396221B63085}"/>
+              </a:ext>
+            </a:extLst>
+          </p:cNvPr>
+          <p:cNvSpPr>
+            <a:spLocks noGrp="1"/>
+          </p:cNvSpPr>
+          <p:nvPr>
+            <p:ph idx="1"/>
+          </p:nvPr>
+        </p:nvSpPr>
+        <p:spPr/>
+        <p:txBody>
+          <a:bodyPr>
+            <a:normAutofit/>
+          </a:bodyPr>
+          <a:lstStyle/>
+          <a:p>
+            <a:r>
+              <a:rPr lang="en-US" sz="2000" dirty="0">
+                <a:solidFill>
+                  <a:schemeClr val="accent1">
+                    <a:lumMod val="75000"/>
+                  </a:schemeClr>
+                </a:solidFill>
+              </a:rPr>
+              <a:t>Establish needed concepts</a:t>
+            </a:r>
+          </a:p>
+          <a:p>
+            <a:r>
+              <a:rPr lang="en-US" sz="2000" dirty="0">
+                <a:solidFill>
+                  <a:schemeClr val="accent1">
+                    <a:lumMod val="75000"/>
+                  </a:schemeClr>
+                </a:solidFill>
+              </a:rPr>
+              <a:t>Thread scheduling and thread load-balancing on Linux</a:t>
+            </a:r>
+          </a:p>
+          <a:p>
+            <a:r>
+              <a:rPr lang="en-US" sz="2000" dirty="0">
+                <a:solidFill>
+                  <a:schemeClr val="tx1"/>
+                </a:solidFill>
+              </a:rPr>
+              <a:t>Bug fixes and two new developments to the Linux thread scheduler</a:t>
+            </a:r>
+          </a:p>
+          <a:p>
+            <a:pPr lvl="1"/>
+            <a:r>
+              <a:rPr lang="en-US" sz="1800" dirty="0"/>
+              <a:t>Four bugs found within current implementation of CFS</a:t>
+            </a:r>
+          </a:p>
+          <a:p>
+            <a:pPr lvl="1"/>
+            <a:r>
+              <a:rPr lang="en-US" sz="1800" dirty="0"/>
+              <a:t>Shuffler: Cache locality improvements via thread migration</a:t>
+            </a:r>
+          </a:p>
+          <a:p>
+            <a:pPr lvl="1"/>
+            <a:r>
+              <a:rPr lang="en-US" sz="1800" dirty="0"/>
+              <a:t>FLSCHED: The lockless thread scheduler</a:t>
+            </a:r>
+          </a:p>
+          <a:p>
+            <a:pPr lvl="1"/>
+            <a:endParaRPr lang="en-US" sz="1800" dirty="0"/>
+          </a:p>
+        </p:txBody>
+      </p:sp>
+    </p:spTree>
+    <p:extLst>
+      <p:ext uri="{BB962C8B-B14F-4D97-AF65-F5344CB8AC3E}">
+        <p14:creationId xmlns:p14="http://schemas.microsoft.com/office/powerpoint/2010/main" val="2043729067"/>
+      </p:ext>
+    </p:extLst>
+  </p:cSld>
+  <p:clrMapOvr>
+    <a:masterClrMapping/>
+  </p:clrMapOvr>
+</p:sld>
+</file>
+
+<file path=ppt/slides/slide25.xml><?xml version="1.0" encoding="utf-8"?>
+<p:sld xmlns:a="http://schemas.openxmlformats.org/drawingml/2006/main" xmlns:r="http://schemas.openxmlformats.org/officeDocument/2006/relationships" xmlns:p="http://schemas.openxmlformats.org/presentationml/2006/main">
+  <p:cSld>
+    <p:spTree>
+      <p:nvGrpSpPr>
+        <p:cNvPr id="1" name=""/>
+        <p:cNvGrpSpPr/>
+        <p:nvPr/>
+      </p:nvGrpSpPr>
+      <p:grpSpPr>
+        <a:xfrm>
+          <a:off x="0" y="0"/>
+          <a:ext cx="0" cy="0"/>
+          <a:chOff x="0" y="0"/>
+          <a:chExt cx="0" cy="0"/>
+        </a:xfrm>
+      </p:grpSpPr>
+      <p:sp>
+        <p:nvSpPr>
+          <p:cNvPr id="2" name="Title 1">
+            <a:extLst>
+              <a:ext uri="{FF2B5EF4-FFF2-40B4-BE49-F238E27FC236}">
+                <a16:creationId xmlns:a16="http://schemas.microsoft.com/office/drawing/2014/main" id="{0010AE82-4563-4896-9624-FF29FC57A3EB}"/>
+              </a:ext>
+            </a:extLst>
+          </p:cNvPr>
+          <p:cNvSpPr>
+            <a:spLocks noGrp="1"/>
+          </p:cNvSpPr>
+          <p:nvPr>
+            <p:ph type="title"/>
+          </p:nvPr>
+        </p:nvSpPr>
+        <p:spPr>
+          <a:xfrm>
+            <a:off x="677334" y="609600"/>
+            <a:ext cx="8596668" cy="1320800"/>
+          </a:xfrm>
+        </p:spPr>
+        <p:txBody>
+          <a:bodyPr/>
+          <a:lstStyle/>
+          <a:p>
+            <a:r>
+              <a:rPr lang="en-US" dirty="0"/>
+              <a:t>Bugs everywhere!</a:t>
+            </a:r>
+          </a:p>
+        </p:txBody>
+      </p:sp>
+      <p:sp>
+        <p:nvSpPr>
+          <p:cNvPr id="3" name="Content Placeholder 2">
+            <a:extLst>
+              <a:ext uri="{FF2B5EF4-FFF2-40B4-BE49-F238E27FC236}">
+                <a16:creationId xmlns:a16="http://schemas.microsoft.com/office/drawing/2014/main" id="{57A4FE7C-4BD5-4E49-8853-430E429FBFD3}"/>
+              </a:ext>
+            </a:extLst>
+          </p:cNvPr>
+          <p:cNvSpPr>
+            <a:spLocks noGrp="1"/>
+          </p:cNvSpPr>
+          <p:nvPr>
+            <p:ph idx="1"/>
+          </p:nvPr>
+        </p:nvSpPr>
+        <p:spPr/>
+        <p:txBody>
+          <a:bodyPr>
+            <a:normAutofit/>
+          </a:bodyPr>
+          <a:lstStyle/>
+          <a:p>
+            <a:pPr marL="0" indent="0">
+              <a:buNone/>
+            </a:pPr>
+            <a:r>
+              <a:rPr lang="en-US" sz="2400" dirty="0"/>
+              <a:t>Four bugs:</a:t>
+            </a:r>
+          </a:p>
           <a:p>
             <a:pPr>
               <a:buFont typeface="+mj-lt"/>
               <a:buAutoNum type="arabicPeriod"/>
             </a:pPr>
             <a:r>
-              <a:rPr lang="en-US" dirty="0">
-                <a:solidFill>
-                  <a:schemeClr val="accent1">
-                    <a:lumMod val="40000"/>
-                    <a:lumOff val="60000"/>
-                  </a:schemeClr>
-                </a:solidFill>
-              </a:rPr>
-              <a:t>K. Kumar, P. Rajiv, G. Laxmi, and N. </a:t>
-            </a:r>
-            <a:r>
-              <a:rPr lang="en-US" dirty="0" err="1">
-                <a:solidFill>
-                  <a:schemeClr val="accent1">
-                    <a:lumMod val="40000"/>
-                    <a:lumOff val="60000"/>
-                  </a:schemeClr>
-                </a:solidFill>
-              </a:rPr>
-              <a:t>Bhuyan</a:t>
-            </a:r>
-            <a:r>
-              <a:rPr lang="en-US" dirty="0">
-                <a:solidFill>
-                  <a:schemeClr val="accent1">
-                    <a:lumMod val="40000"/>
-                    <a:lumOff val="60000"/>
-                  </a:schemeClr>
-                </a:solidFill>
-              </a:rPr>
-              <a:t>.</a:t>
-            </a:r>
-            <a:br>
-              <a:rPr lang="en-US" dirty="0">
-                <a:solidFill>
-                  <a:schemeClr val="accent1">
-                    <a:lumMod val="40000"/>
-                    <a:lumOff val="60000"/>
-                  </a:schemeClr>
-                </a:solidFill>
-              </a:rPr>
-            </a:br>
-            <a:r>
-              <a:rPr lang="en-US" dirty="0"/>
-              <a:t>Shuffling: A framework for lock contention aware thread scheduling for multicore multiprocessor systems.</a:t>
-            </a:r>
-            <a:br>
-              <a:rPr lang="en-US" dirty="0"/>
-            </a:br>
-            <a:r>
-              <a:rPr lang="en-US" dirty="0">
-                <a:solidFill>
-                  <a:schemeClr val="accent1">
-                    <a:lumMod val="60000"/>
-                    <a:lumOff val="40000"/>
-                  </a:schemeClr>
-                </a:solidFill>
-              </a:rPr>
-              <a:t>In 2014 23rd International Conference on Parallel Architecture and Compilation Techniques (PACT), pages 289–300, Aug 2014.</a:t>
+              <a:rPr lang="en-US" sz="2400" dirty="0"/>
+              <a:t>The Group Imbalance bug</a:t>
             </a:r>
           </a:p>
           <a:p>
@@ -9699,132 +11189,8 @@
               <a:buAutoNum type="arabicPeriod"/>
             </a:pPr>
             <a:r>
-              <a:rPr lang="en-US" dirty="0">
-                <a:solidFill>
-                  <a:schemeClr val="accent1">
-                    <a:lumMod val="40000"/>
-                    <a:lumOff val="60000"/>
-                  </a:schemeClr>
-                </a:solidFill>
-              </a:rPr>
-              <a:t>J.-P. </a:t>
-            </a:r>
-            <a:r>
-              <a:rPr lang="en-US" dirty="0" err="1">
-                <a:solidFill>
-                  <a:schemeClr val="accent1">
-                    <a:lumMod val="40000"/>
-                    <a:lumOff val="60000"/>
-                  </a:schemeClr>
-                </a:solidFill>
-              </a:rPr>
-              <a:t>Lozi</a:t>
-            </a:r>
-            <a:r>
-              <a:rPr lang="en-US" dirty="0">
-                <a:solidFill>
-                  <a:schemeClr val="accent1">
-                    <a:lumMod val="40000"/>
-                    <a:lumOff val="60000"/>
-                  </a:schemeClr>
-                </a:solidFill>
-              </a:rPr>
-              <a:t>, B. Lepers, J. Funston, F. Gaud, V. </a:t>
-            </a:r>
-            <a:r>
-              <a:rPr lang="en-US" dirty="0" err="1">
-                <a:solidFill>
-                  <a:schemeClr val="accent1">
-                    <a:lumMod val="40000"/>
-                    <a:lumOff val="60000"/>
-                  </a:schemeClr>
-                </a:solidFill>
-              </a:rPr>
-              <a:t>Quéma</a:t>
-            </a:r>
-            <a:r>
-              <a:rPr lang="en-US" dirty="0">
-                <a:solidFill>
-                  <a:schemeClr val="accent1">
-                    <a:lumMod val="40000"/>
-                    <a:lumOff val="60000"/>
-                  </a:schemeClr>
-                </a:solidFill>
-              </a:rPr>
-              <a:t>, and A. </a:t>
-            </a:r>
-            <a:r>
-              <a:rPr lang="en-US" dirty="0" err="1">
-                <a:solidFill>
-                  <a:schemeClr val="accent1">
-                    <a:lumMod val="40000"/>
-                    <a:lumOff val="60000"/>
-                  </a:schemeClr>
-                </a:solidFill>
-              </a:rPr>
-              <a:t>Fedorova</a:t>
-            </a:r>
-            <a:r>
-              <a:rPr lang="en-US" dirty="0">
-                <a:solidFill>
-                  <a:schemeClr val="accent1">
-                    <a:lumMod val="40000"/>
-                    <a:lumOff val="60000"/>
-                  </a:schemeClr>
-                </a:solidFill>
-              </a:rPr>
-              <a:t>.</a:t>
-            </a:r>
-            <a:br>
-              <a:rPr lang="en-US" dirty="0"/>
-            </a:br>
-            <a:r>
-              <a:rPr lang="en-US" dirty="0"/>
-              <a:t>The </a:t>
-            </a:r>
-            <a:r>
-              <a:rPr lang="en-US" dirty="0" err="1"/>
-              <a:t>linux</a:t>
-            </a:r>
-            <a:r>
-              <a:rPr lang="en-US" dirty="0"/>
-              <a:t> scheduler: A decade of wasted cores.</a:t>
-            </a:r>
-            <a:br>
-              <a:rPr lang="en-US" dirty="0"/>
-            </a:br>
-            <a:r>
-              <a:rPr lang="en-US" dirty="0">
-                <a:solidFill>
-                  <a:schemeClr val="accent1">
-                    <a:lumMod val="60000"/>
-                    <a:lumOff val="40000"/>
-                  </a:schemeClr>
-                </a:solidFill>
-              </a:rPr>
-              <a:t>In Proceedings of the Eleventh European Conference on Computer Systems, </a:t>
-            </a:r>
-            <a:r>
-              <a:rPr lang="en-US" dirty="0" err="1">
-                <a:solidFill>
-                  <a:schemeClr val="accent1">
-                    <a:lumMod val="60000"/>
-                    <a:lumOff val="40000"/>
-                  </a:schemeClr>
-                </a:solidFill>
-              </a:rPr>
-              <a:t>EuroSys</a:t>
-            </a:r>
-            <a:r>
-              <a:rPr lang="en-US" dirty="0">
-                <a:solidFill>
-                  <a:schemeClr val="accent1">
-                    <a:lumMod val="60000"/>
-                    <a:lumOff val="40000"/>
-                  </a:schemeClr>
-                </a:solidFill>
-              </a:rPr>
-              <a:t> ’16, pages 1:1–1:16, New York, NY, USA, 2016. ACM.</a:t>
+              <a:rPr lang="en-US" sz="2400" dirty="0"/>
+              <a:t>The Scheduling Group Construction bug</a:t>
             </a:r>
           </a:p>
           <a:p>
@@ -9833,58 +11199,8 @@
               <a:buAutoNum type="arabicPeriod"/>
             </a:pPr>
             <a:r>
-              <a:rPr lang="en-US" dirty="0">
-                <a:solidFill>
-                  <a:schemeClr val="accent1">
-                    <a:lumMod val="40000"/>
-                    <a:lumOff val="60000"/>
-                  </a:schemeClr>
-                </a:solidFill>
-              </a:rPr>
-              <a:t>U. B. Nisar, M. Aleem, M. A. Iqbal, and N. S. Vo.</a:t>
-            </a:r>
-            <a:br>
-              <a:rPr lang="en-US" dirty="0"/>
-            </a:br>
-            <a:r>
-              <a:rPr lang="en-US" dirty="0"/>
-              <a:t>Jumbler: A lock-contention aware thread scheduler for multi-core parallel machines.</a:t>
-            </a:r>
-            <a:br>
-              <a:rPr lang="en-US" dirty="0"/>
-            </a:br>
-            <a:r>
-              <a:rPr lang="en-US" dirty="0">
-                <a:solidFill>
-                  <a:schemeClr val="accent1">
-                    <a:lumMod val="60000"/>
-                    <a:lumOff val="40000"/>
-                  </a:schemeClr>
-                </a:solidFill>
-              </a:rPr>
-              <a:t>In 2017 International Conference on Recent Advances in Signal Processing, Telecommunications Computing (</a:t>
-            </a:r>
-            <a:r>
-              <a:rPr lang="en-US" dirty="0" err="1">
-                <a:solidFill>
-                  <a:schemeClr val="accent1">
-                    <a:lumMod val="60000"/>
-                    <a:lumOff val="40000"/>
-                  </a:schemeClr>
-                </a:solidFill>
-              </a:rPr>
-              <a:t>SigTelCom</a:t>
-            </a:r>
-            <a:r>
-              <a:rPr lang="en-US" dirty="0">
-                <a:solidFill>
-                  <a:schemeClr val="accent1">
-                    <a:lumMod val="60000"/>
-                    <a:lumOff val="40000"/>
-                  </a:schemeClr>
-                </a:solidFill>
-              </a:rPr>
-              <a:t>), pages 77–81, Jan 2017.</a:t>
+              <a:rPr lang="en-US" sz="2400" dirty="0"/>
+              <a:t>The Overload-on-Wakeup bug</a:t>
             </a:r>
           </a:p>
           <a:p>
@@ -9892,14 +11208,1087 @@
               <a:buFont typeface="+mj-lt"/>
               <a:buAutoNum type="arabicPeriod"/>
             </a:pPr>
-            <a:endParaRPr lang="en-US" dirty="0"/>
+            <a:r>
+              <a:rPr lang="en-US" sz="2400" dirty="0"/>
+              <a:t>The Missing Scheduling Domains bug</a:t>
+            </a:r>
+          </a:p>
+          <a:p>
+            <a:pPr marL="0" indent="0">
+              <a:buNone/>
+            </a:pPr>
+            <a:endParaRPr lang="en-US" sz="2400" dirty="0"/>
+          </a:p>
+          <a:p>
+            <a:pPr marL="0" indent="0">
+              <a:buNone/>
+            </a:pPr>
+            <a:r>
+              <a:rPr lang="en-US" sz="2000" dirty="0"/>
+              <a:t>Performance results were gathered by running the </a:t>
+            </a:r>
+            <a:r>
+              <a:rPr lang="en-US" sz="2000" dirty="0">
+                <a:solidFill>
+                  <a:schemeClr val="accent2">
+                    <a:lumMod val="60000"/>
+                    <a:lumOff val="40000"/>
+                  </a:schemeClr>
+                </a:solidFill>
+              </a:rPr>
+              <a:t>NAS Parallel Benchmark (NPB) </a:t>
+            </a:r>
+            <a:r>
+              <a:rPr lang="en-US" sz="2000" dirty="0"/>
+              <a:t>developed by </a:t>
+            </a:r>
+            <a:r>
+              <a:rPr lang="en-US" sz="2000" dirty="0">
+                <a:solidFill>
+                  <a:schemeClr val="accent2">
+                    <a:lumMod val="60000"/>
+                    <a:lumOff val="40000"/>
+                  </a:schemeClr>
+                </a:solidFill>
+              </a:rPr>
+              <a:t>NASA</a:t>
+            </a:r>
           </a:p>
         </p:txBody>
       </p:sp>
     </p:spTree>
     <p:extLst>
       <p:ext uri="{BB962C8B-B14F-4D97-AF65-F5344CB8AC3E}">
-        <p14:creationId xmlns:p14="http://schemas.microsoft.com/office/powerpoint/2010/main" val="1409436407"/>
+        <p14:creationId xmlns:p14="http://schemas.microsoft.com/office/powerpoint/2010/main" val="3729969146"/>
+      </p:ext>
+    </p:extLst>
+  </p:cSld>
+  <p:clrMapOvr>
+    <a:masterClrMapping/>
+  </p:clrMapOvr>
+</p:sld>
+</file>
+
+<file path=ppt/slides/slide26.xml><?xml version="1.0" encoding="utf-8"?>
+<p:sld xmlns:a="http://schemas.openxmlformats.org/drawingml/2006/main" xmlns:r="http://schemas.openxmlformats.org/officeDocument/2006/relationships" xmlns:p="http://schemas.openxmlformats.org/presentationml/2006/main">
+  <p:cSld>
+    <p:spTree>
+      <p:nvGrpSpPr>
+        <p:cNvPr id="1" name=""/>
+        <p:cNvGrpSpPr/>
+        <p:nvPr/>
+      </p:nvGrpSpPr>
+      <p:grpSpPr>
+        <a:xfrm>
+          <a:off x="0" y="0"/>
+          <a:ext cx="0" cy="0"/>
+          <a:chOff x="0" y="0"/>
+          <a:chExt cx="0" cy="0"/>
+        </a:xfrm>
+      </p:grpSpPr>
+      <p:sp>
+        <p:nvSpPr>
+          <p:cNvPr id="2" name="Title 1">
+            <a:extLst>
+              <a:ext uri="{FF2B5EF4-FFF2-40B4-BE49-F238E27FC236}">
+                <a16:creationId xmlns:a16="http://schemas.microsoft.com/office/drawing/2014/main" id="{FE70DBDF-7C1C-4115-A1F3-9BC0633AD715}"/>
+              </a:ext>
+            </a:extLst>
+          </p:cNvPr>
+          <p:cNvSpPr>
+            <a:spLocks noGrp="1"/>
+          </p:cNvSpPr>
+          <p:nvPr>
+            <p:ph type="title"/>
+          </p:nvPr>
+        </p:nvSpPr>
+        <p:spPr/>
+        <p:txBody>
+          <a:bodyPr/>
+          <a:lstStyle/>
+          <a:p>
+            <a:r>
+              <a:rPr lang="en-US" dirty="0"/>
+              <a:t>The Group Imbalance bug</a:t>
+            </a:r>
+          </a:p>
+        </p:txBody>
+      </p:sp>
+      <p:sp>
+        <p:nvSpPr>
+          <p:cNvPr id="3" name="Content Placeholder 2">
+            <a:extLst>
+              <a:ext uri="{FF2B5EF4-FFF2-40B4-BE49-F238E27FC236}">
+                <a16:creationId xmlns:a16="http://schemas.microsoft.com/office/drawing/2014/main" id="{0DA93E5C-A94D-4820-BDFB-1B6D099DE2D3}"/>
+              </a:ext>
+            </a:extLst>
+          </p:cNvPr>
+          <p:cNvSpPr>
+            <a:spLocks noGrp="1"/>
+          </p:cNvSpPr>
+          <p:nvPr>
+            <p:ph idx="1"/>
+          </p:nvPr>
+        </p:nvSpPr>
+        <p:spPr>
+          <a:xfrm>
+            <a:off x="677335" y="1573566"/>
+            <a:ext cx="8715021" cy="4375677"/>
+          </a:xfrm>
+        </p:spPr>
+        <p:txBody>
+          <a:bodyPr>
+            <a:normAutofit lnSpcReduction="10000"/>
+          </a:bodyPr>
+          <a:lstStyle/>
+          <a:p>
+            <a:r>
+              <a:rPr lang="en-US" dirty="0" err="1"/>
+              <a:t>Lozi</a:t>
+            </a:r>
+            <a:r>
+              <a:rPr lang="en-US" dirty="0"/>
+              <a:t> et al. ran </a:t>
+            </a:r>
+            <a:r>
+              <a:rPr lang="en-US" i="1" dirty="0"/>
+              <a:t>program A </a:t>
+            </a:r>
+            <a:r>
+              <a:rPr lang="en-US" dirty="0"/>
+              <a:t>with 64 threads at the same time as a single-threaded </a:t>
+            </a:r>
+            <a:r>
+              <a:rPr lang="en-US" i="1" dirty="0"/>
+              <a:t>program B</a:t>
+            </a:r>
+            <a:endParaRPr lang="en-US" dirty="0"/>
+          </a:p>
+          <a:p>
+            <a:r>
+              <a:rPr lang="en-US" dirty="0"/>
+              <a:t>The load balancer was not balancing </a:t>
+            </a:r>
+            <a:r>
+              <a:rPr lang="en-US" i="1" dirty="0"/>
+              <a:t>A</a:t>
+            </a:r>
+            <a:r>
+              <a:rPr lang="en-US" dirty="0"/>
+              <a:t>’s threads to idle cores</a:t>
+            </a:r>
+          </a:p>
+          <a:p>
+            <a:r>
+              <a:rPr lang="en-US" dirty="0"/>
+              <a:t>Because of the division of number of threads in definition of load metric, each of the threads in </a:t>
+            </a:r>
+            <a:r>
+              <a:rPr lang="en-US" i="1" dirty="0"/>
+              <a:t>A</a:t>
+            </a:r>
+            <a:r>
+              <a:rPr lang="en-US" dirty="0"/>
+              <a:t> had 1/64</a:t>
+            </a:r>
+            <a:r>
+              <a:rPr lang="en-US" baseline="30000" dirty="0"/>
+              <a:t>th</a:t>
+            </a:r>
+            <a:r>
+              <a:rPr lang="en-US" dirty="0"/>
+              <a:t> the load of </a:t>
+            </a:r>
+            <a:r>
+              <a:rPr lang="en-US" i="1" dirty="0"/>
+              <a:t>B</a:t>
+            </a:r>
+            <a:r>
+              <a:rPr lang="en-US" dirty="0"/>
+              <a:t>’s thread</a:t>
+            </a:r>
+          </a:p>
+          <a:p>
+            <a:r>
+              <a:rPr lang="en-US" dirty="0"/>
+              <a:t>But the </a:t>
+            </a:r>
+            <a:r>
+              <a:rPr lang="en-US" b="1" i="1" dirty="0">
+                <a:solidFill>
+                  <a:schemeClr val="tx1"/>
+                </a:solidFill>
+              </a:rPr>
+              <a:t>group</a:t>
+            </a:r>
+            <a:r>
+              <a:rPr lang="en-US" dirty="0"/>
+              <a:t> containing the 64 </a:t>
+            </a:r>
+            <a:r>
+              <a:rPr lang="en-US" i="1" dirty="0"/>
+              <a:t>A</a:t>
+            </a:r>
+            <a:r>
+              <a:rPr lang="en-US" dirty="0"/>
+              <a:t> threads and </a:t>
+            </a:r>
+            <a:r>
+              <a:rPr lang="en-US" b="1" i="1" dirty="0">
+                <a:solidFill>
+                  <a:schemeClr val="tx1"/>
+                </a:solidFill>
+              </a:rPr>
+              <a:t>group</a:t>
+            </a:r>
+            <a:r>
+              <a:rPr lang="en-US" dirty="0"/>
+              <a:t> containing </a:t>
+            </a:r>
+            <a:r>
+              <a:rPr lang="en-US" i="1" dirty="0"/>
+              <a:t>B</a:t>
+            </a:r>
+            <a:r>
+              <a:rPr lang="en-US" dirty="0"/>
+              <a:t> still had the same load so the load balancer considered the </a:t>
+            </a:r>
+            <a:r>
+              <a:rPr lang="en-US" b="1" i="1" dirty="0"/>
+              <a:t>groups</a:t>
+            </a:r>
+            <a:r>
+              <a:rPr lang="en-US" dirty="0"/>
+              <a:t> balanced!</a:t>
+            </a:r>
+          </a:p>
+          <a:p>
+            <a:endParaRPr lang="en-US" dirty="0"/>
+          </a:p>
+          <a:p>
+            <a:r>
+              <a:rPr lang="en-US" dirty="0"/>
+              <a:t>They fixed the bug by defining the load of a scheduling group as the </a:t>
+            </a:r>
+            <a:r>
+              <a:rPr lang="en-US" i="1" dirty="0">
+                <a:solidFill>
+                  <a:schemeClr val="accent2">
+                    <a:lumMod val="60000"/>
+                    <a:lumOff val="40000"/>
+                  </a:schemeClr>
+                </a:solidFill>
+              </a:rPr>
+              <a:t>minimum load</a:t>
+            </a:r>
+            <a:r>
+              <a:rPr lang="en-US" dirty="0"/>
+              <a:t> amongst cores in the group instead of average</a:t>
+            </a:r>
+          </a:p>
+          <a:p>
+            <a:r>
+              <a:rPr lang="en-US" dirty="0"/>
+              <a:t>After the fix, program </a:t>
+            </a:r>
+            <a:r>
+              <a:rPr lang="en-US" i="1" dirty="0"/>
+              <a:t>A</a:t>
+            </a:r>
+            <a:r>
+              <a:rPr lang="en-US" dirty="0"/>
+              <a:t> improved by </a:t>
+            </a:r>
+            <a:r>
+              <a:rPr lang="en-US" dirty="0">
+                <a:solidFill>
+                  <a:schemeClr val="tx1"/>
+                </a:solidFill>
+              </a:rPr>
+              <a:t>13%, program </a:t>
+            </a:r>
+            <a:r>
+              <a:rPr lang="en-US" i="1" dirty="0">
+                <a:solidFill>
+                  <a:schemeClr val="tx1"/>
+                </a:solidFill>
+              </a:rPr>
+              <a:t>B</a:t>
+            </a:r>
+            <a:r>
+              <a:rPr lang="en-US" dirty="0">
+                <a:solidFill>
+                  <a:schemeClr val="tx1"/>
+                </a:solidFill>
+              </a:rPr>
+              <a:t>’s runtime was not affected</a:t>
+            </a:r>
+          </a:p>
+          <a:p>
+            <a:r>
+              <a:rPr lang="en-US" dirty="0">
+                <a:solidFill>
+                  <a:schemeClr val="tx1"/>
+                </a:solidFill>
+              </a:rPr>
+              <a:t>A certain program in the NAS Parallel Benchmark improved </a:t>
+            </a:r>
+            <a:r>
+              <a:rPr lang="en-US" i="1" dirty="0">
+                <a:solidFill>
+                  <a:schemeClr val="tx1"/>
+                </a:solidFill>
+              </a:rPr>
+              <a:t>13 times</a:t>
+            </a:r>
+            <a:endParaRPr lang="en-US" dirty="0">
+              <a:solidFill>
+                <a:schemeClr val="tx1"/>
+              </a:solidFill>
+            </a:endParaRPr>
+          </a:p>
+          <a:p>
+            <a:endParaRPr lang="en-US" dirty="0"/>
+          </a:p>
+          <a:p>
+            <a:endParaRPr lang="en-US" dirty="0"/>
+          </a:p>
+          <a:p>
+            <a:endParaRPr lang="en-US" dirty="0"/>
+          </a:p>
+        </p:txBody>
+      </p:sp>
+      <p:sp>
+        <p:nvSpPr>
+          <p:cNvPr id="4" name="TextBox 3">
+            <a:extLst>
+              <a:ext uri="{FF2B5EF4-FFF2-40B4-BE49-F238E27FC236}">
+                <a16:creationId xmlns:a16="http://schemas.microsoft.com/office/drawing/2014/main" id="{0ED72641-FAC4-4B55-A857-B0AD1072CC34}"/>
+              </a:ext>
+            </a:extLst>
+          </p:cNvPr>
+          <p:cNvSpPr txBox="1"/>
+          <p:nvPr/>
+        </p:nvSpPr>
+        <p:spPr>
+          <a:xfrm>
+            <a:off x="1027289" y="6418307"/>
+            <a:ext cx="6637867" cy="369332"/>
+          </a:xfrm>
+          <a:prstGeom prst="rect">
+            <a:avLst/>
+          </a:prstGeom>
+          <a:noFill/>
+        </p:spPr>
+        <p:txBody>
+          <a:bodyPr wrap="square" rtlCol="0">
+            <a:spAutoFit/>
+          </a:bodyPr>
+          <a:lstStyle/>
+          <a:p>
+            <a:r>
+              <a:rPr lang="en-US" sz="1600" dirty="0">
+                <a:solidFill>
+                  <a:schemeClr val="tx2">
+                    <a:lumMod val="75000"/>
+                  </a:schemeClr>
+                </a:solidFill>
+              </a:rPr>
+              <a:t>* Program</a:t>
+            </a:r>
+            <a:r>
+              <a:rPr lang="en-US" dirty="0">
+                <a:solidFill>
+                  <a:schemeClr val="tx2">
+                    <a:lumMod val="75000"/>
+                  </a:schemeClr>
+                </a:solidFill>
+              </a:rPr>
+              <a:t> </a:t>
+            </a:r>
+            <a:r>
+              <a:rPr lang="en-US" i="1" dirty="0">
+                <a:solidFill>
+                  <a:schemeClr val="tx2">
+                    <a:lumMod val="75000"/>
+                  </a:schemeClr>
+                </a:solidFill>
+              </a:rPr>
+              <a:t>A</a:t>
+            </a:r>
+            <a:r>
+              <a:rPr lang="en-US" dirty="0">
+                <a:solidFill>
+                  <a:schemeClr val="tx2">
+                    <a:lumMod val="75000"/>
+                  </a:schemeClr>
+                </a:solidFill>
+              </a:rPr>
+              <a:t> was </a:t>
+            </a:r>
+            <a:r>
+              <a:rPr lang="en-US" i="1" dirty="0">
+                <a:solidFill>
+                  <a:schemeClr val="tx2">
+                    <a:lumMod val="75000"/>
+                  </a:schemeClr>
+                </a:solidFill>
+              </a:rPr>
+              <a:t>make</a:t>
+            </a:r>
+            <a:r>
+              <a:rPr lang="en-US" dirty="0">
+                <a:solidFill>
+                  <a:schemeClr val="tx2">
+                    <a:lumMod val="75000"/>
+                  </a:schemeClr>
+                </a:solidFill>
+              </a:rPr>
+              <a:t>, program </a:t>
+            </a:r>
+            <a:r>
+              <a:rPr lang="en-US" i="1" dirty="0">
+                <a:solidFill>
+                  <a:schemeClr val="tx2">
+                    <a:lumMod val="75000"/>
+                  </a:schemeClr>
+                </a:solidFill>
+              </a:rPr>
+              <a:t>B</a:t>
+            </a:r>
+            <a:r>
+              <a:rPr lang="en-US" dirty="0">
+                <a:solidFill>
+                  <a:schemeClr val="tx2">
+                    <a:lumMod val="75000"/>
+                  </a:schemeClr>
+                </a:solidFill>
+              </a:rPr>
+              <a:t> was </a:t>
+            </a:r>
+            <a:r>
+              <a:rPr lang="en-US" i="1" dirty="0">
+                <a:solidFill>
+                  <a:schemeClr val="tx2">
+                    <a:lumMod val="75000"/>
+                  </a:schemeClr>
+                </a:solidFill>
+              </a:rPr>
+              <a:t>R</a:t>
+            </a:r>
+          </a:p>
+        </p:txBody>
+      </p:sp>
+    </p:spTree>
+    <p:extLst>
+      <p:ext uri="{BB962C8B-B14F-4D97-AF65-F5344CB8AC3E}">
+        <p14:creationId xmlns:p14="http://schemas.microsoft.com/office/powerpoint/2010/main" val="2703550479"/>
+      </p:ext>
+    </p:extLst>
+  </p:cSld>
+  <p:clrMapOvr>
+    <a:masterClrMapping/>
+  </p:clrMapOvr>
+</p:sld>
+</file>
+
+<file path=ppt/slides/slide27.xml><?xml version="1.0" encoding="utf-8"?>
+<p:sld xmlns:a="http://schemas.openxmlformats.org/drawingml/2006/main" xmlns:r="http://schemas.openxmlformats.org/officeDocument/2006/relationships" xmlns:p="http://schemas.openxmlformats.org/presentationml/2006/main">
+  <p:cSld>
+    <p:spTree>
+      <p:nvGrpSpPr>
+        <p:cNvPr id="1" name=""/>
+        <p:cNvGrpSpPr/>
+        <p:nvPr/>
+      </p:nvGrpSpPr>
+      <p:grpSpPr>
+        <a:xfrm>
+          <a:off x="0" y="0"/>
+          <a:ext cx="0" cy="0"/>
+          <a:chOff x="0" y="0"/>
+          <a:chExt cx="0" cy="0"/>
+        </a:xfrm>
+      </p:grpSpPr>
+      <p:sp>
+        <p:nvSpPr>
+          <p:cNvPr id="2" name="Title 1">
+            <a:extLst>
+              <a:ext uri="{FF2B5EF4-FFF2-40B4-BE49-F238E27FC236}">
+                <a16:creationId xmlns:a16="http://schemas.microsoft.com/office/drawing/2014/main" id="{FE70DBDF-7C1C-4115-A1F3-9BC0633AD715}"/>
+              </a:ext>
+            </a:extLst>
+          </p:cNvPr>
+          <p:cNvSpPr>
+            <a:spLocks noGrp="1"/>
+          </p:cNvSpPr>
+          <p:nvPr>
+            <p:ph type="title"/>
+          </p:nvPr>
+        </p:nvSpPr>
+        <p:spPr/>
+        <p:txBody>
+          <a:bodyPr/>
+          <a:lstStyle/>
+          <a:p>
+            <a:r>
+              <a:rPr lang="en-US" dirty="0"/>
+              <a:t>The Scheduling Group Construction bug</a:t>
+            </a:r>
+          </a:p>
+        </p:txBody>
+      </p:sp>
+      <p:sp>
+        <p:nvSpPr>
+          <p:cNvPr id="3" name="Content Placeholder 2">
+            <a:extLst>
+              <a:ext uri="{FF2B5EF4-FFF2-40B4-BE49-F238E27FC236}">
+                <a16:creationId xmlns:a16="http://schemas.microsoft.com/office/drawing/2014/main" id="{0DA93E5C-A94D-4820-BDFB-1B6D099DE2D3}"/>
+              </a:ext>
+            </a:extLst>
+          </p:cNvPr>
+          <p:cNvSpPr>
+            <a:spLocks noGrp="1"/>
+          </p:cNvSpPr>
+          <p:nvPr>
+            <p:ph idx="1"/>
+          </p:nvPr>
+        </p:nvSpPr>
+        <p:spPr>
+          <a:xfrm>
+            <a:off x="677334" y="1596144"/>
+            <a:ext cx="8895644" cy="4499856"/>
+          </a:xfrm>
+        </p:spPr>
+        <p:txBody>
+          <a:bodyPr>
+            <a:normAutofit/>
+          </a:bodyPr>
+          <a:lstStyle/>
+          <a:p>
+            <a:r>
+              <a:rPr lang="en-US" dirty="0"/>
+              <a:t>The first scheduling group is constructed by adjacent nodes to the first node, then subsequent groups by adjacent nodes of not in any previous group.</a:t>
+            </a:r>
+          </a:p>
+          <a:p>
+            <a:r>
+              <a:rPr lang="en-US" dirty="0"/>
+              <a:t>It is possible for a node to be within one hop of each starting node</a:t>
+            </a:r>
+          </a:p>
+          <a:p>
+            <a:r>
+              <a:rPr lang="en-US" dirty="0"/>
+              <a:t>Scheduling groups for the below figure would be [0,</a:t>
+            </a:r>
+            <a:r>
+              <a:rPr lang="en-US" dirty="0">
+                <a:solidFill>
+                  <a:schemeClr val="accent2">
+                    <a:lumMod val="60000"/>
+                    <a:lumOff val="40000"/>
+                  </a:schemeClr>
+                </a:solidFill>
+              </a:rPr>
+              <a:t>1,2</a:t>
+            </a:r>
+            <a:r>
+              <a:rPr lang="en-US" dirty="0"/>
+              <a:t>,4,6] and [</a:t>
+            </a:r>
+            <a:r>
+              <a:rPr lang="en-US" dirty="0">
+                <a:solidFill>
+                  <a:schemeClr val="accent2">
+                    <a:lumMod val="60000"/>
+                    <a:lumOff val="40000"/>
+                  </a:schemeClr>
+                </a:solidFill>
+              </a:rPr>
+              <a:t>1,2</a:t>
+            </a:r>
+            <a:r>
+              <a:rPr lang="en-US" dirty="0"/>
+              <a:t>,3,4,5,7]</a:t>
+            </a:r>
+          </a:p>
+          <a:p>
+            <a:r>
+              <a:rPr lang="en-US" dirty="0"/>
+              <a:t>1 and 2 are in both scheduling domains and are two hops apart</a:t>
+            </a:r>
+          </a:p>
+          <a:p>
+            <a:r>
+              <a:rPr lang="en-US" dirty="0"/>
+              <a:t>If Node 2 should ever steal work from Node 1, it</a:t>
+            </a:r>
+            <a:br>
+              <a:rPr lang="en-US" dirty="0"/>
+            </a:br>
+            <a:r>
+              <a:rPr lang="en-US" dirty="0"/>
+              <a:t>won’t because 1 and 2 always contribute to the</a:t>
+            </a:r>
+            <a:br>
+              <a:rPr lang="en-US" dirty="0"/>
+            </a:br>
+            <a:r>
+              <a:rPr lang="en-US" dirty="0"/>
+              <a:t>load sum of each scheduling group and be considered</a:t>
+            </a:r>
+            <a:br>
+              <a:rPr lang="en-US" dirty="0"/>
+            </a:br>
+            <a:r>
+              <a:rPr lang="en-US" dirty="0"/>
+              <a:t>balanced.</a:t>
+            </a:r>
+            <a:br>
+              <a:rPr lang="en-US" dirty="0"/>
+            </a:br>
+            <a:endParaRPr lang="en-US" dirty="0"/>
+          </a:p>
+          <a:p>
+            <a:pPr marL="0" indent="0">
+              <a:buNone/>
+            </a:pPr>
+            <a:r>
+              <a:rPr lang="en-US" dirty="0"/>
+              <a:t>They fixed this bug by defining scheduling groups to</a:t>
+            </a:r>
+            <a:br>
+              <a:rPr lang="en-US" dirty="0"/>
+            </a:br>
+            <a:r>
+              <a:rPr lang="en-US" dirty="0"/>
+              <a:t>always consider adjacent nodes from the source node,</a:t>
+            </a:r>
+            <a:br>
+              <a:rPr lang="en-US" dirty="0"/>
+            </a:br>
+            <a:r>
+              <a:rPr lang="en-US" dirty="0"/>
+              <a:t>rather than predefined groups.</a:t>
+            </a:r>
+          </a:p>
+        </p:txBody>
+      </p:sp>
+      <p:pic>
+        <p:nvPicPr>
+          <p:cNvPr id="5" name="Picture 4">
+            <a:extLst>
+              <a:ext uri="{FF2B5EF4-FFF2-40B4-BE49-F238E27FC236}">
+                <a16:creationId xmlns:a16="http://schemas.microsoft.com/office/drawing/2014/main" id="{361E5C9D-77C5-4BCC-A2D6-6443B1631078}"/>
+              </a:ext>
+            </a:extLst>
+          </p:cNvPr>
+          <p:cNvPicPr>
+            <a:picLocks noChangeAspect="1"/>
+          </p:cNvPicPr>
+          <p:nvPr/>
+        </p:nvPicPr>
+        <p:blipFill>
+          <a:blip r:embed="rId2"/>
+          <a:stretch>
+            <a:fillRect/>
+          </a:stretch>
+        </p:blipFill>
+        <p:spPr>
+          <a:xfrm>
+            <a:off x="6739809" y="4516273"/>
+            <a:ext cx="5249008" cy="1495634"/>
+          </a:xfrm>
+          <a:prstGeom prst="rect">
+            <a:avLst/>
+          </a:prstGeom>
+        </p:spPr>
+      </p:pic>
+      <p:sp>
+        <p:nvSpPr>
+          <p:cNvPr id="6" name="TextBox 5">
+            <a:extLst>
+              <a:ext uri="{FF2B5EF4-FFF2-40B4-BE49-F238E27FC236}">
+                <a16:creationId xmlns:a16="http://schemas.microsoft.com/office/drawing/2014/main" id="{B5B6D8CC-A808-4D76-B789-13E134CAC673}"/>
+              </a:ext>
+            </a:extLst>
+          </p:cNvPr>
+          <p:cNvSpPr txBox="1"/>
+          <p:nvPr/>
+        </p:nvSpPr>
+        <p:spPr>
+          <a:xfrm>
+            <a:off x="10543821" y="6011907"/>
+            <a:ext cx="2122328" cy="307777"/>
+          </a:xfrm>
+          <a:prstGeom prst="rect">
+            <a:avLst/>
+          </a:prstGeom>
+          <a:noFill/>
+        </p:spPr>
+        <p:txBody>
+          <a:bodyPr wrap="square" rtlCol="0">
+            <a:spAutoFit/>
+          </a:bodyPr>
+          <a:lstStyle/>
+          <a:p>
+            <a:r>
+              <a:rPr lang="en-US" sz="1400" dirty="0"/>
+              <a:t>From </a:t>
+            </a:r>
+            <a:r>
+              <a:rPr lang="en-US" sz="1400" dirty="0" err="1"/>
+              <a:t>Lozi</a:t>
+            </a:r>
+            <a:r>
+              <a:rPr lang="en-US" sz="1400" dirty="0"/>
+              <a:t> et al.</a:t>
+            </a:r>
+          </a:p>
+        </p:txBody>
+      </p:sp>
+    </p:spTree>
+    <p:extLst>
+      <p:ext uri="{BB962C8B-B14F-4D97-AF65-F5344CB8AC3E}">
+        <p14:creationId xmlns:p14="http://schemas.microsoft.com/office/powerpoint/2010/main" val="1910870360"/>
+      </p:ext>
+    </p:extLst>
+  </p:cSld>
+  <p:clrMapOvr>
+    <a:masterClrMapping/>
+  </p:clrMapOvr>
+</p:sld>
+</file>
+
+<file path=ppt/slides/slide28.xml><?xml version="1.0" encoding="utf-8"?>
+<p:sld xmlns:a="http://schemas.openxmlformats.org/drawingml/2006/main" xmlns:r="http://schemas.openxmlformats.org/officeDocument/2006/relationships" xmlns:p="http://schemas.openxmlformats.org/presentationml/2006/main">
+  <p:cSld>
+    <p:spTree>
+      <p:nvGrpSpPr>
+        <p:cNvPr id="1" name=""/>
+        <p:cNvGrpSpPr/>
+        <p:nvPr/>
+      </p:nvGrpSpPr>
+      <p:grpSpPr>
+        <a:xfrm>
+          <a:off x="0" y="0"/>
+          <a:ext cx="0" cy="0"/>
+          <a:chOff x="0" y="0"/>
+          <a:chExt cx="0" cy="0"/>
+        </a:xfrm>
+      </p:grpSpPr>
+      <p:sp>
+        <p:nvSpPr>
+          <p:cNvPr id="2" name="Title 1">
+            <a:extLst>
+              <a:ext uri="{FF2B5EF4-FFF2-40B4-BE49-F238E27FC236}">
+                <a16:creationId xmlns:a16="http://schemas.microsoft.com/office/drawing/2014/main" id="{FE70DBDF-7C1C-4115-A1F3-9BC0633AD715}"/>
+              </a:ext>
+            </a:extLst>
+          </p:cNvPr>
+          <p:cNvSpPr>
+            <a:spLocks noGrp="1"/>
+          </p:cNvSpPr>
+          <p:nvPr>
+            <p:ph type="title"/>
+          </p:nvPr>
+        </p:nvSpPr>
+        <p:spPr>
+          <a:xfrm>
+            <a:off x="677333" y="609600"/>
+            <a:ext cx="10363199" cy="1320800"/>
+          </a:xfrm>
+        </p:spPr>
+        <p:txBody>
+          <a:bodyPr/>
+          <a:lstStyle/>
+          <a:p>
+            <a:r>
+              <a:rPr lang="en-US" dirty="0"/>
+              <a:t>Scheduling Group Construction bugfix Impact</a:t>
+            </a:r>
+          </a:p>
+        </p:txBody>
+      </p:sp>
+      <p:pic>
+        <p:nvPicPr>
+          <p:cNvPr id="3" name="Picture 2">
+            <a:extLst>
+              <a:ext uri="{FF2B5EF4-FFF2-40B4-BE49-F238E27FC236}">
+                <a16:creationId xmlns:a16="http://schemas.microsoft.com/office/drawing/2014/main" id="{251323C0-5BCD-42CB-AA12-D197A0709C93}"/>
+              </a:ext>
+            </a:extLst>
+          </p:cNvPr>
+          <p:cNvPicPr>
+            <a:picLocks noChangeAspect="1"/>
+          </p:cNvPicPr>
+          <p:nvPr/>
+        </p:nvPicPr>
+        <p:blipFill>
+          <a:blip r:embed="rId2"/>
+          <a:stretch>
+            <a:fillRect/>
+          </a:stretch>
+        </p:blipFill>
+        <p:spPr>
+          <a:xfrm>
+            <a:off x="677334" y="1459252"/>
+            <a:ext cx="6382641" cy="5249008"/>
+          </a:xfrm>
+          <a:prstGeom prst="rect">
+            <a:avLst/>
+          </a:prstGeom>
+        </p:spPr>
+      </p:pic>
+      <p:sp>
+        <p:nvSpPr>
+          <p:cNvPr id="4" name="TextBox 3">
+            <a:extLst>
+              <a:ext uri="{FF2B5EF4-FFF2-40B4-BE49-F238E27FC236}">
+                <a16:creationId xmlns:a16="http://schemas.microsoft.com/office/drawing/2014/main" id="{73DCED88-1F2C-4A94-BBAB-DA7A2E587D2F}"/>
+              </a:ext>
+            </a:extLst>
+          </p:cNvPr>
+          <p:cNvSpPr txBox="1"/>
+          <p:nvPr/>
+        </p:nvSpPr>
+        <p:spPr>
+          <a:xfrm>
+            <a:off x="7059975" y="6338928"/>
+            <a:ext cx="1813092" cy="369332"/>
+          </a:xfrm>
+          <a:prstGeom prst="rect">
+            <a:avLst/>
+          </a:prstGeom>
+          <a:noFill/>
+        </p:spPr>
+        <p:txBody>
+          <a:bodyPr wrap="square" rtlCol="0">
+            <a:spAutoFit/>
+          </a:bodyPr>
+          <a:lstStyle/>
+          <a:p>
+            <a:r>
+              <a:rPr lang="en-US" dirty="0"/>
+              <a:t>From </a:t>
+            </a:r>
+            <a:r>
+              <a:rPr lang="en-US" dirty="0" err="1"/>
+              <a:t>Lozi</a:t>
+            </a:r>
+            <a:r>
+              <a:rPr lang="en-US" dirty="0"/>
+              <a:t> et al.</a:t>
+            </a:r>
+          </a:p>
+        </p:txBody>
+      </p:sp>
+    </p:spTree>
+    <p:extLst>
+      <p:ext uri="{BB962C8B-B14F-4D97-AF65-F5344CB8AC3E}">
+        <p14:creationId xmlns:p14="http://schemas.microsoft.com/office/powerpoint/2010/main" val="3162929707"/>
+      </p:ext>
+    </p:extLst>
+  </p:cSld>
+  <p:clrMapOvr>
+    <a:masterClrMapping/>
+  </p:clrMapOvr>
+</p:sld>
+</file>
+
+<file path=ppt/slides/slide29.xml><?xml version="1.0" encoding="utf-8"?>
+<p:sld xmlns:a="http://schemas.openxmlformats.org/drawingml/2006/main" xmlns:r="http://schemas.openxmlformats.org/officeDocument/2006/relationships" xmlns:p="http://schemas.openxmlformats.org/presentationml/2006/main">
+  <p:cSld>
+    <p:spTree>
+      <p:nvGrpSpPr>
+        <p:cNvPr id="1" name=""/>
+        <p:cNvGrpSpPr/>
+        <p:nvPr/>
+      </p:nvGrpSpPr>
+      <p:grpSpPr>
+        <a:xfrm>
+          <a:off x="0" y="0"/>
+          <a:ext cx="0" cy="0"/>
+          <a:chOff x="0" y="0"/>
+          <a:chExt cx="0" cy="0"/>
+        </a:xfrm>
+      </p:grpSpPr>
+      <p:sp>
+        <p:nvSpPr>
+          <p:cNvPr id="2" name="Title 1">
+            <a:extLst>
+              <a:ext uri="{FF2B5EF4-FFF2-40B4-BE49-F238E27FC236}">
+                <a16:creationId xmlns:a16="http://schemas.microsoft.com/office/drawing/2014/main" id="{FE70DBDF-7C1C-4115-A1F3-9BC0633AD715}"/>
+              </a:ext>
+            </a:extLst>
+          </p:cNvPr>
+          <p:cNvSpPr>
+            <a:spLocks noGrp="1"/>
+          </p:cNvSpPr>
+          <p:nvPr>
+            <p:ph type="title"/>
+          </p:nvPr>
+        </p:nvSpPr>
+        <p:spPr/>
+        <p:txBody>
+          <a:bodyPr/>
+          <a:lstStyle/>
+          <a:p>
+            <a:r>
+              <a:rPr lang="en-US" dirty="0"/>
+              <a:t>The Overload-on-Wakeup bug</a:t>
+            </a:r>
+          </a:p>
+        </p:txBody>
+      </p:sp>
+      <p:sp>
+        <p:nvSpPr>
+          <p:cNvPr id="3" name="Content Placeholder 2">
+            <a:extLst>
+              <a:ext uri="{FF2B5EF4-FFF2-40B4-BE49-F238E27FC236}">
+                <a16:creationId xmlns:a16="http://schemas.microsoft.com/office/drawing/2014/main" id="{0DA93E5C-A94D-4820-BDFB-1B6D099DE2D3}"/>
+              </a:ext>
+            </a:extLst>
+          </p:cNvPr>
+          <p:cNvSpPr>
+            <a:spLocks noGrp="1"/>
+          </p:cNvSpPr>
+          <p:nvPr>
+            <p:ph idx="1"/>
+          </p:nvPr>
+        </p:nvSpPr>
+        <p:spPr>
+          <a:xfrm>
+            <a:off x="677334" y="1584855"/>
+            <a:ext cx="6718688" cy="5086878"/>
+          </a:xfrm>
+        </p:spPr>
+        <p:txBody>
+          <a:bodyPr>
+            <a:normAutofit/>
+          </a:bodyPr>
+          <a:lstStyle/>
+          <a:p>
+            <a:r>
+              <a:rPr lang="en-US" dirty="0"/>
+              <a:t>There is an optimization where threads awakened by other threads are placed on the same core to increase cache locality</a:t>
+            </a:r>
+          </a:p>
+          <a:p>
+            <a:r>
+              <a:rPr lang="en-US" dirty="0"/>
+              <a:t>But it does this disregarding whether it should start on an idle core instead!</a:t>
+            </a:r>
+          </a:p>
+          <a:p>
+            <a:endParaRPr lang="en-US" dirty="0"/>
+          </a:p>
+          <a:p>
+            <a:r>
+              <a:rPr lang="en-US" dirty="0"/>
+              <a:t>This problem only occurs in environments where threads sleep frequently, such as database systems</a:t>
+            </a:r>
+          </a:p>
+          <a:p>
+            <a:r>
+              <a:rPr lang="en-US" dirty="0"/>
+              <a:t>The fix for this was to modify the wakeup code:</a:t>
+            </a:r>
+          </a:p>
+          <a:p>
+            <a:r>
+              <a:rPr lang="en-US" dirty="0"/>
+              <a:t>When a thread awakens, if the same core isn’t busy, then it will go there. Otherwise it goes to an idle core</a:t>
+            </a:r>
+          </a:p>
+          <a:p>
+            <a:endParaRPr lang="en-US" dirty="0"/>
+          </a:p>
+          <a:p>
+            <a:r>
+              <a:rPr lang="en-US" dirty="0"/>
+              <a:t>Results on the right are from the commercial database benchmark TPC-H</a:t>
+            </a:r>
+          </a:p>
+        </p:txBody>
+      </p:sp>
+      <p:pic>
+        <p:nvPicPr>
+          <p:cNvPr id="4" name="Picture 3">
+            <a:extLst>
+              <a:ext uri="{FF2B5EF4-FFF2-40B4-BE49-F238E27FC236}">
+                <a16:creationId xmlns:a16="http://schemas.microsoft.com/office/drawing/2014/main" id="{5E8ABA4B-3E3C-4CE7-AB73-A8CD9F83F86C}"/>
+              </a:ext>
+            </a:extLst>
+          </p:cNvPr>
+          <p:cNvPicPr>
+            <a:picLocks noChangeAspect="1"/>
+          </p:cNvPicPr>
+          <p:nvPr/>
+        </p:nvPicPr>
+        <p:blipFill>
+          <a:blip r:embed="rId2"/>
+          <a:stretch>
+            <a:fillRect/>
+          </a:stretch>
+        </p:blipFill>
+        <p:spPr>
+          <a:xfrm>
+            <a:off x="7396022" y="1584855"/>
+            <a:ext cx="4534533" cy="2400635"/>
+          </a:xfrm>
+          <a:prstGeom prst="rect">
+            <a:avLst/>
+          </a:prstGeom>
+        </p:spPr>
+      </p:pic>
+      <p:sp>
+        <p:nvSpPr>
+          <p:cNvPr id="5" name="TextBox 4">
+            <a:extLst>
+              <a:ext uri="{FF2B5EF4-FFF2-40B4-BE49-F238E27FC236}">
+                <a16:creationId xmlns:a16="http://schemas.microsoft.com/office/drawing/2014/main" id="{71F9A44E-DC40-4EA3-95BF-8EC139B4207F}"/>
+              </a:ext>
+            </a:extLst>
+          </p:cNvPr>
+          <p:cNvSpPr txBox="1"/>
+          <p:nvPr/>
+        </p:nvSpPr>
+        <p:spPr>
+          <a:xfrm>
+            <a:off x="10117463" y="3943628"/>
+            <a:ext cx="1813092" cy="369332"/>
+          </a:xfrm>
+          <a:prstGeom prst="rect">
+            <a:avLst/>
+          </a:prstGeom>
+          <a:noFill/>
+        </p:spPr>
+        <p:txBody>
+          <a:bodyPr wrap="square" rtlCol="0">
+            <a:spAutoFit/>
+          </a:bodyPr>
+          <a:lstStyle/>
+          <a:p>
+            <a:r>
+              <a:rPr lang="en-US" dirty="0"/>
+              <a:t>From </a:t>
+            </a:r>
+            <a:r>
+              <a:rPr lang="en-US" dirty="0" err="1"/>
+              <a:t>Lozi</a:t>
+            </a:r>
+            <a:r>
+              <a:rPr lang="en-US" dirty="0"/>
+              <a:t> et al.</a:t>
+            </a:r>
+          </a:p>
+        </p:txBody>
+      </p:sp>
+    </p:spTree>
+    <p:extLst>
+      <p:ext uri="{BB962C8B-B14F-4D97-AF65-F5344CB8AC3E}">
+        <p14:creationId xmlns:p14="http://schemas.microsoft.com/office/powerpoint/2010/main" val="2451856847"/>
       </p:ext>
     </p:extLst>
   </p:cSld>
@@ -9970,10 +12359,909 @@
           </a:p>
         </p:txBody>
       </p:sp>
+      <p:sp>
+        <p:nvSpPr>
+          <p:cNvPr id="2" name="TextBox 1">
+            <a:extLst>
+              <a:ext uri="{FF2B5EF4-FFF2-40B4-BE49-F238E27FC236}">
+                <a16:creationId xmlns:a16="http://schemas.microsoft.com/office/drawing/2014/main" id="{DBDBB555-3BC1-4B9A-8CD1-2D75B0FE10E1}"/>
+              </a:ext>
+            </a:extLst>
+          </p:cNvPr>
+          <p:cNvSpPr txBox="1"/>
+          <p:nvPr/>
+        </p:nvSpPr>
+        <p:spPr>
+          <a:xfrm>
+            <a:off x="1713471" y="5905500"/>
+            <a:ext cx="3468129" cy="523220"/>
+          </a:xfrm>
+          <a:prstGeom prst="rect">
+            <a:avLst/>
+          </a:prstGeom>
+          <a:noFill/>
+        </p:spPr>
+        <p:txBody>
+          <a:bodyPr wrap="square" rtlCol="0">
+            <a:spAutoFit/>
+          </a:bodyPr>
+          <a:lstStyle/>
+          <a:p>
+            <a:r>
+              <a:rPr lang="en-US" sz="2800" dirty="0" err="1"/>
+              <a:t>Mhmmm</a:t>
+            </a:r>
+            <a:r>
+              <a:rPr lang="en-US" sz="2800" dirty="0"/>
+              <a:t>… </a:t>
+            </a:r>
+            <a:r>
+              <a:rPr lang="en-US" sz="2800" i="1" dirty="0"/>
+              <a:t>sure…</a:t>
+            </a:r>
+            <a:r>
+              <a:rPr lang="en-US" sz="2800" dirty="0"/>
+              <a:t>  :)</a:t>
+            </a:r>
+          </a:p>
+        </p:txBody>
+      </p:sp>
     </p:spTree>
     <p:extLst>
       <p:ext uri="{BB962C8B-B14F-4D97-AF65-F5344CB8AC3E}">
         <p14:creationId xmlns:p14="http://schemas.microsoft.com/office/powerpoint/2010/main" val="3998777308"/>
+      </p:ext>
+    </p:extLst>
+  </p:cSld>
+  <p:clrMapOvr>
+    <a:masterClrMapping/>
+  </p:clrMapOvr>
+</p:sld>
+</file>
+
+<file path=ppt/slides/slide30.xml><?xml version="1.0" encoding="utf-8"?>
+<p:sld xmlns:a="http://schemas.openxmlformats.org/drawingml/2006/main" xmlns:r="http://schemas.openxmlformats.org/officeDocument/2006/relationships" xmlns:p="http://schemas.openxmlformats.org/presentationml/2006/main">
+  <p:cSld>
+    <p:spTree>
+      <p:nvGrpSpPr>
+        <p:cNvPr id="1" name=""/>
+        <p:cNvGrpSpPr/>
+        <p:nvPr/>
+      </p:nvGrpSpPr>
+      <p:grpSpPr>
+        <a:xfrm>
+          <a:off x="0" y="0"/>
+          <a:ext cx="0" cy="0"/>
+          <a:chOff x="0" y="0"/>
+          <a:chExt cx="0" cy="0"/>
+        </a:xfrm>
+      </p:grpSpPr>
+      <p:sp>
+        <p:nvSpPr>
+          <p:cNvPr id="2" name="Title 1">
+            <a:extLst>
+              <a:ext uri="{FF2B5EF4-FFF2-40B4-BE49-F238E27FC236}">
+                <a16:creationId xmlns:a16="http://schemas.microsoft.com/office/drawing/2014/main" id="{FE70DBDF-7C1C-4115-A1F3-9BC0633AD715}"/>
+              </a:ext>
+            </a:extLst>
+          </p:cNvPr>
+          <p:cNvSpPr>
+            <a:spLocks noGrp="1"/>
+          </p:cNvSpPr>
+          <p:nvPr>
+            <p:ph type="title"/>
+          </p:nvPr>
+        </p:nvSpPr>
+        <p:spPr/>
+        <p:txBody>
+          <a:bodyPr/>
+          <a:lstStyle/>
+          <a:p>
+            <a:r>
+              <a:rPr lang="en-US" dirty="0"/>
+              <a:t>The Missing Scheduling Domains bug</a:t>
+            </a:r>
+          </a:p>
+        </p:txBody>
+      </p:sp>
+      <p:sp>
+        <p:nvSpPr>
+          <p:cNvPr id="3" name="Content Placeholder 2">
+            <a:extLst>
+              <a:ext uri="{FF2B5EF4-FFF2-40B4-BE49-F238E27FC236}">
+                <a16:creationId xmlns:a16="http://schemas.microsoft.com/office/drawing/2014/main" id="{0DA93E5C-A94D-4820-BDFB-1B6D099DE2D3}"/>
+              </a:ext>
+            </a:extLst>
+          </p:cNvPr>
+          <p:cNvSpPr>
+            <a:spLocks noGrp="1"/>
+          </p:cNvSpPr>
+          <p:nvPr>
+            <p:ph idx="1"/>
+          </p:nvPr>
+        </p:nvSpPr>
+        <p:spPr>
+          <a:xfrm>
+            <a:off x="677333" y="2160589"/>
+            <a:ext cx="8805334" cy="3880773"/>
+          </a:xfrm>
+        </p:spPr>
+        <p:txBody>
+          <a:bodyPr/>
+          <a:lstStyle/>
+          <a:p>
+            <a:r>
+              <a:rPr lang="en-US" dirty="0"/>
+              <a:t>This bug was fixed, but regressed after a refactor on Linux kernel version 3.19+</a:t>
+            </a:r>
+          </a:p>
+          <a:p>
+            <a:r>
+              <a:rPr lang="en-US" dirty="0"/>
+              <a:t>Only occurs rarely, when a core is disabled and re-enabled</a:t>
+            </a:r>
+          </a:p>
+          <a:p>
+            <a:r>
+              <a:rPr lang="en-US" dirty="0"/>
+              <a:t>Bug causes the system to misrepresent amount of scheduling domains and load balancing would never happen</a:t>
+            </a:r>
+          </a:p>
+          <a:p>
+            <a:r>
+              <a:rPr lang="en-US" dirty="0"/>
+              <a:t>Threads and processes would be stuck on the nodes they’re on</a:t>
+            </a:r>
+          </a:p>
+          <a:p>
+            <a:endParaRPr lang="en-US" dirty="0"/>
+          </a:p>
+          <a:p>
+            <a:r>
+              <a:rPr lang="en-US" dirty="0"/>
+              <a:t>Reintroducing the removed line fixed the problem. Easy </a:t>
+            </a:r>
+            <a:r>
+              <a:rPr lang="en-US" dirty="0" err="1"/>
+              <a:t>peasy</a:t>
+            </a:r>
+            <a:r>
+              <a:rPr lang="en-US" dirty="0"/>
+              <a:t>.</a:t>
+            </a:r>
+          </a:p>
+          <a:p>
+            <a:pPr marL="0" indent="0">
+              <a:buNone/>
+            </a:pPr>
+            <a:endParaRPr lang="en-US" dirty="0"/>
+          </a:p>
+        </p:txBody>
+      </p:sp>
+    </p:spTree>
+    <p:extLst>
+      <p:ext uri="{BB962C8B-B14F-4D97-AF65-F5344CB8AC3E}">
+        <p14:creationId xmlns:p14="http://schemas.microsoft.com/office/powerpoint/2010/main" val="2533929434"/>
+      </p:ext>
+    </p:extLst>
+  </p:cSld>
+  <p:clrMapOvr>
+    <a:masterClrMapping/>
+  </p:clrMapOvr>
+</p:sld>
+</file>
+
+<file path=ppt/slides/slide31.xml><?xml version="1.0" encoding="utf-8"?>
+<p:sld xmlns:a="http://schemas.openxmlformats.org/drawingml/2006/main" xmlns:r="http://schemas.openxmlformats.org/officeDocument/2006/relationships" xmlns:p="http://schemas.openxmlformats.org/presentationml/2006/main">
+  <p:cSld>
+    <p:spTree>
+      <p:nvGrpSpPr>
+        <p:cNvPr id="1" name=""/>
+        <p:cNvGrpSpPr/>
+        <p:nvPr/>
+      </p:nvGrpSpPr>
+      <p:grpSpPr>
+        <a:xfrm>
+          <a:off x="0" y="0"/>
+          <a:ext cx="0" cy="0"/>
+          <a:chOff x="0" y="0"/>
+          <a:chExt cx="0" cy="0"/>
+        </a:xfrm>
+      </p:grpSpPr>
+      <p:sp>
+        <p:nvSpPr>
+          <p:cNvPr id="2" name="Title 1">
+            <a:extLst>
+              <a:ext uri="{FF2B5EF4-FFF2-40B4-BE49-F238E27FC236}">
+                <a16:creationId xmlns:a16="http://schemas.microsoft.com/office/drawing/2014/main" id="{FE70DBDF-7C1C-4115-A1F3-9BC0633AD715}"/>
+              </a:ext>
+            </a:extLst>
+          </p:cNvPr>
+          <p:cNvSpPr>
+            <a:spLocks noGrp="1"/>
+          </p:cNvSpPr>
+          <p:nvPr>
+            <p:ph type="title"/>
+          </p:nvPr>
+        </p:nvSpPr>
+        <p:spPr>
+          <a:xfrm>
+            <a:off x="677333" y="609600"/>
+            <a:ext cx="10363199" cy="1320800"/>
+          </a:xfrm>
+        </p:spPr>
+        <p:txBody>
+          <a:bodyPr/>
+          <a:lstStyle/>
+          <a:p>
+            <a:r>
+              <a:rPr lang="en-US" dirty="0"/>
+              <a:t>Missing Scheduling Domains bugfix Impact</a:t>
+            </a:r>
+          </a:p>
+        </p:txBody>
+      </p:sp>
+      <p:sp>
+        <p:nvSpPr>
+          <p:cNvPr id="4" name="TextBox 3">
+            <a:extLst>
+              <a:ext uri="{FF2B5EF4-FFF2-40B4-BE49-F238E27FC236}">
+                <a16:creationId xmlns:a16="http://schemas.microsoft.com/office/drawing/2014/main" id="{73DCED88-1F2C-4A94-BBAB-DA7A2E587D2F}"/>
+              </a:ext>
+            </a:extLst>
+          </p:cNvPr>
+          <p:cNvSpPr txBox="1"/>
+          <p:nvPr/>
+        </p:nvSpPr>
+        <p:spPr>
+          <a:xfrm>
+            <a:off x="9024309" y="5378708"/>
+            <a:ext cx="1813092" cy="369332"/>
+          </a:xfrm>
+          <a:prstGeom prst="rect">
+            <a:avLst/>
+          </a:prstGeom>
+          <a:noFill/>
+        </p:spPr>
+        <p:txBody>
+          <a:bodyPr wrap="square" rtlCol="0">
+            <a:spAutoFit/>
+          </a:bodyPr>
+          <a:lstStyle/>
+          <a:p>
+            <a:r>
+              <a:rPr lang="en-US" sz="1600" dirty="0"/>
+              <a:t>From</a:t>
+            </a:r>
+            <a:r>
+              <a:rPr lang="en-US" dirty="0"/>
+              <a:t> </a:t>
+            </a:r>
+            <a:r>
+              <a:rPr lang="en-US" dirty="0" err="1"/>
+              <a:t>Lozi</a:t>
+            </a:r>
+            <a:r>
+              <a:rPr lang="en-US" dirty="0"/>
+              <a:t> et al.</a:t>
+            </a:r>
+          </a:p>
+        </p:txBody>
+      </p:sp>
+      <p:pic>
+        <p:nvPicPr>
+          <p:cNvPr id="6" name="Picture 5">
+            <a:extLst>
+              <a:ext uri="{FF2B5EF4-FFF2-40B4-BE49-F238E27FC236}">
+                <a16:creationId xmlns:a16="http://schemas.microsoft.com/office/drawing/2014/main" id="{685884C0-9336-442F-817B-4BFBD546AACA}"/>
+              </a:ext>
+            </a:extLst>
+          </p:cNvPr>
+          <p:cNvPicPr>
+            <a:picLocks noChangeAspect="1"/>
+          </p:cNvPicPr>
+          <p:nvPr/>
+        </p:nvPicPr>
+        <p:blipFill>
+          <a:blip r:embed="rId2"/>
+          <a:stretch>
+            <a:fillRect/>
+          </a:stretch>
+        </p:blipFill>
+        <p:spPr>
+          <a:xfrm>
+            <a:off x="4797708" y="1682492"/>
+            <a:ext cx="6039693" cy="3696216"/>
+          </a:xfrm>
+          <a:prstGeom prst="rect">
+            <a:avLst/>
+          </a:prstGeom>
+        </p:spPr>
+      </p:pic>
+      <p:sp>
+        <p:nvSpPr>
+          <p:cNvPr id="7" name="TextBox 6">
+            <a:extLst>
+              <a:ext uri="{FF2B5EF4-FFF2-40B4-BE49-F238E27FC236}">
+                <a16:creationId xmlns:a16="http://schemas.microsoft.com/office/drawing/2014/main" id="{2B2D2F46-BD97-4327-A4D1-4B1FAB39BA16}"/>
+              </a:ext>
+            </a:extLst>
+          </p:cNvPr>
+          <p:cNvSpPr txBox="1"/>
+          <p:nvPr/>
+        </p:nvSpPr>
+        <p:spPr>
+          <a:xfrm>
+            <a:off x="677332" y="1682492"/>
+            <a:ext cx="4030135" cy="923330"/>
+          </a:xfrm>
+          <a:prstGeom prst="rect">
+            <a:avLst/>
+          </a:prstGeom>
+          <a:noFill/>
+        </p:spPr>
+        <p:txBody>
+          <a:bodyPr wrap="square" rtlCol="0">
+            <a:spAutoFit/>
+          </a:bodyPr>
+          <a:lstStyle/>
+          <a:p>
+            <a:r>
+              <a:rPr lang="en-US" dirty="0"/>
+              <a:t>NAS Parallel Benchmark after disabling and re-enabling one core</a:t>
+            </a:r>
+            <a:br>
+              <a:rPr lang="en-US" dirty="0"/>
+            </a:br>
+            <a:r>
+              <a:rPr lang="en-US" dirty="0"/>
+              <a:t>with and without this bug fix</a:t>
+            </a:r>
+          </a:p>
+        </p:txBody>
+      </p:sp>
+    </p:spTree>
+    <p:extLst>
+      <p:ext uri="{BB962C8B-B14F-4D97-AF65-F5344CB8AC3E}">
+        <p14:creationId xmlns:p14="http://schemas.microsoft.com/office/powerpoint/2010/main" val="1154900538"/>
+      </p:ext>
+    </p:extLst>
+  </p:cSld>
+  <p:clrMapOvr>
+    <a:masterClrMapping/>
+  </p:clrMapOvr>
+</p:sld>
+</file>
+
+<file path=ppt/slides/slide32.xml><?xml version="1.0" encoding="utf-8"?>
+<p:sld xmlns:a="http://schemas.openxmlformats.org/drawingml/2006/main" xmlns:r="http://schemas.openxmlformats.org/officeDocument/2006/relationships" xmlns:p="http://schemas.openxmlformats.org/presentationml/2006/main">
+  <p:cSld>
+    <p:spTree>
+      <p:nvGrpSpPr>
+        <p:cNvPr id="1" name=""/>
+        <p:cNvGrpSpPr/>
+        <p:nvPr/>
+      </p:nvGrpSpPr>
+      <p:grpSpPr>
+        <a:xfrm>
+          <a:off x="0" y="0"/>
+          <a:ext cx="0" cy="0"/>
+          <a:chOff x="0" y="0"/>
+          <a:chExt cx="0" cy="0"/>
+        </a:xfrm>
+      </p:grpSpPr>
+      <p:sp>
+        <p:nvSpPr>
+          <p:cNvPr id="3" name="Content Placeholder 2">
+            <a:extLst>
+              <a:ext uri="{FF2B5EF4-FFF2-40B4-BE49-F238E27FC236}">
+                <a16:creationId xmlns:a16="http://schemas.microsoft.com/office/drawing/2014/main" id="{D83E9CED-5A39-49BF-9563-8FD5937C2082}"/>
+              </a:ext>
+            </a:extLst>
+          </p:cNvPr>
+          <p:cNvSpPr>
+            <a:spLocks noGrp="1"/>
+          </p:cNvSpPr>
+          <p:nvPr>
+            <p:ph idx="1"/>
+          </p:nvPr>
+        </p:nvSpPr>
+        <p:spPr>
+          <a:xfrm>
+            <a:off x="592114" y="1242391"/>
+            <a:ext cx="8661216" cy="4591877"/>
+          </a:xfrm>
+        </p:spPr>
+        <p:txBody>
+          <a:bodyPr>
+            <a:normAutofit/>
+          </a:bodyPr>
+          <a:lstStyle/>
+          <a:p>
+            <a:endParaRPr lang="en-US" dirty="0"/>
+          </a:p>
+        </p:txBody>
+      </p:sp>
+      <p:sp>
+        <p:nvSpPr>
+          <p:cNvPr id="15" name="Title 14">
+            <a:extLst>
+              <a:ext uri="{FF2B5EF4-FFF2-40B4-BE49-F238E27FC236}">
+                <a16:creationId xmlns:a16="http://schemas.microsoft.com/office/drawing/2014/main" id="{DD5971B8-AEDF-4A4F-A785-3ABA81D954C9}"/>
+              </a:ext>
+            </a:extLst>
+          </p:cNvPr>
+          <p:cNvSpPr>
+            <a:spLocks noGrp="1"/>
+          </p:cNvSpPr>
+          <p:nvPr>
+            <p:ph type="title"/>
+          </p:nvPr>
+        </p:nvSpPr>
+        <p:spPr>
+          <a:xfrm>
+            <a:off x="677334" y="609600"/>
+            <a:ext cx="3384712" cy="632791"/>
+          </a:xfrm>
+        </p:spPr>
+        <p:txBody>
+          <a:bodyPr>
+            <a:normAutofit fontScale="90000"/>
+          </a:bodyPr>
+          <a:lstStyle/>
+          <a:p>
+            <a:r>
+              <a:rPr lang="en-US" dirty="0"/>
+              <a:t>Lock Contention</a:t>
+            </a:r>
+          </a:p>
+        </p:txBody>
+      </p:sp>
+    </p:spTree>
+    <p:extLst>
+      <p:ext uri="{BB962C8B-B14F-4D97-AF65-F5344CB8AC3E}">
+        <p14:creationId xmlns:p14="http://schemas.microsoft.com/office/powerpoint/2010/main" val="2578763411"/>
+      </p:ext>
+    </p:extLst>
+  </p:cSld>
+  <p:clrMapOvr>
+    <a:masterClrMapping/>
+  </p:clrMapOvr>
+</p:sld>
+</file>
+
+<file path=ppt/slides/slide33.xml><?xml version="1.0" encoding="utf-8"?>
+<p:sld xmlns:a="http://schemas.openxmlformats.org/drawingml/2006/main" xmlns:r="http://schemas.openxmlformats.org/officeDocument/2006/relationships" xmlns:p="http://schemas.openxmlformats.org/presentationml/2006/main">
+  <p:cSld>
+    <p:spTree>
+      <p:nvGrpSpPr>
+        <p:cNvPr id="1" name=""/>
+        <p:cNvGrpSpPr/>
+        <p:nvPr/>
+      </p:nvGrpSpPr>
+      <p:grpSpPr>
+        <a:xfrm>
+          <a:off x="0" y="0"/>
+          <a:ext cx="0" cy="0"/>
+          <a:chOff x="0" y="0"/>
+          <a:chExt cx="0" cy="0"/>
+        </a:xfrm>
+      </p:grpSpPr>
+      <p:sp>
+        <p:nvSpPr>
+          <p:cNvPr id="2" name="Title 1">
+            <a:extLst>
+              <a:ext uri="{FF2B5EF4-FFF2-40B4-BE49-F238E27FC236}">
+                <a16:creationId xmlns:a16="http://schemas.microsoft.com/office/drawing/2014/main" id="{F95B23F0-1EE8-4BD1-B189-337575BC67EE}"/>
+              </a:ext>
+            </a:extLst>
+          </p:cNvPr>
+          <p:cNvSpPr>
+            <a:spLocks noGrp="1"/>
+          </p:cNvSpPr>
+          <p:nvPr>
+            <p:ph type="title"/>
+          </p:nvPr>
+        </p:nvSpPr>
+        <p:spPr/>
+        <p:txBody>
+          <a:bodyPr/>
+          <a:lstStyle/>
+          <a:p>
+            <a:r>
+              <a:rPr lang="en-US" dirty="0"/>
+              <a:t>Conclusions</a:t>
+            </a:r>
+          </a:p>
+        </p:txBody>
+      </p:sp>
+      <p:sp>
+        <p:nvSpPr>
+          <p:cNvPr id="3" name="Content Placeholder 2">
+            <a:extLst>
+              <a:ext uri="{FF2B5EF4-FFF2-40B4-BE49-F238E27FC236}">
+                <a16:creationId xmlns:a16="http://schemas.microsoft.com/office/drawing/2014/main" id="{BC507F40-A0C7-41CB-9B1E-2E110A1FA36B}"/>
+              </a:ext>
+            </a:extLst>
+          </p:cNvPr>
+          <p:cNvSpPr>
+            <a:spLocks noGrp="1"/>
+          </p:cNvSpPr>
+          <p:nvPr>
+            <p:ph idx="1"/>
+          </p:nvPr>
+        </p:nvSpPr>
+        <p:spPr/>
+        <p:txBody>
+          <a:bodyPr/>
+          <a:lstStyle/>
+          <a:p>
+            <a:endParaRPr lang="en-US"/>
+          </a:p>
+        </p:txBody>
+      </p:sp>
+    </p:spTree>
+    <p:extLst>
+      <p:ext uri="{BB962C8B-B14F-4D97-AF65-F5344CB8AC3E}">
+        <p14:creationId xmlns:p14="http://schemas.microsoft.com/office/powerpoint/2010/main" val="991287881"/>
+      </p:ext>
+    </p:extLst>
+  </p:cSld>
+  <p:clrMapOvr>
+    <a:masterClrMapping/>
+  </p:clrMapOvr>
+</p:sld>
+</file>
+
+<file path=ppt/slides/slide34.xml><?xml version="1.0" encoding="utf-8"?>
+<p:sld xmlns:a="http://schemas.openxmlformats.org/drawingml/2006/main" xmlns:r="http://schemas.openxmlformats.org/officeDocument/2006/relationships" xmlns:p="http://schemas.openxmlformats.org/presentationml/2006/main">
+  <p:cSld>
+    <p:spTree>
+      <p:nvGrpSpPr>
+        <p:cNvPr id="1" name=""/>
+        <p:cNvGrpSpPr/>
+        <p:nvPr/>
+      </p:nvGrpSpPr>
+      <p:grpSpPr>
+        <a:xfrm>
+          <a:off x="0" y="0"/>
+          <a:ext cx="0" cy="0"/>
+          <a:chOff x="0" y="0"/>
+          <a:chExt cx="0" cy="0"/>
+        </a:xfrm>
+      </p:grpSpPr>
+      <p:sp>
+        <p:nvSpPr>
+          <p:cNvPr id="2" name="Title 1">
+            <a:extLst>
+              <a:ext uri="{FF2B5EF4-FFF2-40B4-BE49-F238E27FC236}">
+                <a16:creationId xmlns:a16="http://schemas.microsoft.com/office/drawing/2014/main" id="{66071387-2664-4BBA-A1B9-717F5F04EC6B}"/>
+              </a:ext>
+            </a:extLst>
+          </p:cNvPr>
+          <p:cNvSpPr>
+            <a:spLocks noGrp="1"/>
+          </p:cNvSpPr>
+          <p:nvPr>
+            <p:ph type="title"/>
+          </p:nvPr>
+        </p:nvSpPr>
+        <p:spPr>
+          <a:xfrm>
+            <a:off x="677334" y="362465"/>
+            <a:ext cx="8596668" cy="1320800"/>
+          </a:xfrm>
+        </p:spPr>
+        <p:txBody>
+          <a:bodyPr/>
+          <a:lstStyle/>
+          <a:p>
+            <a:r>
+              <a:rPr lang="en-US" dirty="0"/>
+              <a:t>References</a:t>
+            </a:r>
+          </a:p>
+        </p:txBody>
+      </p:sp>
+      <p:sp>
+        <p:nvSpPr>
+          <p:cNvPr id="3" name="Content Placeholder 2">
+            <a:extLst>
+              <a:ext uri="{FF2B5EF4-FFF2-40B4-BE49-F238E27FC236}">
+                <a16:creationId xmlns:a16="http://schemas.microsoft.com/office/drawing/2014/main" id="{1C7F16B6-7206-424A-BAFA-39935C7949CC}"/>
+              </a:ext>
+            </a:extLst>
+          </p:cNvPr>
+          <p:cNvSpPr>
+            <a:spLocks noGrp="1"/>
+          </p:cNvSpPr>
+          <p:nvPr>
+            <p:ph idx="1"/>
+          </p:nvPr>
+        </p:nvSpPr>
+        <p:spPr>
+          <a:xfrm>
+            <a:off x="677334" y="1466335"/>
+            <a:ext cx="8596668" cy="5067816"/>
+          </a:xfrm>
+        </p:spPr>
+        <p:txBody>
+          <a:bodyPr/>
+          <a:lstStyle/>
+          <a:p>
+            <a:pPr>
+              <a:buFont typeface="+mj-lt"/>
+              <a:buAutoNum type="arabicPeriod"/>
+            </a:pPr>
+            <a:r>
+              <a:rPr lang="en-US" dirty="0">
+                <a:solidFill>
+                  <a:schemeClr val="accent1">
+                    <a:lumMod val="40000"/>
+                    <a:lumOff val="60000"/>
+                  </a:schemeClr>
+                </a:solidFill>
+              </a:rPr>
+              <a:t>K. Kumar, P. Rajiv, G. Laxmi, and N. </a:t>
+            </a:r>
+            <a:r>
+              <a:rPr lang="en-US" dirty="0" err="1">
+                <a:solidFill>
+                  <a:schemeClr val="accent1">
+                    <a:lumMod val="40000"/>
+                    <a:lumOff val="60000"/>
+                  </a:schemeClr>
+                </a:solidFill>
+              </a:rPr>
+              <a:t>Bhuyan</a:t>
+            </a:r>
+            <a:r>
+              <a:rPr lang="en-US" dirty="0">
+                <a:solidFill>
+                  <a:schemeClr val="accent1">
+                    <a:lumMod val="40000"/>
+                    <a:lumOff val="60000"/>
+                  </a:schemeClr>
+                </a:solidFill>
+              </a:rPr>
+              <a:t>.</a:t>
+            </a:r>
+            <a:br>
+              <a:rPr lang="en-US" dirty="0">
+                <a:solidFill>
+                  <a:schemeClr val="accent1">
+                    <a:lumMod val="40000"/>
+                    <a:lumOff val="60000"/>
+                  </a:schemeClr>
+                </a:solidFill>
+              </a:rPr>
+            </a:br>
+            <a:r>
+              <a:rPr lang="en-US" dirty="0"/>
+              <a:t>Shuffling: A framework for lock contention aware thread scheduling for multicore multiprocessor systems.</a:t>
+            </a:r>
+            <a:br>
+              <a:rPr lang="en-US" dirty="0"/>
+            </a:br>
+            <a:r>
+              <a:rPr lang="en-US" dirty="0">
+                <a:solidFill>
+                  <a:schemeClr val="accent1">
+                    <a:lumMod val="60000"/>
+                    <a:lumOff val="40000"/>
+                  </a:schemeClr>
+                </a:solidFill>
+              </a:rPr>
+              <a:t>In 2014 23rd International Conference on Parallel Architecture and Compilation Techniques (PACT), pages 289–300, Aug 2014.</a:t>
+            </a:r>
+          </a:p>
+          <a:p>
+            <a:pPr>
+              <a:buFont typeface="+mj-lt"/>
+              <a:buAutoNum type="arabicPeriod"/>
+            </a:pPr>
+            <a:r>
+              <a:rPr lang="en-US" dirty="0">
+                <a:solidFill>
+                  <a:schemeClr val="accent1">
+                    <a:lumMod val="40000"/>
+                    <a:lumOff val="60000"/>
+                  </a:schemeClr>
+                </a:solidFill>
+              </a:rPr>
+              <a:t>J.-P. </a:t>
+            </a:r>
+            <a:r>
+              <a:rPr lang="en-US" dirty="0" err="1">
+                <a:solidFill>
+                  <a:schemeClr val="accent1">
+                    <a:lumMod val="40000"/>
+                    <a:lumOff val="60000"/>
+                  </a:schemeClr>
+                </a:solidFill>
+              </a:rPr>
+              <a:t>Lozi</a:t>
+            </a:r>
+            <a:r>
+              <a:rPr lang="en-US" dirty="0">
+                <a:solidFill>
+                  <a:schemeClr val="accent1">
+                    <a:lumMod val="40000"/>
+                    <a:lumOff val="60000"/>
+                  </a:schemeClr>
+                </a:solidFill>
+              </a:rPr>
+              <a:t>, B. Lepers, J. Funston, F. Gaud, V. </a:t>
+            </a:r>
+            <a:r>
+              <a:rPr lang="en-US" dirty="0" err="1">
+                <a:solidFill>
+                  <a:schemeClr val="accent1">
+                    <a:lumMod val="40000"/>
+                    <a:lumOff val="60000"/>
+                  </a:schemeClr>
+                </a:solidFill>
+              </a:rPr>
+              <a:t>Quéma</a:t>
+            </a:r>
+            <a:r>
+              <a:rPr lang="en-US" dirty="0">
+                <a:solidFill>
+                  <a:schemeClr val="accent1">
+                    <a:lumMod val="40000"/>
+                    <a:lumOff val="60000"/>
+                  </a:schemeClr>
+                </a:solidFill>
+              </a:rPr>
+              <a:t>, and A. </a:t>
+            </a:r>
+            <a:r>
+              <a:rPr lang="en-US" dirty="0" err="1">
+                <a:solidFill>
+                  <a:schemeClr val="accent1">
+                    <a:lumMod val="40000"/>
+                    <a:lumOff val="60000"/>
+                  </a:schemeClr>
+                </a:solidFill>
+              </a:rPr>
+              <a:t>Fedorova</a:t>
+            </a:r>
+            <a:r>
+              <a:rPr lang="en-US" dirty="0">
+                <a:solidFill>
+                  <a:schemeClr val="accent1">
+                    <a:lumMod val="40000"/>
+                    <a:lumOff val="60000"/>
+                  </a:schemeClr>
+                </a:solidFill>
+              </a:rPr>
+              <a:t>.</a:t>
+            </a:r>
+            <a:br>
+              <a:rPr lang="en-US" dirty="0"/>
+            </a:br>
+            <a:r>
+              <a:rPr lang="en-US" dirty="0"/>
+              <a:t>The </a:t>
+            </a:r>
+            <a:r>
+              <a:rPr lang="en-US" dirty="0" err="1"/>
+              <a:t>linux</a:t>
+            </a:r>
+            <a:r>
+              <a:rPr lang="en-US" dirty="0"/>
+              <a:t> scheduler: A decade of wasted cores.</a:t>
+            </a:r>
+            <a:br>
+              <a:rPr lang="en-US" dirty="0"/>
+            </a:br>
+            <a:r>
+              <a:rPr lang="en-US" dirty="0">
+                <a:solidFill>
+                  <a:schemeClr val="accent1">
+                    <a:lumMod val="60000"/>
+                    <a:lumOff val="40000"/>
+                  </a:schemeClr>
+                </a:solidFill>
+              </a:rPr>
+              <a:t>In Proceedings of the Eleventh European Conference on Computer Systems, </a:t>
+            </a:r>
+            <a:r>
+              <a:rPr lang="en-US" dirty="0" err="1">
+                <a:solidFill>
+                  <a:schemeClr val="accent1">
+                    <a:lumMod val="60000"/>
+                    <a:lumOff val="40000"/>
+                  </a:schemeClr>
+                </a:solidFill>
+              </a:rPr>
+              <a:t>EuroSys</a:t>
+            </a:r>
+            <a:r>
+              <a:rPr lang="en-US" dirty="0">
+                <a:solidFill>
+                  <a:schemeClr val="accent1">
+                    <a:lumMod val="60000"/>
+                    <a:lumOff val="40000"/>
+                  </a:schemeClr>
+                </a:solidFill>
+              </a:rPr>
+              <a:t> ’16, pages 1:1–1:16, New York, NY, USA, 2016. ACM.</a:t>
+            </a:r>
+          </a:p>
+          <a:p>
+            <a:pPr>
+              <a:buFont typeface="+mj-lt"/>
+              <a:buAutoNum type="arabicPeriod"/>
+            </a:pPr>
+            <a:r>
+              <a:rPr lang="en-US" dirty="0">
+                <a:solidFill>
+                  <a:schemeClr val="accent1">
+                    <a:lumMod val="40000"/>
+                    <a:lumOff val="60000"/>
+                  </a:schemeClr>
+                </a:solidFill>
+              </a:rPr>
+              <a:t>U. B. Nisar, M. Aleem, M. A. Iqbal, and N. S. Vo.</a:t>
+            </a:r>
+            <a:br>
+              <a:rPr lang="en-US" dirty="0"/>
+            </a:br>
+            <a:r>
+              <a:rPr lang="en-US" dirty="0"/>
+              <a:t>Jumbler: A lock-contention aware thread scheduler for multi-core parallel machines.</a:t>
+            </a:r>
+            <a:br>
+              <a:rPr lang="en-US" dirty="0"/>
+            </a:br>
+            <a:r>
+              <a:rPr lang="en-US" dirty="0">
+                <a:solidFill>
+                  <a:schemeClr val="accent1">
+                    <a:lumMod val="60000"/>
+                    <a:lumOff val="40000"/>
+                  </a:schemeClr>
+                </a:solidFill>
+              </a:rPr>
+              <a:t>In 2017 International Conference on Recent Advances in Signal Processing, Telecommunications Computing (</a:t>
+            </a:r>
+            <a:r>
+              <a:rPr lang="en-US" dirty="0" err="1">
+                <a:solidFill>
+                  <a:schemeClr val="accent1">
+                    <a:lumMod val="60000"/>
+                    <a:lumOff val="40000"/>
+                  </a:schemeClr>
+                </a:solidFill>
+              </a:rPr>
+              <a:t>SigTelCom</a:t>
+            </a:r>
+            <a:r>
+              <a:rPr lang="en-US" dirty="0">
+                <a:solidFill>
+                  <a:schemeClr val="accent1">
+                    <a:lumMod val="60000"/>
+                    <a:lumOff val="40000"/>
+                  </a:schemeClr>
+                </a:solidFill>
+              </a:rPr>
+              <a:t>), pages 77–81, Jan 2017.</a:t>
+            </a:r>
+          </a:p>
+          <a:p>
+            <a:pPr>
+              <a:buFont typeface="+mj-lt"/>
+              <a:buAutoNum type="arabicPeriod"/>
+            </a:pPr>
+            <a:endParaRPr lang="en-US" dirty="0"/>
+          </a:p>
+        </p:txBody>
+      </p:sp>
+    </p:spTree>
+    <p:extLst>
+      <p:ext uri="{BB962C8B-B14F-4D97-AF65-F5344CB8AC3E}">
+        <p14:creationId xmlns:p14="http://schemas.microsoft.com/office/powerpoint/2010/main" val="1409436407"/>
       </p:ext>
     </p:extLst>
   </p:cSld>
@@ -10046,23 +13334,25 @@
         </p:nvSpPr>
         <p:spPr/>
         <p:txBody>
-          <a:bodyPr/>
-          <a:lstStyle/>
-          <a:p>
-            <a:r>
-              <a:rPr lang="en-US" dirty="0"/>
+          <a:bodyPr>
+            <a:normAutofit/>
+          </a:bodyPr>
+          <a:lstStyle/>
+          <a:p>
+            <a:r>
+              <a:rPr lang="en-US" sz="2000" dirty="0"/>
               <a:t>Establish needed concepts</a:t>
             </a:r>
           </a:p>
           <a:p>
             <a:r>
-              <a:rPr lang="en-US" dirty="0"/>
+              <a:rPr lang="en-US" sz="2000" dirty="0"/>
               <a:t>Thread scheduling and thread load-balancing on Linux</a:t>
             </a:r>
           </a:p>
           <a:p>
             <a:r>
-              <a:rPr lang="en-US" dirty="0"/>
+              <a:rPr lang="en-US" sz="2000" dirty="0"/>
               <a:t>Bug fixes and two new developments to the Linux thread scheduler</a:t>
             </a:r>
           </a:p>
@@ -10131,7 +13421,7 @@
             </a:pPr>
             <a:r>
               <a:rPr lang="en-US" sz="2400" dirty="0"/>
-              <a:t>Before we define what thread scheduling is,</a:t>
+              <a:t>Before we talk about thread scheduling,</a:t>
             </a:r>
           </a:p>
           <a:p>
@@ -10221,38 +13511,40 @@
         </p:nvSpPr>
         <p:spPr/>
         <p:txBody>
-          <a:bodyPr/>
-          <a:lstStyle/>
-          <a:p>
-            <a:r>
-              <a:rPr lang="en-US" dirty="0"/>
+          <a:bodyPr>
+            <a:normAutofit/>
+          </a:bodyPr>
+          <a:lstStyle/>
+          <a:p>
+            <a:r>
+              <a:rPr lang="en-US" sz="2000" dirty="0"/>
               <a:t>Establish needed concepts</a:t>
             </a:r>
           </a:p>
           <a:p>
             <a:pPr lvl="1"/>
             <a:r>
-              <a:rPr lang="en-US" dirty="0"/>
+              <a:rPr lang="en-US" sz="1800" dirty="0"/>
               <a:t>Threads, Multithreading Programs</a:t>
             </a:r>
           </a:p>
           <a:p>
             <a:pPr lvl="1"/>
             <a:r>
-              <a:rPr lang="en-US" dirty="0"/>
+              <a:rPr lang="en-US" sz="1800" dirty="0"/>
               <a:t>Parallel programming</a:t>
             </a:r>
           </a:p>
           <a:p>
             <a:pPr lvl="1"/>
             <a:r>
-              <a:rPr lang="en-US" dirty="0"/>
+              <a:rPr lang="en-US" sz="1800" dirty="0"/>
               <a:t>Synchronicity and Locks</a:t>
             </a:r>
           </a:p>
           <a:p>
             <a:r>
-              <a:rPr lang="en-US" dirty="0">
+              <a:rPr lang="en-US" sz="2000" dirty="0">
                 <a:solidFill>
                   <a:schemeClr val="accent1">
                     <a:lumMod val="75000"/>
@@ -10264,7 +13556,7 @@
           </a:p>
           <a:p>
             <a:r>
-              <a:rPr lang="en-US" dirty="0">
+              <a:rPr lang="en-US" sz="2000" dirty="0">
                 <a:solidFill>
                   <a:schemeClr val="accent1">
                     <a:lumMod val="75000"/>
@@ -10273,14 +13565,6 @@
               </a:rPr>
               <a:t>Bug fixes and two new developments to the Linux thread scheduler</a:t>
             </a:r>
-          </a:p>
-          <a:p>
-            <a:pPr lvl="1"/>
-            <a:endParaRPr lang="en-US" dirty="0"/>
-          </a:p>
-          <a:p>
-            <a:pPr lvl="2"/>
-            <a:endParaRPr lang="en-US" dirty="0"/>
           </a:p>
         </p:txBody>
       </p:sp>
@@ -10432,11 +13716,8 @@
             </a:pPr>
             <a:r>
               <a:rPr lang="en-US" dirty="0"/>
-              <a:t>In this figure there are</a:t>
-            </a:r>
-            <a:br>
-              <a:rPr lang="en-US" dirty="0"/>
-            </a:br>
+              <a:t>In this figure </a:t>
+            </a:r>
             <a:r>
               <a:rPr lang="en-US" dirty="0">
                 <a:solidFill>
@@ -10450,11 +13731,8 @@
             </a:r>
             <a:r>
               <a:rPr lang="en-US" dirty="0"/>
-              <a:t> Threads created within</a:t>
-            </a:r>
-            <a:br>
-              <a:rPr lang="en-US" dirty="0"/>
-            </a:br>
+              <a:t> Threads are created within </a:t>
+            </a:r>
             <a:r>
               <a:rPr lang="en-US" dirty="0">
                 <a:solidFill>
@@ -10468,7 +13746,7 @@
             </a:r>
             <a:r>
               <a:rPr lang="en-US" dirty="0"/>
-              <a:t> Process</a:t>
+              <a:t> Process.</a:t>
             </a:r>
           </a:p>
         </p:txBody>
@@ -10564,7 +13842,7 @@
         </p:nvSpPr>
         <p:spPr>
           <a:xfrm>
-            <a:off x="592114" y="1242391"/>
+            <a:off x="677334" y="1535903"/>
             <a:ext cx="8661216" cy="4591877"/>
           </a:xfrm>
         </p:spPr>
@@ -10643,7 +13921,7 @@
           <a:p>
             <a:r>
               <a:rPr lang="en-US" dirty="0"/>
-              <a:t>Problems can be solved or improved using none, either or </a:t>
+              <a:t>Problems can be solved or improved using neither, either or </a:t>
             </a:r>
             <a:r>
               <a:rPr lang="en-US" dirty="0">
@@ -10755,10 +14033,10 @@
       </p:sp>
       <p:sp>
         <p:nvSpPr>
-          <p:cNvPr id="3" name="Content Placeholder 2">
+          <p:cNvPr id="5" name="Content Placeholder 4">
             <a:extLst>
               <a:ext uri="{FF2B5EF4-FFF2-40B4-BE49-F238E27FC236}">
-                <a16:creationId xmlns:a16="http://schemas.microsoft.com/office/drawing/2014/main" id="{709216B0-2E5D-4118-BAB1-5893F4583306}"/>
+                <a16:creationId xmlns:a16="http://schemas.microsoft.com/office/drawing/2014/main" id="{A1E326CF-C5C2-4105-BF7F-86656A1142FC}"/>
               </a:ext>
             </a:extLst>
           </p:cNvPr>
@@ -10776,13 +14054,7 @@
           <a:p>
             <a:r>
               <a:rPr lang="en-US" dirty="0"/>
-              <a:t>[Fill in once I actually know anything about parallel computing]</a:t>
-            </a:r>
-          </a:p>
-          <a:p>
-            <a:r>
-              <a:rPr lang="en-US" dirty="0"/>
-              <a:t>Don’t go in to detail, high level descriptions.</a:t>
+              <a:t>[may not need this slide] probably best not, considering length</a:t>
             </a:r>
           </a:p>
         </p:txBody>

--- a/Talk/Thread Scheduler Efficiency Improvements.pptx
+++ b/Talk/Thread Scheduler Efficiency Improvements.pptx
@@ -36,9 +36,12 @@
     <p:sldId id="289" r:id="rId30"/>
     <p:sldId id="290" r:id="rId31"/>
     <p:sldId id="293" r:id="rId32"/>
-    <p:sldId id="276" r:id="rId33"/>
-    <p:sldId id="265" r:id="rId34"/>
-    <p:sldId id="261" r:id="rId35"/>
+    <p:sldId id="294" r:id="rId33"/>
+    <p:sldId id="276" r:id="rId34"/>
+    <p:sldId id="295" r:id="rId35"/>
+    <p:sldId id="296" r:id="rId36"/>
+    <p:sldId id="265" r:id="rId37"/>
+    <p:sldId id="261" r:id="rId38"/>
   </p:sldIdLst>
   <p:sldSz cx="12192000" cy="6858000"/>
   <p:notesSz cx="6858000" cy="9144000"/>
@@ -189,15 +192,19 @@
             <p14:sldId id="289"/>
             <p14:sldId id="290"/>
             <p14:sldId id="293"/>
+            <p14:sldId id="294"/>
           </p14:sldIdLst>
         </p14:section>
         <p14:section name="Shuffler" id="{1D1BDA72-031E-450A-B202-8386D7190F24}">
           <p14:sldIdLst>
             <p14:sldId id="276"/>
+            <p14:sldId id="295"/>
           </p14:sldIdLst>
         </p14:section>
         <p14:section name="FLSCHED" id="{F3678A86-281D-40AC-9C05-06E157C3E6A1}">
-          <p14:sldIdLst/>
+          <p14:sldIdLst>
+            <p14:sldId id="296"/>
+          </p14:sldIdLst>
         </p14:section>
         <p14:section name="End" id="{B473DF66-401F-4834-8DCF-1D1709FABAC9}">
           <p14:sldIdLst>
@@ -943,7 +950,7 @@
             <a:fld id="{B61BEF0D-F0BB-DE4B-95CE-6DB70DBA9567}" type="datetimeFigureOut">
               <a:rPr lang="en-US" dirty="0"/>
               <a:pPr/>
-              <a:t>11/12/2017</a:t>
+              <a:t>11/13/2017</a:t>
             </a:fld>
             <a:endParaRPr lang="en-US" dirty="0"/>
           </a:p>
@@ -1191,7 +1198,7 @@
             <a:fld id="{B61BEF0D-F0BB-DE4B-95CE-6DB70DBA9567}" type="datetimeFigureOut">
               <a:rPr lang="en-US" dirty="0"/>
               <a:pPr/>
-              <a:t>11/12/2017</a:t>
+              <a:t>11/13/2017</a:t>
             </a:fld>
             <a:endParaRPr lang="en-US" dirty="0"/>
           </a:p>
@@ -1502,7 +1509,7 @@
             <a:fld id="{B61BEF0D-F0BB-DE4B-95CE-6DB70DBA9567}" type="datetimeFigureOut">
               <a:rPr lang="en-US" dirty="0"/>
               <a:pPr/>
-              <a:t>11/12/2017</a:t>
+              <a:t>11/13/2017</a:t>
             </a:fld>
             <a:endParaRPr lang="en-US" dirty="0"/>
           </a:p>
@@ -1826,7 +1833,7 @@
             <a:fld id="{B61BEF0D-F0BB-DE4B-95CE-6DB70DBA9567}" type="datetimeFigureOut">
               <a:rPr lang="en-US" dirty="0"/>
               <a:pPr/>
-              <a:t>11/12/2017</a:t>
+              <a:t>11/13/2017</a:t>
             </a:fld>
             <a:endParaRPr lang="en-US" dirty="0"/>
           </a:p>
@@ -2137,7 +2144,7 @@
             <a:fld id="{B61BEF0D-F0BB-DE4B-95CE-6DB70DBA9567}" type="datetimeFigureOut">
               <a:rPr lang="en-US" dirty="0"/>
               <a:pPr/>
-              <a:t>11/12/2017</a:t>
+              <a:t>11/13/2017</a:t>
             </a:fld>
             <a:endParaRPr lang="en-US" dirty="0"/>
           </a:p>
@@ -2521,7 +2528,7 @@
             <a:fld id="{B61BEF0D-F0BB-DE4B-95CE-6DB70DBA9567}" type="datetimeFigureOut">
               <a:rPr lang="en-US" dirty="0"/>
               <a:pPr/>
-              <a:t>11/12/2017</a:t>
+              <a:t>11/13/2017</a:t>
             </a:fld>
             <a:endParaRPr lang="en-US" dirty="0"/>
           </a:p>
@@ -2687,7 +2694,7 @@
           <a:p>
             <a:fld id="{55C6B4A9-1611-4792-9094-5F34BCA07E0B}" type="datetimeFigureOut">
               <a:rPr lang="en-US" dirty="0"/>
-              <a:t>11/12/2017</a:t>
+              <a:t>11/13/2017</a:t>
             </a:fld>
             <a:endParaRPr lang="en-US" dirty="0"/>
           </a:p>
@@ -2863,7 +2870,7 @@
             <a:fld id="{B61BEF0D-F0BB-DE4B-95CE-6DB70DBA9567}" type="datetimeFigureOut">
               <a:rPr lang="en-US" dirty="0"/>
               <a:pPr/>
-              <a:t>11/12/2017</a:t>
+              <a:t>11/13/2017</a:t>
             </a:fld>
             <a:endParaRPr lang="en-US" dirty="0"/>
           </a:p>
@@ -3036,7 +3043,7 @@
             <a:fld id="{B61BEF0D-F0BB-DE4B-95CE-6DB70DBA9567}" type="datetimeFigureOut">
               <a:rPr lang="en-US" dirty="0"/>
               <a:pPr/>
-              <a:t>11/12/2017</a:t>
+              <a:t>11/13/2017</a:t>
             </a:fld>
             <a:endParaRPr lang="en-US" dirty="0"/>
           </a:p>
@@ -3280,7 +3287,7 @@
             <a:fld id="{B61BEF0D-F0BB-DE4B-95CE-6DB70DBA9567}" type="datetimeFigureOut">
               <a:rPr lang="en-US" dirty="0"/>
               <a:pPr/>
-              <a:t>11/12/2017</a:t>
+              <a:t>11/13/2017</a:t>
             </a:fld>
             <a:endParaRPr lang="en-US" dirty="0"/>
           </a:p>
@@ -3508,7 +3515,7 @@
           <a:p>
             <a:fld id="{EB712588-04B1-427B-82EE-E8DB90309F08}" type="datetimeFigureOut">
               <a:rPr lang="en-US" dirty="0"/>
-              <a:t>11/12/2017</a:t>
+              <a:t>11/13/2017</a:t>
             </a:fld>
             <a:endParaRPr lang="en-US" dirty="0"/>
           </a:p>
@@ -3878,7 +3885,7 @@
             <a:fld id="{B61BEF0D-F0BB-DE4B-95CE-6DB70DBA9567}" type="datetimeFigureOut">
               <a:rPr lang="en-US" dirty="0"/>
               <a:pPr/>
-              <a:t>11/12/2017</a:t>
+              <a:t>11/13/2017</a:t>
             </a:fld>
             <a:endParaRPr lang="en-US" dirty="0"/>
           </a:p>
@@ -3998,7 +4005,7 @@
             <a:fld id="{B61BEF0D-F0BB-DE4B-95CE-6DB70DBA9567}" type="datetimeFigureOut">
               <a:rPr lang="en-US" dirty="0"/>
               <a:pPr/>
-              <a:t>11/12/2017</a:t>
+              <a:t>11/13/2017</a:t>
             </a:fld>
             <a:endParaRPr lang="en-US" dirty="0"/>
           </a:p>
@@ -4090,7 +4097,7 @@
             <a:fld id="{B61BEF0D-F0BB-DE4B-95CE-6DB70DBA9567}" type="datetimeFigureOut">
               <a:rPr lang="en-US" dirty="0"/>
               <a:pPr/>
-              <a:t>11/12/2017</a:t>
+              <a:t>11/13/2017</a:t>
             </a:fld>
             <a:endParaRPr lang="en-US" dirty="0"/>
           </a:p>
@@ -4341,7 +4348,7 @@
           <a:p>
             <a:fld id="{42A54C80-263E-416B-A8E0-580EDEADCBDC}" type="datetimeFigureOut">
               <a:rPr lang="en-US" dirty="0"/>
-              <a:t>11/12/2017</a:t>
+              <a:t>11/13/2017</a:t>
             </a:fld>
             <a:endParaRPr lang="en-US" dirty="0"/>
           </a:p>
@@ -4600,7 +4607,7 @@
             <a:fld id="{B61BEF0D-F0BB-DE4B-95CE-6DB70DBA9567}" type="datetimeFigureOut">
               <a:rPr lang="en-US" dirty="0"/>
               <a:pPr/>
-              <a:t>11/12/2017</a:t>
+              <a:t>11/13/2017</a:t>
             </a:fld>
             <a:endParaRPr lang="en-US" dirty="0"/>
           </a:p>
@@ -5342,7 +5349,7 @@
             <a:fld id="{B61BEF0D-F0BB-DE4B-95CE-6DB70DBA9567}" type="datetimeFigureOut">
               <a:rPr lang="en-US" dirty="0"/>
               <a:pPr/>
-              <a:t>11/12/2017</a:t>
+              <a:t>11/13/2017</a:t>
             </a:fld>
             <a:endParaRPr lang="en-US" dirty="0"/>
           </a:p>
@@ -12755,7 +12762,7 @@
           <p:cNvPr id="3" name="Content Placeholder 2">
             <a:extLst>
               <a:ext uri="{FF2B5EF4-FFF2-40B4-BE49-F238E27FC236}">
-                <a16:creationId xmlns:a16="http://schemas.microsoft.com/office/drawing/2014/main" id="{D83E9CED-5A39-49BF-9563-8FD5937C2082}"/>
+                <a16:creationId xmlns:a16="http://schemas.microsoft.com/office/drawing/2014/main" id="{CCDDCECE-BD79-4B3B-8B73-C93E13BEEEE2}"/>
               </a:ext>
             </a:extLst>
           </p:cNvPr>
@@ -12766,53 +12773,83 @@
             <p:ph idx="1"/>
           </p:nvPr>
         </p:nvSpPr>
-        <p:spPr>
-          <a:xfrm>
-            <a:off x="592114" y="1242391"/>
-            <a:ext cx="8661216" cy="4591877"/>
-          </a:xfrm>
-        </p:spPr>
+        <p:spPr/>
         <p:txBody>
           <a:bodyPr>
             <a:normAutofit/>
           </a:bodyPr>
           <a:lstStyle/>
           <a:p>
-            <a:endParaRPr lang="en-US" dirty="0"/>
-          </a:p>
-        </p:txBody>
-      </p:sp>
-      <p:sp>
-        <p:nvSpPr>
-          <p:cNvPr id="15" name="Title 14">
-            <a:extLst>
-              <a:ext uri="{FF2B5EF4-FFF2-40B4-BE49-F238E27FC236}">
-                <a16:creationId xmlns:a16="http://schemas.microsoft.com/office/drawing/2014/main" id="{DD5971B8-AEDF-4A4F-A785-3ABA81D954C9}"/>
-              </a:ext>
-            </a:extLst>
-          </p:cNvPr>
-          <p:cNvSpPr>
-            <a:spLocks noGrp="1"/>
-          </p:cNvSpPr>
-          <p:nvPr>
-            <p:ph type="title"/>
-          </p:nvPr>
-        </p:nvSpPr>
-        <p:spPr>
-          <a:xfrm>
-            <a:off x="677334" y="609600"/>
-            <a:ext cx="3384712" cy="632791"/>
-          </a:xfrm>
-        </p:spPr>
-        <p:txBody>
-          <a:bodyPr>
-            <a:normAutofit fontScale="90000"/>
-          </a:bodyPr>
-          <a:lstStyle/>
-          <a:p>
-            <a:r>
-              <a:rPr lang="en-US" dirty="0"/>
-              <a:t>Lock Contention</a:t>
+            <a:pPr marL="0" indent="0">
+              <a:buNone/>
+            </a:pPr>
+            <a:r>
+              <a:rPr lang="en-US" sz="2000" dirty="0"/>
+              <a:t>That’s it for the bugs and bug fixes, now let’s move on to two </a:t>
+            </a:r>
+            <a:r>
+              <a:rPr lang="en-US" sz="2000" dirty="0">
+                <a:solidFill>
+                  <a:schemeClr val="accent2">
+                    <a:lumMod val="60000"/>
+                    <a:lumOff val="40000"/>
+                  </a:schemeClr>
+                </a:solidFill>
+              </a:rPr>
+              <a:t>new</a:t>
+            </a:r>
+            <a:r>
+              <a:rPr lang="en-US" sz="2000" dirty="0"/>
+              <a:t> scheduling algorithms. Both of them aim to solve a problem experienced primarily by </a:t>
+            </a:r>
+            <a:r>
+              <a:rPr lang="en-US" sz="2000" dirty="0">
+                <a:solidFill>
+                  <a:schemeClr val="accent2">
+                    <a:lumMod val="60000"/>
+                    <a:lumOff val="40000"/>
+                  </a:schemeClr>
+                </a:solidFill>
+              </a:rPr>
+              <a:t>parallel programs</a:t>
+            </a:r>
+            <a:r>
+              <a:rPr lang="en-US" sz="2000" i="1" dirty="0"/>
+              <a:t> </a:t>
+            </a:r>
+            <a:r>
+              <a:rPr lang="en-US" sz="2000" dirty="0"/>
+              <a:t>on the CFS.</a:t>
+            </a:r>
+          </a:p>
+          <a:p>
+            <a:pPr marL="0" indent="0">
+              <a:buNone/>
+            </a:pPr>
+            <a:endParaRPr lang="en-US" sz="2000" dirty="0"/>
+          </a:p>
+          <a:p>
+            <a:pPr marL="0" indent="0">
+              <a:buNone/>
+            </a:pPr>
+            <a:r>
+              <a:rPr lang="en-US" sz="2000" dirty="0"/>
+              <a:t>This problem is called </a:t>
+            </a:r>
+            <a:r>
+              <a:rPr lang="en-US" sz="2000" i="1" dirty="0">
+                <a:solidFill>
+                  <a:schemeClr val="accent2">
+                    <a:lumMod val="60000"/>
+                    <a:lumOff val="40000"/>
+                  </a:schemeClr>
+                </a:solidFill>
+              </a:rPr>
+              <a:t>Lock contention</a:t>
+            </a:r>
+            <a:r>
+              <a:rPr lang="en-US" sz="2000" dirty="0"/>
+              <a:t>.</a:t>
             </a:r>
           </a:p>
         </p:txBody>
@@ -12820,7 +12857,7 @@
     </p:spTree>
     <p:extLst>
       <p:ext uri="{BB962C8B-B14F-4D97-AF65-F5344CB8AC3E}">
-        <p14:creationId xmlns:p14="http://schemas.microsoft.com/office/powerpoint/2010/main" val="2578763411"/>
+        <p14:creationId xmlns:p14="http://schemas.microsoft.com/office/powerpoint/2010/main" val="1386350663"/>
       </p:ext>
     </p:extLst>
   </p:cSld>
@@ -12849,6 +12886,297 @@
       </p:grpSpPr>
       <p:sp>
         <p:nvSpPr>
+          <p:cNvPr id="3" name="Content Placeholder 2">
+            <a:extLst>
+              <a:ext uri="{FF2B5EF4-FFF2-40B4-BE49-F238E27FC236}">
+                <a16:creationId xmlns:a16="http://schemas.microsoft.com/office/drawing/2014/main" id="{D83E9CED-5A39-49BF-9563-8FD5937C2082}"/>
+              </a:ext>
+            </a:extLst>
+          </p:cNvPr>
+          <p:cNvSpPr>
+            <a:spLocks noGrp="1"/>
+          </p:cNvSpPr>
+          <p:nvPr>
+            <p:ph idx="1"/>
+          </p:nvPr>
+        </p:nvSpPr>
+        <p:spPr>
+          <a:xfrm>
+            <a:off x="592114" y="1242391"/>
+            <a:ext cx="8661216" cy="4591877"/>
+          </a:xfrm>
+        </p:spPr>
+        <p:txBody>
+          <a:bodyPr>
+            <a:normAutofit/>
+          </a:bodyPr>
+          <a:lstStyle/>
+          <a:p>
+            <a:endParaRPr lang="en-US" dirty="0"/>
+          </a:p>
+        </p:txBody>
+      </p:sp>
+      <p:sp>
+        <p:nvSpPr>
+          <p:cNvPr id="15" name="Title 14">
+            <a:extLst>
+              <a:ext uri="{FF2B5EF4-FFF2-40B4-BE49-F238E27FC236}">
+                <a16:creationId xmlns:a16="http://schemas.microsoft.com/office/drawing/2014/main" id="{DD5971B8-AEDF-4A4F-A785-3ABA81D954C9}"/>
+              </a:ext>
+            </a:extLst>
+          </p:cNvPr>
+          <p:cNvSpPr>
+            <a:spLocks noGrp="1"/>
+          </p:cNvSpPr>
+          <p:nvPr>
+            <p:ph type="title"/>
+          </p:nvPr>
+        </p:nvSpPr>
+        <p:spPr>
+          <a:xfrm>
+            <a:off x="677334" y="609600"/>
+            <a:ext cx="3384712" cy="632791"/>
+          </a:xfrm>
+        </p:spPr>
+        <p:txBody>
+          <a:bodyPr>
+            <a:normAutofit fontScale="90000"/>
+          </a:bodyPr>
+          <a:lstStyle/>
+          <a:p>
+            <a:r>
+              <a:rPr lang="en-US" dirty="0"/>
+              <a:t>Lock Contention</a:t>
+            </a:r>
+          </a:p>
+        </p:txBody>
+      </p:sp>
+    </p:spTree>
+    <p:extLst>
+      <p:ext uri="{BB962C8B-B14F-4D97-AF65-F5344CB8AC3E}">
+        <p14:creationId xmlns:p14="http://schemas.microsoft.com/office/powerpoint/2010/main" val="2578763411"/>
+      </p:ext>
+    </p:extLst>
+  </p:cSld>
+  <p:clrMapOvr>
+    <a:masterClrMapping/>
+  </p:clrMapOvr>
+</p:sld>
+</file>
+
+<file path=ppt/slides/slide34.xml><?xml version="1.0" encoding="utf-8"?>
+<p:sld xmlns:a="http://schemas.openxmlformats.org/drawingml/2006/main" xmlns:r="http://schemas.openxmlformats.org/officeDocument/2006/relationships" xmlns:p="http://schemas.openxmlformats.org/presentationml/2006/main">
+  <p:cSld>
+    <p:spTree>
+      <p:nvGrpSpPr>
+        <p:cNvPr id="1" name=""/>
+        <p:cNvGrpSpPr/>
+        <p:nvPr/>
+      </p:nvGrpSpPr>
+      <p:grpSpPr>
+        <a:xfrm>
+          <a:off x="0" y="0"/>
+          <a:ext cx="0" cy="0"/>
+          <a:chOff x="0" y="0"/>
+          <a:chExt cx="0" cy="0"/>
+        </a:xfrm>
+      </p:grpSpPr>
+      <p:sp>
+        <p:nvSpPr>
+          <p:cNvPr id="3" name="Content Placeholder 2">
+            <a:extLst>
+              <a:ext uri="{FF2B5EF4-FFF2-40B4-BE49-F238E27FC236}">
+                <a16:creationId xmlns:a16="http://schemas.microsoft.com/office/drawing/2014/main" id="{D83E9CED-5A39-49BF-9563-8FD5937C2082}"/>
+              </a:ext>
+            </a:extLst>
+          </p:cNvPr>
+          <p:cNvSpPr>
+            <a:spLocks noGrp="1"/>
+          </p:cNvSpPr>
+          <p:nvPr>
+            <p:ph idx="1"/>
+          </p:nvPr>
+        </p:nvSpPr>
+        <p:spPr>
+          <a:xfrm>
+            <a:off x="592114" y="1242391"/>
+            <a:ext cx="8661216" cy="4591877"/>
+          </a:xfrm>
+        </p:spPr>
+        <p:txBody>
+          <a:bodyPr>
+            <a:normAutofit/>
+          </a:bodyPr>
+          <a:lstStyle/>
+          <a:p>
+            <a:endParaRPr lang="en-US" dirty="0"/>
+          </a:p>
+        </p:txBody>
+      </p:sp>
+      <p:sp>
+        <p:nvSpPr>
+          <p:cNvPr id="15" name="Title 14">
+            <a:extLst>
+              <a:ext uri="{FF2B5EF4-FFF2-40B4-BE49-F238E27FC236}">
+                <a16:creationId xmlns:a16="http://schemas.microsoft.com/office/drawing/2014/main" id="{DD5971B8-AEDF-4A4F-A785-3ABA81D954C9}"/>
+              </a:ext>
+            </a:extLst>
+          </p:cNvPr>
+          <p:cNvSpPr>
+            <a:spLocks noGrp="1"/>
+          </p:cNvSpPr>
+          <p:nvPr>
+            <p:ph type="title"/>
+          </p:nvPr>
+        </p:nvSpPr>
+        <p:spPr>
+          <a:xfrm>
+            <a:off x="677334" y="609600"/>
+            <a:ext cx="3384712" cy="632791"/>
+          </a:xfrm>
+        </p:spPr>
+        <p:txBody>
+          <a:bodyPr>
+            <a:normAutofit fontScale="90000"/>
+          </a:bodyPr>
+          <a:lstStyle/>
+          <a:p>
+            <a:r>
+              <a:rPr lang="en-US" dirty="0"/>
+              <a:t>Shuffler</a:t>
+            </a:r>
+          </a:p>
+        </p:txBody>
+      </p:sp>
+    </p:spTree>
+    <p:extLst>
+      <p:ext uri="{BB962C8B-B14F-4D97-AF65-F5344CB8AC3E}">
+        <p14:creationId xmlns:p14="http://schemas.microsoft.com/office/powerpoint/2010/main" val="2301677549"/>
+      </p:ext>
+    </p:extLst>
+  </p:cSld>
+  <p:clrMapOvr>
+    <a:masterClrMapping/>
+  </p:clrMapOvr>
+</p:sld>
+</file>
+
+<file path=ppt/slides/slide35.xml><?xml version="1.0" encoding="utf-8"?>
+<p:sld xmlns:a="http://schemas.openxmlformats.org/drawingml/2006/main" xmlns:r="http://schemas.openxmlformats.org/officeDocument/2006/relationships" xmlns:p="http://schemas.openxmlformats.org/presentationml/2006/main">
+  <p:cSld>
+    <p:spTree>
+      <p:nvGrpSpPr>
+        <p:cNvPr id="1" name=""/>
+        <p:cNvGrpSpPr/>
+        <p:nvPr/>
+      </p:nvGrpSpPr>
+      <p:grpSpPr>
+        <a:xfrm>
+          <a:off x="0" y="0"/>
+          <a:ext cx="0" cy="0"/>
+          <a:chOff x="0" y="0"/>
+          <a:chExt cx="0" cy="0"/>
+        </a:xfrm>
+      </p:grpSpPr>
+      <p:sp>
+        <p:nvSpPr>
+          <p:cNvPr id="3" name="Content Placeholder 2">
+            <a:extLst>
+              <a:ext uri="{FF2B5EF4-FFF2-40B4-BE49-F238E27FC236}">
+                <a16:creationId xmlns:a16="http://schemas.microsoft.com/office/drawing/2014/main" id="{D83E9CED-5A39-49BF-9563-8FD5937C2082}"/>
+              </a:ext>
+            </a:extLst>
+          </p:cNvPr>
+          <p:cNvSpPr>
+            <a:spLocks noGrp="1"/>
+          </p:cNvSpPr>
+          <p:nvPr>
+            <p:ph idx="1"/>
+          </p:nvPr>
+        </p:nvSpPr>
+        <p:spPr>
+          <a:xfrm>
+            <a:off x="592114" y="1242391"/>
+            <a:ext cx="8661216" cy="4591877"/>
+          </a:xfrm>
+        </p:spPr>
+        <p:txBody>
+          <a:bodyPr>
+            <a:normAutofit/>
+          </a:bodyPr>
+          <a:lstStyle/>
+          <a:p>
+            <a:endParaRPr lang="en-US" dirty="0"/>
+          </a:p>
+        </p:txBody>
+      </p:sp>
+      <p:sp>
+        <p:nvSpPr>
+          <p:cNvPr id="15" name="Title 14">
+            <a:extLst>
+              <a:ext uri="{FF2B5EF4-FFF2-40B4-BE49-F238E27FC236}">
+                <a16:creationId xmlns:a16="http://schemas.microsoft.com/office/drawing/2014/main" id="{DD5971B8-AEDF-4A4F-A785-3ABA81D954C9}"/>
+              </a:ext>
+            </a:extLst>
+          </p:cNvPr>
+          <p:cNvSpPr>
+            <a:spLocks noGrp="1"/>
+          </p:cNvSpPr>
+          <p:nvPr>
+            <p:ph type="title"/>
+          </p:nvPr>
+        </p:nvSpPr>
+        <p:spPr>
+          <a:xfrm>
+            <a:off x="677334" y="609600"/>
+            <a:ext cx="3384712" cy="632791"/>
+          </a:xfrm>
+        </p:spPr>
+        <p:txBody>
+          <a:bodyPr>
+            <a:normAutofit fontScale="90000"/>
+          </a:bodyPr>
+          <a:lstStyle/>
+          <a:p>
+            <a:r>
+              <a:rPr lang="en-US" dirty="0"/>
+              <a:t>FLSCHED</a:t>
+            </a:r>
+          </a:p>
+        </p:txBody>
+      </p:sp>
+    </p:spTree>
+    <p:extLst>
+      <p:ext uri="{BB962C8B-B14F-4D97-AF65-F5344CB8AC3E}">
+        <p14:creationId xmlns:p14="http://schemas.microsoft.com/office/powerpoint/2010/main" val="2369188148"/>
+      </p:ext>
+    </p:extLst>
+  </p:cSld>
+  <p:clrMapOvr>
+    <a:masterClrMapping/>
+  </p:clrMapOvr>
+</p:sld>
+</file>
+
+<file path=ppt/slides/slide36.xml><?xml version="1.0" encoding="utf-8"?>
+<p:sld xmlns:a="http://schemas.openxmlformats.org/drawingml/2006/main" xmlns:r="http://schemas.openxmlformats.org/officeDocument/2006/relationships" xmlns:p="http://schemas.openxmlformats.org/presentationml/2006/main">
+  <p:cSld>
+    <p:spTree>
+      <p:nvGrpSpPr>
+        <p:cNvPr id="1" name=""/>
+        <p:cNvGrpSpPr/>
+        <p:nvPr/>
+      </p:nvGrpSpPr>
+      <p:grpSpPr>
+        <a:xfrm>
+          <a:off x="0" y="0"/>
+          <a:ext cx="0" cy="0"/>
+          <a:chOff x="0" y="0"/>
+          <a:chExt cx="0" cy="0"/>
+        </a:xfrm>
+      </p:grpSpPr>
+      <p:sp>
+        <p:nvSpPr>
           <p:cNvPr id="2" name="Title 1">
             <a:extLst>
               <a:ext uri="{FF2B5EF4-FFF2-40B4-BE49-F238E27FC236}">
@@ -12913,7 +13241,7 @@
 </p:sld>
 </file>
 
-<file path=ppt/slides/slide34.xml><?xml version="1.0" encoding="utf-8"?>
+<file path=ppt/slides/slide37.xml><?xml version="1.0" encoding="utf-8"?>
 <p:sld xmlns:a="http://schemas.openxmlformats.org/drawingml/2006/main" xmlns:r="http://schemas.openxmlformats.org/officeDocument/2006/relationships" xmlns:p="http://schemas.openxmlformats.org/presentationml/2006/main">
   <p:cSld>
     <p:spTree>
